--- a/documenten/Technische presentatie klant/Technische presentatie klant.pptx
+++ b/documenten/Technische presentatie klant/Technische presentatie klant.pptx
@@ -5,7 +5,7 @@
     <p:sldMasterId id="2147484454" r:id="rId1"/>
   </p:sldMasterIdLst>
   <p:notesMasterIdLst>
-    <p:notesMasterId r:id="rId13"/>
+    <p:notesMasterId r:id="rId23"/>
   </p:notesMasterIdLst>
   <p:sldIdLst>
     <p:sldId id="256" r:id="rId2"/>
@@ -19,6 +19,16 @@
     <p:sldId id="270" r:id="rId10"/>
     <p:sldId id="297" r:id="rId11"/>
     <p:sldId id="276" r:id="rId12"/>
+    <p:sldId id="298" r:id="rId13"/>
+    <p:sldId id="299" r:id="rId14"/>
+    <p:sldId id="284" r:id="rId15"/>
+    <p:sldId id="285" r:id="rId16"/>
+    <p:sldId id="286" r:id="rId17"/>
+    <p:sldId id="287" r:id="rId18"/>
+    <p:sldId id="288" r:id="rId19"/>
+    <p:sldId id="300" r:id="rId20"/>
+    <p:sldId id="301" r:id="rId21"/>
+    <p:sldId id="302" r:id="rId22"/>
   </p:sldIdLst>
   <p:sldSz cx="12192000" cy="6858000"/>
   <p:notesSz cx="6858000" cy="9144000"/>
@@ -219,7 +229,7 @@
             <a:fld id="{42A34FB8-1EEA-4A53-A61D-7886E86DA318}" type="datetimeFigureOut">
               <a:rPr lang="nl-BE" smtClean="0"/>
               <a:pPr/>
-              <a:t>13/05/2020</a:t>
+              <a:t>14/05/2020</a:t>
             </a:fld>
             <a:endParaRPr lang="nl-BE" dirty="0"/>
           </a:p>
@@ -6318,6 +6328,6591 @@
 </p:sld>
 </file>
 
+<file path=ppt/slides/slide12.xml><?xml version="1.0" encoding="utf-8"?>
+<p:sld xmlns:a="http://schemas.openxmlformats.org/drawingml/2006/main" xmlns:r="http://schemas.openxmlformats.org/officeDocument/2006/relationships" xmlns:p="http://schemas.openxmlformats.org/presentationml/2006/main">
+  <p:cSld>
+    <p:spTree>
+      <p:nvGrpSpPr>
+        <p:cNvPr id="1" name=""/>
+        <p:cNvGrpSpPr/>
+        <p:nvPr/>
+      </p:nvGrpSpPr>
+      <p:grpSpPr>
+        <a:xfrm>
+          <a:off x="0" y="0"/>
+          <a:ext cx="0" cy="0"/>
+          <a:chOff x="0" y="0"/>
+          <a:chExt cx="0" cy="0"/>
+        </a:xfrm>
+      </p:grpSpPr>
+      <p:sp>
+        <p:nvSpPr>
+          <p:cNvPr id="4" name="Tijdelijke aanduiding voor datum 3"/>
+          <p:cNvSpPr>
+            <a:spLocks noGrp="1"/>
+          </p:cNvSpPr>
+          <p:nvPr>
+            <p:ph type="dt" sz="half" idx="10"/>
+          </p:nvPr>
+        </p:nvSpPr>
+        <p:spPr>
+          <a:xfrm>
+            <a:off x="313508" y="6459783"/>
+            <a:ext cx="2472271" cy="365125"/>
+          </a:xfrm>
+        </p:spPr>
+        <p:txBody>
+          <a:bodyPr/>
+          <a:lstStyle/>
+          <a:p>
+            <a:r>
+              <a:rPr lang="nl-BE" sz="1400" dirty="0"/>
+              <a:t>Niels Hauttekeete</a:t>
+            </a:r>
+          </a:p>
+        </p:txBody>
+      </p:sp>
+      <p:sp>
+        <p:nvSpPr>
+          <p:cNvPr id="5" name="Tijdelijke aanduiding voor voettekst 4"/>
+          <p:cNvSpPr>
+            <a:spLocks noGrp="1"/>
+          </p:cNvSpPr>
+          <p:nvPr>
+            <p:ph type="ftr" sz="quarter" idx="11"/>
+          </p:nvPr>
+        </p:nvSpPr>
+        <p:spPr>
+          <a:xfrm>
+            <a:off x="2191294" y="6459784"/>
+            <a:ext cx="7870372" cy="365125"/>
+          </a:xfrm>
+        </p:spPr>
+        <p:txBody>
+          <a:bodyPr/>
+          <a:lstStyle/>
+          <a:p>
+            <a:r>
+              <a:rPr lang="en-GB" sz="1400" cap="none" dirty="0"/>
+              <a:t>Deployment diagram –</a:t>
+            </a:r>
+            <a:r>
+              <a:rPr lang="en-GB" sz="1600" b="1" cap="none" dirty="0"/>
+              <a:t> </a:t>
+            </a:r>
+            <a:r>
+              <a:rPr lang="en-GB" sz="1400" cap="none" dirty="0"/>
+              <a:t>Databank</a:t>
+            </a:r>
+            <a:r>
+              <a:rPr lang="en-GB" sz="1600" b="1" cap="none" dirty="0"/>
+              <a:t> </a:t>
+            </a:r>
+            <a:r>
+              <a:rPr lang="en-GB" sz="1400" cap="none" dirty="0"/>
+              <a:t>– </a:t>
+            </a:r>
+            <a:r>
+              <a:rPr lang="en-GB" sz="1600" b="1" cap="none" dirty="0"/>
+              <a:t>ASP.NET MVC </a:t>
+            </a:r>
+            <a:r>
+              <a:rPr lang="en-GB" sz="1400" cap="none" dirty="0"/>
+              <a:t>– </a:t>
+            </a:r>
+            <a:r>
+              <a:rPr lang="en-GB" sz="1400" cap="none" dirty="0" err="1"/>
+              <a:t>Inlogsysteem</a:t>
+            </a:r>
+            <a:r>
+              <a:rPr lang="en-GB" sz="1400" cap="none" dirty="0"/>
+              <a:t> – Future work</a:t>
+            </a:r>
+            <a:endParaRPr lang="nl-BE" sz="1400" cap="none" dirty="0"/>
+          </a:p>
+        </p:txBody>
+      </p:sp>
+      <p:sp>
+        <p:nvSpPr>
+          <p:cNvPr id="6" name="Tijdelijke aanduiding voor dianummer 5"/>
+          <p:cNvSpPr>
+            <a:spLocks noGrp="1"/>
+          </p:cNvSpPr>
+          <p:nvPr>
+            <p:ph type="sldNum" sz="quarter" idx="12"/>
+          </p:nvPr>
+        </p:nvSpPr>
+        <p:spPr>
+          <a:xfrm>
+            <a:off x="10613571" y="6459785"/>
+            <a:ext cx="598912" cy="365125"/>
+          </a:xfrm>
+        </p:spPr>
+        <p:txBody>
+          <a:bodyPr/>
+          <a:lstStyle/>
+          <a:p>
+            <a:fld id="{535572C1-3FAA-4346-9330-03EF25016D70}" type="slidenum">
+              <a:rPr lang="nl-BE" sz="1600" smtClean="0"/>
+              <a:pPr/>
+              <a:t>12</a:t>
+            </a:fld>
+            <a:endParaRPr lang="nl-BE" sz="1600" dirty="0"/>
+          </a:p>
+        </p:txBody>
+      </p:sp>
+      <p:cxnSp>
+        <p:nvCxnSpPr>
+          <p:cNvPr id="10" name="Rechte verbindingslijn 9"/>
+          <p:cNvCxnSpPr/>
+          <p:nvPr/>
+        </p:nvCxnSpPr>
+        <p:spPr>
+          <a:xfrm>
+            <a:off x="1097280" y="1045030"/>
+            <a:ext cx="10210256" cy="0"/>
+          </a:xfrm>
+          <a:prstGeom prst="line">
+            <a:avLst/>
+          </a:prstGeom>
+          <a:ln>
+            <a:solidFill>
+              <a:schemeClr val="bg1">
+                <a:lumMod val="65000"/>
+              </a:schemeClr>
+            </a:solidFill>
+          </a:ln>
+        </p:spPr>
+        <p:style>
+          <a:lnRef idx="1">
+            <a:schemeClr val="accent1"/>
+          </a:lnRef>
+          <a:fillRef idx="0">
+            <a:schemeClr val="accent1"/>
+          </a:fillRef>
+          <a:effectRef idx="0">
+            <a:schemeClr val="accent1"/>
+          </a:effectRef>
+          <a:fontRef idx="minor">
+            <a:schemeClr val="tx1"/>
+          </a:fontRef>
+        </p:style>
+      </p:cxnSp>
+      <p:sp>
+        <p:nvSpPr>
+          <p:cNvPr id="11" name="Titel 1"/>
+          <p:cNvSpPr txBox="1">
+            <a:spLocks/>
+          </p:cNvSpPr>
+          <p:nvPr/>
+        </p:nvSpPr>
+        <p:spPr>
+          <a:xfrm>
+            <a:off x="1097280" y="286604"/>
+            <a:ext cx="10058400" cy="758426"/>
+          </a:xfrm>
+          <a:prstGeom prst="rect">
+            <a:avLst/>
+          </a:prstGeom>
+        </p:spPr>
+        <p:txBody>
+          <a:bodyPr anchor="ctr"/>
+          <a:lstStyle>
+            <a:lvl1pPr algn="l" defTabSz="914400" rtl="0" eaLnBrk="1" latinLnBrk="0" hangingPunct="1">
+              <a:lnSpc>
+                <a:spcPct val="85000"/>
+              </a:lnSpc>
+              <a:spcBef>
+                <a:spcPct val="0"/>
+              </a:spcBef>
+              <a:buNone/>
+              <a:defRPr sz="4800" kern="1200" spc="-50" baseline="0">
+                <a:solidFill>
+                  <a:schemeClr val="tx1">
+                    <a:lumMod val="75000"/>
+                    <a:lumOff val="25000"/>
+                  </a:schemeClr>
+                </a:solidFill>
+                <a:latin typeface="+mj-lt"/>
+                <a:ea typeface="+mj-ea"/>
+                <a:cs typeface="+mj-cs"/>
+              </a:defRPr>
+            </a:lvl1pPr>
+          </a:lstStyle>
+          <a:p>
+            <a:r>
+              <a:rPr lang="en-GB" dirty="0" err="1">
+                <a:solidFill>
+                  <a:schemeClr val="tx1"/>
+                </a:solidFill>
+              </a:rPr>
+              <a:t>Webapplicatie</a:t>
+            </a:r>
+            <a:endParaRPr lang="nl-BE" dirty="0">
+              <a:solidFill>
+                <a:schemeClr val="tx1"/>
+              </a:solidFill>
+            </a:endParaRPr>
+          </a:p>
+        </p:txBody>
+      </p:sp>
+      <p:sp>
+        <p:nvSpPr>
+          <p:cNvPr id="8" name="Tijdelijke aanduiding voor inhoud 2">
+            <a:extLst>
+              <a:ext uri="{FF2B5EF4-FFF2-40B4-BE49-F238E27FC236}">
+                <a16:creationId xmlns:a16="http://schemas.microsoft.com/office/drawing/2014/main" id="{6F369E50-FD53-4A8F-BEB4-927F2DB729E9}"/>
+              </a:ext>
+            </a:extLst>
+          </p:cNvPr>
+          <p:cNvSpPr txBox="1">
+            <a:spLocks/>
+          </p:cNvSpPr>
+          <p:nvPr/>
+        </p:nvSpPr>
+        <p:spPr>
+          <a:xfrm>
+            <a:off x="965943" y="1528153"/>
+            <a:ext cx="7303414" cy="4448507"/>
+          </a:xfrm>
+          <a:prstGeom prst="rect">
+            <a:avLst/>
+          </a:prstGeom>
+        </p:spPr>
+        <p:txBody>
+          <a:bodyPr>
+            <a:normAutofit/>
+          </a:bodyPr>
+          <a:lstStyle>
+            <a:lvl1pPr marL="91440" indent="-91440" algn="l" defTabSz="914400" rtl="0" eaLnBrk="1" latinLnBrk="0" hangingPunct="1">
+              <a:lnSpc>
+                <a:spcPct val="90000"/>
+              </a:lnSpc>
+              <a:spcBef>
+                <a:spcPts val="1200"/>
+              </a:spcBef>
+              <a:spcAft>
+                <a:spcPts val="200"/>
+              </a:spcAft>
+              <a:buClr>
+                <a:schemeClr val="accent1"/>
+              </a:buClr>
+              <a:buSzPct val="100000"/>
+              <a:buFont typeface="Calibri" panose="020F0502020204030204" pitchFamily="34" charset="0"/>
+              <a:buChar char=" "/>
+              <a:defRPr sz="2000" kern="1200">
+                <a:solidFill>
+                  <a:schemeClr val="tx1">
+                    <a:lumMod val="75000"/>
+                    <a:lumOff val="25000"/>
+                  </a:schemeClr>
+                </a:solidFill>
+                <a:latin typeface="+mn-lt"/>
+                <a:ea typeface="+mn-ea"/>
+                <a:cs typeface="+mn-cs"/>
+              </a:defRPr>
+            </a:lvl1pPr>
+            <a:lvl2pPr marL="384048" indent="-182880" algn="l" defTabSz="914400" rtl="0" eaLnBrk="1" latinLnBrk="0" hangingPunct="1">
+              <a:lnSpc>
+                <a:spcPct val="90000"/>
+              </a:lnSpc>
+              <a:spcBef>
+                <a:spcPts val="200"/>
+              </a:spcBef>
+              <a:spcAft>
+                <a:spcPts val="400"/>
+              </a:spcAft>
+              <a:buClr>
+                <a:schemeClr val="accent1"/>
+              </a:buClr>
+              <a:buFont typeface="Calibri" pitchFamily="34" charset="0"/>
+              <a:buChar char="◦"/>
+              <a:defRPr sz="1800" kern="1200">
+                <a:solidFill>
+                  <a:schemeClr val="tx1">
+                    <a:lumMod val="75000"/>
+                    <a:lumOff val="25000"/>
+                  </a:schemeClr>
+                </a:solidFill>
+                <a:latin typeface="+mn-lt"/>
+                <a:ea typeface="+mn-ea"/>
+                <a:cs typeface="+mn-cs"/>
+              </a:defRPr>
+            </a:lvl2pPr>
+            <a:lvl3pPr marL="566928" indent="-182880" algn="l" defTabSz="914400" rtl="0" eaLnBrk="1" latinLnBrk="0" hangingPunct="1">
+              <a:lnSpc>
+                <a:spcPct val="90000"/>
+              </a:lnSpc>
+              <a:spcBef>
+                <a:spcPts val="200"/>
+              </a:spcBef>
+              <a:spcAft>
+                <a:spcPts val="400"/>
+              </a:spcAft>
+              <a:buClr>
+                <a:schemeClr val="accent1"/>
+              </a:buClr>
+              <a:buFont typeface="Calibri" pitchFamily="34" charset="0"/>
+              <a:buChar char="◦"/>
+              <a:defRPr sz="1400" kern="1200">
+                <a:solidFill>
+                  <a:schemeClr val="tx1">
+                    <a:lumMod val="75000"/>
+                    <a:lumOff val="25000"/>
+                  </a:schemeClr>
+                </a:solidFill>
+                <a:latin typeface="+mn-lt"/>
+                <a:ea typeface="+mn-ea"/>
+                <a:cs typeface="+mn-cs"/>
+              </a:defRPr>
+            </a:lvl3pPr>
+            <a:lvl4pPr marL="749808" indent="-182880" algn="l" defTabSz="914400" rtl="0" eaLnBrk="1" latinLnBrk="0" hangingPunct="1">
+              <a:lnSpc>
+                <a:spcPct val="90000"/>
+              </a:lnSpc>
+              <a:spcBef>
+                <a:spcPts val="200"/>
+              </a:spcBef>
+              <a:spcAft>
+                <a:spcPts val="400"/>
+              </a:spcAft>
+              <a:buClr>
+                <a:schemeClr val="accent1"/>
+              </a:buClr>
+              <a:buFont typeface="Calibri" pitchFamily="34" charset="0"/>
+              <a:buChar char="◦"/>
+              <a:defRPr sz="1400" kern="1200">
+                <a:solidFill>
+                  <a:schemeClr val="tx1">
+                    <a:lumMod val="75000"/>
+                    <a:lumOff val="25000"/>
+                  </a:schemeClr>
+                </a:solidFill>
+                <a:latin typeface="+mn-lt"/>
+                <a:ea typeface="+mn-ea"/>
+                <a:cs typeface="+mn-cs"/>
+              </a:defRPr>
+            </a:lvl4pPr>
+            <a:lvl5pPr marL="932688" indent="-182880" algn="l" defTabSz="914400" rtl="0" eaLnBrk="1" latinLnBrk="0" hangingPunct="1">
+              <a:lnSpc>
+                <a:spcPct val="90000"/>
+              </a:lnSpc>
+              <a:spcBef>
+                <a:spcPts val="200"/>
+              </a:spcBef>
+              <a:spcAft>
+                <a:spcPts val="400"/>
+              </a:spcAft>
+              <a:buClr>
+                <a:schemeClr val="accent1"/>
+              </a:buClr>
+              <a:buFont typeface="Calibri" pitchFamily="34" charset="0"/>
+              <a:buChar char="◦"/>
+              <a:defRPr sz="1400" kern="1200">
+                <a:solidFill>
+                  <a:schemeClr val="tx1">
+                    <a:lumMod val="75000"/>
+                    <a:lumOff val="25000"/>
+                  </a:schemeClr>
+                </a:solidFill>
+                <a:latin typeface="+mn-lt"/>
+                <a:ea typeface="+mn-ea"/>
+                <a:cs typeface="+mn-cs"/>
+              </a:defRPr>
+            </a:lvl5pPr>
+            <a:lvl6pPr marL="1100000" indent="-228600" algn="l" defTabSz="914400" rtl="0" eaLnBrk="1" latinLnBrk="0" hangingPunct="1">
+              <a:lnSpc>
+                <a:spcPct val="90000"/>
+              </a:lnSpc>
+              <a:spcBef>
+                <a:spcPts val="200"/>
+              </a:spcBef>
+              <a:spcAft>
+                <a:spcPts val="400"/>
+              </a:spcAft>
+              <a:buClr>
+                <a:schemeClr val="accent1"/>
+              </a:buClr>
+              <a:buFont typeface="Calibri" pitchFamily="34" charset="0"/>
+              <a:buChar char="◦"/>
+              <a:defRPr sz="1400" kern="1200">
+                <a:solidFill>
+                  <a:schemeClr val="tx1">
+                    <a:lumMod val="75000"/>
+                    <a:lumOff val="25000"/>
+                  </a:schemeClr>
+                </a:solidFill>
+                <a:latin typeface="+mn-lt"/>
+                <a:ea typeface="+mn-ea"/>
+                <a:cs typeface="+mn-cs"/>
+              </a:defRPr>
+            </a:lvl6pPr>
+            <a:lvl7pPr marL="1300000" indent="-228600" algn="l" defTabSz="914400" rtl="0" eaLnBrk="1" latinLnBrk="0" hangingPunct="1">
+              <a:lnSpc>
+                <a:spcPct val="90000"/>
+              </a:lnSpc>
+              <a:spcBef>
+                <a:spcPts val="200"/>
+              </a:spcBef>
+              <a:spcAft>
+                <a:spcPts val="400"/>
+              </a:spcAft>
+              <a:buClr>
+                <a:schemeClr val="accent1"/>
+              </a:buClr>
+              <a:buFont typeface="Calibri" pitchFamily="34" charset="0"/>
+              <a:buChar char="◦"/>
+              <a:defRPr sz="1400" kern="1200">
+                <a:solidFill>
+                  <a:schemeClr val="tx1">
+                    <a:lumMod val="75000"/>
+                    <a:lumOff val="25000"/>
+                  </a:schemeClr>
+                </a:solidFill>
+                <a:latin typeface="+mn-lt"/>
+                <a:ea typeface="+mn-ea"/>
+                <a:cs typeface="+mn-cs"/>
+              </a:defRPr>
+            </a:lvl7pPr>
+            <a:lvl8pPr marL="1500000" indent="-228600" algn="l" defTabSz="914400" rtl="0" eaLnBrk="1" latinLnBrk="0" hangingPunct="1">
+              <a:lnSpc>
+                <a:spcPct val="90000"/>
+              </a:lnSpc>
+              <a:spcBef>
+                <a:spcPts val="200"/>
+              </a:spcBef>
+              <a:spcAft>
+                <a:spcPts val="400"/>
+              </a:spcAft>
+              <a:buClr>
+                <a:schemeClr val="accent1"/>
+              </a:buClr>
+              <a:buFont typeface="Calibri" pitchFamily="34" charset="0"/>
+              <a:buChar char="◦"/>
+              <a:defRPr sz="1400" kern="1200">
+                <a:solidFill>
+                  <a:schemeClr val="tx1">
+                    <a:lumMod val="75000"/>
+                    <a:lumOff val="25000"/>
+                  </a:schemeClr>
+                </a:solidFill>
+                <a:latin typeface="+mn-lt"/>
+                <a:ea typeface="+mn-ea"/>
+                <a:cs typeface="+mn-cs"/>
+              </a:defRPr>
+            </a:lvl8pPr>
+            <a:lvl9pPr marL="1700000" indent="-228600" algn="l" defTabSz="914400" rtl="0" eaLnBrk="1" latinLnBrk="0" hangingPunct="1">
+              <a:lnSpc>
+                <a:spcPct val="90000"/>
+              </a:lnSpc>
+              <a:spcBef>
+                <a:spcPts val="200"/>
+              </a:spcBef>
+              <a:spcAft>
+                <a:spcPts val="400"/>
+              </a:spcAft>
+              <a:buClr>
+                <a:schemeClr val="accent1"/>
+              </a:buClr>
+              <a:buFont typeface="Calibri" pitchFamily="34" charset="0"/>
+              <a:buChar char="◦"/>
+              <a:defRPr sz="1400" kern="1200">
+                <a:solidFill>
+                  <a:schemeClr val="tx1">
+                    <a:lumMod val="75000"/>
+                    <a:lumOff val="25000"/>
+                  </a:schemeClr>
+                </a:solidFill>
+                <a:latin typeface="+mn-lt"/>
+                <a:ea typeface="+mn-ea"/>
+                <a:cs typeface="+mn-cs"/>
+              </a:defRPr>
+            </a:lvl9pPr>
+          </a:lstStyle>
+          <a:p>
+            <a:pPr lvl="1">
+              <a:buFont typeface="Wingdings" panose="05000000000000000000" pitchFamily="2" charset="2"/>
+              <a:buChar char="§"/>
+            </a:pPr>
+            <a:r>
+              <a:rPr lang="nl-BE" sz="2000" dirty="0"/>
+              <a:t> ASP.NET MVC 5</a:t>
+            </a:r>
+          </a:p>
+          <a:p>
+            <a:pPr lvl="1">
+              <a:buFont typeface="Wingdings" panose="05000000000000000000" pitchFamily="2" charset="2"/>
+              <a:buChar char="§"/>
+            </a:pPr>
+            <a:endParaRPr lang="nl-BE" sz="2000" dirty="0"/>
+          </a:p>
+          <a:p>
+            <a:pPr lvl="1">
+              <a:buFont typeface="Wingdings" panose="05000000000000000000" pitchFamily="2" charset="2"/>
+              <a:buChar char="§"/>
+            </a:pPr>
+            <a:r>
+              <a:rPr lang="nl-BE" sz="2000" dirty="0"/>
+              <a:t> C#, </a:t>
+            </a:r>
+            <a:r>
+              <a:rPr lang="nl-BE" sz="2000" dirty="0" err="1"/>
+              <a:t>JavaScript</a:t>
+            </a:r>
+            <a:r>
+              <a:rPr lang="nl-BE" sz="2000" dirty="0"/>
+              <a:t> en HTML</a:t>
+            </a:r>
+          </a:p>
+          <a:p>
+            <a:pPr lvl="1">
+              <a:buFont typeface="Wingdings" panose="05000000000000000000" pitchFamily="2" charset="2"/>
+              <a:buChar char="§"/>
+            </a:pPr>
+            <a:endParaRPr lang="nl-BE" sz="2400" dirty="0"/>
+          </a:p>
+          <a:p>
+            <a:pPr marL="201168" lvl="1" indent="0">
+              <a:buNone/>
+            </a:pPr>
+            <a:endParaRPr lang="nl-BE" sz="2400" dirty="0"/>
+          </a:p>
+        </p:txBody>
+      </p:sp>
+    </p:spTree>
+    <p:extLst>
+      <p:ext uri="{BB962C8B-B14F-4D97-AF65-F5344CB8AC3E}">
+        <p14:creationId xmlns:p14="http://schemas.microsoft.com/office/powerpoint/2010/main" val="2149195745"/>
+      </p:ext>
+    </p:extLst>
+  </p:cSld>
+  <p:clrMapOvr>
+    <a:masterClrMapping/>
+  </p:clrMapOvr>
+  <p:timing>
+    <p:tnLst>
+      <p:par>
+        <p:cTn id="1" dur="indefinite" restart="never" nodeType="tmRoot">
+          <p:childTnLst>
+            <p:seq concurrent="1" nextAc="seek">
+              <p:cTn id="2" dur="indefinite" nodeType="mainSeq">
+                <p:childTnLst>
+                  <p:par>
+                    <p:cTn id="3" fill="hold">
+                      <p:stCondLst>
+                        <p:cond delay="indefinite"/>
+                      </p:stCondLst>
+                      <p:childTnLst>
+                        <p:par>
+                          <p:cTn id="4" fill="hold">
+                            <p:stCondLst>
+                              <p:cond delay="0"/>
+                            </p:stCondLst>
+                            <p:childTnLst>
+                              <p:par>
+                                <p:cTn id="5" presetID="10" presetClass="entr" presetSubtype="0" fill="hold" nodeType="clickEffect">
+                                  <p:stCondLst>
+                                    <p:cond delay="0"/>
+                                  </p:stCondLst>
+                                  <p:childTnLst>
+                                    <p:set>
+                                      <p:cBhvr>
+                                        <p:cTn id="6" dur="1" fill="hold">
+                                          <p:stCondLst>
+                                            <p:cond delay="0"/>
+                                          </p:stCondLst>
+                                        </p:cTn>
+                                        <p:tgtEl>
+                                          <p:spTgt spid="8">
+                                            <p:txEl>
+                                              <p:pRg st="0" end="0"/>
+                                            </p:txEl>
+                                          </p:spTgt>
+                                        </p:tgtEl>
+                                        <p:attrNameLst>
+                                          <p:attrName>style.visibility</p:attrName>
+                                        </p:attrNameLst>
+                                      </p:cBhvr>
+                                      <p:to>
+                                        <p:strVal val="visible"/>
+                                      </p:to>
+                                    </p:set>
+                                    <p:animEffect transition="in" filter="fade">
+                                      <p:cBhvr>
+                                        <p:cTn id="7" dur="500"/>
+                                        <p:tgtEl>
+                                          <p:spTgt spid="8">
+                                            <p:txEl>
+                                              <p:pRg st="0" end="0"/>
+                                            </p:txEl>
+                                          </p:spTgt>
+                                        </p:tgtEl>
+                                      </p:cBhvr>
+                                    </p:animEffect>
+                                  </p:childTnLst>
+                                </p:cTn>
+                              </p:par>
+                            </p:childTnLst>
+                          </p:cTn>
+                        </p:par>
+                      </p:childTnLst>
+                    </p:cTn>
+                  </p:par>
+                  <p:par>
+                    <p:cTn id="8" fill="hold">
+                      <p:stCondLst>
+                        <p:cond delay="indefinite"/>
+                      </p:stCondLst>
+                      <p:childTnLst>
+                        <p:par>
+                          <p:cTn id="9" fill="hold">
+                            <p:stCondLst>
+                              <p:cond delay="0"/>
+                            </p:stCondLst>
+                            <p:childTnLst>
+                              <p:par>
+                                <p:cTn id="10" presetID="10" presetClass="entr" presetSubtype="0" fill="hold" nodeType="clickEffect">
+                                  <p:stCondLst>
+                                    <p:cond delay="0"/>
+                                  </p:stCondLst>
+                                  <p:childTnLst>
+                                    <p:set>
+                                      <p:cBhvr>
+                                        <p:cTn id="11" dur="1" fill="hold">
+                                          <p:stCondLst>
+                                            <p:cond delay="0"/>
+                                          </p:stCondLst>
+                                        </p:cTn>
+                                        <p:tgtEl>
+                                          <p:spTgt spid="8">
+                                            <p:txEl>
+                                              <p:pRg st="2" end="2"/>
+                                            </p:txEl>
+                                          </p:spTgt>
+                                        </p:tgtEl>
+                                        <p:attrNameLst>
+                                          <p:attrName>style.visibility</p:attrName>
+                                        </p:attrNameLst>
+                                      </p:cBhvr>
+                                      <p:to>
+                                        <p:strVal val="visible"/>
+                                      </p:to>
+                                    </p:set>
+                                    <p:animEffect transition="in" filter="fade">
+                                      <p:cBhvr>
+                                        <p:cTn id="12" dur="500"/>
+                                        <p:tgtEl>
+                                          <p:spTgt spid="8">
+                                            <p:txEl>
+                                              <p:pRg st="2" end="2"/>
+                                            </p:txEl>
+                                          </p:spTgt>
+                                        </p:tgtEl>
+                                      </p:cBhvr>
+                                    </p:animEffect>
+                                  </p:childTnLst>
+                                </p:cTn>
+                              </p:par>
+                            </p:childTnLst>
+                          </p:cTn>
+                        </p:par>
+                      </p:childTnLst>
+                    </p:cTn>
+                  </p:par>
+                </p:childTnLst>
+              </p:cTn>
+              <p:prevCondLst>
+                <p:cond evt="onPrev" delay="0">
+                  <p:tgtEl>
+                    <p:sldTgt/>
+                  </p:tgtEl>
+                </p:cond>
+              </p:prevCondLst>
+              <p:nextCondLst>
+                <p:cond evt="onNext" delay="0">
+                  <p:tgtEl>
+                    <p:sldTgt/>
+                  </p:tgtEl>
+                </p:cond>
+              </p:nextCondLst>
+            </p:seq>
+          </p:childTnLst>
+        </p:cTn>
+      </p:par>
+    </p:tnLst>
+  </p:timing>
+</p:sld>
+</file>
+
+<file path=ppt/slides/slide13.xml><?xml version="1.0" encoding="utf-8"?>
+<p:sld xmlns:a="http://schemas.openxmlformats.org/drawingml/2006/main" xmlns:r="http://schemas.openxmlformats.org/officeDocument/2006/relationships" xmlns:p="http://schemas.openxmlformats.org/presentationml/2006/main">
+  <p:cSld>
+    <p:spTree>
+      <p:nvGrpSpPr>
+        <p:cNvPr id="1" name=""/>
+        <p:cNvGrpSpPr/>
+        <p:nvPr/>
+      </p:nvGrpSpPr>
+      <p:grpSpPr>
+        <a:xfrm>
+          <a:off x="0" y="0"/>
+          <a:ext cx="0" cy="0"/>
+          <a:chOff x="0" y="0"/>
+          <a:chExt cx="0" cy="0"/>
+        </a:xfrm>
+      </p:grpSpPr>
+      <p:sp>
+        <p:nvSpPr>
+          <p:cNvPr id="4" name="Tijdelijke aanduiding voor datum 3"/>
+          <p:cNvSpPr>
+            <a:spLocks noGrp="1"/>
+          </p:cNvSpPr>
+          <p:nvPr>
+            <p:ph type="dt" sz="half" idx="10"/>
+          </p:nvPr>
+        </p:nvSpPr>
+        <p:spPr>
+          <a:xfrm>
+            <a:off x="313508" y="6459783"/>
+            <a:ext cx="2472271" cy="365125"/>
+          </a:xfrm>
+        </p:spPr>
+        <p:txBody>
+          <a:bodyPr/>
+          <a:lstStyle/>
+          <a:p>
+            <a:r>
+              <a:rPr lang="nl-BE" sz="1400" dirty="0"/>
+              <a:t>Niels Hauttekeete</a:t>
+            </a:r>
+            <a:endParaRPr lang="nl-BE" sz="800" dirty="0"/>
+          </a:p>
+        </p:txBody>
+      </p:sp>
+      <p:sp>
+        <p:nvSpPr>
+          <p:cNvPr id="5" name="Tijdelijke aanduiding voor voettekst 4"/>
+          <p:cNvSpPr>
+            <a:spLocks noGrp="1"/>
+          </p:cNvSpPr>
+          <p:nvPr>
+            <p:ph type="ftr" sz="quarter" idx="11"/>
+          </p:nvPr>
+        </p:nvSpPr>
+        <p:spPr>
+          <a:xfrm>
+            <a:off x="2191294" y="6459784"/>
+            <a:ext cx="7870372" cy="365125"/>
+          </a:xfrm>
+        </p:spPr>
+        <p:txBody>
+          <a:bodyPr/>
+          <a:lstStyle/>
+          <a:p>
+            <a:r>
+              <a:rPr lang="en-GB" sz="1400" cap="none" dirty="0"/>
+              <a:t>Deployment diagram –</a:t>
+            </a:r>
+            <a:r>
+              <a:rPr lang="en-GB" sz="1600" b="1" cap="none" dirty="0"/>
+              <a:t> </a:t>
+            </a:r>
+            <a:r>
+              <a:rPr lang="en-GB" sz="1400" cap="none" dirty="0"/>
+              <a:t>Databank</a:t>
+            </a:r>
+            <a:r>
+              <a:rPr lang="en-GB" sz="1600" b="1" cap="none" dirty="0"/>
+              <a:t> </a:t>
+            </a:r>
+            <a:r>
+              <a:rPr lang="en-GB" sz="1400" cap="none" dirty="0"/>
+              <a:t>– </a:t>
+            </a:r>
+            <a:r>
+              <a:rPr lang="en-GB" sz="1600" b="1" cap="none" dirty="0"/>
+              <a:t>ASP.NET MVC </a:t>
+            </a:r>
+            <a:r>
+              <a:rPr lang="en-GB" sz="1400" cap="none" dirty="0"/>
+              <a:t>– </a:t>
+            </a:r>
+            <a:r>
+              <a:rPr lang="en-GB" sz="1400" cap="none" dirty="0" err="1"/>
+              <a:t>Inlogsysteem</a:t>
+            </a:r>
+            <a:r>
+              <a:rPr lang="en-GB" sz="1400" cap="none" dirty="0"/>
+              <a:t> – Future work</a:t>
+            </a:r>
+            <a:endParaRPr lang="nl-BE" sz="1400" cap="none" dirty="0"/>
+          </a:p>
+        </p:txBody>
+      </p:sp>
+      <p:sp>
+        <p:nvSpPr>
+          <p:cNvPr id="6" name="Tijdelijke aanduiding voor dianummer 5"/>
+          <p:cNvSpPr>
+            <a:spLocks noGrp="1"/>
+          </p:cNvSpPr>
+          <p:nvPr>
+            <p:ph type="sldNum" sz="quarter" idx="12"/>
+          </p:nvPr>
+        </p:nvSpPr>
+        <p:spPr>
+          <a:xfrm>
+            <a:off x="10613571" y="6459785"/>
+            <a:ext cx="598912" cy="365125"/>
+          </a:xfrm>
+        </p:spPr>
+        <p:txBody>
+          <a:bodyPr/>
+          <a:lstStyle/>
+          <a:p>
+            <a:fld id="{535572C1-3FAA-4346-9330-03EF25016D70}" type="slidenum">
+              <a:rPr lang="nl-BE" sz="1600" smtClean="0"/>
+              <a:pPr/>
+              <a:t>13</a:t>
+            </a:fld>
+            <a:endParaRPr lang="nl-BE" sz="1600" dirty="0"/>
+          </a:p>
+        </p:txBody>
+      </p:sp>
+      <p:cxnSp>
+        <p:nvCxnSpPr>
+          <p:cNvPr id="10" name="Rechte verbindingslijn 9"/>
+          <p:cNvCxnSpPr/>
+          <p:nvPr/>
+        </p:nvCxnSpPr>
+        <p:spPr>
+          <a:xfrm>
+            <a:off x="1097280" y="1045030"/>
+            <a:ext cx="10210256" cy="0"/>
+          </a:xfrm>
+          <a:prstGeom prst="line">
+            <a:avLst/>
+          </a:prstGeom>
+          <a:ln>
+            <a:solidFill>
+              <a:schemeClr val="bg1">
+                <a:lumMod val="65000"/>
+              </a:schemeClr>
+            </a:solidFill>
+          </a:ln>
+        </p:spPr>
+        <p:style>
+          <a:lnRef idx="1">
+            <a:schemeClr val="accent1"/>
+          </a:lnRef>
+          <a:fillRef idx="0">
+            <a:schemeClr val="accent1"/>
+          </a:fillRef>
+          <a:effectRef idx="0">
+            <a:schemeClr val="accent1"/>
+          </a:effectRef>
+          <a:fontRef idx="minor">
+            <a:schemeClr val="tx1"/>
+          </a:fontRef>
+        </p:style>
+      </p:cxnSp>
+      <p:sp>
+        <p:nvSpPr>
+          <p:cNvPr id="11" name="Titel 1"/>
+          <p:cNvSpPr txBox="1">
+            <a:spLocks/>
+          </p:cNvSpPr>
+          <p:nvPr/>
+        </p:nvSpPr>
+        <p:spPr>
+          <a:xfrm>
+            <a:off x="1097280" y="286604"/>
+            <a:ext cx="10058400" cy="758426"/>
+          </a:xfrm>
+          <a:prstGeom prst="rect">
+            <a:avLst/>
+          </a:prstGeom>
+        </p:spPr>
+        <p:txBody>
+          <a:bodyPr anchor="ctr"/>
+          <a:lstStyle>
+            <a:lvl1pPr algn="l" defTabSz="914400" rtl="0" eaLnBrk="1" latinLnBrk="0" hangingPunct="1">
+              <a:lnSpc>
+                <a:spcPct val="85000"/>
+              </a:lnSpc>
+              <a:spcBef>
+                <a:spcPct val="0"/>
+              </a:spcBef>
+              <a:buNone/>
+              <a:defRPr sz="4800" kern="1200" spc="-50" baseline="0">
+                <a:solidFill>
+                  <a:schemeClr val="tx1">
+                    <a:lumMod val="75000"/>
+                    <a:lumOff val="25000"/>
+                  </a:schemeClr>
+                </a:solidFill>
+                <a:latin typeface="+mj-lt"/>
+                <a:ea typeface="+mj-ea"/>
+                <a:cs typeface="+mj-cs"/>
+              </a:defRPr>
+            </a:lvl1pPr>
+          </a:lstStyle>
+          <a:p>
+            <a:r>
+              <a:rPr lang="en-GB" dirty="0">
+                <a:solidFill>
+                  <a:schemeClr val="tx1"/>
+                </a:solidFill>
+              </a:rPr>
+              <a:t>MVC</a:t>
+            </a:r>
+            <a:endParaRPr lang="nl-BE" dirty="0">
+              <a:solidFill>
+                <a:schemeClr val="tx1"/>
+              </a:solidFill>
+            </a:endParaRPr>
+          </a:p>
+        </p:txBody>
+      </p:sp>
+      <p:sp>
+        <p:nvSpPr>
+          <p:cNvPr id="8" name="Tijdelijke aanduiding voor inhoud 2">
+            <a:extLst>
+              <a:ext uri="{FF2B5EF4-FFF2-40B4-BE49-F238E27FC236}">
+                <a16:creationId xmlns:a16="http://schemas.microsoft.com/office/drawing/2014/main" id="{6F369E50-FD53-4A8F-BEB4-927F2DB729E9}"/>
+              </a:ext>
+            </a:extLst>
+          </p:cNvPr>
+          <p:cNvSpPr txBox="1">
+            <a:spLocks/>
+          </p:cNvSpPr>
+          <p:nvPr/>
+        </p:nvSpPr>
+        <p:spPr>
+          <a:xfrm>
+            <a:off x="965943" y="1528153"/>
+            <a:ext cx="7303414" cy="4448507"/>
+          </a:xfrm>
+          <a:prstGeom prst="rect">
+            <a:avLst/>
+          </a:prstGeom>
+        </p:spPr>
+        <p:txBody>
+          <a:bodyPr>
+            <a:normAutofit/>
+          </a:bodyPr>
+          <a:lstStyle>
+            <a:lvl1pPr marL="91440" indent="-91440" algn="l" defTabSz="914400" rtl="0" eaLnBrk="1" latinLnBrk="0" hangingPunct="1">
+              <a:lnSpc>
+                <a:spcPct val="90000"/>
+              </a:lnSpc>
+              <a:spcBef>
+                <a:spcPts val="1200"/>
+              </a:spcBef>
+              <a:spcAft>
+                <a:spcPts val="200"/>
+              </a:spcAft>
+              <a:buClr>
+                <a:schemeClr val="accent1"/>
+              </a:buClr>
+              <a:buSzPct val="100000"/>
+              <a:buFont typeface="Calibri" panose="020F0502020204030204" pitchFamily="34" charset="0"/>
+              <a:buChar char=" "/>
+              <a:defRPr sz="2000" kern="1200">
+                <a:solidFill>
+                  <a:schemeClr val="tx1">
+                    <a:lumMod val="75000"/>
+                    <a:lumOff val="25000"/>
+                  </a:schemeClr>
+                </a:solidFill>
+                <a:latin typeface="+mn-lt"/>
+                <a:ea typeface="+mn-ea"/>
+                <a:cs typeface="+mn-cs"/>
+              </a:defRPr>
+            </a:lvl1pPr>
+            <a:lvl2pPr marL="384048" indent="-182880" algn="l" defTabSz="914400" rtl="0" eaLnBrk="1" latinLnBrk="0" hangingPunct="1">
+              <a:lnSpc>
+                <a:spcPct val="90000"/>
+              </a:lnSpc>
+              <a:spcBef>
+                <a:spcPts val="200"/>
+              </a:spcBef>
+              <a:spcAft>
+                <a:spcPts val="400"/>
+              </a:spcAft>
+              <a:buClr>
+                <a:schemeClr val="accent1"/>
+              </a:buClr>
+              <a:buFont typeface="Calibri" pitchFamily="34" charset="0"/>
+              <a:buChar char="◦"/>
+              <a:defRPr sz="1800" kern="1200">
+                <a:solidFill>
+                  <a:schemeClr val="tx1">
+                    <a:lumMod val="75000"/>
+                    <a:lumOff val="25000"/>
+                  </a:schemeClr>
+                </a:solidFill>
+                <a:latin typeface="+mn-lt"/>
+                <a:ea typeface="+mn-ea"/>
+                <a:cs typeface="+mn-cs"/>
+              </a:defRPr>
+            </a:lvl2pPr>
+            <a:lvl3pPr marL="566928" indent="-182880" algn="l" defTabSz="914400" rtl="0" eaLnBrk="1" latinLnBrk="0" hangingPunct="1">
+              <a:lnSpc>
+                <a:spcPct val="90000"/>
+              </a:lnSpc>
+              <a:spcBef>
+                <a:spcPts val="200"/>
+              </a:spcBef>
+              <a:spcAft>
+                <a:spcPts val="400"/>
+              </a:spcAft>
+              <a:buClr>
+                <a:schemeClr val="accent1"/>
+              </a:buClr>
+              <a:buFont typeface="Calibri" pitchFamily="34" charset="0"/>
+              <a:buChar char="◦"/>
+              <a:defRPr sz="1400" kern="1200">
+                <a:solidFill>
+                  <a:schemeClr val="tx1">
+                    <a:lumMod val="75000"/>
+                    <a:lumOff val="25000"/>
+                  </a:schemeClr>
+                </a:solidFill>
+                <a:latin typeface="+mn-lt"/>
+                <a:ea typeface="+mn-ea"/>
+                <a:cs typeface="+mn-cs"/>
+              </a:defRPr>
+            </a:lvl3pPr>
+            <a:lvl4pPr marL="749808" indent="-182880" algn="l" defTabSz="914400" rtl="0" eaLnBrk="1" latinLnBrk="0" hangingPunct="1">
+              <a:lnSpc>
+                <a:spcPct val="90000"/>
+              </a:lnSpc>
+              <a:spcBef>
+                <a:spcPts val="200"/>
+              </a:spcBef>
+              <a:spcAft>
+                <a:spcPts val="400"/>
+              </a:spcAft>
+              <a:buClr>
+                <a:schemeClr val="accent1"/>
+              </a:buClr>
+              <a:buFont typeface="Calibri" pitchFamily="34" charset="0"/>
+              <a:buChar char="◦"/>
+              <a:defRPr sz="1400" kern="1200">
+                <a:solidFill>
+                  <a:schemeClr val="tx1">
+                    <a:lumMod val="75000"/>
+                    <a:lumOff val="25000"/>
+                  </a:schemeClr>
+                </a:solidFill>
+                <a:latin typeface="+mn-lt"/>
+                <a:ea typeface="+mn-ea"/>
+                <a:cs typeface="+mn-cs"/>
+              </a:defRPr>
+            </a:lvl4pPr>
+            <a:lvl5pPr marL="932688" indent="-182880" algn="l" defTabSz="914400" rtl="0" eaLnBrk="1" latinLnBrk="0" hangingPunct="1">
+              <a:lnSpc>
+                <a:spcPct val="90000"/>
+              </a:lnSpc>
+              <a:spcBef>
+                <a:spcPts val="200"/>
+              </a:spcBef>
+              <a:spcAft>
+                <a:spcPts val="400"/>
+              </a:spcAft>
+              <a:buClr>
+                <a:schemeClr val="accent1"/>
+              </a:buClr>
+              <a:buFont typeface="Calibri" pitchFamily="34" charset="0"/>
+              <a:buChar char="◦"/>
+              <a:defRPr sz="1400" kern="1200">
+                <a:solidFill>
+                  <a:schemeClr val="tx1">
+                    <a:lumMod val="75000"/>
+                    <a:lumOff val="25000"/>
+                  </a:schemeClr>
+                </a:solidFill>
+                <a:latin typeface="+mn-lt"/>
+                <a:ea typeface="+mn-ea"/>
+                <a:cs typeface="+mn-cs"/>
+              </a:defRPr>
+            </a:lvl5pPr>
+            <a:lvl6pPr marL="1100000" indent="-228600" algn="l" defTabSz="914400" rtl="0" eaLnBrk="1" latinLnBrk="0" hangingPunct="1">
+              <a:lnSpc>
+                <a:spcPct val="90000"/>
+              </a:lnSpc>
+              <a:spcBef>
+                <a:spcPts val="200"/>
+              </a:spcBef>
+              <a:spcAft>
+                <a:spcPts val="400"/>
+              </a:spcAft>
+              <a:buClr>
+                <a:schemeClr val="accent1"/>
+              </a:buClr>
+              <a:buFont typeface="Calibri" pitchFamily="34" charset="0"/>
+              <a:buChar char="◦"/>
+              <a:defRPr sz="1400" kern="1200">
+                <a:solidFill>
+                  <a:schemeClr val="tx1">
+                    <a:lumMod val="75000"/>
+                    <a:lumOff val="25000"/>
+                  </a:schemeClr>
+                </a:solidFill>
+                <a:latin typeface="+mn-lt"/>
+                <a:ea typeface="+mn-ea"/>
+                <a:cs typeface="+mn-cs"/>
+              </a:defRPr>
+            </a:lvl6pPr>
+            <a:lvl7pPr marL="1300000" indent="-228600" algn="l" defTabSz="914400" rtl="0" eaLnBrk="1" latinLnBrk="0" hangingPunct="1">
+              <a:lnSpc>
+                <a:spcPct val="90000"/>
+              </a:lnSpc>
+              <a:spcBef>
+                <a:spcPts val="200"/>
+              </a:spcBef>
+              <a:spcAft>
+                <a:spcPts val="400"/>
+              </a:spcAft>
+              <a:buClr>
+                <a:schemeClr val="accent1"/>
+              </a:buClr>
+              <a:buFont typeface="Calibri" pitchFamily="34" charset="0"/>
+              <a:buChar char="◦"/>
+              <a:defRPr sz="1400" kern="1200">
+                <a:solidFill>
+                  <a:schemeClr val="tx1">
+                    <a:lumMod val="75000"/>
+                    <a:lumOff val="25000"/>
+                  </a:schemeClr>
+                </a:solidFill>
+                <a:latin typeface="+mn-lt"/>
+                <a:ea typeface="+mn-ea"/>
+                <a:cs typeface="+mn-cs"/>
+              </a:defRPr>
+            </a:lvl7pPr>
+            <a:lvl8pPr marL="1500000" indent="-228600" algn="l" defTabSz="914400" rtl="0" eaLnBrk="1" latinLnBrk="0" hangingPunct="1">
+              <a:lnSpc>
+                <a:spcPct val="90000"/>
+              </a:lnSpc>
+              <a:spcBef>
+                <a:spcPts val="200"/>
+              </a:spcBef>
+              <a:spcAft>
+                <a:spcPts val="400"/>
+              </a:spcAft>
+              <a:buClr>
+                <a:schemeClr val="accent1"/>
+              </a:buClr>
+              <a:buFont typeface="Calibri" pitchFamily="34" charset="0"/>
+              <a:buChar char="◦"/>
+              <a:defRPr sz="1400" kern="1200">
+                <a:solidFill>
+                  <a:schemeClr val="tx1">
+                    <a:lumMod val="75000"/>
+                    <a:lumOff val="25000"/>
+                  </a:schemeClr>
+                </a:solidFill>
+                <a:latin typeface="+mn-lt"/>
+                <a:ea typeface="+mn-ea"/>
+                <a:cs typeface="+mn-cs"/>
+              </a:defRPr>
+            </a:lvl8pPr>
+            <a:lvl9pPr marL="1700000" indent="-228600" algn="l" defTabSz="914400" rtl="0" eaLnBrk="1" latinLnBrk="0" hangingPunct="1">
+              <a:lnSpc>
+                <a:spcPct val="90000"/>
+              </a:lnSpc>
+              <a:spcBef>
+                <a:spcPts val="200"/>
+              </a:spcBef>
+              <a:spcAft>
+                <a:spcPts val="400"/>
+              </a:spcAft>
+              <a:buClr>
+                <a:schemeClr val="accent1"/>
+              </a:buClr>
+              <a:buFont typeface="Calibri" pitchFamily="34" charset="0"/>
+              <a:buChar char="◦"/>
+              <a:defRPr sz="1400" kern="1200">
+                <a:solidFill>
+                  <a:schemeClr val="tx1">
+                    <a:lumMod val="75000"/>
+                    <a:lumOff val="25000"/>
+                  </a:schemeClr>
+                </a:solidFill>
+                <a:latin typeface="+mn-lt"/>
+                <a:ea typeface="+mn-ea"/>
+                <a:cs typeface="+mn-cs"/>
+              </a:defRPr>
+            </a:lvl9pPr>
+          </a:lstStyle>
+          <a:p>
+            <a:pPr lvl="1">
+              <a:buFont typeface="Wingdings" panose="05000000000000000000" pitchFamily="2" charset="2"/>
+              <a:buChar char="§"/>
+            </a:pPr>
+            <a:r>
+              <a:rPr lang="nl-BE" sz="2000" dirty="0"/>
+              <a:t>Controller: Navigatie en CRUD</a:t>
+            </a:r>
+          </a:p>
+          <a:p>
+            <a:pPr lvl="1">
+              <a:buFont typeface="Wingdings" panose="05000000000000000000" pitchFamily="2" charset="2"/>
+              <a:buChar char="§"/>
+            </a:pPr>
+            <a:endParaRPr lang="nl-BE" sz="2000" dirty="0"/>
+          </a:p>
+          <a:p>
+            <a:pPr lvl="1">
+              <a:buFont typeface="Wingdings" panose="05000000000000000000" pitchFamily="2" charset="2"/>
+              <a:buChar char="§"/>
+            </a:pPr>
+            <a:r>
+              <a:rPr lang="nl-BE" sz="2000" dirty="0"/>
+              <a:t>Model: Object </a:t>
+            </a:r>
+            <a:r>
+              <a:rPr lang="nl-BE" sz="2000" dirty="0" err="1"/>
+              <a:t>Relational</a:t>
+            </a:r>
+            <a:r>
+              <a:rPr lang="nl-BE" sz="2000" dirty="0"/>
+              <a:t> </a:t>
+            </a:r>
+            <a:r>
+              <a:rPr lang="nl-BE" sz="2000" dirty="0" err="1"/>
+              <a:t>Mapping</a:t>
+            </a:r>
+            <a:endParaRPr lang="nl-BE" sz="2000" dirty="0"/>
+          </a:p>
+          <a:p>
+            <a:pPr lvl="1">
+              <a:buFont typeface="Wingdings" panose="05000000000000000000" pitchFamily="2" charset="2"/>
+              <a:buChar char="§"/>
+            </a:pPr>
+            <a:endParaRPr lang="nl-BE" sz="2000" dirty="0"/>
+          </a:p>
+          <a:p>
+            <a:pPr lvl="1">
+              <a:buFont typeface="Wingdings" panose="05000000000000000000" pitchFamily="2" charset="2"/>
+              <a:buChar char="§"/>
+            </a:pPr>
+            <a:r>
+              <a:rPr lang="nl-BE" sz="2000" dirty="0"/>
+              <a:t>View: </a:t>
+            </a:r>
+            <a:r>
+              <a:rPr lang="nl-BE" sz="2000" dirty="0" err="1"/>
+              <a:t>Razor</a:t>
+            </a:r>
+            <a:r>
+              <a:rPr lang="nl-BE" sz="2000" dirty="0"/>
+              <a:t> pages (.</a:t>
+            </a:r>
+            <a:r>
+              <a:rPr lang="nl-BE" sz="2000" dirty="0" err="1"/>
+              <a:t>cshtml</a:t>
+            </a:r>
+            <a:r>
+              <a:rPr lang="nl-BE" sz="2000" dirty="0"/>
+              <a:t>)</a:t>
+            </a:r>
+          </a:p>
+          <a:p>
+            <a:pPr lvl="1">
+              <a:buFont typeface="Wingdings" panose="05000000000000000000" pitchFamily="2" charset="2"/>
+              <a:buChar char="§"/>
+            </a:pPr>
+            <a:endParaRPr lang="nl-BE" sz="2000" dirty="0"/>
+          </a:p>
+          <a:p>
+            <a:pPr marL="201168" lvl="1" indent="0">
+              <a:buNone/>
+            </a:pPr>
+            <a:endParaRPr lang="nl-BE" sz="2400" dirty="0"/>
+          </a:p>
+        </p:txBody>
+      </p:sp>
+      <p:pic>
+        <p:nvPicPr>
+          <p:cNvPr id="3" name="Afbeelding 2" descr="Afbeelding met klok&#10;&#10;Automatisch gegenereerde beschrijving">
+            <a:extLst>
+              <a:ext uri="{FF2B5EF4-FFF2-40B4-BE49-F238E27FC236}">
+                <a16:creationId xmlns:a16="http://schemas.microsoft.com/office/drawing/2014/main" id="{8416BE23-DE96-4EB0-B239-3626D79FB1AC}"/>
+              </a:ext>
+            </a:extLst>
+          </p:cNvPr>
+          <p:cNvPicPr>
+            <a:picLocks noChangeAspect="1"/>
+          </p:cNvPicPr>
+          <p:nvPr/>
+        </p:nvPicPr>
+        <p:blipFill>
+          <a:blip r:embed="rId2">
+            <a:extLst>
+              <a:ext uri="{28A0092B-C50C-407E-A947-70E740481C1C}">
+                <a14:useLocalDpi xmlns:a14="http://schemas.microsoft.com/office/drawing/2010/main" val="0"/>
+              </a:ext>
+            </a:extLst>
+          </a:blip>
+          <a:stretch>
+            <a:fillRect/>
+          </a:stretch>
+        </p:blipFill>
+        <p:spPr>
+          <a:xfrm>
+            <a:off x="6942123" y="1803456"/>
+            <a:ext cx="4213557" cy="2154063"/>
+          </a:xfrm>
+          <a:prstGeom prst="rect">
+            <a:avLst/>
+          </a:prstGeom>
+        </p:spPr>
+      </p:pic>
+    </p:spTree>
+    <p:extLst>
+      <p:ext uri="{BB962C8B-B14F-4D97-AF65-F5344CB8AC3E}">
+        <p14:creationId xmlns:p14="http://schemas.microsoft.com/office/powerpoint/2010/main" val="669920044"/>
+      </p:ext>
+    </p:extLst>
+  </p:cSld>
+  <p:clrMapOvr>
+    <a:masterClrMapping/>
+  </p:clrMapOvr>
+  <p:timing>
+    <p:tnLst>
+      <p:par>
+        <p:cTn id="1" dur="indefinite" restart="never" nodeType="tmRoot">
+          <p:childTnLst>
+            <p:seq concurrent="1" nextAc="seek">
+              <p:cTn id="2" dur="indefinite" nodeType="mainSeq">
+                <p:childTnLst>
+                  <p:par>
+                    <p:cTn id="3" fill="hold">
+                      <p:stCondLst>
+                        <p:cond delay="indefinite"/>
+                      </p:stCondLst>
+                      <p:childTnLst>
+                        <p:par>
+                          <p:cTn id="4" fill="hold">
+                            <p:stCondLst>
+                              <p:cond delay="0"/>
+                            </p:stCondLst>
+                            <p:childTnLst>
+                              <p:par>
+                                <p:cTn id="5" presetID="10" presetClass="entr" presetSubtype="0" fill="hold" nodeType="clickEffect">
+                                  <p:stCondLst>
+                                    <p:cond delay="0"/>
+                                  </p:stCondLst>
+                                  <p:childTnLst>
+                                    <p:set>
+                                      <p:cBhvr>
+                                        <p:cTn id="6" dur="1" fill="hold">
+                                          <p:stCondLst>
+                                            <p:cond delay="0"/>
+                                          </p:stCondLst>
+                                        </p:cTn>
+                                        <p:tgtEl>
+                                          <p:spTgt spid="3"/>
+                                        </p:tgtEl>
+                                        <p:attrNameLst>
+                                          <p:attrName>style.visibility</p:attrName>
+                                        </p:attrNameLst>
+                                      </p:cBhvr>
+                                      <p:to>
+                                        <p:strVal val="visible"/>
+                                      </p:to>
+                                    </p:set>
+                                    <p:animEffect transition="in" filter="fade">
+                                      <p:cBhvr>
+                                        <p:cTn id="7" dur="500"/>
+                                        <p:tgtEl>
+                                          <p:spTgt spid="3"/>
+                                        </p:tgtEl>
+                                      </p:cBhvr>
+                                    </p:animEffect>
+                                  </p:childTnLst>
+                                </p:cTn>
+                              </p:par>
+                            </p:childTnLst>
+                          </p:cTn>
+                        </p:par>
+                      </p:childTnLst>
+                    </p:cTn>
+                  </p:par>
+                  <p:par>
+                    <p:cTn id="8" fill="hold">
+                      <p:stCondLst>
+                        <p:cond delay="indefinite"/>
+                      </p:stCondLst>
+                      <p:childTnLst>
+                        <p:par>
+                          <p:cTn id="9" fill="hold">
+                            <p:stCondLst>
+                              <p:cond delay="0"/>
+                            </p:stCondLst>
+                            <p:childTnLst>
+                              <p:par>
+                                <p:cTn id="10" presetID="10" presetClass="entr" presetSubtype="0" fill="hold" nodeType="clickEffect">
+                                  <p:stCondLst>
+                                    <p:cond delay="0"/>
+                                  </p:stCondLst>
+                                  <p:childTnLst>
+                                    <p:set>
+                                      <p:cBhvr>
+                                        <p:cTn id="11" dur="1" fill="hold">
+                                          <p:stCondLst>
+                                            <p:cond delay="0"/>
+                                          </p:stCondLst>
+                                        </p:cTn>
+                                        <p:tgtEl>
+                                          <p:spTgt spid="8">
+                                            <p:txEl>
+                                              <p:pRg st="0" end="0"/>
+                                            </p:txEl>
+                                          </p:spTgt>
+                                        </p:tgtEl>
+                                        <p:attrNameLst>
+                                          <p:attrName>style.visibility</p:attrName>
+                                        </p:attrNameLst>
+                                      </p:cBhvr>
+                                      <p:to>
+                                        <p:strVal val="visible"/>
+                                      </p:to>
+                                    </p:set>
+                                    <p:animEffect transition="in" filter="fade">
+                                      <p:cBhvr>
+                                        <p:cTn id="12" dur="500"/>
+                                        <p:tgtEl>
+                                          <p:spTgt spid="8">
+                                            <p:txEl>
+                                              <p:pRg st="0" end="0"/>
+                                            </p:txEl>
+                                          </p:spTgt>
+                                        </p:tgtEl>
+                                      </p:cBhvr>
+                                    </p:animEffect>
+                                  </p:childTnLst>
+                                </p:cTn>
+                              </p:par>
+                            </p:childTnLst>
+                          </p:cTn>
+                        </p:par>
+                      </p:childTnLst>
+                    </p:cTn>
+                  </p:par>
+                  <p:par>
+                    <p:cTn id="13" fill="hold">
+                      <p:stCondLst>
+                        <p:cond delay="indefinite"/>
+                      </p:stCondLst>
+                      <p:childTnLst>
+                        <p:par>
+                          <p:cTn id="14" fill="hold">
+                            <p:stCondLst>
+                              <p:cond delay="0"/>
+                            </p:stCondLst>
+                            <p:childTnLst>
+                              <p:par>
+                                <p:cTn id="15" presetID="10" presetClass="entr" presetSubtype="0" fill="hold" nodeType="clickEffect">
+                                  <p:stCondLst>
+                                    <p:cond delay="0"/>
+                                  </p:stCondLst>
+                                  <p:childTnLst>
+                                    <p:set>
+                                      <p:cBhvr>
+                                        <p:cTn id="16" dur="1" fill="hold">
+                                          <p:stCondLst>
+                                            <p:cond delay="0"/>
+                                          </p:stCondLst>
+                                        </p:cTn>
+                                        <p:tgtEl>
+                                          <p:spTgt spid="8">
+                                            <p:txEl>
+                                              <p:pRg st="2" end="2"/>
+                                            </p:txEl>
+                                          </p:spTgt>
+                                        </p:tgtEl>
+                                        <p:attrNameLst>
+                                          <p:attrName>style.visibility</p:attrName>
+                                        </p:attrNameLst>
+                                      </p:cBhvr>
+                                      <p:to>
+                                        <p:strVal val="visible"/>
+                                      </p:to>
+                                    </p:set>
+                                    <p:animEffect transition="in" filter="fade">
+                                      <p:cBhvr>
+                                        <p:cTn id="17" dur="500"/>
+                                        <p:tgtEl>
+                                          <p:spTgt spid="8">
+                                            <p:txEl>
+                                              <p:pRg st="2" end="2"/>
+                                            </p:txEl>
+                                          </p:spTgt>
+                                        </p:tgtEl>
+                                      </p:cBhvr>
+                                    </p:animEffect>
+                                  </p:childTnLst>
+                                </p:cTn>
+                              </p:par>
+                            </p:childTnLst>
+                          </p:cTn>
+                        </p:par>
+                      </p:childTnLst>
+                    </p:cTn>
+                  </p:par>
+                  <p:par>
+                    <p:cTn id="18" fill="hold">
+                      <p:stCondLst>
+                        <p:cond delay="indefinite"/>
+                      </p:stCondLst>
+                      <p:childTnLst>
+                        <p:par>
+                          <p:cTn id="19" fill="hold">
+                            <p:stCondLst>
+                              <p:cond delay="0"/>
+                            </p:stCondLst>
+                            <p:childTnLst>
+                              <p:par>
+                                <p:cTn id="20" presetID="10" presetClass="entr" presetSubtype="0" fill="hold" nodeType="clickEffect">
+                                  <p:stCondLst>
+                                    <p:cond delay="0"/>
+                                  </p:stCondLst>
+                                  <p:childTnLst>
+                                    <p:set>
+                                      <p:cBhvr>
+                                        <p:cTn id="21" dur="1" fill="hold">
+                                          <p:stCondLst>
+                                            <p:cond delay="0"/>
+                                          </p:stCondLst>
+                                        </p:cTn>
+                                        <p:tgtEl>
+                                          <p:spTgt spid="8">
+                                            <p:txEl>
+                                              <p:pRg st="4" end="4"/>
+                                            </p:txEl>
+                                          </p:spTgt>
+                                        </p:tgtEl>
+                                        <p:attrNameLst>
+                                          <p:attrName>style.visibility</p:attrName>
+                                        </p:attrNameLst>
+                                      </p:cBhvr>
+                                      <p:to>
+                                        <p:strVal val="visible"/>
+                                      </p:to>
+                                    </p:set>
+                                    <p:animEffect transition="in" filter="fade">
+                                      <p:cBhvr>
+                                        <p:cTn id="22" dur="500"/>
+                                        <p:tgtEl>
+                                          <p:spTgt spid="8">
+                                            <p:txEl>
+                                              <p:pRg st="4" end="4"/>
+                                            </p:txEl>
+                                          </p:spTgt>
+                                        </p:tgtEl>
+                                      </p:cBhvr>
+                                    </p:animEffect>
+                                  </p:childTnLst>
+                                </p:cTn>
+                              </p:par>
+                            </p:childTnLst>
+                          </p:cTn>
+                        </p:par>
+                      </p:childTnLst>
+                    </p:cTn>
+                  </p:par>
+                </p:childTnLst>
+              </p:cTn>
+              <p:prevCondLst>
+                <p:cond evt="onPrev" delay="0">
+                  <p:tgtEl>
+                    <p:sldTgt/>
+                  </p:tgtEl>
+                </p:cond>
+              </p:prevCondLst>
+              <p:nextCondLst>
+                <p:cond evt="onNext" delay="0">
+                  <p:tgtEl>
+                    <p:sldTgt/>
+                  </p:tgtEl>
+                </p:cond>
+              </p:nextCondLst>
+            </p:seq>
+          </p:childTnLst>
+        </p:cTn>
+      </p:par>
+    </p:tnLst>
+  </p:timing>
+</p:sld>
+</file>
+
+<file path=ppt/slides/slide14.xml><?xml version="1.0" encoding="utf-8"?>
+<p:sld xmlns:a="http://schemas.openxmlformats.org/drawingml/2006/main" xmlns:r="http://schemas.openxmlformats.org/officeDocument/2006/relationships" xmlns:p="http://schemas.openxmlformats.org/presentationml/2006/main">
+  <p:cSld>
+    <p:spTree>
+      <p:nvGrpSpPr>
+        <p:cNvPr id="1" name=""/>
+        <p:cNvGrpSpPr/>
+        <p:nvPr/>
+      </p:nvGrpSpPr>
+      <p:grpSpPr>
+        <a:xfrm>
+          <a:off x="0" y="0"/>
+          <a:ext cx="0" cy="0"/>
+          <a:chOff x="0" y="0"/>
+          <a:chExt cx="0" cy="0"/>
+        </a:xfrm>
+      </p:grpSpPr>
+      <p:sp>
+        <p:nvSpPr>
+          <p:cNvPr id="4" name="Tijdelijke aanduiding voor datum 3"/>
+          <p:cNvSpPr>
+            <a:spLocks noGrp="1"/>
+          </p:cNvSpPr>
+          <p:nvPr>
+            <p:ph type="dt" sz="half" idx="10"/>
+          </p:nvPr>
+        </p:nvSpPr>
+        <p:spPr>
+          <a:xfrm>
+            <a:off x="313508" y="6459783"/>
+            <a:ext cx="2472271" cy="365125"/>
+          </a:xfrm>
+        </p:spPr>
+        <p:txBody>
+          <a:bodyPr/>
+          <a:lstStyle/>
+          <a:p>
+            <a:r>
+              <a:rPr lang="nl-BE" sz="1400" dirty="0"/>
+              <a:t>Niels Hauttekeete</a:t>
+            </a:r>
+            <a:endParaRPr lang="nl-BE" sz="800" dirty="0"/>
+          </a:p>
+        </p:txBody>
+      </p:sp>
+      <p:sp>
+        <p:nvSpPr>
+          <p:cNvPr id="5" name="Tijdelijke aanduiding voor voettekst 4"/>
+          <p:cNvSpPr>
+            <a:spLocks noGrp="1"/>
+          </p:cNvSpPr>
+          <p:nvPr>
+            <p:ph type="ftr" sz="quarter" idx="11"/>
+          </p:nvPr>
+        </p:nvSpPr>
+        <p:spPr>
+          <a:xfrm>
+            <a:off x="2191294" y="6459784"/>
+            <a:ext cx="7870372" cy="365125"/>
+          </a:xfrm>
+        </p:spPr>
+        <p:txBody>
+          <a:bodyPr/>
+          <a:lstStyle/>
+          <a:p>
+            <a:r>
+              <a:rPr lang="en-GB" sz="1400" cap="none" dirty="0"/>
+              <a:t>Deployment diagram –</a:t>
+            </a:r>
+            <a:r>
+              <a:rPr lang="en-GB" sz="1600" b="1" cap="none" dirty="0"/>
+              <a:t> </a:t>
+            </a:r>
+            <a:r>
+              <a:rPr lang="en-GB" sz="1400" cap="none" dirty="0"/>
+              <a:t>Databank</a:t>
+            </a:r>
+            <a:r>
+              <a:rPr lang="en-GB" sz="1600" b="1" cap="none" dirty="0"/>
+              <a:t> </a:t>
+            </a:r>
+            <a:r>
+              <a:rPr lang="en-GB" sz="1400" cap="none" dirty="0"/>
+              <a:t>– ASP.NET MVC – </a:t>
+            </a:r>
+            <a:r>
+              <a:rPr lang="en-GB" sz="1600" b="1" cap="none" dirty="0" err="1"/>
+              <a:t>Inlogsysteem</a:t>
+            </a:r>
+            <a:r>
+              <a:rPr lang="en-GB" sz="1400" cap="none" dirty="0"/>
+              <a:t> – Future work</a:t>
+            </a:r>
+            <a:endParaRPr lang="nl-BE" sz="1400" cap="none" dirty="0"/>
+          </a:p>
+        </p:txBody>
+      </p:sp>
+      <p:sp>
+        <p:nvSpPr>
+          <p:cNvPr id="6" name="Tijdelijke aanduiding voor dianummer 5"/>
+          <p:cNvSpPr>
+            <a:spLocks noGrp="1"/>
+          </p:cNvSpPr>
+          <p:nvPr>
+            <p:ph type="sldNum" sz="quarter" idx="12"/>
+          </p:nvPr>
+        </p:nvSpPr>
+        <p:spPr>
+          <a:xfrm>
+            <a:off x="10613571" y="6459785"/>
+            <a:ext cx="598912" cy="365125"/>
+          </a:xfrm>
+        </p:spPr>
+        <p:txBody>
+          <a:bodyPr/>
+          <a:lstStyle/>
+          <a:p>
+            <a:fld id="{535572C1-3FAA-4346-9330-03EF25016D70}" type="slidenum">
+              <a:rPr lang="nl-BE" sz="1600" smtClean="0"/>
+              <a:t>14</a:t>
+            </a:fld>
+            <a:endParaRPr lang="nl-BE" sz="1600" dirty="0"/>
+          </a:p>
+        </p:txBody>
+      </p:sp>
+      <p:cxnSp>
+        <p:nvCxnSpPr>
+          <p:cNvPr id="10" name="Rechte verbindingslijn 9"/>
+          <p:cNvCxnSpPr/>
+          <p:nvPr/>
+        </p:nvCxnSpPr>
+        <p:spPr>
+          <a:xfrm>
+            <a:off x="1097280" y="1045030"/>
+            <a:ext cx="10210256" cy="0"/>
+          </a:xfrm>
+          <a:prstGeom prst="line">
+            <a:avLst/>
+          </a:prstGeom>
+          <a:ln>
+            <a:solidFill>
+              <a:schemeClr val="bg1">
+                <a:lumMod val="65000"/>
+              </a:schemeClr>
+            </a:solidFill>
+          </a:ln>
+        </p:spPr>
+        <p:style>
+          <a:lnRef idx="1">
+            <a:schemeClr val="accent1"/>
+          </a:lnRef>
+          <a:fillRef idx="0">
+            <a:schemeClr val="accent1"/>
+          </a:fillRef>
+          <a:effectRef idx="0">
+            <a:schemeClr val="accent1"/>
+          </a:effectRef>
+          <a:fontRef idx="minor">
+            <a:schemeClr val="tx1"/>
+          </a:fontRef>
+        </p:style>
+      </p:cxnSp>
+      <p:sp>
+        <p:nvSpPr>
+          <p:cNvPr id="11" name="Titel 1"/>
+          <p:cNvSpPr txBox="1">
+            <a:spLocks/>
+          </p:cNvSpPr>
+          <p:nvPr/>
+        </p:nvSpPr>
+        <p:spPr>
+          <a:xfrm>
+            <a:off x="1097280" y="286604"/>
+            <a:ext cx="10058400" cy="758426"/>
+          </a:xfrm>
+          <a:prstGeom prst="rect">
+            <a:avLst/>
+          </a:prstGeom>
+        </p:spPr>
+        <p:txBody>
+          <a:bodyPr anchor="ctr"/>
+          <a:lstStyle>
+            <a:lvl1pPr algn="l" defTabSz="914400" rtl="0" eaLnBrk="1" latinLnBrk="0" hangingPunct="1">
+              <a:lnSpc>
+                <a:spcPct val="85000"/>
+              </a:lnSpc>
+              <a:spcBef>
+                <a:spcPct val="0"/>
+              </a:spcBef>
+              <a:buNone/>
+              <a:defRPr sz="4800" kern="1200" spc="-50" baseline="0">
+                <a:solidFill>
+                  <a:schemeClr val="tx1">
+                    <a:lumMod val="75000"/>
+                    <a:lumOff val="25000"/>
+                  </a:schemeClr>
+                </a:solidFill>
+                <a:latin typeface="+mj-lt"/>
+                <a:ea typeface="+mj-ea"/>
+                <a:cs typeface="+mj-cs"/>
+              </a:defRPr>
+            </a:lvl1pPr>
+          </a:lstStyle>
+          <a:p>
+            <a:r>
+              <a:rPr lang="nl-BE" dirty="0">
+                <a:solidFill>
+                  <a:schemeClr val="tx1"/>
+                </a:solidFill>
+              </a:rPr>
+              <a:t>Inlogsysteem</a:t>
+            </a:r>
+          </a:p>
+        </p:txBody>
+      </p:sp>
+      <p:sp>
+        <p:nvSpPr>
+          <p:cNvPr id="12" name="Tijdelijke aanduiding voor inhoud 2"/>
+          <p:cNvSpPr txBox="1">
+            <a:spLocks/>
+          </p:cNvSpPr>
+          <p:nvPr/>
+        </p:nvSpPr>
+        <p:spPr>
+          <a:xfrm>
+            <a:off x="1097280" y="1420585"/>
+            <a:ext cx="10058400" cy="4448507"/>
+          </a:xfrm>
+          <a:prstGeom prst="rect">
+            <a:avLst/>
+          </a:prstGeom>
+        </p:spPr>
+        <p:txBody>
+          <a:bodyPr>
+            <a:normAutofit/>
+          </a:bodyPr>
+          <a:lstStyle>
+            <a:lvl1pPr marL="91440" indent="-91440" algn="l" defTabSz="914400" rtl="0" eaLnBrk="1" latinLnBrk="0" hangingPunct="1">
+              <a:lnSpc>
+                <a:spcPct val="90000"/>
+              </a:lnSpc>
+              <a:spcBef>
+                <a:spcPts val="1200"/>
+              </a:spcBef>
+              <a:spcAft>
+                <a:spcPts val="200"/>
+              </a:spcAft>
+              <a:buClr>
+                <a:schemeClr val="accent1"/>
+              </a:buClr>
+              <a:buSzPct val="100000"/>
+              <a:buFont typeface="Calibri" panose="020F0502020204030204" pitchFamily="34" charset="0"/>
+              <a:buChar char=" "/>
+              <a:defRPr sz="2000" kern="1200">
+                <a:solidFill>
+                  <a:schemeClr val="tx1">
+                    <a:lumMod val="75000"/>
+                    <a:lumOff val="25000"/>
+                  </a:schemeClr>
+                </a:solidFill>
+                <a:latin typeface="+mn-lt"/>
+                <a:ea typeface="+mn-ea"/>
+                <a:cs typeface="+mn-cs"/>
+              </a:defRPr>
+            </a:lvl1pPr>
+            <a:lvl2pPr marL="384048" indent="-182880" algn="l" defTabSz="914400" rtl="0" eaLnBrk="1" latinLnBrk="0" hangingPunct="1">
+              <a:lnSpc>
+                <a:spcPct val="90000"/>
+              </a:lnSpc>
+              <a:spcBef>
+                <a:spcPts val="200"/>
+              </a:spcBef>
+              <a:spcAft>
+                <a:spcPts val="400"/>
+              </a:spcAft>
+              <a:buClr>
+                <a:schemeClr val="accent1"/>
+              </a:buClr>
+              <a:buFont typeface="Calibri" pitchFamily="34" charset="0"/>
+              <a:buChar char="◦"/>
+              <a:defRPr sz="1800" kern="1200">
+                <a:solidFill>
+                  <a:schemeClr val="tx1">
+                    <a:lumMod val="75000"/>
+                    <a:lumOff val="25000"/>
+                  </a:schemeClr>
+                </a:solidFill>
+                <a:latin typeface="+mn-lt"/>
+                <a:ea typeface="+mn-ea"/>
+                <a:cs typeface="+mn-cs"/>
+              </a:defRPr>
+            </a:lvl2pPr>
+            <a:lvl3pPr marL="566928" indent="-182880" algn="l" defTabSz="914400" rtl="0" eaLnBrk="1" latinLnBrk="0" hangingPunct="1">
+              <a:lnSpc>
+                <a:spcPct val="90000"/>
+              </a:lnSpc>
+              <a:spcBef>
+                <a:spcPts val="200"/>
+              </a:spcBef>
+              <a:spcAft>
+                <a:spcPts val="400"/>
+              </a:spcAft>
+              <a:buClr>
+                <a:schemeClr val="accent1"/>
+              </a:buClr>
+              <a:buFont typeface="Calibri" pitchFamily="34" charset="0"/>
+              <a:buChar char="◦"/>
+              <a:defRPr sz="1400" kern="1200">
+                <a:solidFill>
+                  <a:schemeClr val="tx1">
+                    <a:lumMod val="75000"/>
+                    <a:lumOff val="25000"/>
+                  </a:schemeClr>
+                </a:solidFill>
+                <a:latin typeface="+mn-lt"/>
+                <a:ea typeface="+mn-ea"/>
+                <a:cs typeface="+mn-cs"/>
+              </a:defRPr>
+            </a:lvl3pPr>
+            <a:lvl4pPr marL="749808" indent="-182880" algn="l" defTabSz="914400" rtl="0" eaLnBrk="1" latinLnBrk="0" hangingPunct="1">
+              <a:lnSpc>
+                <a:spcPct val="90000"/>
+              </a:lnSpc>
+              <a:spcBef>
+                <a:spcPts val="200"/>
+              </a:spcBef>
+              <a:spcAft>
+                <a:spcPts val="400"/>
+              </a:spcAft>
+              <a:buClr>
+                <a:schemeClr val="accent1"/>
+              </a:buClr>
+              <a:buFont typeface="Calibri" pitchFamily="34" charset="0"/>
+              <a:buChar char="◦"/>
+              <a:defRPr sz="1400" kern="1200">
+                <a:solidFill>
+                  <a:schemeClr val="tx1">
+                    <a:lumMod val="75000"/>
+                    <a:lumOff val="25000"/>
+                  </a:schemeClr>
+                </a:solidFill>
+                <a:latin typeface="+mn-lt"/>
+                <a:ea typeface="+mn-ea"/>
+                <a:cs typeface="+mn-cs"/>
+              </a:defRPr>
+            </a:lvl4pPr>
+            <a:lvl5pPr marL="932688" indent="-182880" algn="l" defTabSz="914400" rtl="0" eaLnBrk="1" latinLnBrk="0" hangingPunct="1">
+              <a:lnSpc>
+                <a:spcPct val="90000"/>
+              </a:lnSpc>
+              <a:spcBef>
+                <a:spcPts val="200"/>
+              </a:spcBef>
+              <a:spcAft>
+                <a:spcPts val="400"/>
+              </a:spcAft>
+              <a:buClr>
+                <a:schemeClr val="accent1"/>
+              </a:buClr>
+              <a:buFont typeface="Calibri" pitchFamily="34" charset="0"/>
+              <a:buChar char="◦"/>
+              <a:defRPr sz="1400" kern="1200">
+                <a:solidFill>
+                  <a:schemeClr val="tx1">
+                    <a:lumMod val="75000"/>
+                    <a:lumOff val="25000"/>
+                  </a:schemeClr>
+                </a:solidFill>
+                <a:latin typeface="+mn-lt"/>
+                <a:ea typeface="+mn-ea"/>
+                <a:cs typeface="+mn-cs"/>
+              </a:defRPr>
+            </a:lvl5pPr>
+            <a:lvl6pPr marL="1100000" indent="-228600" algn="l" defTabSz="914400" rtl="0" eaLnBrk="1" latinLnBrk="0" hangingPunct="1">
+              <a:lnSpc>
+                <a:spcPct val="90000"/>
+              </a:lnSpc>
+              <a:spcBef>
+                <a:spcPts val="200"/>
+              </a:spcBef>
+              <a:spcAft>
+                <a:spcPts val="400"/>
+              </a:spcAft>
+              <a:buClr>
+                <a:schemeClr val="accent1"/>
+              </a:buClr>
+              <a:buFont typeface="Calibri" pitchFamily="34" charset="0"/>
+              <a:buChar char="◦"/>
+              <a:defRPr sz="1400" kern="1200">
+                <a:solidFill>
+                  <a:schemeClr val="tx1">
+                    <a:lumMod val="75000"/>
+                    <a:lumOff val="25000"/>
+                  </a:schemeClr>
+                </a:solidFill>
+                <a:latin typeface="+mn-lt"/>
+                <a:ea typeface="+mn-ea"/>
+                <a:cs typeface="+mn-cs"/>
+              </a:defRPr>
+            </a:lvl6pPr>
+            <a:lvl7pPr marL="1300000" indent="-228600" algn="l" defTabSz="914400" rtl="0" eaLnBrk="1" latinLnBrk="0" hangingPunct="1">
+              <a:lnSpc>
+                <a:spcPct val="90000"/>
+              </a:lnSpc>
+              <a:spcBef>
+                <a:spcPts val="200"/>
+              </a:spcBef>
+              <a:spcAft>
+                <a:spcPts val="400"/>
+              </a:spcAft>
+              <a:buClr>
+                <a:schemeClr val="accent1"/>
+              </a:buClr>
+              <a:buFont typeface="Calibri" pitchFamily="34" charset="0"/>
+              <a:buChar char="◦"/>
+              <a:defRPr sz="1400" kern="1200">
+                <a:solidFill>
+                  <a:schemeClr val="tx1">
+                    <a:lumMod val="75000"/>
+                    <a:lumOff val="25000"/>
+                  </a:schemeClr>
+                </a:solidFill>
+                <a:latin typeface="+mn-lt"/>
+                <a:ea typeface="+mn-ea"/>
+                <a:cs typeface="+mn-cs"/>
+              </a:defRPr>
+            </a:lvl7pPr>
+            <a:lvl8pPr marL="1500000" indent="-228600" algn="l" defTabSz="914400" rtl="0" eaLnBrk="1" latinLnBrk="0" hangingPunct="1">
+              <a:lnSpc>
+                <a:spcPct val="90000"/>
+              </a:lnSpc>
+              <a:spcBef>
+                <a:spcPts val="200"/>
+              </a:spcBef>
+              <a:spcAft>
+                <a:spcPts val="400"/>
+              </a:spcAft>
+              <a:buClr>
+                <a:schemeClr val="accent1"/>
+              </a:buClr>
+              <a:buFont typeface="Calibri" pitchFamily="34" charset="0"/>
+              <a:buChar char="◦"/>
+              <a:defRPr sz="1400" kern="1200">
+                <a:solidFill>
+                  <a:schemeClr val="tx1">
+                    <a:lumMod val="75000"/>
+                    <a:lumOff val="25000"/>
+                  </a:schemeClr>
+                </a:solidFill>
+                <a:latin typeface="+mn-lt"/>
+                <a:ea typeface="+mn-ea"/>
+                <a:cs typeface="+mn-cs"/>
+              </a:defRPr>
+            </a:lvl8pPr>
+            <a:lvl9pPr marL="1700000" indent="-228600" algn="l" defTabSz="914400" rtl="0" eaLnBrk="1" latinLnBrk="0" hangingPunct="1">
+              <a:lnSpc>
+                <a:spcPct val="90000"/>
+              </a:lnSpc>
+              <a:spcBef>
+                <a:spcPts val="200"/>
+              </a:spcBef>
+              <a:spcAft>
+                <a:spcPts val="400"/>
+              </a:spcAft>
+              <a:buClr>
+                <a:schemeClr val="accent1"/>
+              </a:buClr>
+              <a:buFont typeface="Calibri" pitchFamily="34" charset="0"/>
+              <a:buChar char="◦"/>
+              <a:defRPr sz="1400" kern="1200">
+                <a:solidFill>
+                  <a:schemeClr val="tx1">
+                    <a:lumMod val="75000"/>
+                    <a:lumOff val="25000"/>
+                  </a:schemeClr>
+                </a:solidFill>
+                <a:latin typeface="+mn-lt"/>
+                <a:ea typeface="+mn-ea"/>
+                <a:cs typeface="+mn-cs"/>
+              </a:defRPr>
+            </a:lvl9pPr>
+          </a:lstStyle>
+          <a:p>
+            <a:pPr>
+              <a:buFont typeface="Wingdings" panose="05000000000000000000" pitchFamily="2" charset="2"/>
+              <a:buChar char="§"/>
+            </a:pPr>
+            <a:r>
+              <a:rPr lang="nl-BE" sz="2400" dirty="0">
+                <a:solidFill>
+                  <a:schemeClr val="tx1"/>
+                </a:solidFill>
+              </a:rPr>
+              <a:t> </a:t>
+            </a:r>
+            <a:r>
+              <a:rPr lang="nl-BE" dirty="0">
+                <a:solidFill>
+                  <a:schemeClr val="tx1"/>
+                </a:solidFill>
+              </a:rPr>
+              <a:t>ASP.NET Identity</a:t>
+            </a:r>
+          </a:p>
+          <a:p>
+            <a:pPr marL="0" indent="0">
+              <a:buNone/>
+            </a:pPr>
+            <a:endParaRPr lang="nl-BE" dirty="0">
+              <a:solidFill>
+                <a:schemeClr val="tx1"/>
+              </a:solidFill>
+            </a:endParaRPr>
+          </a:p>
+          <a:p>
+            <a:pPr>
+              <a:buFont typeface="Wingdings" panose="05000000000000000000" pitchFamily="2" charset="2"/>
+              <a:buChar char="§"/>
+            </a:pPr>
+            <a:r>
+              <a:rPr lang="nl-BE" dirty="0">
+                <a:solidFill>
+                  <a:schemeClr val="tx1"/>
+                </a:solidFill>
+              </a:rPr>
+              <a:t> Authenticatie en autorisatie</a:t>
+            </a:r>
+          </a:p>
+          <a:p>
+            <a:pPr marL="0" indent="0">
+              <a:buNone/>
+            </a:pPr>
+            <a:endParaRPr lang="nl-BE" dirty="0">
+              <a:solidFill>
+                <a:schemeClr val="tx1"/>
+              </a:solidFill>
+            </a:endParaRPr>
+          </a:p>
+          <a:p>
+            <a:pPr marL="514350" indent="-514350">
+              <a:buFont typeface="+mj-lt"/>
+              <a:buAutoNum type="arabicParenR"/>
+            </a:pPr>
+            <a:endParaRPr lang="nl-BE" sz="2400" dirty="0"/>
+          </a:p>
+        </p:txBody>
+      </p:sp>
+      <p:pic>
+        <p:nvPicPr>
+          <p:cNvPr id="13" name="Afbeelding 12" descr="Afbeelding met schermafbeelding&#10;&#10;Automatisch gegenereerde beschrijving">
+            <a:extLst>
+              <a:ext uri="{FF2B5EF4-FFF2-40B4-BE49-F238E27FC236}">
+                <a16:creationId xmlns:a16="http://schemas.microsoft.com/office/drawing/2014/main" id="{3B1A1760-CEFD-4CA0-B515-46CF76BC501D}"/>
+              </a:ext>
+            </a:extLst>
+          </p:cNvPr>
+          <p:cNvPicPr>
+            <a:picLocks noChangeAspect="1"/>
+          </p:cNvPicPr>
+          <p:nvPr/>
+        </p:nvPicPr>
+        <p:blipFill>
+          <a:blip r:embed="rId2">
+            <a:extLst>
+              <a:ext uri="{28A0092B-C50C-407E-A947-70E740481C1C}">
+                <a14:useLocalDpi xmlns:a14="http://schemas.microsoft.com/office/drawing/2010/main" val="0"/>
+              </a:ext>
+            </a:extLst>
+          </a:blip>
+          <a:stretch>
+            <a:fillRect/>
+          </a:stretch>
+        </p:blipFill>
+        <p:spPr>
+          <a:xfrm>
+            <a:off x="6489029" y="1420584"/>
+            <a:ext cx="4045694" cy="3147370"/>
+          </a:xfrm>
+          <a:prstGeom prst="rect">
+            <a:avLst/>
+          </a:prstGeom>
+        </p:spPr>
+      </p:pic>
+    </p:spTree>
+    <p:extLst>
+      <p:ext uri="{BB962C8B-B14F-4D97-AF65-F5344CB8AC3E}">
+        <p14:creationId xmlns:p14="http://schemas.microsoft.com/office/powerpoint/2010/main" val="4257750245"/>
+      </p:ext>
+    </p:extLst>
+  </p:cSld>
+  <p:clrMapOvr>
+    <a:masterClrMapping/>
+  </p:clrMapOvr>
+  <p:timing>
+    <p:tnLst>
+      <p:par>
+        <p:cTn id="1" dur="indefinite" restart="never" nodeType="tmRoot">
+          <p:childTnLst>
+            <p:seq concurrent="1" nextAc="seek">
+              <p:cTn id="2" dur="indefinite" nodeType="mainSeq">
+                <p:childTnLst>
+                  <p:par>
+                    <p:cTn id="3" fill="hold">
+                      <p:stCondLst>
+                        <p:cond delay="indefinite"/>
+                      </p:stCondLst>
+                      <p:childTnLst>
+                        <p:par>
+                          <p:cTn id="4" fill="hold">
+                            <p:stCondLst>
+                              <p:cond delay="0"/>
+                            </p:stCondLst>
+                            <p:childTnLst>
+                              <p:par>
+                                <p:cTn id="5" presetID="10" presetClass="entr" presetSubtype="0" fill="hold" nodeType="clickEffect">
+                                  <p:stCondLst>
+                                    <p:cond delay="0"/>
+                                  </p:stCondLst>
+                                  <p:childTnLst>
+                                    <p:set>
+                                      <p:cBhvr>
+                                        <p:cTn id="6" dur="1" fill="hold">
+                                          <p:stCondLst>
+                                            <p:cond delay="0"/>
+                                          </p:stCondLst>
+                                        </p:cTn>
+                                        <p:tgtEl>
+                                          <p:spTgt spid="12">
+                                            <p:txEl>
+                                              <p:pRg st="0" end="0"/>
+                                            </p:txEl>
+                                          </p:spTgt>
+                                        </p:tgtEl>
+                                        <p:attrNameLst>
+                                          <p:attrName>style.visibility</p:attrName>
+                                        </p:attrNameLst>
+                                      </p:cBhvr>
+                                      <p:to>
+                                        <p:strVal val="visible"/>
+                                      </p:to>
+                                    </p:set>
+                                    <p:animEffect transition="in" filter="fade">
+                                      <p:cBhvr>
+                                        <p:cTn id="7" dur="500"/>
+                                        <p:tgtEl>
+                                          <p:spTgt spid="12">
+                                            <p:txEl>
+                                              <p:pRg st="0" end="0"/>
+                                            </p:txEl>
+                                          </p:spTgt>
+                                        </p:tgtEl>
+                                      </p:cBhvr>
+                                    </p:animEffect>
+                                  </p:childTnLst>
+                                </p:cTn>
+                              </p:par>
+                            </p:childTnLst>
+                          </p:cTn>
+                        </p:par>
+                      </p:childTnLst>
+                    </p:cTn>
+                  </p:par>
+                  <p:par>
+                    <p:cTn id="8" fill="hold">
+                      <p:stCondLst>
+                        <p:cond delay="indefinite"/>
+                      </p:stCondLst>
+                      <p:childTnLst>
+                        <p:par>
+                          <p:cTn id="9" fill="hold">
+                            <p:stCondLst>
+                              <p:cond delay="0"/>
+                            </p:stCondLst>
+                            <p:childTnLst>
+                              <p:par>
+                                <p:cTn id="10" presetID="10" presetClass="entr" presetSubtype="0" fill="hold" nodeType="clickEffect">
+                                  <p:stCondLst>
+                                    <p:cond delay="0"/>
+                                  </p:stCondLst>
+                                  <p:childTnLst>
+                                    <p:set>
+                                      <p:cBhvr>
+                                        <p:cTn id="11" dur="1" fill="hold">
+                                          <p:stCondLst>
+                                            <p:cond delay="0"/>
+                                          </p:stCondLst>
+                                        </p:cTn>
+                                        <p:tgtEl>
+                                          <p:spTgt spid="12">
+                                            <p:txEl>
+                                              <p:pRg st="2" end="2"/>
+                                            </p:txEl>
+                                          </p:spTgt>
+                                        </p:tgtEl>
+                                        <p:attrNameLst>
+                                          <p:attrName>style.visibility</p:attrName>
+                                        </p:attrNameLst>
+                                      </p:cBhvr>
+                                      <p:to>
+                                        <p:strVal val="visible"/>
+                                      </p:to>
+                                    </p:set>
+                                    <p:animEffect transition="in" filter="fade">
+                                      <p:cBhvr>
+                                        <p:cTn id="12" dur="500"/>
+                                        <p:tgtEl>
+                                          <p:spTgt spid="12">
+                                            <p:txEl>
+                                              <p:pRg st="2" end="2"/>
+                                            </p:txEl>
+                                          </p:spTgt>
+                                        </p:tgtEl>
+                                      </p:cBhvr>
+                                    </p:animEffect>
+                                  </p:childTnLst>
+                                </p:cTn>
+                              </p:par>
+                            </p:childTnLst>
+                          </p:cTn>
+                        </p:par>
+                      </p:childTnLst>
+                    </p:cTn>
+                  </p:par>
+                  <p:par>
+                    <p:cTn id="13" fill="hold">
+                      <p:stCondLst>
+                        <p:cond delay="indefinite"/>
+                      </p:stCondLst>
+                      <p:childTnLst>
+                        <p:par>
+                          <p:cTn id="14" fill="hold">
+                            <p:stCondLst>
+                              <p:cond delay="0"/>
+                            </p:stCondLst>
+                            <p:childTnLst>
+                              <p:par>
+                                <p:cTn id="15" presetID="10" presetClass="entr" presetSubtype="0" fill="hold" nodeType="clickEffect">
+                                  <p:stCondLst>
+                                    <p:cond delay="0"/>
+                                  </p:stCondLst>
+                                  <p:childTnLst>
+                                    <p:set>
+                                      <p:cBhvr>
+                                        <p:cTn id="16" dur="1" fill="hold">
+                                          <p:stCondLst>
+                                            <p:cond delay="0"/>
+                                          </p:stCondLst>
+                                        </p:cTn>
+                                        <p:tgtEl>
+                                          <p:spTgt spid="13"/>
+                                        </p:tgtEl>
+                                        <p:attrNameLst>
+                                          <p:attrName>style.visibility</p:attrName>
+                                        </p:attrNameLst>
+                                      </p:cBhvr>
+                                      <p:to>
+                                        <p:strVal val="visible"/>
+                                      </p:to>
+                                    </p:set>
+                                    <p:animEffect transition="in" filter="fade">
+                                      <p:cBhvr>
+                                        <p:cTn id="17" dur="500"/>
+                                        <p:tgtEl>
+                                          <p:spTgt spid="13"/>
+                                        </p:tgtEl>
+                                      </p:cBhvr>
+                                    </p:animEffect>
+                                  </p:childTnLst>
+                                </p:cTn>
+                              </p:par>
+                            </p:childTnLst>
+                          </p:cTn>
+                        </p:par>
+                      </p:childTnLst>
+                    </p:cTn>
+                  </p:par>
+                </p:childTnLst>
+              </p:cTn>
+              <p:prevCondLst>
+                <p:cond evt="onPrev" delay="0">
+                  <p:tgtEl>
+                    <p:sldTgt/>
+                  </p:tgtEl>
+                </p:cond>
+              </p:prevCondLst>
+              <p:nextCondLst>
+                <p:cond evt="onNext" delay="0">
+                  <p:tgtEl>
+                    <p:sldTgt/>
+                  </p:tgtEl>
+                </p:cond>
+              </p:nextCondLst>
+            </p:seq>
+          </p:childTnLst>
+        </p:cTn>
+      </p:par>
+    </p:tnLst>
+  </p:timing>
+</p:sld>
+</file>
+
+<file path=ppt/slides/slide15.xml><?xml version="1.0" encoding="utf-8"?>
+<p:sld xmlns:a="http://schemas.openxmlformats.org/drawingml/2006/main" xmlns:r="http://schemas.openxmlformats.org/officeDocument/2006/relationships" xmlns:p="http://schemas.openxmlformats.org/presentationml/2006/main">
+  <p:cSld>
+    <p:spTree>
+      <p:nvGrpSpPr>
+        <p:cNvPr id="1" name=""/>
+        <p:cNvGrpSpPr/>
+        <p:nvPr/>
+      </p:nvGrpSpPr>
+      <p:grpSpPr>
+        <a:xfrm>
+          <a:off x="0" y="0"/>
+          <a:ext cx="0" cy="0"/>
+          <a:chOff x="0" y="0"/>
+          <a:chExt cx="0" cy="0"/>
+        </a:xfrm>
+      </p:grpSpPr>
+      <p:sp>
+        <p:nvSpPr>
+          <p:cNvPr id="4" name="Tijdelijke aanduiding voor datum 3"/>
+          <p:cNvSpPr>
+            <a:spLocks noGrp="1"/>
+          </p:cNvSpPr>
+          <p:nvPr>
+            <p:ph type="dt" sz="half" idx="10"/>
+          </p:nvPr>
+        </p:nvSpPr>
+        <p:spPr>
+          <a:xfrm>
+            <a:off x="313508" y="6459783"/>
+            <a:ext cx="2472271" cy="365125"/>
+          </a:xfrm>
+        </p:spPr>
+        <p:txBody>
+          <a:bodyPr/>
+          <a:lstStyle/>
+          <a:p>
+            <a:r>
+              <a:rPr lang="nl-BE" sz="1400" dirty="0"/>
+              <a:t>Niels Hauttekeete</a:t>
+            </a:r>
+            <a:endParaRPr lang="nl-BE" sz="800" dirty="0"/>
+          </a:p>
+        </p:txBody>
+      </p:sp>
+      <p:sp>
+        <p:nvSpPr>
+          <p:cNvPr id="5" name="Tijdelijke aanduiding voor voettekst 4"/>
+          <p:cNvSpPr>
+            <a:spLocks noGrp="1"/>
+          </p:cNvSpPr>
+          <p:nvPr>
+            <p:ph type="ftr" sz="quarter" idx="11"/>
+          </p:nvPr>
+        </p:nvSpPr>
+        <p:spPr>
+          <a:xfrm>
+            <a:off x="2191294" y="6459784"/>
+            <a:ext cx="7870372" cy="365125"/>
+          </a:xfrm>
+        </p:spPr>
+        <p:txBody>
+          <a:bodyPr/>
+          <a:lstStyle/>
+          <a:p>
+            <a:r>
+              <a:rPr lang="en-GB" sz="1400" cap="none" dirty="0"/>
+              <a:t>Deployment diagram –</a:t>
+            </a:r>
+            <a:r>
+              <a:rPr lang="en-GB" sz="1600" b="1" cap="none" dirty="0"/>
+              <a:t> </a:t>
+            </a:r>
+            <a:r>
+              <a:rPr lang="en-GB" sz="1400" cap="none" dirty="0"/>
+              <a:t>Databank</a:t>
+            </a:r>
+            <a:r>
+              <a:rPr lang="en-GB" sz="1600" b="1" cap="none" dirty="0"/>
+              <a:t> </a:t>
+            </a:r>
+            <a:r>
+              <a:rPr lang="en-GB" sz="1400" cap="none" dirty="0"/>
+              <a:t>– ASP.NET MVC – </a:t>
+            </a:r>
+            <a:r>
+              <a:rPr lang="en-GB" sz="1600" b="1" cap="none" dirty="0" err="1"/>
+              <a:t>Inlogsysteem</a:t>
+            </a:r>
+            <a:r>
+              <a:rPr lang="en-GB" sz="1400" cap="none" dirty="0"/>
+              <a:t> – Future work</a:t>
+            </a:r>
+            <a:endParaRPr lang="nl-BE" sz="1400" cap="none" dirty="0"/>
+          </a:p>
+        </p:txBody>
+      </p:sp>
+      <p:sp>
+        <p:nvSpPr>
+          <p:cNvPr id="6" name="Tijdelijke aanduiding voor dianummer 5"/>
+          <p:cNvSpPr>
+            <a:spLocks noGrp="1"/>
+          </p:cNvSpPr>
+          <p:nvPr>
+            <p:ph type="sldNum" sz="quarter" idx="12"/>
+          </p:nvPr>
+        </p:nvSpPr>
+        <p:spPr>
+          <a:xfrm>
+            <a:off x="10613571" y="6459785"/>
+            <a:ext cx="598912" cy="365125"/>
+          </a:xfrm>
+        </p:spPr>
+        <p:txBody>
+          <a:bodyPr/>
+          <a:lstStyle/>
+          <a:p>
+            <a:fld id="{535572C1-3FAA-4346-9330-03EF25016D70}" type="slidenum">
+              <a:rPr lang="nl-BE" sz="1600" smtClean="0"/>
+              <a:t>15</a:t>
+            </a:fld>
+            <a:endParaRPr lang="nl-BE" sz="1600" dirty="0"/>
+          </a:p>
+        </p:txBody>
+      </p:sp>
+      <p:cxnSp>
+        <p:nvCxnSpPr>
+          <p:cNvPr id="10" name="Rechte verbindingslijn 9"/>
+          <p:cNvCxnSpPr/>
+          <p:nvPr/>
+        </p:nvCxnSpPr>
+        <p:spPr>
+          <a:xfrm>
+            <a:off x="1097280" y="1045030"/>
+            <a:ext cx="10210256" cy="0"/>
+          </a:xfrm>
+          <a:prstGeom prst="line">
+            <a:avLst/>
+          </a:prstGeom>
+          <a:ln>
+            <a:solidFill>
+              <a:schemeClr val="bg1">
+                <a:lumMod val="65000"/>
+              </a:schemeClr>
+            </a:solidFill>
+          </a:ln>
+        </p:spPr>
+        <p:style>
+          <a:lnRef idx="1">
+            <a:schemeClr val="accent1"/>
+          </a:lnRef>
+          <a:fillRef idx="0">
+            <a:schemeClr val="accent1"/>
+          </a:fillRef>
+          <a:effectRef idx="0">
+            <a:schemeClr val="accent1"/>
+          </a:effectRef>
+          <a:fontRef idx="minor">
+            <a:schemeClr val="tx1"/>
+          </a:fontRef>
+        </p:style>
+      </p:cxnSp>
+      <p:sp>
+        <p:nvSpPr>
+          <p:cNvPr id="11" name="Titel 1"/>
+          <p:cNvSpPr txBox="1">
+            <a:spLocks/>
+          </p:cNvSpPr>
+          <p:nvPr/>
+        </p:nvSpPr>
+        <p:spPr>
+          <a:xfrm>
+            <a:off x="1097280" y="286604"/>
+            <a:ext cx="10058400" cy="758426"/>
+          </a:xfrm>
+          <a:prstGeom prst="rect">
+            <a:avLst/>
+          </a:prstGeom>
+        </p:spPr>
+        <p:txBody>
+          <a:bodyPr anchor="ctr"/>
+          <a:lstStyle>
+            <a:lvl1pPr algn="l" defTabSz="914400" rtl="0" eaLnBrk="1" latinLnBrk="0" hangingPunct="1">
+              <a:lnSpc>
+                <a:spcPct val="85000"/>
+              </a:lnSpc>
+              <a:spcBef>
+                <a:spcPct val="0"/>
+              </a:spcBef>
+              <a:buNone/>
+              <a:defRPr sz="4800" kern="1200" spc="-50" baseline="0">
+                <a:solidFill>
+                  <a:schemeClr val="tx1">
+                    <a:lumMod val="75000"/>
+                    <a:lumOff val="25000"/>
+                  </a:schemeClr>
+                </a:solidFill>
+                <a:latin typeface="+mj-lt"/>
+                <a:ea typeface="+mj-ea"/>
+                <a:cs typeface="+mj-cs"/>
+              </a:defRPr>
+            </a:lvl1pPr>
+          </a:lstStyle>
+          <a:p>
+            <a:r>
+              <a:rPr lang="en-GB" dirty="0" err="1">
+                <a:solidFill>
+                  <a:schemeClr val="tx1"/>
+                </a:solidFill>
+              </a:rPr>
+              <a:t>Logintabellen</a:t>
+            </a:r>
+            <a:endParaRPr lang="nl-BE" dirty="0">
+              <a:solidFill>
+                <a:schemeClr val="tx1"/>
+              </a:solidFill>
+            </a:endParaRPr>
+          </a:p>
+        </p:txBody>
+      </p:sp>
+      <p:sp>
+        <p:nvSpPr>
+          <p:cNvPr id="8" name="Tijdelijke aanduiding voor inhoud 2">
+            <a:extLst>
+              <a:ext uri="{FF2B5EF4-FFF2-40B4-BE49-F238E27FC236}">
+                <a16:creationId xmlns:a16="http://schemas.microsoft.com/office/drawing/2014/main" id="{6F369E50-FD53-4A8F-BEB4-927F2DB729E9}"/>
+              </a:ext>
+            </a:extLst>
+          </p:cNvPr>
+          <p:cNvSpPr txBox="1">
+            <a:spLocks/>
+          </p:cNvSpPr>
+          <p:nvPr/>
+        </p:nvSpPr>
+        <p:spPr>
+          <a:xfrm>
+            <a:off x="965943" y="1528153"/>
+            <a:ext cx="6601047" cy="4448507"/>
+          </a:xfrm>
+          <a:prstGeom prst="rect">
+            <a:avLst/>
+          </a:prstGeom>
+        </p:spPr>
+        <p:txBody>
+          <a:bodyPr>
+            <a:normAutofit/>
+          </a:bodyPr>
+          <a:lstStyle>
+            <a:lvl1pPr marL="91440" indent="-91440" algn="l" defTabSz="914400" rtl="0" eaLnBrk="1" latinLnBrk="0" hangingPunct="1">
+              <a:lnSpc>
+                <a:spcPct val="90000"/>
+              </a:lnSpc>
+              <a:spcBef>
+                <a:spcPts val="1200"/>
+              </a:spcBef>
+              <a:spcAft>
+                <a:spcPts val="200"/>
+              </a:spcAft>
+              <a:buClr>
+                <a:schemeClr val="accent1"/>
+              </a:buClr>
+              <a:buSzPct val="100000"/>
+              <a:buFont typeface="Calibri" panose="020F0502020204030204" pitchFamily="34" charset="0"/>
+              <a:buChar char=" "/>
+              <a:defRPr sz="2000" kern="1200">
+                <a:solidFill>
+                  <a:schemeClr val="tx1">
+                    <a:lumMod val="75000"/>
+                    <a:lumOff val="25000"/>
+                  </a:schemeClr>
+                </a:solidFill>
+                <a:latin typeface="+mn-lt"/>
+                <a:ea typeface="+mn-ea"/>
+                <a:cs typeface="+mn-cs"/>
+              </a:defRPr>
+            </a:lvl1pPr>
+            <a:lvl2pPr marL="384048" indent="-182880" algn="l" defTabSz="914400" rtl="0" eaLnBrk="1" latinLnBrk="0" hangingPunct="1">
+              <a:lnSpc>
+                <a:spcPct val="90000"/>
+              </a:lnSpc>
+              <a:spcBef>
+                <a:spcPts val="200"/>
+              </a:spcBef>
+              <a:spcAft>
+                <a:spcPts val="400"/>
+              </a:spcAft>
+              <a:buClr>
+                <a:schemeClr val="accent1"/>
+              </a:buClr>
+              <a:buFont typeface="Calibri" pitchFamily="34" charset="0"/>
+              <a:buChar char="◦"/>
+              <a:defRPr sz="1800" kern="1200">
+                <a:solidFill>
+                  <a:schemeClr val="tx1">
+                    <a:lumMod val="75000"/>
+                    <a:lumOff val="25000"/>
+                  </a:schemeClr>
+                </a:solidFill>
+                <a:latin typeface="+mn-lt"/>
+                <a:ea typeface="+mn-ea"/>
+                <a:cs typeface="+mn-cs"/>
+              </a:defRPr>
+            </a:lvl2pPr>
+            <a:lvl3pPr marL="566928" indent="-182880" algn="l" defTabSz="914400" rtl="0" eaLnBrk="1" latinLnBrk="0" hangingPunct="1">
+              <a:lnSpc>
+                <a:spcPct val="90000"/>
+              </a:lnSpc>
+              <a:spcBef>
+                <a:spcPts val="200"/>
+              </a:spcBef>
+              <a:spcAft>
+                <a:spcPts val="400"/>
+              </a:spcAft>
+              <a:buClr>
+                <a:schemeClr val="accent1"/>
+              </a:buClr>
+              <a:buFont typeface="Calibri" pitchFamily="34" charset="0"/>
+              <a:buChar char="◦"/>
+              <a:defRPr sz="1400" kern="1200">
+                <a:solidFill>
+                  <a:schemeClr val="tx1">
+                    <a:lumMod val="75000"/>
+                    <a:lumOff val="25000"/>
+                  </a:schemeClr>
+                </a:solidFill>
+                <a:latin typeface="+mn-lt"/>
+                <a:ea typeface="+mn-ea"/>
+                <a:cs typeface="+mn-cs"/>
+              </a:defRPr>
+            </a:lvl3pPr>
+            <a:lvl4pPr marL="749808" indent="-182880" algn="l" defTabSz="914400" rtl="0" eaLnBrk="1" latinLnBrk="0" hangingPunct="1">
+              <a:lnSpc>
+                <a:spcPct val="90000"/>
+              </a:lnSpc>
+              <a:spcBef>
+                <a:spcPts val="200"/>
+              </a:spcBef>
+              <a:spcAft>
+                <a:spcPts val="400"/>
+              </a:spcAft>
+              <a:buClr>
+                <a:schemeClr val="accent1"/>
+              </a:buClr>
+              <a:buFont typeface="Calibri" pitchFamily="34" charset="0"/>
+              <a:buChar char="◦"/>
+              <a:defRPr sz="1400" kern="1200">
+                <a:solidFill>
+                  <a:schemeClr val="tx1">
+                    <a:lumMod val="75000"/>
+                    <a:lumOff val="25000"/>
+                  </a:schemeClr>
+                </a:solidFill>
+                <a:latin typeface="+mn-lt"/>
+                <a:ea typeface="+mn-ea"/>
+                <a:cs typeface="+mn-cs"/>
+              </a:defRPr>
+            </a:lvl4pPr>
+            <a:lvl5pPr marL="932688" indent="-182880" algn="l" defTabSz="914400" rtl="0" eaLnBrk="1" latinLnBrk="0" hangingPunct="1">
+              <a:lnSpc>
+                <a:spcPct val="90000"/>
+              </a:lnSpc>
+              <a:spcBef>
+                <a:spcPts val="200"/>
+              </a:spcBef>
+              <a:spcAft>
+                <a:spcPts val="400"/>
+              </a:spcAft>
+              <a:buClr>
+                <a:schemeClr val="accent1"/>
+              </a:buClr>
+              <a:buFont typeface="Calibri" pitchFamily="34" charset="0"/>
+              <a:buChar char="◦"/>
+              <a:defRPr sz="1400" kern="1200">
+                <a:solidFill>
+                  <a:schemeClr val="tx1">
+                    <a:lumMod val="75000"/>
+                    <a:lumOff val="25000"/>
+                  </a:schemeClr>
+                </a:solidFill>
+                <a:latin typeface="+mn-lt"/>
+                <a:ea typeface="+mn-ea"/>
+                <a:cs typeface="+mn-cs"/>
+              </a:defRPr>
+            </a:lvl5pPr>
+            <a:lvl6pPr marL="1100000" indent="-228600" algn="l" defTabSz="914400" rtl="0" eaLnBrk="1" latinLnBrk="0" hangingPunct="1">
+              <a:lnSpc>
+                <a:spcPct val="90000"/>
+              </a:lnSpc>
+              <a:spcBef>
+                <a:spcPts val="200"/>
+              </a:spcBef>
+              <a:spcAft>
+                <a:spcPts val="400"/>
+              </a:spcAft>
+              <a:buClr>
+                <a:schemeClr val="accent1"/>
+              </a:buClr>
+              <a:buFont typeface="Calibri" pitchFamily="34" charset="0"/>
+              <a:buChar char="◦"/>
+              <a:defRPr sz="1400" kern="1200">
+                <a:solidFill>
+                  <a:schemeClr val="tx1">
+                    <a:lumMod val="75000"/>
+                    <a:lumOff val="25000"/>
+                  </a:schemeClr>
+                </a:solidFill>
+                <a:latin typeface="+mn-lt"/>
+                <a:ea typeface="+mn-ea"/>
+                <a:cs typeface="+mn-cs"/>
+              </a:defRPr>
+            </a:lvl6pPr>
+            <a:lvl7pPr marL="1300000" indent="-228600" algn="l" defTabSz="914400" rtl="0" eaLnBrk="1" latinLnBrk="0" hangingPunct="1">
+              <a:lnSpc>
+                <a:spcPct val="90000"/>
+              </a:lnSpc>
+              <a:spcBef>
+                <a:spcPts val="200"/>
+              </a:spcBef>
+              <a:spcAft>
+                <a:spcPts val="400"/>
+              </a:spcAft>
+              <a:buClr>
+                <a:schemeClr val="accent1"/>
+              </a:buClr>
+              <a:buFont typeface="Calibri" pitchFamily="34" charset="0"/>
+              <a:buChar char="◦"/>
+              <a:defRPr sz="1400" kern="1200">
+                <a:solidFill>
+                  <a:schemeClr val="tx1">
+                    <a:lumMod val="75000"/>
+                    <a:lumOff val="25000"/>
+                  </a:schemeClr>
+                </a:solidFill>
+                <a:latin typeface="+mn-lt"/>
+                <a:ea typeface="+mn-ea"/>
+                <a:cs typeface="+mn-cs"/>
+              </a:defRPr>
+            </a:lvl7pPr>
+            <a:lvl8pPr marL="1500000" indent="-228600" algn="l" defTabSz="914400" rtl="0" eaLnBrk="1" latinLnBrk="0" hangingPunct="1">
+              <a:lnSpc>
+                <a:spcPct val="90000"/>
+              </a:lnSpc>
+              <a:spcBef>
+                <a:spcPts val="200"/>
+              </a:spcBef>
+              <a:spcAft>
+                <a:spcPts val="400"/>
+              </a:spcAft>
+              <a:buClr>
+                <a:schemeClr val="accent1"/>
+              </a:buClr>
+              <a:buFont typeface="Calibri" pitchFamily="34" charset="0"/>
+              <a:buChar char="◦"/>
+              <a:defRPr sz="1400" kern="1200">
+                <a:solidFill>
+                  <a:schemeClr val="tx1">
+                    <a:lumMod val="75000"/>
+                    <a:lumOff val="25000"/>
+                  </a:schemeClr>
+                </a:solidFill>
+                <a:latin typeface="+mn-lt"/>
+                <a:ea typeface="+mn-ea"/>
+                <a:cs typeface="+mn-cs"/>
+              </a:defRPr>
+            </a:lvl8pPr>
+            <a:lvl9pPr marL="1700000" indent="-228600" algn="l" defTabSz="914400" rtl="0" eaLnBrk="1" latinLnBrk="0" hangingPunct="1">
+              <a:lnSpc>
+                <a:spcPct val="90000"/>
+              </a:lnSpc>
+              <a:spcBef>
+                <a:spcPts val="200"/>
+              </a:spcBef>
+              <a:spcAft>
+                <a:spcPts val="400"/>
+              </a:spcAft>
+              <a:buClr>
+                <a:schemeClr val="accent1"/>
+              </a:buClr>
+              <a:buFont typeface="Calibri" pitchFamily="34" charset="0"/>
+              <a:buChar char="◦"/>
+              <a:defRPr sz="1400" kern="1200">
+                <a:solidFill>
+                  <a:schemeClr val="tx1">
+                    <a:lumMod val="75000"/>
+                    <a:lumOff val="25000"/>
+                  </a:schemeClr>
+                </a:solidFill>
+                <a:latin typeface="+mn-lt"/>
+                <a:ea typeface="+mn-ea"/>
+                <a:cs typeface="+mn-cs"/>
+              </a:defRPr>
+            </a:lvl9pPr>
+          </a:lstStyle>
+          <a:p>
+            <a:pPr lvl="1">
+              <a:buFont typeface="Wingdings" panose="05000000000000000000" pitchFamily="2" charset="2"/>
+              <a:buChar char="§"/>
+            </a:pPr>
+            <a:r>
+              <a:rPr lang="en-GB" sz="2000" dirty="0" err="1">
+                <a:solidFill>
+                  <a:schemeClr val="tx1"/>
+                </a:solidFill>
+              </a:rPr>
+              <a:t>Tabellen</a:t>
+            </a:r>
+            <a:r>
+              <a:rPr lang="en-GB" sz="2000" dirty="0">
+                <a:solidFill>
+                  <a:schemeClr val="tx1"/>
+                </a:solidFill>
+              </a:rPr>
+              <a:t> </a:t>
+            </a:r>
+            <a:r>
+              <a:rPr lang="en-GB" sz="2000" dirty="0" err="1">
+                <a:solidFill>
+                  <a:schemeClr val="tx1"/>
+                </a:solidFill>
+              </a:rPr>
+              <a:t>voor</a:t>
+            </a:r>
+            <a:r>
+              <a:rPr lang="en-GB" sz="2000" dirty="0">
+                <a:solidFill>
+                  <a:schemeClr val="tx1"/>
+                </a:solidFill>
+              </a:rPr>
+              <a:t> </a:t>
+            </a:r>
+            <a:r>
+              <a:rPr lang="en-GB" sz="2000" dirty="0" err="1">
+                <a:solidFill>
+                  <a:schemeClr val="tx1"/>
+                </a:solidFill>
+              </a:rPr>
+              <a:t>loginfunctionaliteit</a:t>
+            </a:r>
+            <a:endParaRPr lang="nl-BE" sz="2400" dirty="0"/>
+          </a:p>
+        </p:txBody>
+      </p:sp>
+      <p:pic>
+        <p:nvPicPr>
+          <p:cNvPr id="3" name="Afbeelding 2">
+            <a:extLst>
+              <a:ext uri="{FF2B5EF4-FFF2-40B4-BE49-F238E27FC236}">
+                <a16:creationId xmlns:a16="http://schemas.microsoft.com/office/drawing/2014/main" id="{415B2642-349A-46CA-877A-DF1A0A32E00C}"/>
+              </a:ext>
+            </a:extLst>
+          </p:cNvPr>
+          <p:cNvPicPr>
+            <a:picLocks noChangeAspect="1"/>
+          </p:cNvPicPr>
+          <p:nvPr/>
+        </p:nvPicPr>
+        <p:blipFill>
+          <a:blip r:embed="rId2">
+            <a:extLst>
+              <a:ext uri="{28A0092B-C50C-407E-A947-70E740481C1C}">
+                <a14:useLocalDpi xmlns:a14="http://schemas.microsoft.com/office/drawing/2010/main" val="0"/>
+              </a:ext>
+            </a:extLst>
+          </a:blip>
+          <a:stretch>
+            <a:fillRect/>
+          </a:stretch>
+        </p:blipFill>
+        <p:spPr>
+          <a:xfrm>
+            <a:off x="3905182" y="2006208"/>
+            <a:ext cx="7614389" cy="3970435"/>
+          </a:xfrm>
+          <a:prstGeom prst="rect">
+            <a:avLst/>
+          </a:prstGeom>
+        </p:spPr>
+      </p:pic>
+    </p:spTree>
+    <p:extLst>
+      <p:ext uri="{BB962C8B-B14F-4D97-AF65-F5344CB8AC3E}">
+        <p14:creationId xmlns:p14="http://schemas.microsoft.com/office/powerpoint/2010/main" val="2372307100"/>
+      </p:ext>
+    </p:extLst>
+  </p:cSld>
+  <p:clrMapOvr>
+    <a:masterClrMapping/>
+  </p:clrMapOvr>
+  <p:timing>
+    <p:tnLst>
+      <p:par>
+        <p:cTn id="1" dur="indefinite" restart="never" nodeType="tmRoot">
+          <p:childTnLst>
+            <p:seq concurrent="1" nextAc="seek">
+              <p:cTn id="2" dur="indefinite" nodeType="mainSeq">
+                <p:childTnLst>
+                  <p:par>
+                    <p:cTn id="3" fill="hold">
+                      <p:stCondLst>
+                        <p:cond delay="indefinite"/>
+                      </p:stCondLst>
+                      <p:childTnLst>
+                        <p:par>
+                          <p:cTn id="4" fill="hold">
+                            <p:stCondLst>
+                              <p:cond delay="0"/>
+                            </p:stCondLst>
+                            <p:childTnLst>
+                              <p:par>
+                                <p:cTn id="5" presetID="10" presetClass="entr" presetSubtype="0" fill="hold" nodeType="clickEffect">
+                                  <p:stCondLst>
+                                    <p:cond delay="0"/>
+                                  </p:stCondLst>
+                                  <p:childTnLst>
+                                    <p:set>
+                                      <p:cBhvr>
+                                        <p:cTn id="6" dur="1" fill="hold">
+                                          <p:stCondLst>
+                                            <p:cond delay="0"/>
+                                          </p:stCondLst>
+                                        </p:cTn>
+                                        <p:tgtEl>
+                                          <p:spTgt spid="8">
+                                            <p:txEl>
+                                              <p:pRg st="0" end="0"/>
+                                            </p:txEl>
+                                          </p:spTgt>
+                                        </p:tgtEl>
+                                        <p:attrNameLst>
+                                          <p:attrName>style.visibility</p:attrName>
+                                        </p:attrNameLst>
+                                      </p:cBhvr>
+                                      <p:to>
+                                        <p:strVal val="visible"/>
+                                      </p:to>
+                                    </p:set>
+                                    <p:animEffect transition="in" filter="fade">
+                                      <p:cBhvr>
+                                        <p:cTn id="7" dur="500"/>
+                                        <p:tgtEl>
+                                          <p:spTgt spid="8">
+                                            <p:txEl>
+                                              <p:pRg st="0" end="0"/>
+                                            </p:txEl>
+                                          </p:spTgt>
+                                        </p:tgtEl>
+                                      </p:cBhvr>
+                                    </p:animEffect>
+                                  </p:childTnLst>
+                                </p:cTn>
+                              </p:par>
+                              <p:par>
+                                <p:cTn id="8" presetID="10" presetClass="entr" presetSubtype="0" fill="hold" nodeType="withEffect">
+                                  <p:stCondLst>
+                                    <p:cond delay="0"/>
+                                  </p:stCondLst>
+                                  <p:childTnLst>
+                                    <p:set>
+                                      <p:cBhvr>
+                                        <p:cTn id="9" dur="1" fill="hold">
+                                          <p:stCondLst>
+                                            <p:cond delay="0"/>
+                                          </p:stCondLst>
+                                        </p:cTn>
+                                        <p:tgtEl>
+                                          <p:spTgt spid="3"/>
+                                        </p:tgtEl>
+                                        <p:attrNameLst>
+                                          <p:attrName>style.visibility</p:attrName>
+                                        </p:attrNameLst>
+                                      </p:cBhvr>
+                                      <p:to>
+                                        <p:strVal val="visible"/>
+                                      </p:to>
+                                    </p:set>
+                                    <p:animEffect transition="in" filter="fade">
+                                      <p:cBhvr>
+                                        <p:cTn id="10" dur="500"/>
+                                        <p:tgtEl>
+                                          <p:spTgt spid="3"/>
+                                        </p:tgtEl>
+                                      </p:cBhvr>
+                                    </p:animEffect>
+                                  </p:childTnLst>
+                                </p:cTn>
+                              </p:par>
+                            </p:childTnLst>
+                          </p:cTn>
+                        </p:par>
+                      </p:childTnLst>
+                    </p:cTn>
+                  </p:par>
+                </p:childTnLst>
+              </p:cTn>
+              <p:prevCondLst>
+                <p:cond evt="onPrev" delay="0">
+                  <p:tgtEl>
+                    <p:sldTgt/>
+                  </p:tgtEl>
+                </p:cond>
+              </p:prevCondLst>
+              <p:nextCondLst>
+                <p:cond evt="onNext" delay="0">
+                  <p:tgtEl>
+                    <p:sldTgt/>
+                  </p:tgtEl>
+                </p:cond>
+              </p:nextCondLst>
+            </p:seq>
+          </p:childTnLst>
+        </p:cTn>
+      </p:par>
+    </p:tnLst>
+  </p:timing>
+</p:sld>
+</file>
+
+<file path=ppt/slides/slide16.xml><?xml version="1.0" encoding="utf-8"?>
+<p:sld xmlns:a="http://schemas.openxmlformats.org/drawingml/2006/main" xmlns:r="http://schemas.openxmlformats.org/officeDocument/2006/relationships" xmlns:p="http://schemas.openxmlformats.org/presentationml/2006/main">
+  <p:cSld>
+    <p:spTree>
+      <p:nvGrpSpPr>
+        <p:cNvPr id="1" name=""/>
+        <p:cNvGrpSpPr/>
+        <p:nvPr/>
+      </p:nvGrpSpPr>
+      <p:grpSpPr>
+        <a:xfrm>
+          <a:off x="0" y="0"/>
+          <a:ext cx="0" cy="0"/>
+          <a:chOff x="0" y="0"/>
+          <a:chExt cx="0" cy="0"/>
+        </a:xfrm>
+      </p:grpSpPr>
+      <p:sp>
+        <p:nvSpPr>
+          <p:cNvPr id="4" name="Tijdelijke aanduiding voor datum 3"/>
+          <p:cNvSpPr>
+            <a:spLocks noGrp="1"/>
+          </p:cNvSpPr>
+          <p:nvPr>
+            <p:ph type="dt" sz="half" idx="10"/>
+          </p:nvPr>
+        </p:nvSpPr>
+        <p:spPr>
+          <a:xfrm>
+            <a:off x="313508" y="6459783"/>
+            <a:ext cx="2472271" cy="365125"/>
+          </a:xfrm>
+        </p:spPr>
+        <p:txBody>
+          <a:bodyPr/>
+          <a:lstStyle/>
+          <a:p>
+            <a:r>
+              <a:rPr lang="nl-BE" sz="1400" dirty="0"/>
+              <a:t>Niels Hauttekeete</a:t>
+            </a:r>
+            <a:endParaRPr lang="nl-BE" sz="800" dirty="0"/>
+          </a:p>
+        </p:txBody>
+      </p:sp>
+      <p:sp>
+        <p:nvSpPr>
+          <p:cNvPr id="5" name="Tijdelijke aanduiding voor voettekst 4"/>
+          <p:cNvSpPr>
+            <a:spLocks noGrp="1"/>
+          </p:cNvSpPr>
+          <p:nvPr>
+            <p:ph type="ftr" sz="quarter" idx="11"/>
+          </p:nvPr>
+        </p:nvSpPr>
+        <p:spPr>
+          <a:xfrm>
+            <a:off x="2191294" y="6459784"/>
+            <a:ext cx="7870372" cy="365125"/>
+          </a:xfrm>
+        </p:spPr>
+        <p:txBody>
+          <a:bodyPr/>
+          <a:lstStyle/>
+          <a:p>
+            <a:r>
+              <a:rPr lang="en-GB" sz="1400" cap="none" dirty="0"/>
+              <a:t>Deployment diagram –</a:t>
+            </a:r>
+            <a:r>
+              <a:rPr lang="en-GB" sz="1600" b="1" cap="none" dirty="0"/>
+              <a:t> </a:t>
+            </a:r>
+            <a:r>
+              <a:rPr lang="en-GB" sz="1400" cap="none" dirty="0"/>
+              <a:t>Databank</a:t>
+            </a:r>
+            <a:r>
+              <a:rPr lang="en-GB" sz="1600" b="1" cap="none" dirty="0"/>
+              <a:t> </a:t>
+            </a:r>
+            <a:r>
+              <a:rPr lang="en-GB" sz="1400" cap="none" dirty="0"/>
+              <a:t>– ASP.NET MVC – </a:t>
+            </a:r>
+            <a:r>
+              <a:rPr lang="en-GB" sz="1600" b="1" cap="none" dirty="0" err="1"/>
+              <a:t>Inlogsysteem</a:t>
+            </a:r>
+            <a:r>
+              <a:rPr lang="en-GB" sz="1400" cap="none" dirty="0"/>
+              <a:t> – Future work</a:t>
+            </a:r>
+            <a:endParaRPr lang="nl-BE" sz="1400" cap="none" dirty="0"/>
+          </a:p>
+        </p:txBody>
+      </p:sp>
+      <p:sp>
+        <p:nvSpPr>
+          <p:cNvPr id="6" name="Tijdelijke aanduiding voor dianummer 5"/>
+          <p:cNvSpPr>
+            <a:spLocks noGrp="1"/>
+          </p:cNvSpPr>
+          <p:nvPr>
+            <p:ph type="sldNum" sz="quarter" idx="12"/>
+          </p:nvPr>
+        </p:nvSpPr>
+        <p:spPr>
+          <a:xfrm>
+            <a:off x="10613571" y="6459785"/>
+            <a:ext cx="598912" cy="365125"/>
+          </a:xfrm>
+        </p:spPr>
+        <p:txBody>
+          <a:bodyPr/>
+          <a:lstStyle/>
+          <a:p>
+            <a:fld id="{535572C1-3FAA-4346-9330-03EF25016D70}" type="slidenum">
+              <a:rPr lang="nl-BE" sz="1600" smtClean="0"/>
+              <a:t>16</a:t>
+            </a:fld>
+            <a:endParaRPr lang="nl-BE" sz="1600" dirty="0"/>
+          </a:p>
+        </p:txBody>
+      </p:sp>
+      <p:cxnSp>
+        <p:nvCxnSpPr>
+          <p:cNvPr id="10" name="Rechte verbindingslijn 9"/>
+          <p:cNvCxnSpPr/>
+          <p:nvPr/>
+        </p:nvCxnSpPr>
+        <p:spPr>
+          <a:xfrm>
+            <a:off x="1097280" y="1045030"/>
+            <a:ext cx="10210256" cy="0"/>
+          </a:xfrm>
+          <a:prstGeom prst="line">
+            <a:avLst/>
+          </a:prstGeom>
+          <a:ln>
+            <a:solidFill>
+              <a:schemeClr val="bg1">
+                <a:lumMod val="65000"/>
+              </a:schemeClr>
+            </a:solidFill>
+          </a:ln>
+        </p:spPr>
+        <p:style>
+          <a:lnRef idx="1">
+            <a:schemeClr val="accent1"/>
+          </a:lnRef>
+          <a:fillRef idx="0">
+            <a:schemeClr val="accent1"/>
+          </a:fillRef>
+          <a:effectRef idx="0">
+            <a:schemeClr val="accent1"/>
+          </a:effectRef>
+          <a:fontRef idx="minor">
+            <a:schemeClr val="tx1"/>
+          </a:fontRef>
+        </p:style>
+      </p:cxnSp>
+      <p:sp>
+        <p:nvSpPr>
+          <p:cNvPr id="11" name="Titel 1"/>
+          <p:cNvSpPr txBox="1">
+            <a:spLocks/>
+          </p:cNvSpPr>
+          <p:nvPr/>
+        </p:nvSpPr>
+        <p:spPr>
+          <a:xfrm>
+            <a:off x="1097280" y="286604"/>
+            <a:ext cx="10058400" cy="758426"/>
+          </a:xfrm>
+          <a:prstGeom prst="rect">
+            <a:avLst/>
+          </a:prstGeom>
+        </p:spPr>
+        <p:txBody>
+          <a:bodyPr anchor="ctr"/>
+          <a:lstStyle>
+            <a:lvl1pPr algn="l" defTabSz="914400" rtl="0" eaLnBrk="1" latinLnBrk="0" hangingPunct="1">
+              <a:lnSpc>
+                <a:spcPct val="85000"/>
+              </a:lnSpc>
+              <a:spcBef>
+                <a:spcPct val="0"/>
+              </a:spcBef>
+              <a:buNone/>
+              <a:defRPr sz="4800" kern="1200" spc="-50" baseline="0">
+                <a:solidFill>
+                  <a:schemeClr val="tx1">
+                    <a:lumMod val="75000"/>
+                    <a:lumOff val="25000"/>
+                  </a:schemeClr>
+                </a:solidFill>
+                <a:latin typeface="+mj-lt"/>
+                <a:ea typeface="+mj-ea"/>
+                <a:cs typeface="+mj-cs"/>
+              </a:defRPr>
+            </a:lvl1pPr>
+          </a:lstStyle>
+          <a:p>
+            <a:r>
+              <a:rPr lang="en-GB" dirty="0" err="1">
+                <a:solidFill>
+                  <a:schemeClr val="tx1"/>
+                </a:solidFill>
+              </a:rPr>
+              <a:t>AspNetUsers</a:t>
+            </a:r>
+            <a:endParaRPr lang="nl-BE" dirty="0">
+              <a:solidFill>
+                <a:schemeClr val="tx1"/>
+              </a:solidFill>
+            </a:endParaRPr>
+          </a:p>
+        </p:txBody>
+      </p:sp>
+      <p:sp>
+        <p:nvSpPr>
+          <p:cNvPr id="8" name="Tijdelijke aanduiding voor inhoud 2">
+            <a:extLst>
+              <a:ext uri="{FF2B5EF4-FFF2-40B4-BE49-F238E27FC236}">
+                <a16:creationId xmlns:a16="http://schemas.microsoft.com/office/drawing/2014/main" id="{6F369E50-FD53-4A8F-BEB4-927F2DB729E9}"/>
+              </a:ext>
+            </a:extLst>
+          </p:cNvPr>
+          <p:cNvSpPr txBox="1">
+            <a:spLocks/>
+          </p:cNvSpPr>
+          <p:nvPr/>
+        </p:nvSpPr>
+        <p:spPr>
+          <a:xfrm>
+            <a:off x="965943" y="1528153"/>
+            <a:ext cx="6601047" cy="4448507"/>
+          </a:xfrm>
+          <a:prstGeom prst="rect">
+            <a:avLst/>
+          </a:prstGeom>
+        </p:spPr>
+        <p:txBody>
+          <a:bodyPr>
+            <a:normAutofit/>
+          </a:bodyPr>
+          <a:lstStyle>
+            <a:lvl1pPr marL="91440" indent="-91440" algn="l" defTabSz="914400" rtl="0" eaLnBrk="1" latinLnBrk="0" hangingPunct="1">
+              <a:lnSpc>
+                <a:spcPct val="90000"/>
+              </a:lnSpc>
+              <a:spcBef>
+                <a:spcPts val="1200"/>
+              </a:spcBef>
+              <a:spcAft>
+                <a:spcPts val="200"/>
+              </a:spcAft>
+              <a:buClr>
+                <a:schemeClr val="accent1"/>
+              </a:buClr>
+              <a:buSzPct val="100000"/>
+              <a:buFont typeface="Calibri" panose="020F0502020204030204" pitchFamily="34" charset="0"/>
+              <a:buChar char=" "/>
+              <a:defRPr sz="2000" kern="1200">
+                <a:solidFill>
+                  <a:schemeClr val="tx1">
+                    <a:lumMod val="75000"/>
+                    <a:lumOff val="25000"/>
+                  </a:schemeClr>
+                </a:solidFill>
+                <a:latin typeface="+mn-lt"/>
+                <a:ea typeface="+mn-ea"/>
+                <a:cs typeface="+mn-cs"/>
+              </a:defRPr>
+            </a:lvl1pPr>
+            <a:lvl2pPr marL="384048" indent="-182880" algn="l" defTabSz="914400" rtl="0" eaLnBrk="1" latinLnBrk="0" hangingPunct="1">
+              <a:lnSpc>
+                <a:spcPct val="90000"/>
+              </a:lnSpc>
+              <a:spcBef>
+                <a:spcPts val="200"/>
+              </a:spcBef>
+              <a:spcAft>
+                <a:spcPts val="400"/>
+              </a:spcAft>
+              <a:buClr>
+                <a:schemeClr val="accent1"/>
+              </a:buClr>
+              <a:buFont typeface="Calibri" pitchFamily="34" charset="0"/>
+              <a:buChar char="◦"/>
+              <a:defRPr sz="1800" kern="1200">
+                <a:solidFill>
+                  <a:schemeClr val="tx1">
+                    <a:lumMod val="75000"/>
+                    <a:lumOff val="25000"/>
+                  </a:schemeClr>
+                </a:solidFill>
+                <a:latin typeface="+mn-lt"/>
+                <a:ea typeface="+mn-ea"/>
+                <a:cs typeface="+mn-cs"/>
+              </a:defRPr>
+            </a:lvl2pPr>
+            <a:lvl3pPr marL="566928" indent="-182880" algn="l" defTabSz="914400" rtl="0" eaLnBrk="1" latinLnBrk="0" hangingPunct="1">
+              <a:lnSpc>
+                <a:spcPct val="90000"/>
+              </a:lnSpc>
+              <a:spcBef>
+                <a:spcPts val="200"/>
+              </a:spcBef>
+              <a:spcAft>
+                <a:spcPts val="400"/>
+              </a:spcAft>
+              <a:buClr>
+                <a:schemeClr val="accent1"/>
+              </a:buClr>
+              <a:buFont typeface="Calibri" pitchFamily="34" charset="0"/>
+              <a:buChar char="◦"/>
+              <a:defRPr sz="1400" kern="1200">
+                <a:solidFill>
+                  <a:schemeClr val="tx1">
+                    <a:lumMod val="75000"/>
+                    <a:lumOff val="25000"/>
+                  </a:schemeClr>
+                </a:solidFill>
+                <a:latin typeface="+mn-lt"/>
+                <a:ea typeface="+mn-ea"/>
+                <a:cs typeface="+mn-cs"/>
+              </a:defRPr>
+            </a:lvl3pPr>
+            <a:lvl4pPr marL="749808" indent="-182880" algn="l" defTabSz="914400" rtl="0" eaLnBrk="1" latinLnBrk="0" hangingPunct="1">
+              <a:lnSpc>
+                <a:spcPct val="90000"/>
+              </a:lnSpc>
+              <a:spcBef>
+                <a:spcPts val="200"/>
+              </a:spcBef>
+              <a:spcAft>
+                <a:spcPts val="400"/>
+              </a:spcAft>
+              <a:buClr>
+                <a:schemeClr val="accent1"/>
+              </a:buClr>
+              <a:buFont typeface="Calibri" pitchFamily="34" charset="0"/>
+              <a:buChar char="◦"/>
+              <a:defRPr sz="1400" kern="1200">
+                <a:solidFill>
+                  <a:schemeClr val="tx1">
+                    <a:lumMod val="75000"/>
+                    <a:lumOff val="25000"/>
+                  </a:schemeClr>
+                </a:solidFill>
+                <a:latin typeface="+mn-lt"/>
+                <a:ea typeface="+mn-ea"/>
+                <a:cs typeface="+mn-cs"/>
+              </a:defRPr>
+            </a:lvl4pPr>
+            <a:lvl5pPr marL="932688" indent="-182880" algn="l" defTabSz="914400" rtl="0" eaLnBrk="1" latinLnBrk="0" hangingPunct="1">
+              <a:lnSpc>
+                <a:spcPct val="90000"/>
+              </a:lnSpc>
+              <a:spcBef>
+                <a:spcPts val="200"/>
+              </a:spcBef>
+              <a:spcAft>
+                <a:spcPts val="400"/>
+              </a:spcAft>
+              <a:buClr>
+                <a:schemeClr val="accent1"/>
+              </a:buClr>
+              <a:buFont typeface="Calibri" pitchFamily="34" charset="0"/>
+              <a:buChar char="◦"/>
+              <a:defRPr sz="1400" kern="1200">
+                <a:solidFill>
+                  <a:schemeClr val="tx1">
+                    <a:lumMod val="75000"/>
+                    <a:lumOff val="25000"/>
+                  </a:schemeClr>
+                </a:solidFill>
+                <a:latin typeface="+mn-lt"/>
+                <a:ea typeface="+mn-ea"/>
+                <a:cs typeface="+mn-cs"/>
+              </a:defRPr>
+            </a:lvl5pPr>
+            <a:lvl6pPr marL="1100000" indent="-228600" algn="l" defTabSz="914400" rtl="0" eaLnBrk="1" latinLnBrk="0" hangingPunct="1">
+              <a:lnSpc>
+                <a:spcPct val="90000"/>
+              </a:lnSpc>
+              <a:spcBef>
+                <a:spcPts val="200"/>
+              </a:spcBef>
+              <a:spcAft>
+                <a:spcPts val="400"/>
+              </a:spcAft>
+              <a:buClr>
+                <a:schemeClr val="accent1"/>
+              </a:buClr>
+              <a:buFont typeface="Calibri" pitchFamily="34" charset="0"/>
+              <a:buChar char="◦"/>
+              <a:defRPr sz="1400" kern="1200">
+                <a:solidFill>
+                  <a:schemeClr val="tx1">
+                    <a:lumMod val="75000"/>
+                    <a:lumOff val="25000"/>
+                  </a:schemeClr>
+                </a:solidFill>
+                <a:latin typeface="+mn-lt"/>
+                <a:ea typeface="+mn-ea"/>
+                <a:cs typeface="+mn-cs"/>
+              </a:defRPr>
+            </a:lvl6pPr>
+            <a:lvl7pPr marL="1300000" indent="-228600" algn="l" defTabSz="914400" rtl="0" eaLnBrk="1" latinLnBrk="0" hangingPunct="1">
+              <a:lnSpc>
+                <a:spcPct val="90000"/>
+              </a:lnSpc>
+              <a:spcBef>
+                <a:spcPts val="200"/>
+              </a:spcBef>
+              <a:spcAft>
+                <a:spcPts val="400"/>
+              </a:spcAft>
+              <a:buClr>
+                <a:schemeClr val="accent1"/>
+              </a:buClr>
+              <a:buFont typeface="Calibri" pitchFamily="34" charset="0"/>
+              <a:buChar char="◦"/>
+              <a:defRPr sz="1400" kern="1200">
+                <a:solidFill>
+                  <a:schemeClr val="tx1">
+                    <a:lumMod val="75000"/>
+                    <a:lumOff val="25000"/>
+                  </a:schemeClr>
+                </a:solidFill>
+                <a:latin typeface="+mn-lt"/>
+                <a:ea typeface="+mn-ea"/>
+                <a:cs typeface="+mn-cs"/>
+              </a:defRPr>
+            </a:lvl7pPr>
+            <a:lvl8pPr marL="1500000" indent="-228600" algn="l" defTabSz="914400" rtl="0" eaLnBrk="1" latinLnBrk="0" hangingPunct="1">
+              <a:lnSpc>
+                <a:spcPct val="90000"/>
+              </a:lnSpc>
+              <a:spcBef>
+                <a:spcPts val="200"/>
+              </a:spcBef>
+              <a:spcAft>
+                <a:spcPts val="400"/>
+              </a:spcAft>
+              <a:buClr>
+                <a:schemeClr val="accent1"/>
+              </a:buClr>
+              <a:buFont typeface="Calibri" pitchFamily="34" charset="0"/>
+              <a:buChar char="◦"/>
+              <a:defRPr sz="1400" kern="1200">
+                <a:solidFill>
+                  <a:schemeClr val="tx1">
+                    <a:lumMod val="75000"/>
+                    <a:lumOff val="25000"/>
+                  </a:schemeClr>
+                </a:solidFill>
+                <a:latin typeface="+mn-lt"/>
+                <a:ea typeface="+mn-ea"/>
+                <a:cs typeface="+mn-cs"/>
+              </a:defRPr>
+            </a:lvl8pPr>
+            <a:lvl9pPr marL="1700000" indent="-228600" algn="l" defTabSz="914400" rtl="0" eaLnBrk="1" latinLnBrk="0" hangingPunct="1">
+              <a:lnSpc>
+                <a:spcPct val="90000"/>
+              </a:lnSpc>
+              <a:spcBef>
+                <a:spcPts val="200"/>
+              </a:spcBef>
+              <a:spcAft>
+                <a:spcPts val="400"/>
+              </a:spcAft>
+              <a:buClr>
+                <a:schemeClr val="accent1"/>
+              </a:buClr>
+              <a:buFont typeface="Calibri" pitchFamily="34" charset="0"/>
+              <a:buChar char="◦"/>
+              <a:defRPr sz="1400" kern="1200">
+                <a:solidFill>
+                  <a:schemeClr val="tx1">
+                    <a:lumMod val="75000"/>
+                    <a:lumOff val="25000"/>
+                  </a:schemeClr>
+                </a:solidFill>
+                <a:latin typeface="+mn-lt"/>
+                <a:ea typeface="+mn-ea"/>
+                <a:cs typeface="+mn-cs"/>
+              </a:defRPr>
+            </a:lvl9pPr>
+          </a:lstStyle>
+          <a:p>
+            <a:pPr lvl="1">
+              <a:buFont typeface="Wingdings" panose="05000000000000000000" pitchFamily="2" charset="2"/>
+              <a:buChar char="§"/>
+            </a:pPr>
+            <a:r>
+              <a:rPr lang="nl-BE" sz="2000" dirty="0">
+                <a:solidFill>
+                  <a:schemeClr val="tx1"/>
+                </a:solidFill>
+              </a:rPr>
+              <a:t> Geregistreerde gebruikers</a:t>
+            </a:r>
+          </a:p>
+          <a:p>
+            <a:pPr lvl="1">
+              <a:buFont typeface="Wingdings" panose="05000000000000000000" pitchFamily="2" charset="2"/>
+              <a:buChar char="§"/>
+            </a:pPr>
+            <a:endParaRPr lang="nl-BE" sz="2000" dirty="0">
+              <a:solidFill>
+                <a:schemeClr val="tx1"/>
+              </a:solidFill>
+            </a:endParaRPr>
+          </a:p>
+          <a:p>
+            <a:pPr lvl="1">
+              <a:buFont typeface="Wingdings" panose="05000000000000000000" pitchFamily="2" charset="2"/>
+              <a:buChar char="§"/>
+            </a:pPr>
+            <a:r>
+              <a:rPr lang="nl-BE" sz="2000" dirty="0">
+                <a:solidFill>
+                  <a:schemeClr val="tx1"/>
+                </a:solidFill>
+              </a:rPr>
+              <a:t> Authenticatie</a:t>
+            </a:r>
+          </a:p>
+        </p:txBody>
+      </p:sp>
+      <p:pic>
+        <p:nvPicPr>
+          <p:cNvPr id="7" name="Afbeelding 6" descr="Afbeelding met schermafbeelding&#10;&#10;Automatisch gegenereerde beschrijving">
+            <a:extLst>
+              <a:ext uri="{FF2B5EF4-FFF2-40B4-BE49-F238E27FC236}">
+                <a16:creationId xmlns:a16="http://schemas.microsoft.com/office/drawing/2014/main" id="{721C80B3-2877-4689-BE20-56A4164FB062}"/>
+              </a:ext>
+            </a:extLst>
+          </p:cNvPr>
+          <p:cNvPicPr>
+            <a:picLocks noChangeAspect="1"/>
+          </p:cNvPicPr>
+          <p:nvPr/>
+        </p:nvPicPr>
+        <p:blipFill>
+          <a:blip r:embed="rId2">
+            <a:extLst>
+              <a:ext uri="{28A0092B-C50C-407E-A947-70E740481C1C}">
+                <a14:useLocalDpi xmlns:a14="http://schemas.microsoft.com/office/drawing/2010/main" val="0"/>
+              </a:ext>
+            </a:extLst>
+          </a:blip>
+          <a:stretch>
+            <a:fillRect/>
+          </a:stretch>
+        </p:blipFill>
+        <p:spPr>
+          <a:xfrm>
+            <a:off x="6716992" y="1247782"/>
+            <a:ext cx="3998355" cy="4961223"/>
+          </a:xfrm>
+          <a:prstGeom prst="rect">
+            <a:avLst/>
+          </a:prstGeom>
+        </p:spPr>
+      </p:pic>
+    </p:spTree>
+    <p:extLst>
+      <p:ext uri="{BB962C8B-B14F-4D97-AF65-F5344CB8AC3E}">
+        <p14:creationId xmlns:p14="http://schemas.microsoft.com/office/powerpoint/2010/main" val="2587769340"/>
+      </p:ext>
+    </p:extLst>
+  </p:cSld>
+  <p:clrMapOvr>
+    <a:masterClrMapping/>
+  </p:clrMapOvr>
+  <p:timing>
+    <p:tnLst>
+      <p:par>
+        <p:cTn id="1" dur="indefinite" restart="never" nodeType="tmRoot">
+          <p:childTnLst>
+            <p:seq concurrent="1" nextAc="seek">
+              <p:cTn id="2" dur="indefinite" nodeType="mainSeq">
+                <p:childTnLst>
+                  <p:par>
+                    <p:cTn id="3" fill="hold">
+                      <p:stCondLst>
+                        <p:cond delay="indefinite"/>
+                      </p:stCondLst>
+                      <p:childTnLst>
+                        <p:par>
+                          <p:cTn id="4" fill="hold">
+                            <p:stCondLst>
+                              <p:cond delay="0"/>
+                            </p:stCondLst>
+                            <p:childTnLst>
+                              <p:par>
+                                <p:cTn id="5" presetID="10" presetClass="entr" presetSubtype="0" fill="hold" nodeType="clickEffect">
+                                  <p:stCondLst>
+                                    <p:cond delay="0"/>
+                                  </p:stCondLst>
+                                  <p:childTnLst>
+                                    <p:set>
+                                      <p:cBhvr>
+                                        <p:cTn id="6" dur="1" fill="hold">
+                                          <p:stCondLst>
+                                            <p:cond delay="0"/>
+                                          </p:stCondLst>
+                                        </p:cTn>
+                                        <p:tgtEl>
+                                          <p:spTgt spid="8">
+                                            <p:txEl>
+                                              <p:pRg st="0" end="0"/>
+                                            </p:txEl>
+                                          </p:spTgt>
+                                        </p:tgtEl>
+                                        <p:attrNameLst>
+                                          <p:attrName>style.visibility</p:attrName>
+                                        </p:attrNameLst>
+                                      </p:cBhvr>
+                                      <p:to>
+                                        <p:strVal val="visible"/>
+                                      </p:to>
+                                    </p:set>
+                                    <p:animEffect transition="in" filter="fade">
+                                      <p:cBhvr>
+                                        <p:cTn id="7" dur="500"/>
+                                        <p:tgtEl>
+                                          <p:spTgt spid="8">
+                                            <p:txEl>
+                                              <p:pRg st="0" end="0"/>
+                                            </p:txEl>
+                                          </p:spTgt>
+                                        </p:tgtEl>
+                                      </p:cBhvr>
+                                    </p:animEffect>
+                                  </p:childTnLst>
+                                </p:cTn>
+                              </p:par>
+                            </p:childTnLst>
+                          </p:cTn>
+                        </p:par>
+                      </p:childTnLst>
+                    </p:cTn>
+                  </p:par>
+                  <p:par>
+                    <p:cTn id="8" fill="hold">
+                      <p:stCondLst>
+                        <p:cond delay="indefinite"/>
+                      </p:stCondLst>
+                      <p:childTnLst>
+                        <p:par>
+                          <p:cTn id="9" fill="hold">
+                            <p:stCondLst>
+                              <p:cond delay="0"/>
+                            </p:stCondLst>
+                            <p:childTnLst>
+                              <p:par>
+                                <p:cTn id="10" presetID="10" presetClass="entr" presetSubtype="0" fill="hold" nodeType="clickEffect">
+                                  <p:stCondLst>
+                                    <p:cond delay="0"/>
+                                  </p:stCondLst>
+                                  <p:childTnLst>
+                                    <p:set>
+                                      <p:cBhvr>
+                                        <p:cTn id="11" dur="1" fill="hold">
+                                          <p:stCondLst>
+                                            <p:cond delay="0"/>
+                                          </p:stCondLst>
+                                        </p:cTn>
+                                        <p:tgtEl>
+                                          <p:spTgt spid="8">
+                                            <p:txEl>
+                                              <p:pRg st="2" end="2"/>
+                                            </p:txEl>
+                                          </p:spTgt>
+                                        </p:tgtEl>
+                                        <p:attrNameLst>
+                                          <p:attrName>style.visibility</p:attrName>
+                                        </p:attrNameLst>
+                                      </p:cBhvr>
+                                      <p:to>
+                                        <p:strVal val="visible"/>
+                                      </p:to>
+                                    </p:set>
+                                    <p:animEffect transition="in" filter="fade">
+                                      <p:cBhvr>
+                                        <p:cTn id="12" dur="500"/>
+                                        <p:tgtEl>
+                                          <p:spTgt spid="8">
+                                            <p:txEl>
+                                              <p:pRg st="2" end="2"/>
+                                            </p:txEl>
+                                          </p:spTgt>
+                                        </p:tgtEl>
+                                      </p:cBhvr>
+                                    </p:animEffect>
+                                  </p:childTnLst>
+                                </p:cTn>
+                              </p:par>
+                            </p:childTnLst>
+                          </p:cTn>
+                        </p:par>
+                      </p:childTnLst>
+                    </p:cTn>
+                  </p:par>
+                </p:childTnLst>
+              </p:cTn>
+              <p:prevCondLst>
+                <p:cond evt="onPrev" delay="0">
+                  <p:tgtEl>
+                    <p:sldTgt/>
+                  </p:tgtEl>
+                </p:cond>
+              </p:prevCondLst>
+              <p:nextCondLst>
+                <p:cond evt="onNext" delay="0">
+                  <p:tgtEl>
+                    <p:sldTgt/>
+                  </p:tgtEl>
+                </p:cond>
+              </p:nextCondLst>
+            </p:seq>
+          </p:childTnLst>
+        </p:cTn>
+      </p:par>
+    </p:tnLst>
+  </p:timing>
+</p:sld>
+</file>
+
+<file path=ppt/slides/slide17.xml><?xml version="1.0" encoding="utf-8"?>
+<p:sld xmlns:a="http://schemas.openxmlformats.org/drawingml/2006/main" xmlns:r="http://schemas.openxmlformats.org/officeDocument/2006/relationships" xmlns:p="http://schemas.openxmlformats.org/presentationml/2006/main">
+  <p:cSld>
+    <p:spTree>
+      <p:nvGrpSpPr>
+        <p:cNvPr id="1" name=""/>
+        <p:cNvGrpSpPr/>
+        <p:nvPr/>
+      </p:nvGrpSpPr>
+      <p:grpSpPr>
+        <a:xfrm>
+          <a:off x="0" y="0"/>
+          <a:ext cx="0" cy="0"/>
+          <a:chOff x="0" y="0"/>
+          <a:chExt cx="0" cy="0"/>
+        </a:xfrm>
+      </p:grpSpPr>
+      <p:sp>
+        <p:nvSpPr>
+          <p:cNvPr id="4" name="Tijdelijke aanduiding voor datum 3"/>
+          <p:cNvSpPr>
+            <a:spLocks noGrp="1"/>
+          </p:cNvSpPr>
+          <p:nvPr>
+            <p:ph type="dt" sz="half" idx="10"/>
+          </p:nvPr>
+        </p:nvSpPr>
+        <p:spPr>
+          <a:xfrm>
+            <a:off x="313508" y="6459783"/>
+            <a:ext cx="2472271" cy="365125"/>
+          </a:xfrm>
+        </p:spPr>
+        <p:txBody>
+          <a:bodyPr/>
+          <a:lstStyle/>
+          <a:p>
+            <a:r>
+              <a:rPr lang="nl-BE" sz="1400" dirty="0"/>
+              <a:t>Niels Hauttekeete</a:t>
+            </a:r>
+            <a:endParaRPr lang="nl-BE" sz="800" dirty="0"/>
+          </a:p>
+        </p:txBody>
+      </p:sp>
+      <p:sp>
+        <p:nvSpPr>
+          <p:cNvPr id="5" name="Tijdelijke aanduiding voor voettekst 4"/>
+          <p:cNvSpPr>
+            <a:spLocks noGrp="1"/>
+          </p:cNvSpPr>
+          <p:nvPr>
+            <p:ph type="ftr" sz="quarter" idx="11"/>
+          </p:nvPr>
+        </p:nvSpPr>
+        <p:spPr>
+          <a:xfrm>
+            <a:off x="2191294" y="6459784"/>
+            <a:ext cx="7870372" cy="365125"/>
+          </a:xfrm>
+        </p:spPr>
+        <p:txBody>
+          <a:bodyPr/>
+          <a:lstStyle/>
+          <a:p>
+            <a:r>
+              <a:rPr lang="en-GB" sz="1400" cap="none" dirty="0"/>
+              <a:t>Deployment diagram –</a:t>
+            </a:r>
+            <a:r>
+              <a:rPr lang="en-GB" sz="1600" b="1" cap="none" dirty="0"/>
+              <a:t> </a:t>
+            </a:r>
+            <a:r>
+              <a:rPr lang="en-GB" sz="1400" cap="none" dirty="0"/>
+              <a:t>Databank</a:t>
+            </a:r>
+            <a:r>
+              <a:rPr lang="en-GB" sz="1600" b="1" cap="none" dirty="0"/>
+              <a:t> </a:t>
+            </a:r>
+            <a:r>
+              <a:rPr lang="en-GB" sz="1400" cap="none" dirty="0"/>
+              <a:t>– ASP.NET MVC – </a:t>
+            </a:r>
+            <a:r>
+              <a:rPr lang="en-GB" sz="1600" b="1" cap="none" dirty="0" err="1"/>
+              <a:t>Inlogsysteem</a:t>
+            </a:r>
+            <a:r>
+              <a:rPr lang="en-GB" sz="1400" cap="none" dirty="0"/>
+              <a:t> – Future work</a:t>
+            </a:r>
+            <a:endParaRPr lang="nl-BE" sz="1400" cap="none" dirty="0"/>
+          </a:p>
+        </p:txBody>
+      </p:sp>
+      <p:sp>
+        <p:nvSpPr>
+          <p:cNvPr id="6" name="Tijdelijke aanduiding voor dianummer 5"/>
+          <p:cNvSpPr>
+            <a:spLocks noGrp="1"/>
+          </p:cNvSpPr>
+          <p:nvPr>
+            <p:ph type="sldNum" sz="quarter" idx="12"/>
+          </p:nvPr>
+        </p:nvSpPr>
+        <p:spPr>
+          <a:xfrm>
+            <a:off x="10613571" y="6459785"/>
+            <a:ext cx="598912" cy="365125"/>
+          </a:xfrm>
+        </p:spPr>
+        <p:txBody>
+          <a:bodyPr/>
+          <a:lstStyle/>
+          <a:p>
+            <a:fld id="{535572C1-3FAA-4346-9330-03EF25016D70}" type="slidenum">
+              <a:rPr lang="nl-BE" sz="1600" smtClean="0"/>
+              <a:t>17</a:t>
+            </a:fld>
+            <a:endParaRPr lang="nl-BE" sz="1600" dirty="0"/>
+          </a:p>
+        </p:txBody>
+      </p:sp>
+      <p:cxnSp>
+        <p:nvCxnSpPr>
+          <p:cNvPr id="10" name="Rechte verbindingslijn 9"/>
+          <p:cNvCxnSpPr/>
+          <p:nvPr/>
+        </p:nvCxnSpPr>
+        <p:spPr>
+          <a:xfrm>
+            <a:off x="1097280" y="1045030"/>
+            <a:ext cx="10210256" cy="0"/>
+          </a:xfrm>
+          <a:prstGeom prst="line">
+            <a:avLst/>
+          </a:prstGeom>
+          <a:ln>
+            <a:solidFill>
+              <a:schemeClr val="bg1">
+                <a:lumMod val="65000"/>
+              </a:schemeClr>
+            </a:solidFill>
+          </a:ln>
+        </p:spPr>
+        <p:style>
+          <a:lnRef idx="1">
+            <a:schemeClr val="accent1"/>
+          </a:lnRef>
+          <a:fillRef idx="0">
+            <a:schemeClr val="accent1"/>
+          </a:fillRef>
+          <a:effectRef idx="0">
+            <a:schemeClr val="accent1"/>
+          </a:effectRef>
+          <a:fontRef idx="minor">
+            <a:schemeClr val="tx1"/>
+          </a:fontRef>
+        </p:style>
+      </p:cxnSp>
+      <p:sp>
+        <p:nvSpPr>
+          <p:cNvPr id="11" name="Titel 1"/>
+          <p:cNvSpPr txBox="1">
+            <a:spLocks/>
+          </p:cNvSpPr>
+          <p:nvPr/>
+        </p:nvSpPr>
+        <p:spPr>
+          <a:xfrm>
+            <a:off x="1097280" y="286604"/>
+            <a:ext cx="10058400" cy="758426"/>
+          </a:xfrm>
+          <a:prstGeom prst="rect">
+            <a:avLst/>
+          </a:prstGeom>
+        </p:spPr>
+        <p:txBody>
+          <a:bodyPr anchor="ctr"/>
+          <a:lstStyle>
+            <a:lvl1pPr algn="l" defTabSz="914400" rtl="0" eaLnBrk="1" latinLnBrk="0" hangingPunct="1">
+              <a:lnSpc>
+                <a:spcPct val="85000"/>
+              </a:lnSpc>
+              <a:spcBef>
+                <a:spcPct val="0"/>
+              </a:spcBef>
+              <a:buNone/>
+              <a:defRPr sz="4800" kern="1200" spc="-50" baseline="0">
+                <a:solidFill>
+                  <a:schemeClr val="tx1">
+                    <a:lumMod val="75000"/>
+                    <a:lumOff val="25000"/>
+                  </a:schemeClr>
+                </a:solidFill>
+                <a:latin typeface="+mj-lt"/>
+                <a:ea typeface="+mj-ea"/>
+                <a:cs typeface="+mj-cs"/>
+              </a:defRPr>
+            </a:lvl1pPr>
+          </a:lstStyle>
+          <a:p>
+            <a:r>
+              <a:rPr lang="en-GB" dirty="0" err="1">
+                <a:solidFill>
+                  <a:schemeClr val="tx1"/>
+                </a:solidFill>
+              </a:rPr>
+              <a:t>AspNetRoles</a:t>
+            </a:r>
+            <a:r>
+              <a:rPr lang="en-GB" dirty="0">
+                <a:solidFill>
+                  <a:schemeClr val="tx1"/>
+                </a:solidFill>
+              </a:rPr>
+              <a:t> </a:t>
+            </a:r>
+            <a:r>
+              <a:rPr lang="en-GB" dirty="0" err="1">
+                <a:solidFill>
+                  <a:schemeClr val="tx1"/>
+                </a:solidFill>
+              </a:rPr>
+              <a:t>en</a:t>
+            </a:r>
+            <a:r>
+              <a:rPr lang="en-GB" dirty="0">
+                <a:solidFill>
+                  <a:schemeClr val="tx1"/>
+                </a:solidFill>
+              </a:rPr>
+              <a:t> </a:t>
+            </a:r>
+            <a:r>
+              <a:rPr lang="en-GB" dirty="0" err="1">
+                <a:solidFill>
+                  <a:schemeClr val="tx1"/>
+                </a:solidFill>
+              </a:rPr>
+              <a:t>AspNetUserRoles</a:t>
+            </a:r>
+            <a:endParaRPr lang="nl-BE" dirty="0">
+              <a:solidFill>
+                <a:schemeClr val="tx1"/>
+              </a:solidFill>
+            </a:endParaRPr>
+          </a:p>
+        </p:txBody>
+      </p:sp>
+      <p:sp>
+        <p:nvSpPr>
+          <p:cNvPr id="8" name="Tijdelijke aanduiding voor inhoud 2">
+            <a:extLst>
+              <a:ext uri="{FF2B5EF4-FFF2-40B4-BE49-F238E27FC236}">
+                <a16:creationId xmlns:a16="http://schemas.microsoft.com/office/drawing/2014/main" id="{6F369E50-FD53-4A8F-BEB4-927F2DB729E9}"/>
+              </a:ext>
+            </a:extLst>
+          </p:cNvPr>
+          <p:cNvSpPr txBox="1">
+            <a:spLocks/>
+          </p:cNvSpPr>
+          <p:nvPr/>
+        </p:nvSpPr>
+        <p:spPr>
+          <a:xfrm>
+            <a:off x="965943" y="1528153"/>
+            <a:ext cx="6601047" cy="4448507"/>
+          </a:xfrm>
+          <a:prstGeom prst="rect">
+            <a:avLst/>
+          </a:prstGeom>
+        </p:spPr>
+        <p:txBody>
+          <a:bodyPr>
+            <a:normAutofit/>
+          </a:bodyPr>
+          <a:lstStyle>
+            <a:lvl1pPr marL="91440" indent="-91440" algn="l" defTabSz="914400" rtl="0" eaLnBrk="1" latinLnBrk="0" hangingPunct="1">
+              <a:lnSpc>
+                <a:spcPct val="90000"/>
+              </a:lnSpc>
+              <a:spcBef>
+                <a:spcPts val="1200"/>
+              </a:spcBef>
+              <a:spcAft>
+                <a:spcPts val="200"/>
+              </a:spcAft>
+              <a:buClr>
+                <a:schemeClr val="accent1"/>
+              </a:buClr>
+              <a:buSzPct val="100000"/>
+              <a:buFont typeface="Calibri" panose="020F0502020204030204" pitchFamily="34" charset="0"/>
+              <a:buChar char=" "/>
+              <a:defRPr sz="2000" kern="1200">
+                <a:solidFill>
+                  <a:schemeClr val="tx1">
+                    <a:lumMod val="75000"/>
+                    <a:lumOff val="25000"/>
+                  </a:schemeClr>
+                </a:solidFill>
+                <a:latin typeface="+mn-lt"/>
+                <a:ea typeface="+mn-ea"/>
+                <a:cs typeface="+mn-cs"/>
+              </a:defRPr>
+            </a:lvl1pPr>
+            <a:lvl2pPr marL="384048" indent="-182880" algn="l" defTabSz="914400" rtl="0" eaLnBrk="1" latinLnBrk="0" hangingPunct="1">
+              <a:lnSpc>
+                <a:spcPct val="90000"/>
+              </a:lnSpc>
+              <a:spcBef>
+                <a:spcPts val="200"/>
+              </a:spcBef>
+              <a:spcAft>
+                <a:spcPts val="400"/>
+              </a:spcAft>
+              <a:buClr>
+                <a:schemeClr val="accent1"/>
+              </a:buClr>
+              <a:buFont typeface="Calibri" pitchFamily="34" charset="0"/>
+              <a:buChar char="◦"/>
+              <a:defRPr sz="1800" kern="1200">
+                <a:solidFill>
+                  <a:schemeClr val="tx1">
+                    <a:lumMod val="75000"/>
+                    <a:lumOff val="25000"/>
+                  </a:schemeClr>
+                </a:solidFill>
+                <a:latin typeface="+mn-lt"/>
+                <a:ea typeface="+mn-ea"/>
+                <a:cs typeface="+mn-cs"/>
+              </a:defRPr>
+            </a:lvl2pPr>
+            <a:lvl3pPr marL="566928" indent="-182880" algn="l" defTabSz="914400" rtl="0" eaLnBrk="1" latinLnBrk="0" hangingPunct="1">
+              <a:lnSpc>
+                <a:spcPct val="90000"/>
+              </a:lnSpc>
+              <a:spcBef>
+                <a:spcPts val="200"/>
+              </a:spcBef>
+              <a:spcAft>
+                <a:spcPts val="400"/>
+              </a:spcAft>
+              <a:buClr>
+                <a:schemeClr val="accent1"/>
+              </a:buClr>
+              <a:buFont typeface="Calibri" pitchFamily="34" charset="0"/>
+              <a:buChar char="◦"/>
+              <a:defRPr sz="1400" kern="1200">
+                <a:solidFill>
+                  <a:schemeClr val="tx1">
+                    <a:lumMod val="75000"/>
+                    <a:lumOff val="25000"/>
+                  </a:schemeClr>
+                </a:solidFill>
+                <a:latin typeface="+mn-lt"/>
+                <a:ea typeface="+mn-ea"/>
+                <a:cs typeface="+mn-cs"/>
+              </a:defRPr>
+            </a:lvl3pPr>
+            <a:lvl4pPr marL="749808" indent="-182880" algn="l" defTabSz="914400" rtl="0" eaLnBrk="1" latinLnBrk="0" hangingPunct="1">
+              <a:lnSpc>
+                <a:spcPct val="90000"/>
+              </a:lnSpc>
+              <a:spcBef>
+                <a:spcPts val="200"/>
+              </a:spcBef>
+              <a:spcAft>
+                <a:spcPts val="400"/>
+              </a:spcAft>
+              <a:buClr>
+                <a:schemeClr val="accent1"/>
+              </a:buClr>
+              <a:buFont typeface="Calibri" pitchFamily="34" charset="0"/>
+              <a:buChar char="◦"/>
+              <a:defRPr sz="1400" kern="1200">
+                <a:solidFill>
+                  <a:schemeClr val="tx1">
+                    <a:lumMod val="75000"/>
+                    <a:lumOff val="25000"/>
+                  </a:schemeClr>
+                </a:solidFill>
+                <a:latin typeface="+mn-lt"/>
+                <a:ea typeface="+mn-ea"/>
+                <a:cs typeface="+mn-cs"/>
+              </a:defRPr>
+            </a:lvl4pPr>
+            <a:lvl5pPr marL="932688" indent="-182880" algn="l" defTabSz="914400" rtl="0" eaLnBrk="1" latinLnBrk="0" hangingPunct="1">
+              <a:lnSpc>
+                <a:spcPct val="90000"/>
+              </a:lnSpc>
+              <a:spcBef>
+                <a:spcPts val="200"/>
+              </a:spcBef>
+              <a:spcAft>
+                <a:spcPts val="400"/>
+              </a:spcAft>
+              <a:buClr>
+                <a:schemeClr val="accent1"/>
+              </a:buClr>
+              <a:buFont typeface="Calibri" pitchFamily="34" charset="0"/>
+              <a:buChar char="◦"/>
+              <a:defRPr sz="1400" kern="1200">
+                <a:solidFill>
+                  <a:schemeClr val="tx1">
+                    <a:lumMod val="75000"/>
+                    <a:lumOff val="25000"/>
+                  </a:schemeClr>
+                </a:solidFill>
+                <a:latin typeface="+mn-lt"/>
+                <a:ea typeface="+mn-ea"/>
+                <a:cs typeface="+mn-cs"/>
+              </a:defRPr>
+            </a:lvl5pPr>
+            <a:lvl6pPr marL="1100000" indent="-228600" algn="l" defTabSz="914400" rtl="0" eaLnBrk="1" latinLnBrk="0" hangingPunct="1">
+              <a:lnSpc>
+                <a:spcPct val="90000"/>
+              </a:lnSpc>
+              <a:spcBef>
+                <a:spcPts val="200"/>
+              </a:spcBef>
+              <a:spcAft>
+                <a:spcPts val="400"/>
+              </a:spcAft>
+              <a:buClr>
+                <a:schemeClr val="accent1"/>
+              </a:buClr>
+              <a:buFont typeface="Calibri" pitchFamily="34" charset="0"/>
+              <a:buChar char="◦"/>
+              <a:defRPr sz="1400" kern="1200">
+                <a:solidFill>
+                  <a:schemeClr val="tx1">
+                    <a:lumMod val="75000"/>
+                    <a:lumOff val="25000"/>
+                  </a:schemeClr>
+                </a:solidFill>
+                <a:latin typeface="+mn-lt"/>
+                <a:ea typeface="+mn-ea"/>
+                <a:cs typeface="+mn-cs"/>
+              </a:defRPr>
+            </a:lvl6pPr>
+            <a:lvl7pPr marL="1300000" indent="-228600" algn="l" defTabSz="914400" rtl="0" eaLnBrk="1" latinLnBrk="0" hangingPunct="1">
+              <a:lnSpc>
+                <a:spcPct val="90000"/>
+              </a:lnSpc>
+              <a:spcBef>
+                <a:spcPts val="200"/>
+              </a:spcBef>
+              <a:spcAft>
+                <a:spcPts val="400"/>
+              </a:spcAft>
+              <a:buClr>
+                <a:schemeClr val="accent1"/>
+              </a:buClr>
+              <a:buFont typeface="Calibri" pitchFamily="34" charset="0"/>
+              <a:buChar char="◦"/>
+              <a:defRPr sz="1400" kern="1200">
+                <a:solidFill>
+                  <a:schemeClr val="tx1">
+                    <a:lumMod val="75000"/>
+                    <a:lumOff val="25000"/>
+                  </a:schemeClr>
+                </a:solidFill>
+                <a:latin typeface="+mn-lt"/>
+                <a:ea typeface="+mn-ea"/>
+                <a:cs typeface="+mn-cs"/>
+              </a:defRPr>
+            </a:lvl7pPr>
+            <a:lvl8pPr marL="1500000" indent="-228600" algn="l" defTabSz="914400" rtl="0" eaLnBrk="1" latinLnBrk="0" hangingPunct="1">
+              <a:lnSpc>
+                <a:spcPct val="90000"/>
+              </a:lnSpc>
+              <a:spcBef>
+                <a:spcPts val="200"/>
+              </a:spcBef>
+              <a:spcAft>
+                <a:spcPts val="400"/>
+              </a:spcAft>
+              <a:buClr>
+                <a:schemeClr val="accent1"/>
+              </a:buClr>
+              <a:buFont typeface="Calibri" pitchFamily="34" charset="0"/>
+              <a:buChar char="◦"/>
+              <a:defRPr sz="1400" kern="1200">
+                <a:solidFill>
+                  <a:schemeClr val="tx1">
+                    <a:lumMod val="75000"/>
+                    <a:lumOff val="25000"/>
+                  </a:schemeClr>
+                </a:solidFill>
+                <a:latin typeface="+mn-lt"/>
+                <a:ea typeface="+mn-ea"/>
+                <a:cs typeface="+mn-cs"/>
+              </a:defRPr>
+            </a:lvl8pPr>
+            <a:lvl9pPr marL="1700000" indent="-228600" algn="l" defTabSz="914400" rtl="0" eaLnBrk="1" latinLnBrk="0" hangingPunct="1">
+              <a:lnSpc>
+                <a:spcPct val="90000"/>
+              </a:lnSpc>
+              <a:spcBef>
+                <a:spcPts val="200"/>
+              </a:spcBef>
+              <a:spcAft>
+                <a:spcPts val="400"/>
+              </a:spcAft>
+              <a:buClr>
+                <a:schemeClr val="accent1"/>
+              </a:buClr>
+              <a:buFont typeface="Calibri" pitchFamily="34" charset="0"/>
+              <a:buChar char="◦"/>
+              <a:defRPr sz="1400" kern="1200">
+                <a:solidFill>
+                  <a:schemeClr val="tx1">
+                    <a:lumMod val="75000"/>
+                    <a:lumOff val="25000"/>
+                  </a:schemeClr>
+                </a:solidFill>
+                <a:latin typeface="+mn-lt"/>
+                <a:ea typeface="+mn-ea"/>
+                <a:cs typeface="+mn-cs"/>
+              </a:defRPr>
+            </a:lvl9pPr>
+          </a:lstStyle>
+          <a:p>
+            <a:pPr lvl="1">
+              <a:buFont typeface="Wingdings" panose="05000000000000000000" pitchFamily="2" charset="2"/>
+              <a:buChar char="§"/>
+            </a:pPr>
+            <a:r>
+              <a:rPr lang="nl-BE" sz="2000" dirty="0">
+                <a:solidFill>
+                  <a:schemeClr val="tx1"/>
+                </a:solidFill>
+              </a:rPr>
+              <a:t> </a:t>
+            </a:r>
+            <a:r>
+              <a:rPr lang="nl-BE" sz="2000" i="1" dirty="0">
+                <a:solidFill>
+                  <a:schemeClr val="tx1"/>
+                </a:solidFill>
+              </a:rPr>
+              <a:t>User</a:t>
+            </a:r>
+            <a:r>
+              <a:rPr lang="nl-BE" sz="2000" dirty="0">
+                <a:solidFill>
+                  <a:schemeClr val="tx1"/>
+                </a:solidFill>
+              </a:rPr>
+              <a:t> en </a:t>
+            </a:r>
+            <a:r>
+              <a:rPr lang="nl-BE" sz="2000" i="1" dirty="0" err="1">
+                <a:solidFill>
+                  <a:schemeClr val="tx1"/>
+                </a:solidFill>
+              </a:rPr>
+              <a:t>Admin</a:t>
+            </a:r>
+            <a:r>
+              <a:rPr lang="nl-BE" sz="2000" dirty="0">
+                <a:solidFill>
+                  <a:schemeClr val="tx1"/>
+                </a:solidFill>
+              </a:rPr>
+              <a:t> rol</a:t>
+            </a:r>
+          </a:p>
+          <a:p>
+            <a:pPr lvl="1">
+              <a:buFont typeface="Wingdings" panose="05000000000000000000" pitchFamily="2" charset="2"/>
+              <a:buChar char="§"/>
+            </a:pPr>
+            <a:endParaRPr lang="nl-BE" sz="2000" dirty="0">
+              <a:solidFill>
+                <a:schemeClr val="tx1"/>
+              </a:solidFill>
+            </a:endParaRPr>
+          </a:p>
+          <a:p>
+            <a:pPr lvl="1">
+              <a:buFont typeface="Wingdings" panose="05000000000000000000" pitchFamily="2" charset="2"/>
+              <a:buChar char="§"/>
+            </a:pPr>
+            <a:r>
+              <a:rPr lang="nl-BE" sz="2000" dirty="0">
+                <a:solidFill>
+                  <a:schemeClr val="tx1"/>
+                </a:solidFill>
+              </a:rPr>
+              <a:t> Autorisatie</a:t>
+            </a:r>
+          </a:p>
+          <a:p>
+            <a:pPr marL="201168" lvl="1" indent="0">
+              <a:buNone/>
+            </a:pPr>
+            <a:endParaRPr lang="nl-BE" sz="2000" dirty="0"/>
+          </a:p>
+        </p:txBody>
+      </p:sp>
+      <p:pic>
+        <p:nvPicPr>
+          <p:cNvPr id="3" name="Afbeelding 2" descr="Afbeelding met schermafbeelding&#10;&#10;Automatisch gegenereerde beschrijving">
+            <a:extLst>
+              <a:ext uri="{FF2B5EF4-FFF2-40B4-BE49-F238E27FC236}">
+                <a16:creationId xmlns:a16="http://schemas.microsoft.com/office/drawing/2014/main" id="{98794EA9-A2F6-4294-8ADF-7DFB86D29D1F}"/>
+              </a:ext>
+            </a:extLst>
+          </p:cNvPr>
+          <p:cNvPicPr>
+            <a:picLocks noChangeAspect="1"/>
+          </p:cNvPicPr>
+          <p:nvPr/>
+        </p:nvPicPr>
+        <p:blipFill>
+          <a:blip r:embed="rId2">
+            <a:extLst>
+              <a:ext uri="{28A0092B-C50C-407E-A947-70E740481C1C}">
+                <a14:useLocalDpi xmlns:a14="http://schemas.microsoft.com/office/drawing/2010/main" val="0"/>
+              </a:ext>
+            </a:extLst>
+          </a:blip>
+          <a:stretch>
+            <a:fillRect/>
+          </a:stretch>
+        </p:blipFill>
+        <p:spPr>
+          <a:xfrm>
+            <a:off x="6126480" y="1444300"/>
+            <a:ext cx="4433041" cy="4270660"/>
+          </a:xfrm>
+          <a:prstGeom prst="rect">
+            <a:avLst/>
+          </a:prstGeom>
+        </p:spPr>
+      </p:pic>
+    </p:spTree>
+    <p:extLst>
+      <p:ext uri="{BB962C8B-B14F-4D97-AF65-F5344CB8AC3E}">
+        <p14:creationId xmlns:p14="http://schemas.microsoft.com/office/powerpoint/2010/main" val="3674478719"/>
+      </p:ext>
+    </p:extLst>
+  </p:cSld>
+  <p:clrMapOvr>
+    <a:masterClrMapping/>
+  </p:clrMapOvr>
+  <p:timing>
+    <p:tnLst>
+      <p:par>
+        <p:cTn id="1" dur="indefinite" restart="never" nodeType="tmRoot">
+          <p:childTnLst>
+            <p:seq concurrent="1" nextAc="seek">
+              <p:cTn id="2" dur="indefinite" nodeType="mainSeq">
+                <p:childTnLst>
+                  <p:par>
+                    <p:cTn id="3" fill="hold">
+                      <p:stCondLst>
+                        <p:cond delay="indefinite"/>
+                      </p:stCondLst>
+                      <p:childTnLst>
+                        <p:par>
+                          <p:cTn id="4" fill="hold">
+                            <p:stCondLst>
+                              <p:cond delay="0"/>
+                            </p:stCondLst>
+                            <p:childTnLst>
+                              <p:par>
+                                <p:cTn id="5" presetID="10" presetClass="entr" presetSubtype="0" fill="hold" nodeType="clickEffect">
+                                  <p:stCondLst>
+                                    <p:cond delay="0"/>
+                                  </p:stCondLst>
+                                  <p:childTnLst>
+                                    <p:set>
+                                      <p:cBhvr>
+                                        <p:cTn id="6" dur="1" fill="hold">
+                                          <p:stCondLst>
+                                            <p:cond delay="0"/>
+                                          </p:stCondLst>
+                                        </p:cTn>
+                                        <p:tgtEl>
+                                          <p:spTgt spid="8">
+                                            <p:txEl>
+                                              <p:pRg st="0" end="0"/>
+                                            </p:txEl>
+                                          </p:spTgt>
+                                        </p:tgtEl>
+                                        <p:attrNameLst>
+                                          <p:attrName>style.visibility</p:attrName>
+                                        </p:attrNameLst>
+                                      </p:cBhvr>
+                                      <p:to>
+                                        <p:strVal val="visible"/>
+                                      </p:to>
+                                    </p:set>
+                                    <p:animEffect transition="in" filter="fade">
+                                      <p:cBhvr>
+                                        <p:cTn id="7" dur="500"/>
+                                        <p:tgtEl>
+                                          <p:spTgt spid="8">
+                                            <p:txEl>
+                                              <p:pRg st="0" end="0"/>
+                                            </p:txEl>
+                                          </p:spTgt>
+                                        </p:tgtEl>
+                                      </p:cBhvr>
+                                    </p:animEffect>
+                                  </p:childTnLst>
+                                </p:cTn>
+                              </p:par>
+                            </p:childTnLst>
+                          </p:cTn>
+                        </p:par>
+                      </p:childTnLst>
+                    </p:cTn>
+                  </p:par>
+                  <p:par>
+                    <p:cTn id="8" fill="hold">
+                      <p:stCondLst>
+                        <p:cond delay="indefinite"/>
+                      </p:stCondLst>
+                      <p:childTnLst>
+                        <p:par>
+                          <p:cTn id="9" fill="hold">
+                            <p:stCondLst>
+                              <p:cond delay="0"/>
+                            </p:stCondLst>
+                            <p:childTnLst>
+                              <p:par>
+                                <p:cTn id="10" presetID="10" presetClass="entr" presetSubtype="0" fill="hold" nodeType="clickEffect">
+                                  <p:stCondLst>
+                                    <p:cond delay="0"/>
+                                  </p:stCondLst>
+                                  <p:childTnLst>
+                                    <p:set>
+                                      <p:cBhvr>
+                                        <p:cTn id="11" dur="1" fill="hold">
+                                          <p:stCondLst>
+                                            <p:cond delay="0"/>
+                                          </p:stCondLst>
+                                        </p:cTn>
+                                        <p:tgtEl>
+                                          <p:spTgt spid="8">
+                                            <p:txEl>
+                                              <p:pRg st="2" end="2"/>
+                                            </p:txEl>
+                                          </p:spTgt>
+                                        </p:tgtEl>
+                                        <p:attrNameLst>
+                                          <p:attrName>style.visibility</p:attrName>
+                                        </p:attrNameLst>
+                                      </p:cBhvr>
+                                      <p:to>
+                                        <p:strVal val="visible"/>
+                                      </p:to>
+                                    </p:set>
+                                    <p:animEffect transition="in" filter="fade">
+                                      <p:cBhvr>
+                                        <p:cTn id="12" dur="500"/>
+                                        <p:tgtEl>
+                                          <p:spTgt spid="8">
+                                            <p:txEl>
+                                              <p:pRg st="2" end="2"/>
+                                            </p:txEl>
+                                          </p:spTgt>
+                                        </p:tgtEl>
+                                      </p:cBhvr>
+                                    </p:animEffect>
+                                  </p:childTnLst>
+                                </p:cTn>
+                              </p:par>
+                            </p:childTnLst>
+                          </p:cTn>
+                        </p:par>
+                      </p:childTnLst>
+                    </p:cTn>
+                  </p:par>
+                </p:childTnLst>
+              </p:cTn>
+              <p:prevCondLst>
+                <p:cond evt="onPrev" delay="0">
+                  <p:tgtEl>
+                    <p:sldTgt/>
+                  </p:tgtEl>
+                </p:cond>
+              </p:prevCondLst>
+              <p:nextCondLst>
+                <p:cond evt="onNext" delay="0">
+                  <p:tgtEl>
+                    <p:sldTgt/>
+                  </p:tgtEl>
+                </p:cond>
+              </p:nextCondLst>
+            </p:seq>
+          </p:childTnLst>
+        </p:cTn>
+      </p:par>
+    </p:tnLst>
+  </p:timing>
+</p:sld>
+</file>
+
+<file path=ppt/slides/slide18.xml><?xml version="1.0" encoding="utf-8"?>
+<p:sld xmlns:a="http://schemas.openxmlformats.org/drawingml/2006/main" xmlns:r="http://schemas.openxmlformats.org/officeDocument/2006/relationships" xmlns:p="http://schemas.openxmlformats.org/presentationml/2006/main">
+  <p:cSld>
+    <p:spTree>
+      <p:nvGrpSpPr>
+        <p:cNvPr id="1" name=""/>
+        <p:cNvGrpSpPr/>
+        <p:nvPr/>
+      </p:nvGrpSpPr>
+      <p:grpSpPr>
+        <a:xfrm>
+          <a:off x="0" y="0"/>
+          <a:ext cx="0" cy="0"/>
+          <a:chOff x="0" y="0"/>
+          <a:chExt cx="0" cy="0"/>
+        </a:xfrm>
+      </p:grpSpPr>
+      <p:sp>
+        <p:nvSpPr>
+          <p:cNvPr id="4" name="Tijdelijke aanduiding voor datum 3"/>
+          <p:cNvSpPr>
+            <a:spLocks noGrp="1"/>
+          </p:cNvSpPr>
+          <p:nvPr>
+            <p:ph type="dt" sz="half" idx="10"/>
+          </p:nvPr>
+        </p:nvSpPr>
+        <p:spPr>
+          <a:xfrm>
+            <a:off x="313508" y="6459783"/>
+            <a:ext cx="2472271" cy="365125"/>
+          </a:xfrm>
+        </p:spPr>
+        <p:txBody>
+          <a:bodyPr/>
+          <a:lstStyle/>
+          <a:p>
+            <a:r>
+              <a:rPr lang="nl-BE" sz="1400" dirty="0"/>
+              <a:t>Niels Hauttekeete</a:t>
+            </a:r>
+            <a:endParaRPr lang="nl-BE" sz="800" dirty="0"/>
+          </a:p>
+        </p:txBody>
+      </p:sp>
+      <p:sp>
+        <p:nvSpPr>
+          <p:cNvPr id="5" name="Tijdelijke aanduiding voor voettekst 4"/>
+          <p:cNvSpPr>
+            <a:spLocks noGrp="1"/>
+          </p:cNvSpPr>
+          <p:nvPr>
+            <p:ph type="ftr" sz="quarter" idx="11"/>
+          </p:nvPr>
+        </p:nvSpPr>
+        <p:spPr>
+          <a:xfrm>
+            <a:off x="2191294" y="6459784"/>
+            <a:ext cx="7870372" cy="365125"/>
+          </a:xfrm>
+        </p:spPr>
+        <p:txBody>
+          <a:bodyPr/>
+          <a:lstStyle/>
+          <a:p>
+            <a:r>
+              <a:rPr lang="en-GB" sz="1400" cap="none" dirty="0"/>
+              <a:t>Deployment diagram –</a:t>
+            </a:r>
+            <a:r>
+              <a:rPr lang="en-GB" sz="1600" b="1" cap="none" dirty="0"/>
+              <a:t> </a:t>
+            </a:r>
+            <a:r>
+              <a:rPr lang="en-GB" sz="1400" cap="none" dirty="0"/>
+              <a:t>Databank</a:t>
+            </a:r>
+            <a:r>
+              <a:rPr lang="en-GB" sz="1600" b="1" cap="none" dirty="0"/>
+              <a:t> </a:t>
+            </a:r>
+            <a:r>
+              <a:rPr lang="en-GB" sz="1400" cap="none" dirty="0"/>
+              <a:t>– ASP.NET MVC – </a:t>
+            </a:r>
+            <a:r>
+              <a:rPr lang="en-GB" sz="1600" b="1" cap="none" dirty="0" err="1"/>
+              <a:t>Inlogsysteem</a:t>
+            </a:r>
+            <a:r>
+              <a:rPr lang="en-GB" sz="1400" cap="none" dirty="0"/>
+              <a:t> – Future work</a:t>
+            </a:r>
+            <a:endParaRPr lang="nl-BE" sz="1400" cap="none" dirty="0"/>
+          </a:p>
+        </p:txBody>
+      </p:sp>
+      <p:sp>
+        <p:nvSpPr>
+          <p:cNvPr id="6" name="Tijdelijke aanduiding voor dianummer 5"/>
+          <p:cNvSpPr>
+            <a:spLocks noGrp="1"/>
+          </p:cNvSpPr>
+          <p:nvPr>
+            <p:ph type="sldNum" sz="quarter" idx="12"/>
+          </p:nvPr>
+        </p:nvSpPr>
+        <p:spPr>
+          <a:xfrm>
+            <a:off x="10613571" y="6459785"/>
+            <a:ext cx="598912" cy="365125"/>
+          </a:xfrm>
+        </p:spPr>
+        <p:txBody>
+          <a:bodyPr/>
+          <a:lstStyle/>
+          <a:p>
+            <a:fld id="{535572C1-3FAA-4346-9330-03EF25016D70}" type="slidenum">
+              <a:rPr lang="nl-BE" sz="1600" smtClean="0"/>
+              <a:t>18</a:t>
+            </a:fld>
+            <a:endParaRPr lang="nl-BE" sz="1600" dirty="0"/>
+          </a:p>
+        </p:txBody>
+      </p:sp>
+      <p:cxnSp>
+        <p:nvCxnSpPr>
+          <p:cNvPr id="10" name="Rechte verbindingslijn 9"/>
+          <p:cNvCxnSpPr/>
+          <p:nvPr/>
+        </p:nvCxnSpPr>
+        <p:spPr>
+          <a:xfrm>
+            <a:off x="1097280" y="1045030"/>
+            <a:ext cx="10210256" cy="0"/>
+          </a:xfrm>
+          <a:prstGeom prst="line">
+            <a:avLst/>
+          </a:prstGeom>
+          <a:ln>
+            <a:solidFill>
+              <a:schemeClr val="bg1">
+                <a:lumMod val="65000"/>
+              </a:schemeClr>
+            </a:solidFill>
+          </a:ln>
+        </p:spPr>
+        <p:style>
+          <a:lnRef idx="1">
+            <a:schemeClr val="accent1"/>
+          </a:lnRef>
+          <a:fillRef idx="0">
+            <a:schemeClr val="accent1"/>
+          </a:fillRef>
+          <a:effectRef idx="0">
+            <a:schemeClr val="accent1"/>
+          </a:effectRef>
+          <a:fontRef idx="minor">
+            <a:schemeClr val="tx1"/>
+          </a:fontRef>
+        </p:style>
+      </p:cxnSp>
+      <p:sp>
+        <p:nvSpPr>
+          <p:cNvPr id="11" name="Titel 1"/>
+          <p:cNvSpPr txBox="1">
+            <a:spLocks/>
+          </p:cNvSpPr>
+          <p:nvPr/>
+        </p:nvSpPr>
+        <p:spPr>
+          <a:xfrm>
+            <a:off x="1097280" y="286604"/>
+            <a:ext cx="10058400" cy="758426"/>
+          </a:xfrm>
+          <a:prstGeom prst="rect">
+            <a:avLst/>
+          </a:prstGeom>
+        </p:spPr>
+        <p:txBody>
+          <a:bodyPr anchor="ctr"/>
+          <a:lstStyle>
+            <a:lvl1pPr algn="l" defTabSz="914400" rtl="0" eaLnBrk="1" latinLnBrk="0" hangingPunct="1">
+              <a:lnSpc>
+                <a:spcPct val="85000"/>
+              </a:lnSpc>
+              <a:spcBef>
+                <a:spcPct val="0"/>
+              </a:spcBef>
+              <a:buNone/>
+              <a:defRPr sz="4800" kern="1200" spc="-50" baseline="0">
+                <a:solidFill>
+                  <a:schemeClr val="tx1">
+                    <a:lumMod val="75000"/>
+                    <a:lumOff val="25000"/>
+                  </a:schemeClr>
+                </a:solidFill>
+                <a:latin typeface="+mj-lt"/>
+                <a:ea typeface="+mj-ea"/>
+                <a:cs typeface="+mj-cs"/>
+              </a:defRPr>
+            </a:lvl1pPr>
+          </a:lstStyle>
+          <a:p>
+            <a:r>
+              <a:rPr lang="en-GB" dirty="0" err="1">
+                <a:solidFill>
+                  <a:schemeClr val="tx1"/>
+                </a:solidFill>
+              </a:rPr>
+              <a:t>Overige</a:t>
+            </a:r>
+            <a:r>
+              <a:rPr lang="en-GB" dirty="0">
+                <a:solidFill>
+                  <a:schemeClr val="tx1"/>
+                </a:solidFill>
+              </a:rPr>
+              <a:t> </a:t>
+            </a:r>
+            <a:r>
+              <a:rPr lang="en-GB" dirty="0" err="1">
+                <a:solidFill>
+                  <a:schemeClr val="tx1"/>
+                </a:solidFill>
+              </a:rPr>
+              <a:t>tabellen</a:t>
+            </a:r>
+            <a:endParaRPr lang="nl-BE" dirty="0">
+              <a:solidFill>
+                <a:schemeClr val="tx1"/>
+              </a:solidFill>
+            </a:endParaRPr>
+          </a:p>
+        </p:txBody>
+      </p:sp>
+      <p:sp>
+        <p:nvSpPr>
+          <p:cNvPr id="8" name="Tijdelijke aanduiding voor inhoud 2">
+            <a:extLst>
+              <a:ext uri="{FF2B5EF4-FFF2-40B4-BE49-F238E27FC236}">
+                <a16:creationId xmlns:a16="http://schemas.microsoft.com/office/drawing/2014/main" id="{6F369E50-FD53-4A8F-BEB4-927F2DB729E9}"/>
+              </a:ext>
+            </a:extLst>
+          </p:cNvPr>
+          <p:cNvSpPr txBox="1">
+            <a:spLocks/>
+          </p:cNvSpPr>
+          <p:nvPr/>
+        </p:nvSpPr>
+        <p:spPr>
+          <a:xfrm>
+            <a:off x="965943" y="1528153"/>
+            <a:ext cx="6601047" cy="4448507"/>
+          </a:xfrm>
+          <a:prstGeom prst="rect">
+            <a:avLst/>
+          </a:prstGeom>
+        </p:spPr>
+        <p:txBody>
+          <a:bodyPr>
+            <a:normAutofit/>
+          </a:bodyPr>
+          <a:lstStyle>
+            <a:lvl1pPr marL="91440" indent="-91440" algn="l" defTabSz="914400" rtl="0" eaLnBrk="1" latinLnBrk="0" hangingPunct="1">
+              <a:lnSpc>
+                <a:spcPct val="90000"/>
+              </a:lnSpc>
+              <a:spcBef>
+                <a:spcPts val="1200"/>
+              </a:spcBef>
+              <a:spcAft>
+                <a:spcPts val="200"/>
+              </a:spcAft>
+              <a:buClr>
+                <a:schemeClr val="accent1"/>
+              </a:buClr>
+              <a:buSzPct val="100000"/>
+              <a:buFont typeface="Calibri" panose="020F0502020204030204" pitchFamily="34" charset="0"/>
+              <a:buChar char=" "/>
+              <a:defRPr sz="2000" kern="1200">
+                <a:solidFill>
+                  <a:schemeClr val="tx1">
+                    <a:lumMod val="75000"/>
+                    <a:lumOff val="25000"/>
+                  </a:schemeClr>
+                </a:solidFill>
+                <a:latin typeface="+mn-lt"/>
+                <a:ea typeface="+mn-ea"/>
+                <a:cs typeface="+mn-cs"/>
+              </a:defRPr>
+            </a:lvl1pPr>
+            <a:lvl2pPr marL="384048" indent="-182880" algn="l" defTabSz="914400" rtl="0" eaLnBrk="1" latinLnBrk="0" hangingPunct="1">
+              <a:lnSpc>
+                <a:spcPct val="90000"/>
+              </a:lnSpc>
+              <a:spcBef>
+                <a:spcPts val="200"/>
+              </a:spcBef>
+              <a:spcAft>
+                <a:spcPts val="400"/>
+              </a:spcAft>
+              <a:buClr>
+                <a:schemeClr val="accent1"/>
+              </a:buClr>
+              <a:buFont typeface="Calibri" pitchFamily="34" charset="0"/>
+              <a:buChar char="◦"/>
+              <a:defRPr sz="1800" kern="1200">
+                <a:solidFill>
+                  <a:schemeClr val="tx1">
+                    <a:lumMod val="75000"/>
+                    <a:lumOff val="25000"/>
+                  </a:schemeClr>
+                </a:solidFill>
+                <a:latin typeface="+mn-lt"/>
+                <a:ea typeface="+mn-ea"/>
+                <a:cs typeface="+mn-cs"/>
+              </a:defRPr>
+            </a:lvl2pPr>
+            <a:lvl3pPr marL="566928" indent="-182880" algn="l" defTabSz="914400" rtl="0" eaLnBrk="1" latinLnBrk="0" hangingPunct="1">
+              <a:lnSpc>
+                <a:spcPct val="90000"/>
+              </a:lnSpc>
+              <a:spcBef>
+                <a:spcPts val="200"/>
+              </a:spcBef>
+              <a:spcAft>
+                <a:spcPts val="400"/>
+              </a:spcAft>
+              <a:buClr>
+                <a:schemeClr val="accent1"/>
+              </a:buClr>
+              <a:buFont typeface="Calibri" pitchFamily="34" charset="0"/>
+              <a:buChar char="◦"/>
+              <a:defRPr sz="1400" kern="1200">
+                <a:solidFill>
+                  <a:schemeClr val="tx1">
+                    <a:lumMod val="75000"/>
+                    <a:lumOff val="25000"/>
+                  </a:schemeClr>
+                </a:solidFill>
+                <a:latin typeface="+mn-lt"/>
+                <a:ea typeface="+mn-ea"/>
+                <a:cs typeface="+mn-cs"/>
+              </a:defRPr>
+            </a:lvl3pPr>
+            <a:lvl4pPr marL="749808" indent="-182880" algn="l" defTabSz="914400" rtl="0" eaLnBrk="1" latinLnBrk="0" hangingPunct="1">
+              <a:lnSpc>
+                <a:spcPct val="90000"/>
+              </a:lnSpc>
+              <a:spcBef>
+                <a:spcPts val="200"/>
+              </a:spcBef>
+              <a:spcAft>
+                <a:spcPts val="400"/>
+              </a:spcAft>
+              <a:buClr>
+                <a:schemeClr val="accent1"/>
+              </a:buClr>
+              <a:buFont typeface="Calibri" pitchFamily="34" charset="0"/>
+              <a:buChar char="◦"/>
+              <a:defRPr sz="1400" kern="1200">
+                <a:solidFill>
+                  <a:schemeClr val="tx1">
+                    <a:lumMod val="75000"/>
+                    <a:lumOff val="25000"/>
+                  </a:schemeClr>
+                </a:solidFill>
+                <a:latin typeface="+mn-lt"/>
+                <a:ea typeface="+mn-ea"/>
+                <a:cs typeface="+mn-cs"/>
+              </a:defRPr>
+            </a:lvl4pPr>
+            <a:lvl5pPr marL="932688" indent="-182880" algn="l" defTabSz="914400" rtl="0" eaLnBrk="1" latinLnBrk="0" hangingPunct="1">
+              <a:lnSpc>
+                <a:spcPct val="90000"/>
+              </a:lnSpc>
+              <a:spcBef>
+                <a:spcPts val="200"/>
+              </a:spcBef>
+              <a:spcAft>
+                <a:spcPts val="400"/>
+              </a:spcAft>
+              <a:buClr>
+                <a:schemeClr val="accent1"/>
+              </a:buClr>
+              <a:buFont typeface="Calibri" pitchFamily="34" charset="0"/>
+              <a:buChar char="◦"/>
+              <a:defRPr sz="1400" kern="1200">
+                <a:solidFill>
+                  <a:schemeClr val="tx1">
+                    <a:lumMod val="75000"/>
+                    <a:lumOff val="25000"/>
+                  </a:schemeClr>
+                </a:solidFill>
+                <a:latin typeface="+mn-lt"/>
+                <a:ea typeface="+mn-ea"/>
+                <a:cs typeface="+mn-cs"/>
+              </a:defRPr>
+            </a:lvl5pPr>
+            <a:lvl6pPr marL="1100000" indent="-228600" algn="l" defTabSz="914400" rtl="0" eaLnBrk="1" latinLnBrk="0" hangingPunct="1">
+              <a:lnSpc>
+                <a:spcPct val="90000"/>
+              </a:lnSpc>
+              <a:spcBef>
+                <a:spcPts val="200"/>
+              </a:spcBef>
+              <a:spcAft>
+                <a:spcPts val="400"/>
+              </a:spcAft>
+              <a:buClr>
+                <a:schemeClr val="accent1"/>
+              </a:buClr>
+              <a:buFont typeface="Calibri" pitchFamily="34" charset="0"/>
+              <a:buChar char="◦"/>
+              <a:defRPr sz="1400" kern="1200">
+                <a:solidFill>
+                  <a:schemeClr val="tx1">
+                    <a:lumMod val="75000"/>
+                    <a:lumOff val="25000"/>
+                  </a:schemeClr>
+                </a:solidFill>
+                <a:latin typeface="+mn-lt"/>
+                <a:ea typeface="+mn-ea"/>
+                <a:cs typeface="+mn-cs"/>
+              </a:defRPr>
+            </a:lvl6pPr>
+            <a:lvl7pPr marL="1300000" indent="-228600" algn="l" defTabSz="914400" rtl="0" eaLnBrk="1" latinLnBrk="0" hangingPunct="1">
+              <a:lnSpc>
+                <a:spcPct val="90000"/>
+              </a:lnSpc>
+              <a:spcBef>
+                <a:spcPts val="200"/>
+              </a:spcBef>
+              <a:spcAft>
+                <a:spcPts val="400"/>
+              </a:spcAft>
+              <a:buClr>
+                <a:schemeClr val="accent1"/>
+              </a:buClr>
+              <a:buFont typeface="Calibri" pitchFamily="34" charset="0"/>
+              <a:buChar char="◦"/>
+              <a:defRPr sz="1400" kern="1200">
+                <a:solidFill>
+                  <a:schemeClr val="tx1">
+                    <a:lumMod val="75000"/>
+                    <a:lumOff val="25000"/>
+                  </a:schemeClr>
+                </a:solidFill>
+                <a:latin typeface="+mn-lt"/>
+                <a:ea typeface="+mn-ea"/>
+                <a:cs typeface="+mn-cs"/>
+              </a:defRPr>
+            </a:lvl7pPr>
+            <a:lvl8pPr marL="1500000" indent="-228600" algn="l" defTabSz="914400" rtl="0" eaLnBrk="1" latinLnBrk="0" hangingPunct="1">
+              <a:lnSpc>
+                <a:spcPct val="90000"/>
+              </a:lnSpc>
+              <a:spcBef>
+                <a:spcPts val="200"/>
+              </a:spcBef>
+              <a:spcAft>
+                <a:spcPts val="400"/>
+              </a:spcAft>
+              <a:buClr>
+                <a:schemeClr val="accent1"/>
+              </a:buClr>
+              <a:buFont typeface="Calibri" pitchFamily="34" charset="0"/>
+              <a:buChar char="◦"/>
+              <a:defRPr sz="1400" kern="1200">
+                <a:solidFill>
+                  <a:schemeClr val="tx1">
+                    <a:lumMod val="75000"/>
+                    <a:lumOff val="25000"/>
+                  </a:schemeClr>
+                </a:solidFill>
+                <a:latin typeface="+mn-lt"/>
+                <a:ea typeface="+mn-ea"/>
+                <a:cs typeface="+mn-cs"/>
+              </a:defRPr>
+            </a:lvl8pPr>
+            <a:lvl9pPr marL="1700000" indent="-228600" algn="l" defTabSz="914400" rtl="0" eaLnBrk="1" latinLnBrk="0" hangingPunct="1">
+              <a:lnSpc>
+                <a:spcPct val="90000"/>
+              </a:lnSpc>
+              <a:spcBef>
+                <a:spcPts val="200"/>
+              </a:spcBef>
+              <a:spcAft>
+                <a:spcPts val="400"/>
+              </a:spcAft>
+              <a:buClr>
+                <a:schemeClr val="accent1"/>
+              </a:buClr>
+              <a:buFont typeface="Calibri" pitchFamily="34" charset="0"/>
+              <a:buChar char="◦"/>
+              <a:defRPr sz="1400" kern="1200">
+                <a:solidFill>
+                  <a:schemeClr val="tx1">
+                    <a:lumMod val="75000"/>
+                    <a:lumOff val="25000"/>
+                  </a:schemeClr>
+                </a:solidFill>
+                <a:latin typeface="+mn-lt"/>
+                <a:ea typeface="+mn-ea"/>
+                <a:cs typeface="+mn-cs"/>
+              </a:defRPr>
+            </a:lvl9pPr>
+          </a:lstStyle>
+          <a:p>
+            <a:pPr lvl="1">
+              <a:buFont typeface="Wingdings" panose="05000000000000000000" pitchFamily="2" charset="2"/>
+              <a:buChar char="§"/>
+            </a:pPr>
+            <a:r>
+              <a:rPr lang="nl-BE" sz="2400" dirty="0">
+                <a:solidFill>
+                  <a:schemeClr val="tx1"/>
+                </a:solidFill>
+              </a:rPr>
+              <a:t> </a:t>
+            </a:r>
+            <a:r>
+              <a:rPr lang="nl-BE" sz="2000" dirty="0" err="1">
+                <a:solidFill>
+                  <a:schemeClr val="tx1"/>
+                </a:solidFill>
+              </a:rPr>
+              <a:t>AspNetUserClaims</a:t>
+            </a:r>
+            <a:r>
+              <a:rPr lang="nl-BE" sz="2000" dirty="0">
+                <a:solidFill>
+                  <a:schemeClr val="tx1"/>
+                </a:solidFill>
+              </a:rPr>
+              <a:t>-tabel</a:t>
+            </a:r>
+          </a:p>
+          <a:p>
+            <a:pPr lvl="1">
+              <a:buFont typeface="Wingdings" panose="05000000000000000000" pitchFamily="2" charset="2"/>
+              <a:buChar char="§"/>
+            </a:pPr>
+            <a:endParaRPr lang="nl-BE" sz="2000" dirty="0">
+              <a:solidFill>
+                <a:schemeClr val="tx1"/>
+              </a:solidFill>
+            </a:endParaRPr>
+          </a:p>
+          <a:p>
+            <a:pPr lvl="1">
+              <a:buFont typeface="Wingdings" panose="05000000000000000000" pitchFamily="2" charset="2"/>
+              <a:buChar char="§"/>
+            </a:pPr>
+            <a:r>
+              <a:rPr lang="nl-BE" sz="2000" dirty="0">
+                <a:solidFill>
+                  <a:schemeClr val="tx1"/>
+                </a:solidFill>
+              </a:rPr>
+              <a:t> </a:t>
+            </a:r>
+            <a:r>
+              <a:rPr lang="nl-BE" sz="2000" dirty="0" err="1">
+                <a:solidFill>
+                  <a:schemeClr val="tx1"/>
+                </a:solidFill>
+              </a:rPr>
+              <a:t>AspNetUserLogins</a:t>
+            </a:r>
+            <a:r>
+              <a:rPr lang="nl-BE" sz="2000" dirty="0">
+                <a:solidFill>
+                  <a:schemeClr val="tx1"/>
+                </a:solidFill>
+              </a:rPr>
+              <a:t>-tabel</a:t>
+            </a:r>
+          </a:p>
+          <a:p>
+            <a:pPr lvl="1">
+              <a:buFont typeface="Wingdings" panose="05000000000000000000" pitchFamily="2" charset="2"/>
+              <a:buChar char="§"/>
+            </a:pPr>
+            <a:endParaRPr lang="nl-BE" sz="2000" dirty="0">
+              <a:solidFill>
+                <a:schemeClr val="tx1"/>
+              </a:solidFill>
+            </a:endParaRPr>
+          </a:p>
+          <a:p>
+            <a:pPr lvl="1">
+              <a:buFont typeface="Wingdings" panose="05000000000000000000" pitchFamily="2" charset="2"/>
+              <a:buChar char="§"/>
+            </a:pPr>
+            <a:r>
+              <a:rPr lang="nl-BE" sz="2000" dirty="0">
+                <a:solidFill>
+                  <a:schemeClr val="tx1"/>
+                </a:solidFill>
+              </a:rPr>
+              <a:t> Latere uitbreiding</a:t>
+            </a:r>
+          </a:p>
+        </p:txBody>
+      </p:sp>
+      <p:pic>
+        <p:nvPicPr>
+          <p:cNvPr id="7" name="Afbeelding 6" descr="Afbeelding met schermafbeelding&#10;&#10;Automatisch gegenereerde beschrijving">
+            <a:extLst>
+              <a:ext uri="{FF2B5EF4-FFF2-40B4-BE49-F238E27FC236}">
+                <a16:creationId xmlns:a16="http://schemas.microsoft.com/office/drawing/2014/main" id="{51EB0AE2-2101-4881-BF89-9191F36840E5}"/>
+              </a:ext>
+            </a:extLst>
+          </p:cNvPr>
+          <p:cNvPicPr>
+            <a:picLocks noChangeAspect="1"/>
+          </p:cNvPicPr>
+          <p:nvPr/>
+        </p:nvPicPr>
+        <p:blipFill>
+          <a:blip r:embed="rId2">
+            <a:extLst>
+              <a:ext uri="{28A0092B-C50C-407E-A947-70E740481C1C}">
+                <a14:useLocalDpi xmlns:a14="http://schemas.microsoft.com/office/drawing/2010/main" val="0"/>
+              </a:ext>
+            </a:extLst>
+          </a:blip>
+          <a:stretch>
+            <a:fillRect/>
+          </a:stretch>
+        </p:blipFill>
+        <p:spPr>
+          <a:xfrm>
+            <a:off x="6470652" y="1340738"/>
+            <a:ext cx="3490094" cy="4472232"/>
+          </a:xfrm>
+          <a:prstGeom prst="rect">
+            <a:avLst/>
+          </a:prstGeom>
+        </p:spPr>
+      </p:pic>
+    </p:spTree>
+    <p:extLst>
+      <p:ext uri="{BB962C8B-B14F-4D97-AF65-F5344CB8AC3E}">
+        <p14:creationId xmlns:p14="http://schemas.microsoft.com/office/powerpoint/2010/main" val="2546149715"/>
+      </p:ext>
+    </p:extLst>
+  </p:cSld>
+  <p:clrMapOvr>
+    <a:masterClrMapping/>
+  </p:clrMapOvr>
+  <p:timing>
+    <p:tnLst>
+      <p:par>
+        <p:cTn id="1" dur="indefinite" restart="never" nodeType="tmRoot">
+          <p:childTnLst>
+            <p:seq concurrent="1" nextAc="seek">
+              <p:cTn id="2" dur="indefinite" nodeType="mainSeq">
+                <p:childTnLst>
+                  <p:par>
+                    <p:cTn id="3" fill="hold">
+                      <p:stCondLst>
+                        <p:cond delay="indefinite"/>
+                      </p:stCondLst>
+                      <p:childTnLst>
+                        <p:par>
+                          <p:cTn id="4" fill="hold">
+                            <p:stCondLst>
+                              <p:cond delay="0"/>
+                            </p:stCondLst>
+                            <p:childTnLst>
+                              <p:par>
+                                <p:cTn id="5" presetID="10" presetClass="entr" presetSubtype="0" fill="hold" nodeType="clickEffect">
+                                  <p:stCondLst>
+                                    <p:cond delay="0"/>
+                                  </p:stCondLst>
+                                  <p:childTnLst>
+                                    <p:set>
+                                      <p:cBhvr>
+                                        <p:cTn id="6" dur="1" fill="hold">
+                                          <p:stCondLst>
+                                            <p:cond delay="0"/>
+                                          </p:stCondLst>
+                                        </p:cTn>
+                                        <p:tgtEl>
+                                          <p:spTgt spid="8">
+                                            <p:txEl>
+                                              <p:pRg st="0" end="0"/>
+                                            </p:txEl>
+                                          </p:spTgt>
+                                        </p:tgtEl>
+                                        <p:attrNameLst>
+                                          <p:attrName>style.visibility</p:attrName>
+                                        </p:attrNameLst>
+                                      </p:cBhvr>
+                                      <p:to>
+                                        <p:strVal val="visible"/>
+                                      </p:to>
+                                    </p:set>
+                                    <p:animEffect transition="in" filter="fade">
+                                      <p:cBhvr>
+                                        <p:cTn id="7" dur="500"/>
+                                        <p:tgtEl>
+                                          <p:spTgt spid="8">
+                                            <p:txEl>
+                                              <p:pRg st="0" end="0"/>
+                                            </p:txEl>
+                                          </p:spTgt>
+                                        </p:tgtEl>
+                                      </p:cBhvr>
+                                    </p:animEffect>
+                                  </p:childTnLst>
+                                </p:cTn>
+                              </p:par>
+                              <p:par>
+                                <p:cTn id="8" presetID="10" presetClass="entr" presetSubtype="0" fill="hold" nodeType="withEffect">
+                                  <p:stCondLst>
+                                    <p:cond delay="0"/>
+                                  </p:stCondLst>
+                                  <p:childTnLst>
+                                    <p:set>
+                                      <p:cBhvr>
+                                        <p:cTn id="9" dur="1" fill="hold">
+                                          <p:stCondLst>
+                                            <p:cond delay="0"/>
+                                          </p:stCondLst>
+                                        </p:cTn>
+                                        <p:tgtEl>
+                                          <p:spTgt spid="8">
+                                            <p:txEl>
+                                              <p:pRg st="2" end="2"/>
+                                            </p:txEl>
+                                          </p:spTgt>
+                                        </p:tgtEl>
+                                        <p:attrNameLst>
+                                          <p:attrName>style.visibility</p:attrName>
+                                        </p:attrNameLst>
+                                      </p:cBhvr>
+                                      <p:to>
+                                        <p:strVal val="visible"/>
+                                      </p:to>
+                                    </p:set>
+                                    <p:animEffect transition="in" filter="fade">
+                                      <p:cBhvr>
+                                        <p:cTn id="10" dur="500"/>
+                                        <p:tgtEl>
+                                          <p:spTgt spid="8">
+                                            <p:txEl>
+                                              <p:pRg st="2" end="2"/>
+                                            </p:txEl>
+                                          </p:spTgt>
+                                        </p:tgtEl>
+                                      </p:cBhvr>
+                                    </p:animEffect>
+                                  </p:childTnLst>
+                                </p:cTn>
+                              </p:par>
+                            </p:childTnLst>
+                          </p:cTn>
+                        </p:par>
+                      </p:childTnLst>
+                    </p:cTn>
+                  </p:par>
+                  <p:par>
+                    <p:cTn id="11" fill="hold">
+                      <p:stCondLst>
+                        <p:cond delay="indefinite"/>
+                      </p:stCondLst>
+                      <p:childTnLst>
+                        <p:par>
+                          <p:cTn id="12" fill="hold">
+                            <p:stCondLst>
+                              <p:cond delay="0"/>
+                            </p:stCondLst>
+                            <p:childTnLst>
+                              <p:par>
+                                <p:cTn id="13" presetID="10" presetClass="entr" presetSubtype="0" fill="hold" nodeType="clickEffect">
+                                  <p:stCondLst>
+                                    <p:cond delay="0"/>
+                                  </p:stCondLst>
+                                  <p:childTnLst>
+                                    <p:set>
+                                      <p:cBhvr>
+                                        <p:cTn id="14" dur="1" fill="hold">
+                                          <p:stCondLst>
+                                            <p:cond delay="0"/>
+                                          </p:stCondLst>
+                                        </p:cTn>
+                                        <p:tgtEl>
+                                          <p:spTgt spid="8">
+                                            <p:txEl>
+                                              <p:pRg st="4" end="4"/>
+                                            </p:txEl>
+                                          </p:spTgt>
+                                        </p:tgtEl>
+                                        <p:attrNameLst>
+                                          <p:attrName>style.visibility</p:attrName>
+                                        </p:attrNameLst>
+                                      </p:cBhvr>
+                                      <p:to>
+                                        <p:strVal val="visible"/>
+                                      </p:to>
+                                    </p:set>
+                                    <p:animEffect transition="in" filter="fade">
+                                      <p:cBhvr>
+                                        <p:cTn id="15" dur="500"/>
+                                        <p:tgtEl>
+                                          <p:spTgt spid="8">
+                                            <p:txEl>
+                                              <p:pRg st="4" end="4"/>
+                                            </p:txEl>
+                                          </p:spTgt>
+                                        </p:tgtEl>
+                                      </p:cBhvr>
+                                    </p:animEffect>
+                                  </p:childTnLst>
+                                </p:cTn>
+                              </p:par>
+                            </p:childTnLst>
+                          </p:cTn>
+                        </p:par>
+                      </p:childTnLst>
+                    </p:cTn>
+                  </p:par>
+                </p:childTnLst>
+              </p:cTn>
+              <p:prevCondLst>
+                <p:cond evt="onPrev" delay="0">
+                  <p:tgtEl>
+                    <p:sldTgt/>
+                  </p:tgtEl>
+                </p:cond>
+              </p:prevCondLst>
+              <p:nextCondLst>
+                <p:cond evt="onNext" delay="0">
+                  <p:tgtEl>
+                    <p:sldTgt/>
+                  </p:tgtEl>
+                </p:cond>
+              </p:nextCondLst>
+            </p:seq>
+          </p:childTnLst>
+        </p:cTn>
+      </p:par>
+    </p:tnLst>
+  </p:timing>
+</p:sld>
+</file>
+
+<file path=ppt/slides/slide19.xml><?xml version="1.0" encoding="utf-8"?>
+<p:sld xmlns:a="http://schemas.openxmlformats.org/drawingml/2006/main" xmlns:r="http://schemas.openxmlformats.org/officeDocument/2006/relationships" xmlns:p="http://schemas.openxmlformats.org/presentationml/2006/main">
+  <p:cSld>
+    <p:spTree>
+      <p:nvGrpSpPr>
+        <p:cNvPr id="1" name=""/>
+        <p:cNvGrpSpPr/>
+        <p:nvPr/>
+      </p:nvGrpSpPr>
+      <p:grpSpPr>
+        <a:xfrm>
+          <a:off x="0" y="0"/>
+          <a:ext cx="0" cy="0"/>
+          <a:chOff x="0" y="0"/>
+          <a:chExt cx="0" cy="0"/>
+        </a:xfrm>
+      </p:grpSpPr>
+      <p:sp>
+        <p:nvSpPr>
+          <p:cNvPr id="4" name="Tijdelijke aanduiding voor datum 3"/>
+          <p:cNvSpPr>
+            <a:spLocks noGrp="1"/>
+          </p:cNvSpPr>
+          <p:nvPr>
+            <p:ph type="dt" sz="half" idx="10"/>
+          </p:nvPr>
+        </p:nvSpPr>
+        <p:spPr>
+          <a:xfrm>
+            <a:off x="313508" y="6459783"/>
+            <a:ext cx="2472271" cy="365125"/>
+          </a:xfrm>
+        </p:spPr>
+        <p:txBody>
+          <a:bodyPr/>
+          <a:lstStyle/>
+          <a:p>
+            <a:r>
+              <a:rPr lang="nl-BE" sz="1400" dirty="0"/>
+              <a:t>Niels Hauttekeete</a:t>
+            </a:r>
+            <a:endParaRPr lang="nl-BE" sz="800" dirty="0"/>
+          </a:p>
+        </p:txBody>
+      </p:sp>
+      <p:sp>
+        <p:nvSpPr>
+          <p:cNvPr id="5" name="Tijdelijke aanduiding voor voettekst 4"/>
+          <p:cNvSpPr>
+            <a:spLocks noGrp="1"/>
+          </p:cNvSpPr>
+          <p:nvPr>
+            <p:ph type="ftr" sz="quarter" idx="11"/>
+          </p:nvPr>
+        </p:nvSpPr>
+        <p:spPr>
+          <a:xfrm>
+            <a:off x="2191294" y="6459784"/>
+            <a:ext cx="7870372" cy="365125"/>
+          </a:xfrm>
+        </p:spPr>
+        <p:txBody>
+          <a:bodyPr/>
+          <a:lstStyle/>
+          <a:p>
+            <a:r>
+              <a:rPr lang="en-GB" sz="1400" cap="none" dirty="0"/>
+              <a:t>Deployment diagram –</a:t>
+            </a:r>
+            <a:r>
+              <a:rPr lang="en-GB" sz="1600" b="1" cap="none" dirty="0"/>
+              <a:t> </a:t>
+            </a:r>
+            <a:r>
+              <a:rPr lang="en-GB" sz="1400" cap="none" dirty="0"/>
+              <a:t>Databank</a:t>
+            </a:r>
+            <a:r>
+              <a:rPr lang="en-GB" sz="1600" b="1" cap="none" dirty="0"/>
+              <a:t> </a:t>
+            </a:r>
+            <a:r>
+              <a:rPr lang="en-GB" sz="1400" cap="none" dirty="0"/>
+              <a:t>– ASP.NET MVC – </a:t>
+            </a:r>
+            <a:r>
+              <a:rPr lang="en-GB" sz="1400" cap="none" dirty="0" err="1"/>
+              <a:t>Inlogsysteem</a:t>
+            </a:r>
+            <a:r>
+              <a:rPr lang="en-GB" sz="1400" cap="none" dirty="0"/>
+              <a:t> – </a:t>
+            </a:r>
+            <a:r>
+              <a:rPr lang="en-GB" sz="1600" b="1" cap="none" dirty="0"/>
+              <a:t>Future work</a:t>
+            </a:r>
+            <a:endParaRPr lang="nl-BE" sz="1600" b="1" cap="none" dirty="0"/>
+          </a:p>
+        </p:txBody>
+      </p:sp>
+      <p:sp>
+        <p:nvSpPr>
+          <p:cNvPr id="6" name="Tijdelijke aanduiding voor dianummer 5"/>
+          <p:cNvSpPr>
+            <a:spLocks noGrp="1"/>
+          </p:cNvSpPr>
+          <p:nvPr>
+            <p:ph type="sldNum" sz="quarter" idx="12"/>
+          </p:nvPr>
+        </p:nvSpPr>
+        <p:spPr>
+          <a:xfrm>
+            <a:off x="10613571" y="6459785"/>
+            <a:ext cx="598912" cy="365125"/>
+          </a:xfrm>
+        </p:spPr>
+        <p:txBody>
+          <a:bodyPr/>
+          <a:lstStyle/>
+          <a:p>
+            <a:fld id="{535572C1-3FAA-4346-9330-03EF25016D70}" type="slidenum">
+              <a:rPr lang="nl-BE" sz="1600" smtClean="0"/>
+              <a:t>19</a:t>
+            </a:fld>
+            <a:endParaRPr lang="nl-BE" sz="1600" dirty="0"/>
+          </a:p>
+        </p:txBody>
+      </p:sp>
+      <p:cxnSp>
+        <p:nvCxnSpPr>
+          <p:cNvPr id="10" name="Rechte verbindingslijn 9"/>
+          <p:cNvCxnSpPr/>
+          <p:nvPr/>
+        </p:nvCxnSpPr>
+        <p:spPr>
+          <a:xfrm>
+            <a:off x="1097280" y="1045030"/>
+            <a:ext cx="10210256" cy="0"/>
+          </a:xfrm>
+          <a:prstGeom prst="line">
+            <a:avLst/>
+          </a:prstGeom>
+          <a:ln>
+            <a:solidFill>
+              <a:schemeClr val="bg1">
+                <a:lumMod val="65000"/>
+              </a:schemeClr>
+            </a:solidFill>
+          </a:ln>
+        </p:spPr>
+        <p:style>
+          <a:lnRef idx="1">
+            <a:schemeClr val="accent1"/>
+          </a:lnRef>
+          <a:fillRef idx="0">
+            <a:schemeClr val="accent1"/>
+          </a:fillRef>
+          <a:effectRef idx="0">
+            <a:schemeClr val="accent1"/>
+          </a:effectRef>
+          <a:fontRef idx="minor">
+            <a:schemeClr val="tx1"/>
+          </a:fontRef>
+        </p:style>
+      </p:cxnSp>
+      <p:sp>
+        <p:nvSpPr>
+          <p:cNvPr id="11" name="Titel 1"/>
+          <p:cNvSpPr txBox="1">
+            <a:spLocks/>
+          </p:cNvSpPr>
+          <p:nvPr/>
+        </p:nvSpPr>
+        <p:spPr>
+          <a:xfrm>
+            <a:off x="1097280" y="286604"/>
+            <a:ext cx="10058400" cy="758426"/>
+          </a:xfrm>
+          <a:prstGeom prst="rect">
+            <a:avLst/>
+          </a:prstGeom>
+        </p:spPr>
+        <p:txBody>
+          <a:bodyPr anchor="ctr"/>
+          <a:lstStyle>
+            <a:lvl1pPr algn="l" defTabSz="914400" rtl="0" eaLnBrk="1" latinLnBrk="0" hangingPunct="1">
+              <a:lnSpc>
+                <a:spcPct val="85000"/>
+              </a:lnSpc>
+              <a:spcBef>
+                <a:spcPct val="0"/>
+              </a:spcBef>
+              <a:buNone/>
+              <a:defRPr sz="4800" kern="1200" spc="-50" baseline="0">
+                <a:solidFill>
+                  <a:schemeClr val="tx1">
+                    <a:lumMod val="75000"/>
+                    <a:lumOff val="25000"/>
+                  </a:schemeClr>
+                </a:solidFill>
+                <a:latin typeface="+mj-lt"/>
+                <a:ea typeface="+mj-ea"/>
+                <a:cs typeface="+mj-cs"/>
+              </a:defRPr>
+            </a:lvl1pPr>
+          </a:lstStyle>
+          <a:p>
+            <a:r>
+              <a:rPr lang="en-GB" dirty="0">
+                <a:solidFill>
+                  <a:schemeClr val="tx1"/>
+                </a:solidFill>
+              </a:rPr>
+              <a:t>Future work</a:t>
+            </a:r>
+            <a:endParaRPr lang="nl-BE" dirty="0">
+              <a:solidFill>
+                <a:schemeClr val="tx1"/>
+              </a:solidFill>
+            </a:endParaRPr>
+          </a:p>
+        </p:txBody>
+      </p:sp>
+      <p:sp>
+        <p:nvSpPr>
+          <p:cNvPr id="8" name="Tijdelijke aanduiding voor inhoud 2">
+            <a:extLst>
+              <a:ext uri="{FF2B5EF4-FFF2-40B4-BE49-F238E27FC236}">
+                <a16:creationId xmlns:a16="http://schemas.microsoft.com/office/drawing/2014/main" id="{6F369E50-FD53-4A8F-BEB4-927F2DB729E9}"/>
+              </a:ext>
+            </a:extLst>
+          </p:cNvPr>
+          <p:cNvSpPr txBox="1">
+            <a:spLocks/>
+          </p:cNvSpPr>
+          <p:nvPr/>
+        </p:nvSpPr>
+        <p:spPr>
+          <a:xfrm>
+            <a:off x="965943" y="1528153"/>
+            <a:ext cx="6601047" cy="4448507"/>
+          </a:xfrm>
+          <a:prstGeom prst="rect">
+            <a:avLst/>
+          </a:prstGeom>
+        </p:spPr>
+        <p:txBody>
+          <a:bodyPr>
+            <a:normAutofit/>
+          </a:bodyPr>
+          <a:lstStyle>
+            <a:lvl1pPr marL="91440" indent="-91440" algn="l" defTabSz="914400" rtl="0" eaLnBrk="1" latinLnBrk="0" hangingPunct="1">
+              <a:lnSpc>
+                <a:spcPct val="90000"/>
+              </a:lnSpc>
+              <a:spcBef>
+                <a:spcPts val="1200"/>
+              </a:spcBef>
+              <a:spcAft>
+                <a:spcPts val="200"/>
+              </a:spcAft>
+              <a:buClr>
+                <a:schemeClr val="accent1"/>
+              </a:buClr>
+              <a:buSzPct val="100000"/>
+              <a:buFont typeface="Calibri" panose="020F0502020204030204" pitchFamily="34" charset="0"/>
+              <a:buChar char=" "/>
+              <a:defRPr sz="2000" kern="1200">
+                <a:solidFill>
+                  <a:schemeClr val="tx1">
+                    <a:lumMod val="75000"/>
+                    <a:lumOff val="25000"/>
+                  </a:schemeClr>
+                </a:solidFill>
+                <a:latin typeface="+mn-lt"/>
+                <a:ea typeface="+mn-ea"/>
+                <a:cs typeface="+mn-cs"/>
+              </a:defRPr>
+            </a:lvl1pPr>
+            <a:lvl2pPr marL="384048" indent="-182880" algn="l" defTabSz="914400" rtl="0" eaLnBrk="1" latinLnBrk="0" hangingPunct="1">
+              <a:lnSpc>
+                <a:spcPct val="90000"/>
+              </a:lnSpc>
+              <a:spcBef>
+                <a:spcPts val="200"/>
+              </a:spcBef>
+              <a:spcAft>
+                <a:spcPts val="400"/>
+              </a:spcAft>
+              <a:buClr>
+                <a:schemeClr val="accent1"/>
+              </a:buClr>
+              <a:buFont typeface="Calibri" pitchFamily="34" charset="0"/>
+              <a:buChar char="◦"/>
+              <a:defRPr sz="1800" kern="1200">
+                <a:solidFill>
+                  <a:schemeClr val="tx1">
+                    <a:lumMod val="75000"/>
+                    <a:lumOff val="25000"/>
+                  </a:schemeClr>
+                </a:solidFill>
+                <a:latin typeface="+mn-lt"/>
+                <a:ea typeface="+mn-ea"/>
+                <a:cs typeface="+mn-cs"/>
+              </a:defRPr>
+            </a:lvl2pPr>
+            <a:lvl3pPr marL="566928" indent="-182880" algn="l" defTabSz="914400" rtl="0" eaLnBrk="1" latinLnBrk="0" hangingPunct="1">
+              <a:lnSpc>
+                <a:spcPct val="90000"/>
+              </a:lnSpc>
+              <a:spcBef>
+                <a:spcPts val="200"/>
+              </a:spcBef>
+              <a:spcAft>
+                <a:spcPts val="400"/>
+              </a:spcAft>
+              <a:buClr>
+                <a:schemeClr val="accent1"/>
+              </a:buClr>
+              <a:buFont typeface="Calibri" pitchFamily="34" charset="0"/>
+              <a:buChar char="◦"/>
+              <a:defRPr sz="1400" kern="1200">
+                <a:solidFill>
+                  <a:schemeClr val="tx1">
+                    <a:lumMod val="75000"/>
+                    <a:lumOff val="25000"/>
+                  </a:schemeClr>
+                </a:solidFill>
+                <a:latin typeface="+mn-lt"/>
+                <a:ea typeface="+mn-ea"/>
+                <a:cs typeface="+mn-cs"/>
+              </a:defRPr>
+            </a:lvl3pPr>
+            <a:lvl4pPr marL="749808" indent="-182880" algn="l" defTabSz="914400" rtl="0" eaLnBrk="1" latinLnBrk="0" hangingPunct="1">
+              <a:lnSpc>
+                <a:spcPct val="90000"/>
+              </a:lnSpc>
+              <a:spcBef>
+                <a:spcPts val="200"/>
+              </a:spcBef>
+              <a:spcAft>
+                <a:spcPts val="400"/>
+              </a:spcAft>
+              <a:buClr>
+                <a:schemeClr val="accent1"/>
+              </a:buClr>
+              <a:buFont typeface="Calibri" pitchFamily="34" charset="0"/>
+              <a:buChar char="◦"/>
+              <a:defRPr sz="1400" kern="1200">
+                <a:solidFill>
+                  <a:schemeClr val="tx1">
+                    <a:lumMod val="75000"/>
+                    <a:lumOff val="25000"/>
+                  </a:schemeClr>
+                </a:solidFill>
+                <a:latin typeface="+mn-lt"/>
+                <a:ea typeface="+mn-ea"/>
+                <a:cs typeface="+mn-cs"/>
+              </a:defRPr>
+            </a:lvl4pPr>
+            <a:lvl5pPr marL="932688" indent="-182880" algn="l" defTabSz="914400" rtl="0" eaLnBrk="1" latinLnBrk="0" hangingPunct="1">
+              <a:lnSpc>
+                <a:spcPct val="90000"/>
+              </a:lnSpc>
+              <a:spcBef>
+                <a:spcPts val="200"/>
+              </a:spcBef>
+              <a:spcAft>
+                <a:spcPts val="400"/>
+              </a:spcAft>
+              <a:buClr>
+                <a:schemeClr val="accent1"/>
+              </a:buClr>
+              <a:buFont typeface="Calibri" pitchFamily="34" charset="0"/>
+              <a:buChar char="◦"/>
+              <a:defRPr sz="1400" kern="1200">
+                <a:solidFill>
+                  <a:schemeClr val="tx1">
+                    <a:lumMod val="75000"/>
+                    <a:lumOff val="25000"/>
+                  </a:schemeClr>
+                </a:solidFill>
+                <a:latin typeface="+mn-lt"/>
+                <a:ea typeface="+mn-ea"/>
+                <a:cs typeface="+mn-cs"/>
+              </a:defRPr>
+            </a:lvl5pPr>
+            <a:lvl6pPr marL="1100000" indent="-228600" algn="l" defTabSz="914400" rtl="0" eaLnBrk="1" latinLnBrk="0" hangingPunct="1">
+              <a:lnSpc>
+                <a:spcPct val="90000"/>
+              </a:lnSpc>
+              <a:spcBef>
+                <a:spcPts val="200"/>
+              </a:spcBef>
+              <a:spcAft>
+                <a:spcPts val="400"/>
+              </a:spcAft>
+              <a:buClr>
+                <a:schemeClr val="accent1"/>
+              </a:buClr>
+              <a:buFont typeface="Calibri" pitchFamily="34" charset="0"/>
+              <a:buChar char="◦"/>
+              <a:defRPr sz="1400" kern="1200">
+                <a:solidFill>
+                  <a:schemeClr val="tx1">
+                    <a:lumMod val="75000"/>
+                    <a:lumOff val="25000"/>
+                  </a:schemeClr>
+                </a:solidFill>
+                <a:latin typeface="+mn-lt"/>
+                <a:ea typeface="+mn-ea"/>
+                <a:cs typeface="+mn-cs"/>
+              </a:defRPr>
+            </a:lvl6pPr>
+            <a:lvl7pPr marL="1300000" indent="-228600" algn="l" defTabSz="914400" rtl="0" eaLnBrk="1" latinLnBrk="0" hangingPunct="1">
+              <a:lnSpc>
+                <a:spcPct val="90000"/>
+              </a:lnSpc>
+              <a:spcBef>
+                <a:spcPts val="200"/>
+              </a:spcBef>
+              <a:spcAft>
+                <a:spcPts val="400"/>
+              </a:spcAft>
+              <a:buClr>
+                <a:schemeClr val="accent1"/>
+              </a:buClr>
+              <a:buFont typeface="Calibri" pitchFamily="34" charset="0"/>
+              <a:buChar char="◦"/>
+              <a:defRPr sz="1400" kern="1200">
+                <a:solidFill>
+                  <a:schemeClr val="tx1">
+                    <a:lumMod val="75000"/>
+                    <a:lumOff val="25000"/>
+                  </a:schemeClr>
+                </a:solidFill>
+                <a:latin typeface="+mn-lt"/>
+                <a:ea typeface="+mn-ea"/>
+                <a:cs typeface="+mn-cs"/>
+              </a:defRPr>
+            </a:lvl7pPr>
+            <a:lvl8pPr marL="1500000" indent="-228600" algn="l" defTabSz="914400" rtl="0" eaLnBrk="1" latinLnBrk="0" hangingPunct="1">
+              <a:lnSpc>
+                <a:spcPct val="90000"/>
+              </a:lnSpc>
+              <a:spcBef>
+                <a:spcPts val="200"/>
+              </a:spcBef>
+              <a:spcAft>
+                <a:spcPts val="400"/>
+              </a:spcAft>
+              <a:buClr>
+                <a:schemeClr val="accent1"/>
+              </a:buClr>
+              <a:buFont typeface="Calibri" pitchFamily="34" charset="0"/>
+              <a:buChar char="◦"/>
+              <a:defRPr sz="1400" kern="1200">
+                <a:solidFill>
+                  <a:schemeClr val="tx1">
+                    <a:lumMod val="75000"/>
+                    <a:lumOff val="25000"/>
+                  </a:schemeClr>
+                </a:solidFill>
+                <a:latin typeface="+mn-lt"/>
+                <a:ea typeface="+mn-ea"/>
+                <a:cs typeface="+mn-cs"/>
+              </a:defRPr>
+            </a:lvl8pPr>
+            <a:lvl9pPr marL="1700000" indent="-228600" algn="l" defTabSz="914400" rtl="0" eaLnBrk="1" latinLnBrk="0" hangingPunct="1">
+              <a:lnSpc>
+                <a:spcPct val="90000"/>
+              </a:lnSpc>
+              <a:spcBef>
+                <a:spcPts val="200"/>
+              </a:spcBef>
+              <a:spcAft>
+                <a:spcPts val="400"/>
+              </a:spcAft>
+              <a:buClr>
+                <a:schemeClr val="accent1"/>
+              </a:buClr>
+              <a:buFont typeface="Calibri" pitchFamily="34" charset="0"/>
+              <a:buChar char="◦"/>
+              <a:defRPr sz="1400" kern="1200">
+                <a:solidFill>
+                  <a:schemeClr val="tx1">
+                    <a:lumMod val="75000"/>
+                    <a:lumOff val="25000"/>
+                  </a:schemeClr>
+                </a:solidFill>
+                <a:latin typeface="+mn-lt"/>
+                <a:ea typeface="+mn-ea"/>
+                <a:cs typeface="+mn-cs"/>
+              </a:defRPr>
+            </a:lvl9pPr>
+          </a:lstStyle>
+          <a:p>
+            <a:pPr lvl="1">
+              <a:buFont typeface="Wingdings" panose="05000000000000000000" pitchFamily="2" charset="2"/>
+              <a:buChar char="§"/>
+            </a:pPr>
+            <a:r>
+              <a:rPr lang="nl-BE" sz="2000" dirty="0">
+                <a:solidFill>
+                  <a:schemeClr val="tx1"/>
+                </a:solidFill>
+              </a:rPr>
+              <a:t>Slechts 1 gebruiker kan uploaden</a:t>
+            </a:r>
+          </a:p>
+          <a:p>
+            <a:pPr lvl="1">
+              <a:buFont typeface="Wingdings" panose="05000000000000000000" pitchFamily="2" charset="2"/>
+              <a:buChar char="§"/>
+            </a:pPr>
+            <a:endParaRPr lang="nl-BE" sz="2000" dirty="0">
+              <a:solidFill>
+                <a:schemeClr val="tx1"/>
+              </a:solidFill>
+            </a:endParaRPr>
+          </a:p>
+          <a:p>
+            <a:pPr lvl="1">
+              <a:buFont typeface="Wingdings" panose="05000000000000000000" pitchFamily="2" charset="2"/>
+              <a:buChar char="§"/>
+            </a:pPr>
+            <a:r>
+              <a:rPr lang="nl-BE" sz="2000" dirty="0">
+                <a:solidFill>
+                  <a:schemeClr val="tx1"/>
+                </a:solidFill>
+              </a:rPr>
+              <a:t>Beperkte bestandsgrootte</a:t>
+            </a:r>
+          </a:p>
+          <a:p>
+            <a:pPr lvl="1">
+              <a:buFont typeface="Wingdings" panose="05000000000000000000" pitchFamily="2" charset="2"/>
+              <a:buChar char="§"/>
+            </a:pPr>
+            <a:endParaRPr lang="nl-BE" sz="2000" dirty="0">
+              <a:solidFill>
+                <a:schemeClr val="tx1"/>
+              </a:solidFill>
+            </a:endParaRPr>
+          </a:p>
+          <a:p>
+            <a:pPr lvl="1">
+              <a:buFont typeface="Wingdings" panose="05000000000000000000" pitchFamily="2" charset="2"/>
+              <a:buChar char="§"/>
+            </a:pPr>
+            <a:r>
+              <a:rPr lang="nl-BE" sz="2000" dirty="0" err="1">
+                <a:solidFill>
+                  <a:schemeClr val="tx1"/>
+                </a:solidFill>
+              </a:rPr>
+              <a:t>RawImagesParser</a:t>
+            </a:r>
+            <a:r>
+              <a:rPr lang="nl-BE" sz="2000" dirty="0">
+                <a:solidFill>
+                  <a:schemeClr val="tx1"/>
+                </a:solidFill>
+              </a:rPr>
+              <a:t> out of memory</a:t>
+            </a:r>
+          </a:p>
+          <a:p>
+            <a:pPr lvl="1">
+              <a:buFont typeface="Wingdings" panose="05000000000000000000" pitchFamily="2" charset="2"/>
+              <a:buChar char="§"/>
+            </a:pPr>
+            <a:endParaRPr lang="nl-BE" sz="2000" dirty="0">
+              <a:solidFill>
+                <a:schemeClr val="tx1"/>
+              </a:solidFill>
+            </a:endParaRPr>
+          </a:p>
+          <a:p>
+            <a:pPr lvl="1">
+              <a:buFont typeface="Wingdings" panose="05000000000000000000" pitchFamily="2" charset="2"/>
+              <a:buChar char="§"/>
+            </a:pPr>
+            <a:r>
+              <a:rPr lang="nl-BE" sz="2000" dirty="0">
+                <a:solidFill>
+                  <a:schemeClr val="tx1"/>
+                </a:solidFill>
+              </a:rPr>
+              <a:t>Data per dronevlucht verwijderen</a:t>
+            </a:r>
+          </a:p>
+          <a:p>
+            <a:pPr lvl="1">
+              <a:buFont typeface="Wingdings" panose="05000000000000000000" pitchFamily="2" charset="2"/>
+              <a:buChar char="§"/>
+            </a:pPr>
+            <a:endParaRPr lang="nl-BE" sz="2000" dirty="0">
+              <a:solidFill>
+                <a:schemeClr val="tx1"/>
+              </a:solidFill>
+            </a:endParaRPr>
+          </a:p>
+          <a:p>
+            <a:pPr lvl="1">
+              <a:buFont typeface="Wingdings" panose="05000000000000000000" pitchFamily="2" charset="2"/>
+              <a:buChar char="§"/>
+            </a:pPr>
+            <a:r>
+              <a:rPr lang="nl-BE" sz="2000" dirty="0">
+                <a:solidFill>
+                  <a:schemeClr val="tx1"/>
+                </a:solidFill>
+              </a:rPr>
+              <a:t>Mooiere logboeken</a:t>
+            </a:r>
+          </a:p>
+          <a:p>
+            <a:pPr lvl="1">
+              <a:buFont typeface="Wingdings" panose="05000000000000000000" pitchFamily="2" charset="2"/>
+              <a:buChar char="§"/>
+            </a:pPr>
+            <a:endParaRPr lang="nl-BE" sz="2000" dirty="0">
+              <a:solidFill>
+                <a:schemeClr val="tx1"/>
+              </a:solidFill>
+            </a:endParaRPr>
+          </a:p>
+          <a:p>
+            <a:pPr lvl="1">
+              <a:buFont typeface="Wingdings" panose="05000000000000000000" pitchFamily="2" charset="2"/>
+              <a:buChar char="§"/>
+            </a:pPr>
+            <a:r>
+              <a:rPr lang="nl-BE" sz="2000" dirty="0">
+                <a:solidFill>
+                  <a:schemeClr val="tx1"/>
+                </a:solidFill>
+              </a:rPr>
+              <a:t>Huisstijl Jan De Nul toepassen</a:t>
+            </a:r>
+          </a:p>
+        </p:txBody>
+      </p:sp>
+    </p:spTree>
+    <p:extLst>
+      <p:ext uri="{BB962C8B-B14F-4D97-AF65-F5344CB8AC3E}">
+        <p14:creationId xmlns:p14="http://schemas.microsoft.com/office/powerpoint/2010/main" val="1775645031"/>
+      </p:ext>
+    </p:extLst>
+  </p:cSld>
+  <p:clrMapOvr>
+    <a:masterClrMapping/>
+  </p:clrMapOvr>
+  <p:timing>
+    <p:tnLst>
+      <p:par>
+        <p:cTn id="1" dur="indefinite" restart="never" nodeType="tmRoot">
+          <p:childTnLst>
+            <p:seq concurrent="1" nextAc="seek">
+              <p:cTn id="2" dur="indefinite" nodeType="mainSeq">
+                <p:childTnLst>
+                  <p:par>
+                    <p:cTn id="3" fill="hold">
+                      <p:stCondLst>
+                        <p:cond delay="indefinite"/>
+                      </p:stCondLst>
+                      <p:childTnLst>
+                        <p:par>
+                          <p:cTn id="4" fill="hold">
+                            <p:stCondLst>
+                              <p:cond delay="0"/>
+                            </p:stCondLst>
+                            <p:childTnLst>
+                              <p:par>
+                                <p:cTn id="5" presetID="10" presetClass="entr" presetSubtype="0" fill="hold" nodeType="clickEffect">
+                                  <p:stCondLst>
+                                    <p:cond delay="0"/>
+                                  </p:stCondLst>
+                                  <p:childTnLst>
+                                    <p:set>
+                                      <p:cBhvr>
+                                        <p:cTn id="6" dur="1" fill="hold">
+                                          <p:stCondLst>
+                                            <p:cond delay="0"/>
+                                          </p:stCondLst>
+                                        </p:cTn>
+                                        <p:tgtEl>
+                                          <p:spTgt spid="8">
+                                            <p:txEl>
+                                              <p:pRg st="0" end="0"/>
+                                            </p:txEl>
+                                          </p:spTgt>
+                                        </p:tgtEl>
+                                        <p:attrNameLst>
+                                          <p:attrName>style.visibility</p:attrName>
+                                        </p:attrNameLst>
+                                      </p:cBhvr>
+                                      <p:to>
+                                        <p:strVal val="visible"/>
+                                      </p:to>
+                                    </p:set>
+                                    <p:animEffect transition="in" filter="fade">
+                                      <p:cBhvr>
+                                        <p:cTn id="7" dur="500"/>
+                                        <p:tgtEl>
+                                          <p:spTgt spid="8">
+                                            <p:txEl>
+                                              <p:pRg st="0" end="0"/>
+                                            </p:txEl>
+                                          </p:spTgt>
+                                        </p:tgtEl>
+                                      </p:cBhvr>
+                                    </p:animEffect>
+                                  </p:childTnLst>
+                                </p:cTn>
+                              </p:par>
+                            </p:childTnLst>
+                          </p:cTn>
+                        </p:par>
+                      </p:childTnLst>
+                    </p:cTn>
+                  </p:par>
+                  <p:par>
+                    <p:cTn id="8" fill="hold">
+                      <p:stCondLst>
+                        <p:cond delay="indefinite"/>
+                      </p:stCondLst>
+                      <p:childTnLst>
+                        <p:par>
+                          <p:cTn id="9" fill="hold">
+                            <p:stCondLst>
+                              <p:cond delay="0"/>
+                            </p:stCondLst>
+                            <p:childTnLst>
+                              <p:par>
+                                <p:cTn id="10" presetID="10" presetClass="entr" presetSubtype="0" fill="hold" nodeType="clickEffect">
+                                  <p:stCondLst>
+                                    <p:cond delay="0"/>
+                                  </p:stCondLst>
+                                  <p:childTnLst>
+                                    <p:set>
+                                      <p:cBhvr>
+                                        <p:cTn id="11" dur="1" fill="hold">
+                                          <p:stCondLst>
+                                            <p:cond delay="0"/>
+                                          </p:stCondLst>
+                                        </p:cTn>
+                                        <p:tgtEl>
+                                          <p:spTgt spid="8">
+                                            <p:txEl>
+                                              <p:pRg st="2" end="2"/>
+                                            </p:txEl>
+                                          </p:spTgt>
+                                        </p:tgtEl>
+                                        <p:attrNameLst>
+                                          <p:attrName>style.visibility</p:attrName>
+                                        </p:attrNameLst>
+                                      </p:cBhvr>
+                                      <p:to>
+                                        <p:strVal val="visible"/>
+                                      </p:to>
+                                    </p:set>
+                                    <p:animEffect transition="in" filter="fade">
+                                      <p:cBhvr>
+                                        <p:cTn id="12" dur="500"/>
+                                        <p:tgtEl>
+                                          <p:spTgt spid="8">
+                                            <p:txEl>
+                                              <p:pRg st="2" end="2"/>
+                                            </p:txEl>
+                                          </p:spTgt>
+                                        </p:tgtEl>
+                                      </p:cBhvr>
+                                    </p:animEffect>
+                                  </p:childTnLst>
+                                </p:cTn>
+                              </p:par>
+                            </p:childTnLst>
+                          </p:cTn>
+                        </p:par>
+                      </p:childTnLst>
+                    </p:cTn>
+                  </p:par>
+                  <p:par>
+                    <p:cTn id="13" fill="hold">
+                      <p:stCondLst>
+                        <p:cond delay="indefinite"/>
+                      </p:stCondLst>
+                      <p:childTnLst>
+                        <p:par>
+                          <p:cTn id="14" fill="hold">
+                            <p:stCondLst>
+                              <p:cond delay="0"/>
+                            </p:stCondLst>
+                            <p:childTnLst>
+                              <p:par>
+                                <p:cTn id="15" presetID="10" presetClass="entr" presetSubtype="0" fill="hold" nodeType="clickEffect">
+                                  <p:stCondLst>
+                                    <p:cond delay="0"/>
+                                  </p:stCondLst>
+                                  <p:childTnLst>
+                                    <p:set>
+                                      <p:cBhvr>
+                                        <p:cTn id="16" dur="1" fill="hold">
+                                          <p:stCondLst>
+                                            <p:cond delay="0"/>
+                                          </p:stCondLst>
+                                        </p:cTn>
+                                        <p:tgtEl>
+                                          <p:spTgt spid="8">
+                                            <p:txEl>
+                                              <p:pRg st="4" end="4"/>
+                                            </p:txEl>
+                                          </p:spTgt>
+                                        </p:tgtEl>
+                                        <p:attrNameLst>
+                                          <p:attrName>style.visibility</p:attrName>
+                                        </p:attrNameLst>
+                                      </p:cBhvr>
+                                      <p:to>
+                                        <p:strVal val="visible"/>
+                                      </p:to>
+                                    </p:set>
+                                    <p:animEffect transition="in" filter="fade">
+                                      <p:cBhvr>
+                                        <p:cTn id="17" dur="500"/>
+                                        <p:tgtEl>
+                                          <p:spTgt spid="8">
+                                            <p:txEl>
+                                              <p:pRg st="4" end="4"/>
+                                            </p:txEl>
+                                          </p:spTgt>
+                                        </p:tgtEl>
+                                      </p:cBhvr>
+                                    </p:animEffect>
+                                  </p:childTnLst>
+                                </p:cTn>
+                              </p:par>
+                            </p:childTnLst>
+                          </p:cTn>
+                        </p:par>
+                      </p:childTnLst>
+                    </p:cTn>
+                  </p:par>
+                  <p:par>
+                    <p:cTn id="18" fill="hold">
+                      <p:stCondLst>
+                        <p:cond delay="indefinite"/>
+                      </p:stCondLst>
+                      <p:childTnLst>
+                        <p:par>
+                          <p:cTn id="19" fill="hold">
+                            <p:stCondLst>
+                              <p:cond delay="0"/>
+                            </p:stCondLst>
+                            <p:childTnLst>
+                              <p:par>
+                                <p:cTn id="20" presetID="10" presetClass="entr" presetSubtype="0" fill="hold" nodeType="clickEffect">
+                                  <p:stCondLst>
+                                    <p:cond delay="0"/>
+                                  </p:stCondLst>
+                                  <p:childTnLst>
+                                    <p:set>
+                                      <p:cBhvr>
+                                        <p:cTn id="21" dur="1" fill="hold">
+                                          <p:stCondLst>
+                                            <p:cond delay="0"/>
+                                          </p:stCondLst>
+                                        </p:cTn>
+                                        <p:tgtEl>
+                                          <p:spTgt spid="8">
+                                            <p:txEl>
+                                              <p:pRg st="6" end="6"/>
+                                            </p:txEl>
+                                          </p:spTgt>
+                                        </p:tgtEl>
+                                        <p:attrNameLst>
+                                          <p:attrName>style.visibility</p:attrName>
+                                        </p:attrNameLst>
+                                      </p:cBhvr>
+                                      <p:to>
+                                        <p:strVal val="visible"/>
+                                      </p:to>
+                                    </p:set>
+                                    <p:animEffect transition="in" filter="fade">
+                                      <p:cBhvr>
+                                        <p:cTn id="22" dur="500"/>
+                                        <p:tgtEl>
+                                          <p:spTgt spid="8">
+                                            <p:txEl>
+                                              <p:pRg st="6" end="6"/>
+                                            </p:txEl>
+                                          </p:spTgt>
+                                        </p:tgtEl>
+                                      </p:cBhvr>
+                                    </p:animEffect>
+                                  </p:childTnLst>
+                                </p:cTn>
+                              </p:par>
+                            </p:childTnLst>
+                          </p:cTn>
+                        </p:par>
+                      </p:childTnLst>
+                    </p:cTn>
+                  </p:par>
+                  <p:par>
+                    <p:cTn id="23" fill="hold">
+                      <p:stCondLst>
+                        <p:cond delay="indefinite"/>
+                      </p:stCondLst>
+                      <p:childTnLst>
+                        <p:par>
+                          <p:cTn id="24" fill="hold">
+                            <p:stCondLst>
+                              <p:cond delay="0"/>
+                            </p:stCondLst>
+                            <p:childTnLst>
+                              <p:par>
+                                <p:cTn id="25" presetID="10" presetClass="entr" presetSubtype="0" fill="hold" nodeType="clickEffect">
+                                  <p:stCondLst>
+                                    <p:cond delay="0"/>
+                                  </p:stCondLst>
+                                  <p:childTnLst>
+                                    <p:set>
+                                      <p:cBhvr>
+                                        <p:cTn id="26" dur="1" fill="hold">
+                                          <p:stCondLst>
+                                            <p:cond delay="0"/>
+                                          </p:stCondLst>
+                                        </p:cTn>
+                                        <p:tgtEl>
+                                          <p:spTgt spid="8">
+                                            <p:txEl>
+                                              <p:pRg st="8" end="8"/>
+                                            </p:txEl>
+                                          </p:spTgt>
+                                        </p:tgtEl>
+                                        <p:attrNameLst>
+                                          <p:attrName>style.visibility</p:attrName>
+                                        </p:attrNameLst>
+                                      </p:cBhvr>
+                                      <p:to>
+                                        <p:strVal val="visible"/>
+                                      </p:to>
+                                    </p:set>
+                                    <p:animEffect transition="in" filter="fade">
+                                      <p:cBhvr>
+                                        <p:cTn id="27" dur="500"/>
+                                        <p:tgtEl>
+                                          <p:spTgt spid="8">
+                                            <p:txEl>
+                                              <p:pRg st="8" end="8"/>
+                                            </p:txEl>
+                                          </p:spTgt>
+                                        </p:tgtEl>
+                                      </p:cBhvr>
+                                    </p:animEffect>
+                                  </p:childTnLst>
+                                </p:cTn>
+                              </p:par>
+                            </p:childTnLst>
+                          </p:cTn>
+                        </p:par>
+                      </p:childTnLst>
+                    </p:cTn>
+                  </p:par>
+                  <p:par>
+                    <p:cTn id="28" fill="hold">
+                      <p:stCondLst>
+                        <p:cond delay="indefinite"/>
+                      </p:stCondLst>
+                      <p:childTnLst>
+                        <p:par>
+                          <p:cTn id="29" fill="hold">
+                            <p:stCondLst>
+                              <p:cond delay="0"/>
+                            </p:stCondLst>
+                            <p:childTnLst>
+                              <p:par>
+                                <p:cTn id="30" presetID="10" presetClass="entr" presetSubtype="0" fill="hold" nodeType="clickEffect">
+                                  <p:stCondLst>
+                                    <p:cond delay="0"/>
+                                  </p:stCondLst>
+                                  <p:childTnLst>
+                                    <p:set>
+                                      <p:cBhvr>
+                                        <p:cTn id="31" dur="1" fill="hold">
+                                          <p:stCondLst>
+                                            <p:cond delay="0"/>
+                                          </p:stCondLst>
+                                        </p:cTn>
+                                        <p:tgtEl>
+                                          <p:spTgt spid="8">
+                                            <p:txEl>
+                                              <p:pRg st="10" end="10"/>
+                                            </p:txEl>
+                                          </p:spTgt>
+                                        </p:tgtEl>
+                                        <p:attrNameLst>
+                                          <p:attrName>style.visibility</p:attrName>
+                                        </p:attrNameLst>
+                                      </p:cBhvr>
+                                      <p:to>
+                                        <p:strVal val="visible"/>
+                                      </p:to>
+                                    </p:set>
+                                    <p:animEffect transition="in" filter="fade">
+                                      <p:cBhvr>
+                                        <p:cTn id="32" dur="500"/>
+                                        <p:tgtEl>
+                                          <p:spTgt spid="8">
+                                            <p:txEl>
+                                              <p:pRg st="10" end="10"/>
+                                            </p:txEl>
+                                          </p:spTgt>
+                                        </p:tgtEl>
+                                      </p:cBhvr>
+                                    </p:animEffect>
+                                  </p:childTnLst>
+                                </p:cTn>
+                              </p:par>
+                            </p:childTnLst>
+                          </p:cTn>
+                        </p:par>
+                      </p:childTnLst>
+                    </p:cTn>
+                  </p:par>
+                </p:childTnLst>
+              </p:cTn>
+              <p:prevCondLst>
+                <p:cond evt="onPrev" delay="0">
+                  <p:tgtEl>
+                    <p:sldTgt/>
+                  </p:tgtEl>
+                </p:cond>
+              </p:prevCondLst>
+              <p:nextCondLst>
+                <p:cond evt="onNext" delay="0">
+                  <p:tgtEl>
+                    <p:sldTgt/>
+                  </p:tgtEl>
+                </p:cond>
+              </p:nextCondLst>
+            </p:seq>
+          </p:childTnLst>
+        </p:cTn>
+      </p:par>
+    </p:tnLst>
+  </p:timing>
+</p:sld>
+</file>
+
 <file path=ppt/slides/slide2.xml><?xml version="1.0" encoding="utf-8"?>
 <p:sld xmlns:a="http://schemas.openxmlformats.org/drawingml/2006/main" xmlns:r="http://schemas.openxmlformats.org/officeDocument/2006/relationships" xmlns:p="http://schemas.openxmlformats.org/presentationml/2006/main">
   <p:cSld>
@@ -7322,6 +13917,2161 @@
       </p:par>
     </p:tnLst>
   </p:timing>
+</p:sld>
+</file>
+
+<file path=ppt/slides/slide20.xml><?xml version="1.0" encoding="utf-8"?>
+<p:sld xmlns:a="http://schemas.openxmlformats.org/drawingml/2006/main" xmlns:r="http://schemas.openxmlformats.org/officeDocument/2006/relationships" xmlns:p="http://schemas.openxmlformats.org/presentationml/2006/main">
+  <p:cSld>
+    <p:spTree>
+      <p:nvGrpSpPr>
+        <p:cNvPr id="1" name=""/>
+        <p:cNvGrpSpPr/>
+        <p:nvPr/>
+      </p:nvGrpSpPr>
+      <p:grpSpPr>
+        <a:xfrm>
+          <a:off x="0" y="0"/>
+          <a:ext cx="0" cy="0"/>
+          <a:chOff x="0" y="0"/>
+          <a:chExt cx="0" cy="0"/>
+        </a:xfrm>
+      </p:grpSpPr>
+      <p:sp>
+        <p:nvSpPr>
+          <p:cNvPr id="4" name="Tijdelijke aanduiding voor datum 3"/>
+          <p:cNvSpPr>
+            <a:spLocks noGrp="1"/>
+          </p:cNvSpPr>
+          <p:nvPr>
+            <p:ph type="dt" sz="half" idx="10"/>
+          </p:nvPr>
+        </p:nvSpPr>
+        <p:spPr>
+          <a:xfrm>
+            <a:off x="313508" y="6459783"/>
+            <a:ext cx="2472271" cy="365125"/>
+          </a:xfrm>
+        </p:spPr>
+        <p:txBody>
+          <a:bodyPr/>
+          <a:lstStyle/>
+          <a:p>
+            <a:r>
+              <a:rPr lang="nl-BE" sz="1400" dirty="0"/>
+              <a:t>Niels Hauttekeete</a:t>
+            </a:r>
+            <a:endParaRPr lang="nl-BE" sz="800" dirty="0"/>
+          </a:p>
+        </p:txBody>
+      </p:sp>
+      <p:sp>
+        <p:nvSpPr>
+          <p:cNvPr id="5" name="Tijdelijke aanduiding voor voettekst 4"/>
+          <p:cNvSpPr>
+            <a:spLocks noGrp="1"/>
+          </p:cNvSpPr>
+          <p:nvPr>
+            <p:ph type="ftr" sz="quarter" idx="11"/>
+          </p:nvPr>
+        </p:nvSpPr>
+        <p:spPr>
+          <a:xfrm>
+            <a:off x="2191294" y="6459784"/>
+            <a:ext cx="7870372" cy="365125"/>
+          </a:xfrm>
+        </p:spPr>
+        <p:txBody>
+          <a:bodyPr/>
+          <a:lstStyle/>
+          <a:p>
+            <a:r>
+              <a:rPr lang="en-GB" sz="1400" cap="none" dirty="0"/>
+              <a:t>Deployment diagram –</a:t>
+            </a:r>
+            <a:r>
+              <a:rPr lang="en-GB" sz="1600" b="1" cap="none" dirty="0"/>
+              <a:t> </a:t>
+            </a:r>
+            <a:r>
+              <a:rPr lang="en-GB" sz="1400" cap="none" dirty="0"/>
+              <a:t>Databank</a:t>
+            </a:r>
+            <a:r>
+              <a:rPr lang="en-GB" sz="1600" b="1" cap="none" dirty="0"/>
+              <a:t> </a:t>
+            </a:r>
+            <a:r>
+              <a:rPr lang="en-GB" sz="1400" cap="none" dirty="0"/>
+              <a:t>– ASP.NET MVC – </a:t>
+            </a:r>
+            <a:r>
+              <a:rPr lang="en-GB" sz="1400" cap="none" dirty="0" err="1"/>
+              <a:t>Inlogsysteem</a:t>
+            </a:r>
+            <a:r>
+              <a:rPr lang="en-GB" sz="1400" cap="none" dirty="0"/>
+              <a:t> – </a:t>
+            </a:r>
+            <a:r>
+              <a:rPr lang="en-GB" sz="1600" b="1" cap="none" dirty="0"/>
+              <a:t>Future work</a:t>
+            </a:r>
+            <a:endParaRPr lang="nl-BE" sz="1600" b="1" cap="none" dirty="0"/>
+          </a:p>
+        </p:txBody>
+      </p:sp>
+      <p:sp>
+        <p:nvSpPr>
+          <p:cNvPr id="6" name="Tijdelijke aanduiding voor dianummer 5"/>
+          <p:cNvSpPr>
+            <a:spLocks noGrp="1"/>
+          </p:cNvSpPr>
+          <p:nvPr>
+            <p:ph type="sldNum" sz="quarter" idx="12"/>
+          </p:nvPr>
+        </p:nvSpPr>
+        <p:spPr>
+          <a:xfrm>
+            <a:off x="10613571" y="6459785"/>
+            <a:ext cx="598912" cy="365125"/>
+          </a:xfrm>
+        </p:spPr>
+        <p:txBody>
+          <a:bodyPr/>
+          <a:lstStyle/>
+          <a:p>
+            <a:fld id="{535572C1-3FAA-4346-9330-03EF25016D70}" type="slidenum">
+              <a:rPr lang="nl-BE" sz="1600" smtClean="0"/>
+              <a:t>20</a:t>
+            </a:fld>
+            <a:endParaRPr lang="nl-BE" sz="1600" dirty="0"/>
+          </a:p>
+        </p:txBody>
+      </p:sp>
+      <p:cxnSp>
+        <p:nvCxnSpPr>
+          <p:cNvPr id="10" name="Rechte verbindingslijn 9"/>
+          <p:cNvCxnSpPr/>
+          <p:nvPr/>
+        </p:nvCxnSpPr>
+        <p:spPr>
+          <a:xfrm>
+            <a:off x="1097280" y="1045030"/>
+            <a:ext cx="10210256" cy="0"/>
+          </a:xfrm>
+          <a:prstGeom prst="line">
+            <a:avLst/>
+          </a:prstGeom>
+          <a:ln>
+            <a:solidFill>
+              <a:schemeClr val="bg1">
+                <a:lumMod val="65000"/>
+              </a:schemeClr>
+            </a:solidFill>
+          </a:ln>
+        </p:spPr>
+        <p:style>
+          <a:lnRef idx="1">
+            <a:schemeClr val="accent1"/>
+          </a:lnRef>
+          <a:fillRef idx="0">
+            <a:schemeClr val="accent1"/>
+          </a:fillRef>
+          <a:effectRef idx="0">
+            <a:schemeClr val="accent1"/>
+          </a:effectRef>
+          <a:fontRef idx="minor">
+            <a:schemeClr val="tx1"/>
+          </a:fontRef>
+        </p:style>
+      </p:cxnSp>
+      <p:sp>
+        <p:nvSpPr>
+          <p:cNvPr id="11" name="Titel 1"/>
+          <p:cNvSpPr txBox="1">
+            <a:spLocks/>
+          </p:cNvSpPr>
+          <p:nvPr/>
+        </p:nvSpPr>
+        <p:spPr>
+          <a:xfrm>
+            <a:off x="1097280" y="286604"/>
+            <a:ext cx="10058400" cy="758426"/>
+          </a:xfrm>
+          <a:prstGeom prst="rect">
+            <a:avLst/>
+          </a:prstGeom>
+        </p:spPr>
+        <p:txBody>
+          <a:bodyPr anchor="ctr"/>
+          <a:lstStyle>
+            <a:lvl1pPr algn="l" defTabSz="914400" rtl="0" eaLnBrk="1" latinLnBrk="0" hangingPunct="1">
+              <a:lnSpc>
+                <a:spcPct val="85000"/>
+              </a:lnSpc>
+              <a:spcBef>
+                <a:spcPct val="0"/>
+              </a:spcBef>
+              <a:buNone/>
+              <a:defRPr sz="4800" kern="1200" spc="-50" baseline="0">
+                <a:solidFill>
+                  <a:schemeClr val="tx1">
+                    <a:lumMod val="75000"/>
+                    <a:lumOff val="25000"/>
+                  </a:schemeClr>
+                </a:solidFill>
+                <a:latin typeface="+mj-lt"/>
+                <a:ea typeface="+mj-ea"/>
+                <a:cs typeface="+mj-cs"/>
+              </a:defRPr>
+            </a:lvl1pPr>
+          </a:lstStyle>
+          <a:p>
+            <a:r>
+              <a:rPr lang="en-GB" dirty="0">
+                <a:solidFill>
+                  <a:schemeClr val="tx1"/>
+                </a:solidFill>
+              </a:rPr>
+              <a:t>Future work</a:t>
+            </a:r>
+            <a:endParaRPr lang="nl-BE" dirty="0">
+              <a:solidFill>
+                <a:schemeClr val="tx1"/>
+              </a:solidFill>
+            </a:endParaRPr>
+          </a:p>
+        </p:txBody>
+      </p:sp>
+      <p:sp>
+        <p:nvSpPr>
+          <p:cNvPr id="8" name="Tijdelijke aanduiding voor inhoud 2">
+            <a:extLst>
+              <a:ext uri="{FF2B5EF4-FFF2-40B4-BE49-F238E27FC236}">
+                <a16:creationId xmlns:a16="http://schemas.microsoft.com/office/drawing/2014/main" id="{6F369E50-FD53-4A8F-BEB4-927F2DB729E9}"/>
+              </a:ext>
+            </a:extLst>
+          </p:cNvPr>
+          <p:cNvSpPr txBox="1">
+            <a:spLocks/>
+          </p:cNvSpPr>
+          <p:nvPr/>
+        </p:nvSpPr>
+        <p:spPr>
+          <a:xfrm>
+            <a:off x="965943" y="1528153"/>
+            <a:ext cx="5130057" cy="4448507"/>
+          </a:xfrm>
+          <a:prstGeom prst="rect">
+            <a:avLst/>
+          </a:prstGeom>
+        </p:spPr>
+        <p:txBody>
+          <a:bodyPr>
+            <a:normAutofit/>
+          </a:bodyPr>
+          <a:lstStyle>
+            <a:lvl1pPr marL="91440" indent="-91440" algn="l" defTabSz="914400" rtl="0" eaLnBrk="1" latinLnBrk="0" hangingPunct="1">
+              <a:lnSpc>
+                <a:spcPct val="90000"/>
+              </a:lnSpc>
+              <a:spcBef>
+                <a:spcPts val="1200"/>
+              </a:spcBef>
+              <a:spcAft>
+                <a:spcPts val="200"/>
+              </a:spcAft>
+              <a:buClr>
+                <a:schemeClr val="accent1"/>
+              </a:buClr>
+              <a:buSzPct val="100000"/>
+              <a:buFont typeface="Calibri" panose="020F0502020204030204" pitchFamily="34" charset="0"/>
+              <a:buChar char=" "/>
+              <a:defRPr sz="2000" kern="1200">
+                <a:solidFill>
+                  <a:schemeClr val="tx1">
+                    <a:lumMod val="75000"/>
+                    <a:lumOff val="25000"/>
+                  </a:schemeClr>
+                </a:solidFill>
+                <a:latin typeface="+mn-lt"/>
+                <a:ea typeface="+mn-ea"/>
+                <a:cs typeface="+mn-cs"/>
+              </a:defRPr>
+            </a:lvl1pPr>
+            <a:lvl2pPr marL="384048" indent="-182880" algn="l" defTabSz="914400" rtl="0" eaLnBrk="1" latinLnBrk="0" hangingPunct="1">
+              <a:lnSpc>
+                <a:spcPct val="90000"/>
+              </a:lnSpc>
+              <a:spcBef>
+                <a:spcPts val="200"/>
+              </a:spcBef>
+              <a:spcAft>
+                <a:spcPts val="400"/>
+              </a:spcAft>
+              <a:buClr>
+                <a:schemeClr val="accent1"/>
+              </a:buClr>
+              <a:buFont typeface="Calibri" pitchFamily="34" charset="0"/>
+              <a:buChar char="◦"/>
+              <a:defRPr sz="1800" kern="1200">
+                <a:solidFill>
+                  <a:schemeClr val="tx1">
+                    <a:lumMod val="75000"/>
+                    <a:lumOff val="25000"/>
+                  </a:schemeClr>
+                </a:solidFill>
+                <a:latin typeface="+mn-lt"/>
+                <a:ea typeface="+mn-ea"/>
+                <a:cs typeface="+mn-cs"/>
+              </a:defRPr>
+            </a:lvl2pPr>
+            <a:lvl3pPr marL="566928" indent="-182880" algn="l" defTabSz="914400" rtl="0" eaLnBrk="1" latinLnBrk="0" hangingPunct="1">
+              <a:lnSpc>
+                <a:spcPct val="90000"/>
+              </a:lnSpc>
+              <a:spcBef>
+                <a:spcPts val="200"/>
+              </a:spcBef>
+              <a:spcAft>
+                <a:spcPts val="400"/>
+              </a:spcAft>
+              <a:buClr>
+                <a:schemeClr val="accent1"/>
+              </a:buClr>
+              <a:buFont typeface="Calibri" pitchFamily="34" charset="0"/>
+              <a:buChar char="◦"/>
+              <a:defRPr sz="1400" kern="1200">
+                <a:solidFill>
+                  <a:schemeClr val="tx1">
+                    <a:lumMod val="75000"/>
+                    <a:lumOff val="25000"/>
+                  </a:schemeClr>
+                </a:solidFill>
+                <a:latin typeface="+mn-lt"/>
+                <a:ea typeface="+mn-ea"/>
+                <a:cs typeface="+mn-cs"/>
+              </a:defRPr>
+            </a:lvl3pPr>
+            <a:lvl4pPr marL="749808" indent="-182880" algn="l" defTabSz="914400" rtl="0" eaLnBrk="1" latinLnBrk="0" hangingPunct="1">
+              <a:lnSpc>
+                <a:spcPct val="90000"/>
+              </a:lnSpc>
+              <a:spcBef>
+                <a:spcPts val="200"/>
+              </a:spcBef>
+              <a:spcAft>
+                <a:spcPts val="400"/>
+              </a:spcAft>
+              <a:buClr>
+                <a:schemeClr val="accent1"/>
+              </a:buClr>
+              <a:buFont typeface="Calibri" pitchFamily="34" charset="0"/>
+              <a:buChar char="◦"/>
+              <a:defRPr sz="1400" kern="1200">
+                <a:solidFill>
+                  <a:schemeClr val="tx1">
+                    <a:lumMod val="75000"/>
+                    <a:lumOff val="25000"/>
+                  </a:schemeClr>
+                </a:solidFill>
+                <a:latin typeface="+mn-lt"/>
+                <a:ea typeface="+mn-ea"/>
+                <a:cs typeface="+mn-cs"/>
+              </a:defRPr>
+            </a:lvl4pPr>
+            <a:lvl5pPr marL="932688" indent="-182880" algn="l" defTabSz="914400" rtl="0" eaLnBrk="1" latinLnBrk="0" hangingPunct="1">
+              <a:lnSpc>
+                <a:spcPct val="90000"/>
+              </a:lnSpc>
+              <a:spcBef>
+                <a:spcPts val="200"/>
+              </a:spcBef>
+              <a:spcAft>
+                <a:spcPts val="400"/>
+              </a:spcAft>
+              <a:buClr>
+                <a:schemeClr val="accent1"/>
+              </a:buClr>
+              <a:buFont typeface="Calibri" pitchFamily="34" charset="0"/>
+              <a:buChar char="◦"/>
+              <a:defRPr sz="1400" kern="1200">
+                <a:solidFill>
+                  <a:schemeClr val="tx1">
+                    <a:lumMod val="75000"/>
+                    <a:lumOff val="25000"/>
+                  </a:schemeClr>
+                </a:solidFill>
+                <a:latin typeface="+mn-lt"/>
+                <a:ea typeface="+mn-ea"/>
+                <a:cs typeface="+mn-cs"/>
+              </a:defRPr>
+            </a:lvl5pPr>
+            <a:lvl6pPr marL="1100000" indent="-228600" algn="l" defTabSz="914400" rtl="0" eaLnBrk="1" latinLnBrk="0" hangingPunct="1">
+              <a:lnSpc>
+                <a:spcPct val="90000"/>
+              </a:lnSpc>
+              <a:spcBef>
+                <a:spcPts val="200"/>
+              </a:spcBef>
+              <a:spcAft>
+                <a:spcPts val="400"/>
+              </a:spcAft>
+              <a:buClr>
+                <a:schemeClr val="accent1"/>
+              </a:buClr>
+              <a:buFont typeface="Calibri" pitchFamily="34" charset="0"/>
+              <a:buChar char="◦"/>
+              <a:defRPr sz="1400" kern="1200">
+                <a:solidFill>
+                  <a:schemeClr val="tx1">
+                    <a:lumMod val="75000"/>
+                    <a:lumOff val="25000"/>
+                  </a:schemeClr>
+                </a:solidFill>
+                <a:latin typeface="+mn-lt"/>
+                <a:ea typeface="+mn-ea"/>
+                <a:cs typeface="+mn-cs"/>
+              </a:defRPr>
+            </a:lvl6pPr>
+            <a:lvl7pPr marL="1300000" indent="-228600" algn="l" defTabSz="914400" rtl="0" eaLnBrk="1" latinLnBrk="0" hangingPunct="1">
+              <a:lnSpc>
+                <a:spcPct val="90000"/>
+              </a:lnSpc>
+              <a:spcBef>
+                <a:spcPts val="200"/>
+              </a:spcBef>
+              <a:spcAft>
+                <a:spcPts val="400"/>
+              </a:spcAft>
+              <a:buClr>
+                <a:schemeClr val="accent1"/>
+              </a:buClr>
+              <a:buFont typeface="Calibri" pitchFamily="34" charset="0"/>
+              <a:buChar char="◦"/>
+              <a:defRPr sz="1400" kern="1200">
+                <a:solidFill>
+                  <a:schemeClr val="tx1">
+                    <a:lumMod val="75000"/>
+                    <a:lumOff val="25000"/>
+                  </a:schemeClr>
+                </a:solidFill>
+                <a:latin typeface="+mn-lt"/>
+                <a:ea typeface="+mn-ea"/>
+                <a:cs typeface="+mn-cs"/>
+              </a:defRPr>
+            </a:lvl7pPr>
+            <a:lvl8pPr marL="1500000" indent="-228600" algn="l" defTabSz="914400" rtl="0" eaLnBrk="1" latinLnBrk="0" hangingPunct="1">
+              <a:lnSpc>
+                <a:spcPct val="90000"/>
+              </a:lnSpc>
+              <a:spcBef>
+                <a:spcPts val="200"/>
+              </a:spcBef>
+              <a:spcAft>
+                <a:spcPts val="400"/>
+              </a:spcAft>
+              <a:buClr>
+                <a:schemeClr val="accent1"/>
+              </a:buClr>
+              <a:buFont typeface="Calibri" pitchFamily="34" charset="0"/>
+              <a:buChar char="◦"/>
+              <a:defRPr sz="1400" kern="1200">
+                <a:solidFill>
+                  <a:schemeClr val="tx1">
+                    <a:lumMod val="75000"/>
+                    <a:lumOff val="25000"/>
+                  </a:schemeClr>
+                </a:solidFill>
+                <a:latin typeface="+mn-lt"/>
+                <a:ea typeface="+mn-ea"/>
+                <a:cs typeface="+mn-cs"/>
+              </a:defRPr>
+            </a:lvl8pPr>
+            <a:lvl9pPr marL="1700000" indent="-228600" algn="l" defTabSz="914400" rtl="0" eaLnBrk="1" latinLnBrk="0" hangingPunct="1">
+              <a:lnSpc>
+                <a:spcPct val="90000"/>
+              </a:lnSpc>
+              <a:spcBef>
+                <a:spcPts val="200"/>
+              </a:spcBef>
+              <a:spcAft>
+                <a:spcPts val="400"/>
+              </a:spcAft>
+              <a:buClr>
+                <a:schemeClr val="accent1"/>
+              </a:buClr>
+              <a:buFont typeface="Calibri" pitchFamily="34" charset="0"/>
+              <a:buChar char="◦"/>
+              <a:defRPr sz="1400" kern="1200">
+                <a:solidFill>
+                  <a:schemeClr val="tx1">
+                    <a:lumMod val="75000"/>
+                    <a:lumOff val="25000"/>
+                  </a:schemeClr>
+                </a:solidFill>
+                <a:latin typeface="+mn-lt"/>
+                <a:ea typeface="+mn-ea"/>
+                <a:cs typeface="+mn-cs"/>
+              </a:defRPr>
+            </a:lvl9pPr>
+          </a:lstStyle>
+          <a:p>
+            <a:pPr lvl="1">
+              <a:buFont typeface="Wingdings" panose="05000000000000000000" pitchFamily="2" charset="2"/>
+              <a:buChar char="§"/>
+            </a:pPr>
+            <a:r>
+              <a:rPr lang="nl-BE" sz="2000" dirty="0">
+                <a:solidFill>
+                  <a:schemeClr val="tx1"/>
+                </a:solidFill>
+              </a:rPr>
+              <a:t>Kleur track dynamisch aanpassen</a:t>
+            </a:r>
+          </a:p>
+          <a:p>
+            <a:pPr lvl="1">
+              <a:buFont typeface="Wingdings" panose="05000000000000000000" pitchFamily="2" charset="2"/>
+              <a:buChar char="§"/>
+            </a:pPr>
+            <a:endParaRPr lang="nl-BE" sz="2000" dirty="0">
+              <a:solidFill>
+                <a:schemeClr val="tx1"/>
+              </a:solidFill>
+            </a:endParaRPr>
+          </a:p>
+          <a:p>
+            <a:pPr lvl="1">
+              <a:buFont typeface="Wingdings" panose="05000000000000000000" pitchFamily="2" charset="2"/>
+              <a:buChar char="§"/>
+            </a:pPr>
+            <a:r>
+              <a:rPr lang="nl-BE" sz="2000" dirty="0">
+                <a:solidFill>
+                  <a:schemeClr val="tx1"/>
+                </a:solidFill>
+              </a:rPr>
+              <a:t>Flow </a:t>
+            </a:r>
+            <a:r>
+              <a:rPr lang="nl-BE" sz="2000" dirty="0" err="1">
+                <a:solidFill>
+                  <a:schemeClr val="tx1"/>
+                </a:solidFill>
+              </a:rPr>
+              <a:t>mapview</a:t>
+            </a:r>
+            <a:r>
+              <a:rPr lang="nl-BE" sz="2000" dirty="0">
+                <a:solidFill>
+                  <a:schemeClr val="tx1"/>
+                </a:solidFill>
+              </a:rPr>
+              <a:t> verbeteren</a:t>
+            </a:r>
+          </a:p>
+          <a:p>
+            <a:pPr lvl="1">
+              <a:buFont typeface="Wingdings" panose="05000000000000000000" pitchFamily="2" charset="2"/>
+              <a:buChar char="§"/>
+            </a:pPr>
+            <a:endParaRPr lang="nl-BE" sz="2000" dirty="0">
+              <a:solidFill>
+                <a:schemeClr val="tx1"/>
+              </a:solidFill>
+            </a:endParaRPr>
+          </a:p>
+          <a:p>
+            <a:pPr lvl="1">
+              <a:buFont typeface="Wingdings" panose="05000000000000000000" pitchFamily="2" charset="2"/>
+              <a:buChar char="§"/>
+            </a:pPr>
+            <a:r>
+              <a:rPr lang="nl-BE" sz="2000" dirty="0" err="1">
+                <a:solidFill>
+                  <a:schemeClr val="tx1"/>
+                </a:solidFill>
+              </a:rPr>
+              <a:t>Differential</a:t>
+            </a:r>
+            <a:r>
+              <a:rPr lang="nl-BE" sz="2000" dirty="0">
+                <a:solidFill>
+                  <a:schemeClr val="tx1"/>
+                </a:solidFill>
+              </a:rPr>
+              <a:t> view</a:t>
+            </a:r>
+          </a:p>
+          <a:p>
+            <a:pPr lvl="1">
+              <a:buFont typeface="Wingdings" panose="05000000000000000000" pitchFamily="2" charset="2"/>
+              <a:buChar char="§"/>
+            </a:pPr>
+            <a:endParaRPr lang="nl-BE" sz="2000" dirty="0">
+              <a:solidFill>
+                <a:schemeClr val="tx1"/>
+              </a:solidFill>
+            </a:endParaRPr>
+          </a:p>
+          <a:p>
+            <a:pPr lvl="1">
+              <a:buFont typeface="Wingdings" panose="05000000000000000000" pitchFamily="2" charset="2"/>
+              <a:buChar char="§"/>
+            </a:pPr>
+            <a:r>
+              <a:rPr lang="nl-BE" sz="2000" dirty="0">
+                <a:solidFill>
+                  <a:schemeClr val="tx1"/>
+                </a:solidFill>
+              </a:rPr>
+              <a:t>Flight plan via KML</a:t>
+            </a:r>
+          </a:p>
+          <a:p>
+            <a:pPr lvl="1">
+              <a:buFont typeface="Wingdings" panose="05000000000000000000" pitchFamily="2" charset="2"/>
+              <a:buChar char="§"/>
+            </a:pPr>
+            <a:endParaRPr lang="nl-BE" sz="2000" dirty="0">
+              <a:solidFill>
+                <a:schemeClr val="tx1"/>
+              </a:solidFill>
+            </a:endParaRPr>
+          </a:p>
+          <a:p>
+            <a:pPr lvl="1">
+              <a:buFont typeface="Wingdings" panose="05000000000000000000" pitchFamily="2" charset="2"/>
+              <a:buChar char="§"/>
+            </a:pPr>
+            <a:r>
+              <a:rPr lang="nl-BE" sz="2000" dirty="0">
+                <a:solidFill>
+                  <a:schemeClr val="tx1"/>
+                </a:solidFill>
+              </a:rPr>
+              <a:t>Grenzen afbeeldingen tonen</a:t>
+            </a:r>
+          </a:p>
+        </p:txBody>
+      </p:sp>
+      <p:sp>
+        <p:nvSpPr>
+          <p:cNvPr id="9" name="Tijdelijke aanduiding voor inhoud 2">
+            <a:extLst>
+              <a:ext uri="{FF2B5EF4-FFF2-40B4-BE49-F238E27FC236}">
+                <a16:creationId xmlns:a16="http://schemas.microsoft.com/office/drawing/2014/main" id="{4CF8AB7D-FD88-454E-8866-D704A84DB071}"/>
+              </a:ext>
+            </a:extLst>
+          </p:cNvPr>
+          <p:cNvSpPr txBox="1">
+            <a:spLocks/>
+          </p:cNvSpPr>
+          <p:nvPr/>
+        </p:nvSpPr>
+        <p:spPr>
+          <a:xfrm>
+            <a:off x="6025623" y="1521948"/>
+            <a:ext cx="5130057" cy="4448507"/>
+          </a:xfrm>
+          <a:prstGeom prst="rect">
+            <a:avLst/>
+          </a:prstGeom>
+        </p:spPr>
+        <p:txBody>
+          <a:bodyPr>
+            <a:normAutofit/>
+          </a:bodyPr>
+          <a:lstStyle>
+            <a:lvl1pPr marL="91440" indent="-91440" algn="l" defTabSz="914400" rtl="0" eaLnBrk="1" latinLnBrk="0" hangingPunct="1">
+              <a:lnSpc>
+                <a:spcPct val="90000"/>
+              </a:lnSpc>
+              <a:spcBef>
+                <a:spcPts val="1200"/>
+              </a:spcBef>
+              <a:spcAft>
+                <a:spcPts val="200"/>
+              </a:spcAft>
+              <a:buClr>
+                <a:schemeClr val="accent1"/>
+              </a:buClr>
+              <a:buSzPct val="100000"/>
+              <a:buFont typeface="Calibri" panose="020F0502020204030204" pitchFamily="34" charset="0"/>
+              <a:buChar char=" "/>
+              <a:defRPr sz="2000" kern="1200">
+                <a:solidFill>
+                  <a:schemeClr val="tx1">
+                    <a:lumMod val="75000"/>
+                    <a:lumOff val="25000"/>
+                  </a:schemeClr>
+                </a:solidFill>
+                <a:latin typeface="+mn-lt"/>
+                <a:ea typeface="+mn-ea"/>
+                <a:cs typeface="+mn-cs"/>
+              </a:defRPr>
+            </a:lvl1pPr>
+            <a:lvl2pPr marL="384048" indent="-182880" algn="l" defTabSz="914400" rtl="0" eaLnBrk="1" latinLnBrk="0" hangingPunct="1">
+              <a:lnSpc>
+                <a:spcPct val="90000"/>
+              </a:lnSpc>
+              <a:spcBef>
+                <a:spcPts val="200"/>
+              </a:spcBef>
+              <a:spcAft>
+                <a:spcPts val="400"/>
+              </a:spcAft>
+              <a:buClr>
+                <a:schemeClr val="accent1"/>
+              </a:buClr>
+              <a:buFont typeface="Calibri" pitchFamily="34" charset="0"/>
+              <a:buChar char="◦"/>
+              <a:defRPr sz="1800" kern="1200">
+                <a:solidFill>
+                  <a:schemeClr val="tx1">
+                    <a:lumMod val="75000"/>
+                    <a:lumOff val="25000"/>
+                  </a:schemeClr>
+                </a:solidFill>
+                <a:latin typeface="+mn-lt"/>
+                <a:ea typeface="+mn-ea"/>
+                <a:cs typeface="+mn-cs"/>
+              </a:defRPr>
+            </a:lvl2pPr>
+            <a:lvl3pPr marL="566928" indent="-182880" algn="l" defTabSz="914400" rtl="0" eaLnBrk="1" latinLnBrk="0" hangingPunct="1">
+              <a:lnSpc>
+                <a:spcPct val="90000"/>
+              </a:lnSpc>
+              <a:spcBef>
+                <a:spcPts val="200"/>
+              </a:spcBef>
+              <a:spcAft>
+                <a:spcPts val="400"/>
+              </a:spcAft>
+              <a:buClr>
+                <a:schemeClr val="accent1"/>
+              </a:buClr>
+              <a:buFont typeface="Calibri" pitchFamily="34" charset="0"/>
+              <a:buChar char="◦"/>
+              <a:defRPr sz="1400" kern="1200">
+                <a:solidFill>
+                  <a:schemeClr val="tx1">
+                    <a:lumMod val="75000"/>
+                    <a:lumOff val="25000"/>
+                  </a:schemeClr>
+                </a:solidFill>
+                <a:latin typeface="+mn-lt"/>
+                <a:ea typeface="+mn-ea"/>
+                <a:cs typeface="+mn-cs"/>
+              </a:defRPr>
+            </a:lvl3pPr>
+            <a:lvl4pPr marL="749808" indent="-182880" algn="l" defTabSz="914400" rtl="0" eaLnBrk="1" latinLnBrk="0" hangingPunct="1">
+              <a:lnSpc>
+                <a:spcPct val="90000"/>
+              </a:lnSpc>
+              <a:spcBef>
+                <a:spcPts val="200"/>
+              </a:spcBef>
+              <a:spcAft>
+                <a:spcPts val="400"/>
+              </a:spcAft>
+              <a:buClr>
+                <a:schemeClr val="accent1"/>
+              </a:buClr>
+              <a:buFont typeface="Calibri" pitchFamily="34" charset="0"/>
+              <a:buChar char="◦"/>
+              <a:defRPr sz="1400" kern="1200">
+                <a:solidFill>
+                  <a:schemeClr val="tx1">
+                    <a:lumMod val="75000"/>
+                    <a:lumOff val="25000"/>
+                  </a:schemeClr>
+                </a:solidFill>
+                <a:latin typeface="+mn-lt"/>
+                <a:ea typeface="+mn-ea"/>
+                <a:cs typeface="+mn-cs"/>
+              </a:defRPr>
+            </a:lvl4pPr>
+            <a:lvl5pPr marL="932688" indent="-182880" algn="l" defTabSz="914400" rtl="0" eaLnBrk="1" latinLnBrk="0" hangingPunct="1">
+              <a:lnSpc>
+                <a:spcPct val="90000"/>
+              </a:lnSpc>
+              <a:spcBef>
+                <a:spcPts val="200"/>
+              </a:spcBef>
+              <a:spcAft>
+                <a:spcPts val="400"/>
+              </a:spcAft>
+              <a:buClr>
+                <a:schemeClr val="accent1"/>
+              </a:buClr>
+              <a:buFont typeface="Calibri" pitchFamily="34" charset="0"/>
+              <a:buChar char="◦"/>
+              <a:defRPr sz="1400" kern="1200">
+                <a:solidFill>
+                  <a:schemeClr val="tx1">
+                    <a:lumMod val="75000"/>
+                    <a:lumOff val="25000"/>
+                  </a:schemeClr>
+                </a:solidFill>
+                <a:latin typeface="+mn-lt"/>
+                <a:ea typeface="+mn-ea"/>
+                <a:cs typeface="+mn-cs"/>
+              </a:defRPr>
+            </a:lvl5pPr>
+            <a:lvl6pPr marL="1100000" indent="-228600" algn="l" defTabSz="914400" rtl="0" eaLnBrk="1" latinLnBrk="0" hangingPunct="1">
+              <a:lnSpc>
+                <a:spcPct val="90000"/>
+              </a:lnSpc>
+              <a:spcBef>
+                <a:spcPts val="200"/>
+              </a:spcBef>
+              <a:spcAft>
+                <a:spcPts val="400"/>
+              </a:spcAft>
+              <a:buClr>
+                <a:schemeClr val="accent1"/>
+              </a:buClr>
+              <a:buFont typeface="Calibri" pitchFamily="34" charset="0"/>
+              <a:buChar char="◦"/>
+              <a:defRPr sz="1400" kern="1200">
+                <a:solidFill>
+                  <a:schemeClr val="tx1">
+                    <a:lumMod val="75000"/>
+                    <a:lumOff val="25000"/>
+                  </a:schemeClr>
+                </a:solidFill>
+                <a:latin typeface="+mn-lt"/>
+                <a:ea typeface="+mn-ea"/>
+                <a:cs typeface="+mn-cs"/>
+              </a:defRPr>
+            </a:lvl6pPr>
+            <a:lvl7pPr marL="1300000" indent="-228600" algn="l" defTabSz="914400" rtl="0" eaLnBrk="1" latinLnBrk="0" hangingPunct="1">
+              <a:lnSpc>
+                <a:spcPct val="90000"/>
+              </a:lnSpc>
+              <a:spcBef>
+                <a:spcPts val="200"/>
+              </a:spcBef>
+              <a:spcAft>
+                <a:spcPts val="400"/>
+              </a:spcAft>
+              <a:buClr>
+                <a:schemeClr val="accent1"/>
+              </a:buClr>
+              <a:buFont typeface="Calibri" pitchFamily="34" charset="0"/>
+              <a:buChar char="◦"/>
+              <a:defRPr sz="1400" kern="1200">
+                <a:solidFill>
+                  <a:schemeClr val="tx1">
+                    <a:lumMod val="75000"/>
+                    <a:lumOff val="25000"/>
+                  </a:schemeClr>
+                </a:solidFill>
+                <a:latin typeface="+mn-lt"/>
+                <a:ea typeface="+mn-ea"/>
+                <a:cs typeface="+mn-cs"/>
+              </a:defRPr>
+            </a:lvl7pPr>
+            <a:lvl8pPr marL="1500000" indent="-228600" algn="l" defTabSz="914400" rtl="0" eaLnBrk="1" latinLnBrk="0" hangingPunct="1">
+              <a:lnSpc>
+                <a:spcPct val="90000"/>
+              </a:lnSpc>
+              <a:spcBef>
+                <a:spcPts val="200"/>
+              </a:spcBef>
+              <a:spcAft>
+                <a:spcPts val="400"/>
+              </a:spcAft>
+              <a:buClr>
+                <a:schemeClr val="accent1"/>
+              </a:buClr>
+              <a:buFont typeface="Calibri" pitchFamily="34" charset="0"/>
+              <a:buChar char="◦"/>
+              <a:defRPr sz="1400" kern="1200">
+                <a:solidFill>
+                  <a:schemeClr val="tx1">
+                    <a:lumMod val="75000"/>
+                    <a:lumOff val="25000"/>
+                  </a:schemeClr>
+                </a:solidFill>
+                <a:latin typeface="+mn-lt"/>
+                <a:ea typeface="+mn-ea"/>
+                <a:cs typeface="+mn-cs"/>
+              </a:defRPr>
+            </a:lvl8pPr>
+            <a:lvl9pPr marL="1700000" indent="-228600" algn="l" defTabSz="914400" rtl="0" eaLnBrk="1" latinLnBrk="0" hangingPunct="1">
+              <a:lnSpc>
+                <a:spcPct val="90000"/>
+              </a:lnSpc>
+              <a:spcBef>
+                <a:spcPts val="200"/>
+              </a:spcBef>
+              <a:spcAft>
+                <a:spcPts val="400"/>
+              </a:spcAft>
+              <a:buClr>
+                <a:schemeClr val="accent1"/>
+              </a:buClr>
+              <a:buFont typeface="Calibri" pitchFamily="34" charset="0"/>
+              <a:buChar char="◦"/>
+              <a:defRPr sz="1400" kern="1200">
+                <a:solidFill>
+                  <a:schemeClr val="tx1">
+                    <a:lumMod val="75000"/>
+                    <a:lumOff val="25000"/>
+                  </a:schemeClr>
+                </a:solidFill>
+                <a:latin typeface="+mn-lt"/>
+                <a:ea typeface="+mn-ea"/>
+                <a:cs typeface="+mn-cs"/>
+              </a:defRPr>
+            </a:lvl9pPr>
+          </a:lstStyle>
+          <a:p>
+            <a:pPr lvl="1">
+              <a:buFont typeface="Wingdings" panose="05000000000000000000" pitchFamily="2" charset="2"/>
+              <a:buChar char="§"/>
+            </a:pPr>
+            <a:r>
+              <a:rPr lang="nl-BE" sz="2000" dirty="0">
+                <a:solidFill>
+                  <a:schemeClr val="tx1"/>
+                </a:solidFill>
+              </a:rPr>
+              <a:t>TIFF-afbeelding projecteren op kaart</a:t>
+            </a:r>
+          </a:p>
+          <a:p>
+            <a:pPr lvl="1">
+              <a:buFont typeface="Wingdings" panose="05000000000000000000" pitchFamily="2" charset="2"/>
+              <a:buChar char="§"/>
+            </a:pPr>
+            <a:endParaRPr lang="nl-BE" sz="2000" dirty="0">
+              <a:solidFill>
+                <a:schemeClr val="tx1"/>
+              </a:solidFill>
+            </a:endParaRPr>
+          </a:p>
+          <a:p>
+            <a:pPr lvl="1">
+              <a:buFont typeface="Wingdings" panose="05000000000000000000" pitchFamily="2" charset="2"/>
+              <a:buChar char="§"/>
+            </a:pPr>
+            <a:r>
+              <a:rPr lang="nl-BE" sz="2000" dirty="0">
+                <a:solidFill>
+                  <a:schemeClr val="tx1"/>
+                </a:solidFill>
+              </a:rPr>
+              <a:t>Track voorstellen als polyline</a:t>
+            </a:r>
+          </a:p>
+          <a:p>
+            <a:pPr lvl="1">
+              <a:buFont typeface="Wingdings" panose="05000000000000000000" pitchFamily="2" charset="2"/>
+              <a:buChar char="§"/>
+            </a:pPr>
+            <a:endParaRPr lang="nl-BE" sz="2000" dirty="0">
+              <a:solidFill>
+                <a:schemeClr val="tx1"/>
+              </a:solidFill>
+            </a:endParaRPr>
+          </a:p>
+          <a:p>
+            <a:pPr lvl="1">
+              <a:buFont typeface="Wingdings" panose="05000000000000000000" pitchFamily="2" charset="2"/>
+              <a:buChar char="§"/>
+            </a:pPr>
+            <a:r>
+              <a:rPr lang="nl-BE" sz="2000" dirty="0">
+                <a:solidFill>
+                  <a:schemeClr val="tx1"/>
+                </a:solidFill>
+              </a:rPr>
+              <a:t>Puntenwolk visualiseren</a:t>
+            </a:r>
+          </a:p>
+          <a:p>
+            <a:pPr lvl="1">
+              <a:buFont typeface="Wingdings" panose="05000000000000000000" pitchFamily="2" charset="2"/>
+              <a:buChar char="§"/>
+            </a:pPr>
+            <a:endParaRPr lang="nl-BE" sz="2000" dirty="0">
+              <a:solidFill>
+                <a:schemeClr val="tx1"/>
+              </a:solidFill>
+            </a:endParaRPr>
+          </a:p>
+          <a:p>
+            <a:pPr lvl="1">
+              <a:buFont typeface="Wingdings" panose="05000000000000000000" pitchFamily="2" charset="2"/>
+              <a:buChar char="§"/>
+            </a:pPr>
+            <a:r>
+              <a:rPr lang="nl-BE" sz="2000" dirty="0">
+                <a:solidFill>
+                  <a:schemeClr val="tx1"/>
+                </a:solidFill>
+              </a:rPr>
+              <a:t>Screenshot kaart</a:t>
+            </a:r>
+          </a:p>
+        </p:txBody>
+      </p:sp>
+    </p:spTree>
+    <p:extLst>
+      <p:ext uri="{BB962C8B-B14F-4D97-AF65-F5344CB8AC3E}">
+        <p14:creationId xmlns:p14="http://schemas.microsoft.com/office/powerpoint/2010/main" val="4004924062"/>
+      </p:ext>
+    </p:extLst>
+  </p:cSld>
+  <p:clrMapOvr>
+    <a:masterClrMapping/>
+  </p:clrMapOvr>
+  <p:timing>
+    <p:tnLst>
+      <p:par>
+        <p:cTn id="1" dur="indefinite" restart="never" nodeType="tmRoot">
+          <p:childTnLst>
+            <p:seq concurrent="1" nextAc="seek">
+              <p:cTn id="2" dur="indefinite" nodeType="mainSeq">
+                <p:childTnLst>
+                  <p:par>
+                    <p:cTn id="3" fill="hold">
+                      <p:stCondLst>
+                        <p:cond delay="indefinite"/>
+                      </p:stCondLst>
+                      <p:childTnLst>
+                        <p:par>
+                          <p:cTn id="4" fill="hold">
+                            <p:stCondLst>
+                              <p:cond delay="0"/>
+                            </p:stCondLst>
+                            <p:childTnLst>
+                              <p:par>
+                                <p:cTn id="5" presetID="10" presetClass="entr" presetSubtype="0" fill="hold" nodeType="clickEffect">
+                                  <p:stCondLst>
+                                    <p:cond delay="0"/>
+                                  </p:stCondLst>
+                                  <p:childTnLst>
+                                    <p:set>
+                                      <p:cBhvr>
+                                        <p:cTn id="6" dur="1" fill="hold">
+                                          <p:stCondLst>
+                                            <p:cond delay="0"/>
+                                          </p:stCondLst>
+                                        </p:cTn>
+                                        <p:tgtEl>
+                                          <p:spTgt spid="8">
+                                            <p:txEl>
+                                              <p:pRg st="0" end="0"/>
+                                            </p:txEl>
+                                          </p:spTgt>
+                                        </p:tgtEl>
+                                        <p:attrNameLst>
+                                          <p:attrName>style.visibility</p:attrName>
+                                        </p:attrNameLst>
+                                      </p:cBhvr>
+                                      <p:to>
+                                        <p:strVal val="visible"/>
+                                      </p:to>
+                                    </p:set>
+                                    <p:animEffect transition="in" filter="fade">
+                                      <p:cBhvr>
+                                        <p:cTn id="7" dur="500"/>
+                                        <p:tgtEl>
+                                          <p:spTgt spid="8">
+                                            <p:txEl>
+                                              <p:pRg st="0" end="0"/>
+                                            </p:txEl>
+                                          </p:spTgt>
+                                        </p:tgtEl>
+                                      </p:cBhvr>
+                                    </p:animEffect>
+                                  </p:childTnLst>
+                                </p:cTn>
+                              </p:par>
+                            </p:childTnLst>
+                          </p:cTn>
+                        </p:par>
+                      </p:childTnLst>
+                    </p:cTn>
+                  </p:par>
+                  <p:par>
+                    <p:cTn id="8" fill="hold">
+                      <p:stCondLst>
+                        <p:cond delay="indefinite"/>
+                      </p:stCondLst>
+                      <p:childTnLst>
+                        <p:par>
+                          <p:cTn id="9" fill="hold">
+                            <p:stCondLst>
+                              <p:cond delay="0"/>
+                            </p:stCondLst>
+                            <p:childTnLst>
+                              <p:par>
+                                <p:cTn id="10" presetID="10" presetClass="entr" presetSubtype="0" fill="hold" nodeType="clickEffect">
+                                  <p:stCondLst>
+                                    <p:cond delay="0"/>
+                                  </p:stCondLst>
+                                  <p:childTnLst>
+                                    <p:set>
+                                      <p:cBhvr>
+                                        <p:cTn id="11" dur="1" fill="hold">
+                                          <p:stCondLst>
+                                            <p:cond delay="0"/>
+                                          </p:stCondLst>
+                                        </p:cTn>
+                                        <p:tgtEl>
+                                          <p:spTgt spid="8">
+                                            <p:txEl>
+                                              <p:pRg st="2" end="2"/>
+                                            </p:txEl>
+                                          </p:spTgt>
+                                        </p:tgtEl>
+                                        <p:attrNameLst>
+                                          <p:attrName>style.visibility</p:attrName>
+                                        </p:attrNameLst>
+                                      </p:cBhvr>
+                                      <p:to>
+                                        <p:strVal val="visible"/>
+                                      </p:to>
+                                    </p:set>
+                                    <p:animEffect transition="in" filter="fade">
+                                      <p:cBhvr>
+                                        <p:cTn id="12" dur="500"/>
+                                        <p:tgtEl>
+                                          <p:spTgt spid="8">
+                                            <p:txEl>
+                                              <p:pRg st="2" end="2"/>
+                                            </p:txEl>
+                                          </p:spTgt>
+                                        </p:tgtEl>
+                                      </p:cBhvr>
+                                    </p:animEffect>
+                                  </p:childTnLst>
+                                </p:cTn>
+                              </p:par>
+                            </p:childTnLst>
+                          </p:cTn>
+                        </p:par>
+                      </p:childTnLst>
+                    </p:cTn>
+                  </p:par>
+                  <p:par>
+                    <p:cTn id="13" fill="hold">
+                      <p:stCondLst>
+                        <p:cond delay="indefinite"/>
+                      </p:stCondLst>
+                      <p:childTnLst>
+                        <p:par>
+                          <p:cTn id="14" fill="hold">
+                            <p:stCondLst>
+                              <p:cond delay="0"/>
+                            </p:stCondLst>
+                            <p:childTnLst>
+                              <p:par>
+                                <p:cTn id="15" presetID="10" presetClass="entr" presetSubtype="0" fill="hold" nodeType="clickEffect">
+                                  <p:stCondLst>
+                                    <p:cond delay="0"/>
+                                  </p:stCondLst>
+                                  <p:childTnLst>
+                                    <p:set>
+                                      <p:cBhvr>
+                                        <p:cTn id="16" dur="1" fill="hold">
+                                          <p:stCondLst>
+                                            <p:cond delay="0"/>
+                                          </p:stCondLst>
+                                        </p:cTn>
+                                        <p:tgtEl>
+                                          <p:spTgt spid="8">
+                                            <p:txEl>
+                                              <p:pRg st="4" end="4"/>
+                                            </p:txEl>
+                                          </p:spTgt>
+                                        </p:tgtEl>
+                                        <p:attrNameLst>
+                                          <p:attrName>style.visibility</p:attrName>
+                                        </p:attrNameLst>
+                                      </p:cBhvr>
+                                      <p:to>
+                                        <p:strVal val="visible"/>
+                                      </p:to>
+                                    </p:set>
+                                    <p:animEffect transition="in" filter="fade">
+                                      <p:cBhvr>
+                                        <p:cTn id="17" dur="500"/>
+                                        <p:tgtEl>
+                                          <p:spTgt spid="8">
+                                            <p:txEl>
+                                              <p:pRg st="4" end="4"/>
+                                            </p:txEl>
+                                          </p:spTgt>
+                                        </p:tgtEl>
+                                      </p:cBhvr>
+                                    </p:animEffect>
+                                  </p:childTnLst>
+                                </p:cTn>
+                              </p:par>
+                            </p:childTnLst>
+                          </p:cTn>
+                        </p:par>
+                      </p:childTnLst>
+                    </p:cTn>
+                  </p:par>
+                  <p:par>
+                    <p:cTn id="18" fill="hold">
+                      <p:stCondLst>
+                        <p:cond delay="indefinite"/>
+                      </p:stCondLst>
+                      <p:childTnLst>
+                        <p:par>
+                          <p:cTn id="19" fill="hold">
+                            <p:stCondLst>
+                              <p:cond delay="0"/>
+                            </p:stCondLst>
+                            <p:childTnLst>
+                              <p:par>
+                                <p:cTn id="20" presetID="10" presetClass="entr" presetSubtype="0" fill="hold" nodeType="clickEffect">
+                                  <p:stCondLst>
+                                    <p:cond delay="0"/>
+                                  </p:stCondLst>
+                                  <p:childTnLst>
+                                    <p:set>
+                                      <p:cBhvr>
+                                        <p:cTn id="21" dur="1" fill="hold">
+                                          <p:stCondLst>
+                                            <p:cond delay="0"/>
+                                          </p:stCondLst>
+                                        </p:cTn>
+                                        <p:tgtEl>
+                                          <p:spTgt spid="8">
+                                            <p:txEl>
+                                              <p:pRg st="6" end="6"/>
+                                            </p:txEl>
+                                          </p:spTgt>
+                                        </p:tgtEl>
+                                        <p:attrNameLst>
+                                          <p:attrName>style.visibility</p:attrName>
+                                        </p:attrNameLst>
+                                      </p:cBhvr>
+                                      <p:to>
+                                        <p:strVal val="visible"/>
+                                      </p:to>
+                                    </p:set>
+                                    <p:animEffect transition="in" filter="fade">
+                                      <p:cBhvr>
+                                        <p:cTn id="22" dur="500"/>
+                                        <p:tgtEl>
+                                          <p:spTgt spid="8">
+                                            <p:txEl>
+                                              <p:pRg st="6" end="6"/>
+                                            </p:txEl>
+                                          </p:spTgt>
+                                        </p:tgtEl>
+                                      </p:cBhvr>
+                                    </p:animEffect>
+                                  </p:childTnLst>
+                                </p:cTn>
+                              </p:par>
+                            </p:childTnLst>
+                          </p:cTn>
+                        </p:par>
+                      </p:childTnLst>
+                    </p:cTn>
+                  </p:par>
+                  <p:par>
+                    <p:cTn id="23" fill="hold">
+                      <p:stCondLst>
+                        <p:cond delay="indefinite"/>
+                      </p:stCondLst>
+                      <p:childTnLst>
+                        <p:par>
+                          <p:cTn id="24" fill="hold">
+                            <p:stCondLst>
+                              <p:cond delay="0"/>
+                            </p:stCondLst>
+                            <p:childTnLst>
+                              <p:par>
+                                <p:cTn id="25" presetID="10" presetClass="entr" presetSubtype="0" fill="hold" nodeType="clickEffect">
+                                  <p:stCondLst>
+                                    <p:cond delay="0"/>
+                                  </p:stCondLst>
+                                  <p:childTnLst>
+                                    <p:set>
+                                      <p:cBhvr>
+                                        <p:cTn id="26" dur="1" fill="hold">
+                                          <p:stCondLst>
+                                            <p:cond delay="0"/>
+                                          </p:stCondLst>
+                                        </p:cTn>
+                                        <p:tgtEl>
+                                          <p:spTgt spid="8">
+                                            <p:txEl>
+                                              <p:pRg st="8" end="8"/>
+                                            </p:txEl>
+                                          </p:spTgt>
+                                        </p:tgtEl>
+                                        <p:attrNameLst>
+                                          <p:attrName>style.visibility</p:attrName>
+                                        </p:attrNameLst>
+                                      </p:cBhvr>
+                                      <p:to>
+                                        <p:strVal val="visible"/>
+                                      </p:to>
+                                    </p:set>
+                                    <p:animEffect transition="in" filter="fade">
+                                      <p:cBhvr>
+                                        <p:cTn id="27" dur="500"/>
+                                        <p:tgtEl>
+                                          <p:spTgt spid="8">
+                                            <p:txEl>
+                                              <p:pRg st="8" end="8"/>
+                                            </p:txEl>
+                                          </p:spTgt>
+                                        </p:tgtEl>
+                                      </p:cBhvr>
+                                    </p:animEffect>
+                                  </p:childTnLst>
+                                </p:cTn>
+                              </p:par>
+                            </p:childTnLst>
+                          </p:cTn>
+                        </p:par>
+                      </p:childTnLst>
+                    </p:cTn>
+                  </p:par>
+                  <p:par>
+                    <p:cTn id="28" fill="hold">
+                      <p:stCondLst>
+                        <p:cond delay="indefinite"/>
+                      </p:stCondLst>
+                      <p:childTnLst>
+                        <p:par>
+                          <p:cTn id="29" fill="hold">
+                            <p:stCondLst>
+                              <p:cond delay="0"/>
+                            </p:stCondLst>
+                            <p:childTnLst>
+                              <p:par>
+                                <p:cTn id="30" presetID="10" presetClass="entr" presetSubtype="0" fill="hold" nodeType="clickEffect">
+                                  <p:stCondLst>
+                                    <p:cond delay="0"/>
+                                  </p:stCondLst>
+                                  <p:childTnLst>
+                                    <p:set>
+                                      <p:cBhvr>
+                                        <p:cTn id="31" dur="1" fill="hold">
+                                          <p:stCondLst>
+                                            <p:cond delay="0"/>
+                                          </p:stCondLst>
+                                        </p:cTn>
+                                        <p:tgtEl>
+                                          <p:spTgt spid="9">
+                                            <p:txEl>
+                                              <p:pRg st="0" end="0"/>
+                                            </p:txEl>
+                                          </p:spTgt>
+                                        </p:tgtEl>
+                                        <p:attrNameLst>
+                                          <p:attrName>style.visibility</p:attrName>
+                                        </p:attrNameLst>
+                                      </p:cBhvr>
+                                      <p:to>
+                                        <p:strVal val="visible"/>
+                                      </p:to>
+                                    </p:set>
+                                    <p:animEffect transition="in" filter="fade">
+                                      <p:cBhvr>
+                                        <p:cTn id="32" dur="500"/>
+                                        <p:tgtEl>
+                                          <p:spTgt spid="9">
+                                            <p:txEl>
+                                              <p:pRg st="0" end="0"/>
+                                            </p:txEl>
+                                          </p:spTgt>
+                                        </p:tgtEl>
+                                      </p:cBhvr>
+                                    </p:animEffect>
+                                  </p:childTnLst>
+                                </p:cTn>
+                              </p:par>
+                            </p:childTnLst>
+                          </p:cTn>
+                        </p:par>
+                      </p:childTnLst>
+                    </p:cTn>
+                  </p:par>
+                  <p:par>
+                    <p:cTn id="33" fill="hold">
+                      <p:stCondLst>
+                        <p:cond delay="indefinite"/>
+                      </p:stCondLst>
+                      <p:childTnLst>
+                        <p:par>
+                          <p:cTn id="34" fill="hold">
+                            <p:stCondLst>
+                              <p:cond delay="0"/>
+                            </p:stCondLst>
+                            <p:childTnLst>
+                              <p:par>
+                                <p:cTn id="35" presetID="10" presetClass="entr" presetSubtype="0" fill="hold" nodeType="clickEffect">
+                                  <p:stCondLst>
+                                    <p:cond delay="0"/>
+                                  </p:stCondLst>
+                                  <p:childTnLst>
+                                    <p:set>
+                                      <p:cBhvr>
+                                        <p:cTn id="36" dur="1" fill="hold">
+                                          <p:stCondLst>
+                                            <p:cond delay="0"/>
+                                          </p:stCondLst>
+                                        </p:cTn>
+                                        <p:tgtEl>
+                                          <p:spTgt spid="9">
+                                            <p:txEl>
+                                              <p:pRg st="2" end="2"/>
+                                            </p:txEl>
+                                          </p:spTgt>
+                                        </p:tgtEl>
+                                        <p:attrNameLst>
+                                          <p:attrName>style.visibility</p:attrName>
+                                        </p:attrNameLst>
+                                      </p:cBhvr>
+                                      <p:to>
+                                        <p:strVal val="visible"/>
+                                      </p:to>
+                                    </p:set>
+                                    <p:animEffect transition="in" filter="fade">
+                                      <p:cBhvr>
+                                        <p:cTn id="37" dur="500"/>
+                                        <p:tgtEl>
+                                          <p:spTgt spid="9">
+                                            <p:txEl>
+                                              <p:pRg st="2" end="2"/>
+                                            </p:txEl>
+                                          </p:spTgt>
+                                        </p:tgtEl>
+                                      </p:cBhvr>
+                                    </p:animEffect>
+                                  </p:childTnLst>
+                                </p:cTn>
+                              </p:par>
+                            </p:childTnLst>
+                          </p:cTn>
+                        </p:par>
+                      </p:childTnLst>
+                    </p:cTn>
+                  </p:par>
+                  <p:par>
+                    <p:cTn id="38" fill="hold">
+                      <p:stCondLst>
+                        <p:cond delay="indefinite"/>
+                      </p:stCondLst>
+                      <p:childTnLst>
+                        <p:par>
+                          <p:cTn id="39" fill="hold">
+                            <p:stCondLst>
+                              <p:cond delay="0"/>
+                            </p:stCondLst>
+                            <p:childTnLst>
+                              <p:par>
+                                <p:cTn id="40" presetID="10" presetClass="entr" presetSubtype="0" fill="hold" nodeType="clickEffect">
+                                  <p:stCondLst>
+                                    <p:cond delay="0"/>
+                                  </p:stCondLst>
+                                  <p:childTnLst>
+                                    <p:set>
+                                      <p:cBhvr>
+                                        <p:cTn id="41" dur="1" fill="hold">
+                                          <p:stCondLst>
+                                            <p:cond delay="0"/>
+                                          </p:stCondLst>
+                                        </p:cTn>
+                                        <p:tgtEl>
+                                          <p:spTgt spid="9">
+                                            <p:txEl>
+                                              <p:pRg st="4" end="4"/>
+                                            </p:txEl>
+                                          </p:spTgt>
+                                        </p:tgtEl>
+                                        <p:attrNameLst>
+                                          <p:attrName>style.visibility</p:attrName>
+                                        </p:attrNameLst>
+                                      </p:cBhvr>
+                                      <p:to>
+                                        <p:strVal val="visible"/>
+                                      </p:to>
+                                    </p:set>
+                                    <p:animEffect transition="in" filter="fade">
+                                      <p:cBhvr>
+                                        <p:cTn id="42" dur="500"/>
+                                        <p:tgtEl>
+                                          <p:spTgt spid="9">
+                                            <p:txEl>
+                                              <p:pRg st="4" end="4"/>
+                                            </p:txEl>
+                                          </p:spTgt>
+                                        </p:tgtEl>
+                                      </p:cBhvr>
+                                    </p:animEffect>
+                                  </p:childTnLst>
+                                </p:cTn>
+                              </p:par>
+                            </p:childTnLst>
+                          </p:cTn>
+                        </p:par>
+                      </p:childTnLst>
+                    </p:cTn>
+                  </p:par>
+                  <p:par>
+                    <p:cTn id="43" fill="hold">
+                      <p:stCondLst>
+                        <p:cond delay="indefinite"/>
+                      </p:stCondLst>
+                      <p:childTnLst>
+                        <p:par>
+                          <p:cTn id="44" fill="hold">
+                            <p:stCondLst>
+                              <p:cond delay="0"/>
+                            </p:stCondLst>
+                            <p:childTnLst>
+                              <p:par>
+                                <p:cTn id="45" presetID="10" presetClass="entr" presetSubtype="0" fill="hold" nodeType="clickEffect">
+                                  <p:stCondLst>
+                                    <p:cond delay="0"/>
+                                  </p:stCondLst>
+                                  <p:childTnLst>
+                                    <p:set>
+                                      <p:cBhvr>
+                                        <p:cTn id="46" dur="1" fill="hold">
+                                          <p:stCondLst>
+                                            <p:cond delay="0"/>
+                                          </p:stCondLst>
+                                        </p:cTn>
+                                        <p:tgtEl>
+                                          <p:spTgt spid="9">
+                                            <p:txEl>
+                                              <p:pRg st="6" end="6"/>
+                                            </p:txEl>
+                                          </p:spTgt>
+                                        </p:tgtEl>
+                                        <p:attrNameLst>
+                                          <p:attrName>style.visibility</p:attrName>
+                                        </p:attrNameLst>
+                                      </p:cBhvr>
+                                      <p:to>
+                                        <p:strVal val="visible"/>
+                                      </p:to>
+                                    </p:set>
+                                    <p:animEffect transition="in" filter="fade">
+                                      <p:cBhvr>
+                                        <p:cTn id="47" dur="500"/>
+                                        <p:tgtEl>
+                                          <p:spTgt spid="9">
+                                            <p:txEl>
+                                              <p:pRg st="6" end="6"/>
+                                            </p:txEl>
+                                          </p:spTgt>
+                                        </p:tgtEl>
+                                      </p:cBhvr>
+                                    </p:animEffect>
+                                  </p:childTnLst>
+                                </p:cTn>
+                              </p:par>
+                            </p:childTnLst>
+                          </p:cTn>
+                        </p:par>
+                      </p:childTnLst>
+                    </p:cTn>
+                  </p:par>
+                </p:childTnLst>
+              </p:cTn>
+              <p:prevCondLst>
+                <p:cond evt="onPrev" delay="0">
+                  <p:tgtEl>
+                    <p:sldTgt/>
+                  </p:tgtEl>
+                </p:cond>
+              </p:prevCondLst>
+              <p:nextCondLst>
+                <p:cond evt="onNext" delay="0">
+                  <p:tgtEl>
+                    <p:sldTgt/>
+                  </p:tgtEl>
+                </p:cond>
+              </p:nextCondLst>
+            </p:seq>
+          </p:childTnLst>
+        </p:cTn>
+      </p:par>
+    </p:tnLst>
+  </p:timing>
+</p:sld>
+</file>
+
+<file path=ppt/slides/slide21.xml><?xml version="1.0" encoding="utf-8"?>
+<p:sld xmlns:a="http://schemas.openxmlformats.org/drawingml/2006/main" xmlns:r="http://schemas.openxmlformats.org/officeDocument/2006/relationships" xmlns:p="http://schemas.openxmlformats.org/presentationml/2006/main">
+  <p:cSld>
+    <p:spTree>
+      <p:nvGrpSpPr>
+        <p:cNvPr id="1" name=""/>
+        <p:cNvGrpSpPr/>
+        <p:nvPr/>
+      </p:nvGrpSpPr>
+      <p:grpSpPr>
+        <a:xfrm>
+          <a:off x="0" y="0"/>
+          <a:ext cx="0" cy="0"/>
+          <a:chOff x="0" y="0"/>
+          <a:chExt cx="0" cy="0"/>
+        </a:xfrm>
+      </p:grpSpPr>
+      <p:sp>
+        <p:nvSpPr>
+          <p:cNvPr id="4" name="Tijdelijke aanduiding voor datum 3"/>
+          <p:cNvSpPr>
+            <a:spLocks noGrp="1"/>
+          </p:cNvSpPr>
+          <p:nvPr>
+            <p:ph type="dt" sz="half" idx="10"/>
+          </p:nvPr>
+        </p:nvSpPr>
+        <p:spPr>
+          <a:xfrm>
+            <a:off x="313508" y="6459783"/>
+            <a:ext cx="2472271" cy="365125"/>
+          </a:xfrm>
+        </p:spPr>
+        <p:txBody>
+          <a:bodyPr/>
+          <a:lstStyle/>
+          <a:p>
+            <a:r>
+              <a:rPr lang="nl-BE" sz="1400" dirty="0"/>
+              <a:t>Niels Hauttekeete</a:t>
+            </a:r>
+            <a:endParaRPr lang="nl-BE" sz="800" dirty="0"/>
+          </a:p>
+        </p:txBody>
+      </p:sp>
+      <p:sp>
+        <p:nvSpPr>
+          <p:cNvPr id="5" name="Tijdelijke aanduiding voor voettekst 4"/>
+          <p:cNvSpPr>
+            <a:spLocks noGrp="1"/>
+          </p:cNvSpPr>
+          <p:nvPr>
+            <p:ph type="ftr" sz="quarter" idx="11"/>
+          </p:nvPr>
+        </p:nvSpPr>
+        <p:spPr>
+          <a:xfrm>
+            <a:off x="2191294" y="6459784"/>
+            <a:ext cx="7870372" cy="365125"/>
+          </a:xfrm>
+        </p:spPr>
+        <p:txBody>
+          <a:bodyPr/>
+          <a:lstStyle/>
+          <a:p>
+            <a:r>
+              <a:rPr lang="en-GB" sz="1400" cap="none" dirty="0"/>
+              <a:t>Deployment diagram –</a:t>
+            </a:r>
+            <a:r>
+              <a:rPr lang="en-GB" sz="1600" b="1" cap="none" dirty="0"/>
+              <a:t> </a:t>
+            </a:r>
+            <a:r>
+              <a:rPr lang="en-GB" sz="1400" cap="none" dirty="0"/>
+              <a:t>Databank</a:t>
+            </a:r>
+            <a:r>
+              <a:rPr lang="en-GB" sz="1600" b="1" cap="none" dirty="0"/>
+              <a:t> </a:t>
+            </a:r>
+            <a:r>
+              <a:rPr lang="en-GB" sz="1400" cap="none" dirty="0"/>
+              <a:t>– ASP.NET MVC – </a:t>
+            </a:r>
+            <a:r>
+              <a:rPr lang="en-GB" sz="1400" cap="none" dirty="0" err="1"/>
+              <a:t>Inlogsysteem</a:t>
+            </a:r>
+            <a:r>
+              <a:rPr lang="en-GB" sz="1400" cap="none" dirty="0"/>
+              <a:t> – Future work</a:t>
+            </a:r>
+            <a:endParaRPr lang="nl-BE" sz="1400" cap="none" dirty="0"/>
+          </a:p>
+        </p:txBody>
+      </p:sp>
+      <p:sp>
+        <p:nvSpPr>
+          <p:cNvPr id="6" name="Tijdelijke aanduiding voor dianummer 5"/>
+          <p:cNvSpPr>
+            <a:spLocks noGrp="1"/>
+          </p:cNvSpPr>
+          <p:nvPr>
+            <p:ph type="sldNum" sz="quarter" idx="12"/>
+          </p:nvPr>
+        </p:nvSpPr>
+        <p:spPr>
+          <a:xfrm>
+            <a:off x="10613571" y="6459785"/>
+            <a:ext cx="598912" cy="365125"/>
+          </a:xfrm>
+        </p:spPr>
+        <p:txBody>
+          <a:bodyPr/>
+          <a:lstStyle/>
+          <a:p>
+            <a:fld id="{535572C1-3FAA-4346-9330-03EF25016D70}" type="slidenum">
+              <a:rPr lang="nl-BE" sz="1600" smtClean="0"/>
+              <a:t>21</a:t>
+            </a:fld>
+            <a:endParaRPr lang="nl-BE" sz="1600" dirty="0"/>
+          </a:p>
+        </p:txBody>
+      </p:sp>
+      <p:cxnSp>
+        <p:nvCxnSpPr>
+          <p:cNvPr id="10" name="Rechte verbindingslijn 9"/>
+          <p:cNvCxnSpPr/>
+          <p:nvPr/>
+        </p:nvCxnSpPr>
+        <p:spPr>
+          <a:xfrm>
+            <a:off x="1097280" y="1045030"/>
+            <a:ext cx="10210256" cy="0"/>
+          </a:xfrm>
+          <a:prstGeom prst="line">
+            <a:avLst/>
+          </a:prstGeom>
+          <a:ln>
+            <a:solidFill>
+              <a:schemeClr val="bg1">
+                <a:lumMod val="65000"/>
+              </a:schemeClr>
+            </a:solidFill>
+          </a:ln>
+        </p:spPr>
+        <p:style>
+          <a:lnRef idx="1">
+            <a:schemeClr val="accent1"/>
+          </a:lnRef>
+          <a:fillRef idx="0">
+            <a:schemeClr val="accent1"/>
+          </a:fillRef>
+          <a:effectRef idx="0">
+            <a:schemeClr val="accent1"/>
+          </a:effectRef>
+          <a:fontRef idx="minor">
+            <a:schemeClr val="tx1"/>
+          </a:fontRef>
+        </p:style>
+      </p:cxnSp>
+      <p:sp>
+        <p:nvSpPr>
+          <p:cNvPr id="11" name="Titel 1"/>
+          <p:cNvSpPr txBox="1">
+            <a:spLocks/>
+          </p:cNvSpPr>
+          <p:nvPr/>
+        </p:nvSpPr>
+        <p:spPr>
+          <a:xfrm>
+            <a:off x="1097280" y="286604"/>
+            <a:ext cx="10058400" cy="758426"/>
+          </a:xfrm>
+          <a:prstGeom prst="rect">
+            <a:avLst/>
+          </a:prstGeom>
+        </p:spPr>
+        <p:txBody>
+          <a:bodyPr anchor="ctr"/>
+          <a:lstStyle>
+            <a:lvl1pPr algn="l" defTabSz="914400" rtl="0" eaLnBrk="1" latinLnBrk="0" hangingPunct="1">
+              <a:lnSpc>
+                <a:spcPct val="85000"/>
+              </a:lnSpc>
+              <a:spcBef>
+                <a:spcPct val="0"/>
+              </a:spcBef>
+              <a:buNone/>
+              <a:defRPr sz="4800" kern="1200" spc="-50" baseline="0">
+                <a:solidFill>
+                  <a:schemeClr val="tx1">
+                    <a:lumMod val="75000"/>
+                    <a:lumOff val="25000"/>
+                  </a:schemeClr>
+                </a:solidFill>
+                <a:latin typeface="+mj-lt"/>
+                <a:ea typeface="+mj-ea"/>
+                <a:cs typeface="+mj-cs"/>
+              </a:defRPr>
+            </a:lvl1pPr>
+          </a:lstStyle>
+          <a:p>
+            <a:r>
+              <a:rPr lang="en-GB" dirty="0" err="1">
+                <a:solidFill>
+                  <a:schemeClr val="tx1"/>
+                </a:solidFill>
+              </a:rPr>
+              <a:t>Vragen</a:t>
+            </a:r>
+            <a:r>
+              <a:rPr lang="en-GB" dirty="0">
+                <a:solidFill>
+                  <a:schemeClr val="tx1"/>
+                </a:solidFill>
+              </a:rPr>
+              <a:t>?</a:t>
+            </a:r>
+            <a:endParaRPr lang="nl-BE" dirty="0">
+              <a:solidFill>
+                <a:schemeClr val="tx1"/>
+              </a:solidFill>
+            </a:endParaRPr>
+          </a:p>
+        </p:txBody>
+      </p:sp>
+      <p:sp>
+        <p:nvSpPr>
+          <p:cNvPr id="8" name="Tijdelijke aanduiding voor inhoud 2">
+            <a:extLst>
+              <a:ext uri="{FF2B5EF4-FFF2-40B4-BE49-F238E27FC236}">
+                <a16:creationId xmlns:a16="http://schemas.microsoft.com/office/drawing/2014/main" id="{6F369E50-FD53-4A8F-BEB4-927F2DB729E9}"/>
+              </a:ext>
+            </a:extLst>
+          </p:cNvPr>
+          <p:cNvSpPr txBox="1">
+            <a:spLocks/>
+          </p:cNvSpPr>
+          <p:nvPr/>
+        </p:nvSpPr>
+        <p:spPr>
+          <a:xfrm>
+            <a:off x="965943" y="1528153"/>
+            <a:ext cx="6601047" cy="4448507"/>
+          </a:xfrm>
+          <a:prstGeom prst="rect">
+            <a:avLst/>
+          </a:prstGeom>
+        </p:spPr>
+        <p:txBody>
+          <a:bodyPr>
+            <a:normAutofit/>
+          </a:bodyPr>
+          <a:lstStyle>
+            <a:lvl1pPr marL="91440" indent="-91440" algn="l" defTabSz="914400" rtl="0" eaLnBrk="1" latinLnBrk="0" hangingPunct="1">
+              <a:lnSpc>
+                <a:spcPct val="90000"/>
+              </a:lnSpc>
+              <a:spcBef>
+                <a:spcPts val="1200"/>
+              </a:spcBef>
+              <a:spcAft>
+                <a:spcPts val="200"/>
+              </a:spcAft>
+              <a:buClr>
+                <a:schemeClr val="accent1"/>
+              </a:buClr>
+              <a:buSzPct val="100000"/>
+              <a:buFont typeface="Calibri" panose="020F0502020204030204" pitchFamily="34" charset="0"/>
+              <a:buChar char=" "/>
+              <a:defRPr sz="2000" kern="1200">
+                <a:solidFill>
+                  <a:schemeClr val="tx1">
+                    <a:lumMod val="75000"/>
+                    <a:lumOff val="25000"/>
+                  </a:schemeClr>
+                </a:solidFill>
+                <a:latin typeface="+mn-lt"/>
+                <a:ea typeface="+mn-ea"/>
+                <a:cs typeface="+mn-cs"/>
+              </a:defRPr>
+            </a:lvl1pPr>
+            <a:lvl2pPr marL="384048" indent="-182880" algn="l" defTabSz="914400" rtl="0" eaLnBrk="1" latinLnBrk="0" hangingPunct="1">
+              <a:lnSpc>
+                <a:spcPct val="90000"/>
+              </a:lnSpc>
+              <a:spcBef>
+                <a:spcPts val="200"/>
+              </a:spcBef>
+              <a:spcAft>
+                <a:spcPts val="400"/>
+              </a:spcAft>
+              <a:buClr>
+                <a:schemeClr val="accent1"/>
+              </a:buClr>
+              <a:buFont typeface="Calibri" pitchFamily="34" charset="0"/>
+              <a:buChar char="◦"/>
+              <a:defRPr sz="1800" kern="1200">
+                <a:solidFill>
+                  <a:schemeClr val="tx1">
+                    <a:lumMod val="75000"/>
+                    <a:lumOff val="25000"/>
+                  </a:schemeClr>
+                </a:solidFill>
+                <a:latin typeface="+mn-lt"/>
+                <a:ea typeface="+mn-ea"/>
+                <a:cs typeface="+mn-cs"/>
+              </a:defRPr>
+            </a:lvl2pPr>
+            <a:lvl3pPr marL="566928" indent="-182880" algn="l" defTabSz="914400" rtl="0" eaLnBrk="1" latinLnBrk="0" hangingPunct="1">
+              <a:lnSpc>
+                <a:spcPct val="90000"/>
+              </a:lnSpc>
+              <a:spcBef>
+                <a:spcPts val="200"/>
+              </a:spcBef>
+              <a:spcAft>
+                <a:spcPts val="400"/>
+              </a:spcAft>
+              <a:buClr>
+                <a:schemeClr val="accent1"/>
+              </a:buClr>
+              <a:buFont typeface="Calibri" pitchFamily="34" charset="0"/>
+              <a:buChar char="◦"/>
+              <a:defRPr sz="1400" kern="1200">
+                <a:solidFill>
+                  <a:schemeClr val="tx1">
+                    <a:lumMod val="75000"/>
+                    <a:lumOff val="25000"/>
+                  </a:schemeClr>
+                </a:solidFill>
+                <a:latin typeface="+mn-lt"/>
+                <a:ea typeface="+mn-ea"/>
+                <a:cs typeface="+mn-cs"/>
+              </a:defRPr>
+            </a:lvl3pPr>
+            <a:lvl4pPr marL="749808" indent="-182880" algn="l" defTabSz="914400" rtl="0" eaLnBrk="1" latinLnBrk="0" hangingPunct="1">
+              <a:lnSpc>
+                <a:spcPct val="90000"/>
+              </a:lnSpc>
+              <a:spcBef>
+                <a:spcPts val="200"/>
+              </a:spcBef>
+              <a:spcAft>
+                <a:spcPts val="400"/>
+              </a:spcAft>
+              <a:buClr>
+                <a:schemeClr val="accent1"/>
+              </a:buClr>
+              <a:buFont typeface="Calibri" pitchFamily="34" charset="0"/>
+              <a:buChar char="◦"/>
+              <a:defRPr sz="1400" kern="1200">
+                <a:solidFill>
+                  <a:schemeClr val="tx1">
+                    <a:lumMod val="75000"/>
+                    <a:lumOff val="25000"/>
+                  </a:schemeClr>
+                </a:solidFill>
+                <a:latin typeface="+mn-lt"/>
+                <a:ea typeface="+mn-ea"/>
+                <a:cs typeface="+mn-cs"/>
+              </a:defRPr>
+            </a:lvl4pPr>
+            <a:lvl5pPr marL="932688" indent="-182880" algn="l" defTabSz="914400" rtl="0" eaLnBrk="1" latinLnBrk="0" hangingPunct="1">
+              <a:lnSpc>
+                <a:spcPct val="90000"/>
+              </a:lnSpc>
+              <a:spcBef>
+                <a:spcPts val="200"/>
+              </a:spcBef>
+              <a:spcAft>
+                <a:spcPts val="400"/>
+              </a:spcAft>
+              <a:buClr>
+                <a:schemeClr val="accent1"/>
+              </a:buClr>
+              <a:buFont typeface="Calibri" pitchFamily="34" charset="0"/>
+              <a:buChar char="◦"/>
+              <a:defRPr sz="1400" kern="1200">
+                <a:solidFill>
+                  <a:schemeClr val="tx1">
+                    <a:lumMod val="75000"/>
+                    <a:lumOff val="25000"/>
+                  </a:schemeClr>
+                </a:solidFill>
+                <a:latin typeface="+mn-lt"/>
+                <a:ea typeface="+mn-ea"/>
+                <a:cs typeface="+mn-cs"/>
+              </a:defRPr>
+            </a:lvl5pPr>
+            <a:lvl6pPr marL="1100000" indent="-228600" algn="l" defTabSz="914400" rtl="0" eaLnBrk="1" latinLnBrk="0" hangingPunct="1">
+              <a:lnSpc>
+                <a:spcPct val="90000"/>
+              </a:lnSpc>
+              <a:spcBef>
+                <a:spcPts val="200"/>
+              </a:spcBef>
+              <a:spcAft>
+                <a:spcPts val="400"/>
+              </a:spcAft>
+              <a:buClr>
+                <a:schemeClr val="accent1"/>
+              </a:buClr>
+              <a:buFont typeface="Calibri" pitchFamily="34" charset="0"/>
+              <a:buChar char="◦"/>
+              <a:defRPr sz="1400" kern="1200">
+                <a:solidFill>
+                  <a:schemeClr val="tx1">
+                    <a:lumMod val="75000"/>
+                    <a:lumOff val="25000"/>
+                  </a:schemeClr>
+                </a:solidFill>
+                <a:latin typeface="+mn-lt"/>
+                <a:ea typeface="+mn-ea"/>
+                <a:cs typeface="+mn-cs"/>
+              </a:defRPr>
+            </a:lvl6pPr>
+            <a:lvl7pPr marL="1300000" indent="-228600" algn="l" defTabSz="914400" rtl="0" eaLnBrk="1" latinLnBrk="0" hangingPunct="1">
+              <a:lnSpc>
+                <a:spcPct val="90000"/>
+              </a:lnSpc>
+              <a:spcBef>
+                <a:spcPts val="200"/>
+              </a:spcBef>
+              <a:spcAft>
+                <a:spcPts val="400"/>
+              </a:spcAft>
+              <a:buClr>
+                <a:schemeClr val="accent1"/>
+              </a:buClr>
+              <a:buFont typeface="Calibri" pitchFamily="34" charset="0"/>
+              <a:buChar char="◦"/>
+              <a:defRPr sz="1400" kern="1200">
+                <a:solidFill>
+                  <a:schemeClr val="tx1">
+                    <a:lumMod val="75000"/>
+                    <a:lumOff val="25000"/>
+                  </a:schemeClr>
+                </a:solidFill>
+                <a:latin typeface="+mn-lt"/>
+                <a:ea typeface="+mn-ea"/>
+                <a:cs typeface="+mn-cs"/>
+              </a:defRPr>
+            </a:lvl7pPr>
+            <a:lvl8pPr marL="1500000" indent="-228600" algn="l" defTabSz="914400" rtl="0" eaLnBrk="1" latinLnBrk="0" hangingPunct="1">
+              <a:lnSpc>
+                <a:spcPct val="90000"/>
+              </a:lnSpc>
+              <a:spcBef>
+                <a:spcPts val="200"/>
+              </a:spcBef>
+              <a:spcAft>
+                <a:spcPts val="400"/>
+              </a:spcAft>
+              <a:buClr>
+                <a:schemeClr val="accent1"/>
+              </a:buClr>
+              <a:buFont typeface="Calibri" pitchFamily="34" charset="0"/>
+              <a:buChar char="◦"/>
+              <a:defRPr sz="1400" kern="1200">
+                <a:solidFill>
+                  <a:schemeClr val="tx1">
+                    <a:lumMod val="75000"/>
+                    <a:lumOff val="25000"/>
+                  </a:schemeClr>
+                </a:solidFill>
+                <a:latin typeface="+mn-lt"/>
+                <a:ea typeface="+mn-ea"/>
+                <a:cs typeface="+mn-cs"/>
+              </a:defRPr>
+            </a:lvl8pPr>
+            <a:lvl9pPr marL="1700000" indent="-228600" algn="l" defTabSz="914400" rtl="0" eaLnBrk="1" latinLnBrk="0" hangingPunct="1">
+              <a:lnSpc>
+                <a:spcPct val="90000"/>
+              </a:lnSpc>
+              <a:spcBef>
+                <a:spcPts val="200"/>
+              </a:spcBef>
+              <a:spcAft>
+                <a:spcPts val="400"/>
+              </a:spcAft>
+              <a:buClr>
+                <a:schemeClr val="accent1"/>
+              </a:buClr>
+              <a:buFont typeface="Calibri" pitchFamily="34" charset="0"/>
+              <a:buChar char="◦"/>
+              <a:defRPr sz="1400" kern="1200">
+                <a:solidFill>
+                  <a:schemeClr val="tx1">
+                    <a:lumMod val="75000"/>
+                    <a:lumOff val="25000"/>
+                  </a:schemeClr>
+                </a:solidFill>
+                <a:latin typeface="+mn-lt"/>
+                <a:ea typeface="+mn-ea"/>
+                <a:cs typeface="+mn-cs"/>
+              </a:defRPr>
+            </a:lvl9pPr>
+          </a:lstStyle>
+          <a:p>
+            <a:pPr marL="201168" lvl="1" indent="0">
+              <a:buNone/>
+            </a:pPr>
+            <a:endParaRPr lang="nl-BE" sz="2000" dirty="0">
+              <a:solidFill>
+                <a:schemeClr val="tx1"/>
+              </a:solidFill>
+            </a:endParaRPr>
+          </a:p>
+        </p:txBody>
+      </p:sp>
+      <p:pic>
+        <p:nvPicPr>
+          <p:cNvPr id="3" name="Afbeelding 2">
+            <a:extLst>
+              <a:ext uri="{FF2B5EF4-FFF2-40B4-BE49-F238E27FC236}">
+                <a16:creationId xmlns:a16="http://schemas.microsoft.com/office/drawing/2014/main" id="{98B03516-AF67-483C-804C-05710EF59188}"/>
+              </a:ext>
+            </a:extLst>
+          </p:cNvPr>
+          <p:cNvPicPr>
+            <a:picLocks noChangeAspect="1"/>
+          </p:cNvPicPr>
+          <p:nvPr/>
+        </p:nvPicPr>
+        <p:blipFill>
+          <a:blip r:embed="rId2">
+            <a:extLst>
+              <a:ext uri="{28A0092B-C50C-407E-A947-70E740481C1C}">
+                <a14:useLocalDpi xmlns:a14="http://schemas.microsoft.com/office/drawing/2010/main" val="0"/>
+              </a:ext>
+            </a:extLst>
+          </a:blip>
+          <a:stretch>
+            <a:fillRect/>
+          </a:stretch>
+        </p:blipFill>
+        <p:spPr>
+          <a:xfrm>
+            <a:off x="3657600" y="1185908"/>
+            <a:ext cx="4876800" cy="4876800"/>
+          </a:xfrm>
+          <a:prstGeom prst="rect">
+            <a:avLst/>
+          </a:prstGeom>
+        </p:spPr>
+      </p:pic>
+    </p:spTree>
+    <p:extLst>
+      <p:ext uri="{BB962C8B-B14F-4D97-AF65-F5344CB8AC3E}">
+        <p14:creationId xmlns:p14="http://schemas.microsoft.com/office/powerpoint/2010/main" val="72465367"/>
+      </p:ext>
+    </p:extLst>
+  </p:cSld>
+  <p:clrMapOvr>
+    <a:masterClrMapping/>
+  </p:clrMapOvr>
 </p:sld>
 </file>
 

--- a/documenten/Technische presentatie klant/Technische presentatie klant.pptx
+++ b/documenten/Technische presentatie klant/Technische presentatie klant.pptx
@@ -5,7 +5,7 @@
     <p:sldMasterId id="2147484454" r:id="rId1"/>
   </p:sldMasterIdLst>
   <p:notesMasterIdLst>
-    <p:notesMasterId r:id="rId23"/>
+    <p:notesMasterId r:id="rId24"/>
   </p:notesMasterIdLst>
   <p:sldIdLst>
     <p:sldId id="256" r:id="rId2"/>
@@ -21,14 +21,15 @@
     <p:sldId id="276" r:id="rId12"/>
     <p:sldId id="298" r:id="rId13"/>
     <p:sldId id="299" r:id="rId14"/>
-    <p:sldId id="284" r:id="rId15"/>
-    <p:sldId id="285" r:id="rId16"/>
-    <p:sldId id="286" r:id="rId17"/>
-    <p:sldId id="287" r:id="rId18"/>
-    <p:sldId id="288" r:id="rId19"/>
-    <p:sldId id="300" r:id="rId20"/>
-    <p:sldId id="301" r:id="rId21"/>
-    <p:sldId id="302" r:id="rId22"/>
+    <p:sldId id="303" r:id="rId15"/>
+    <p:sldId id="284" r:id="rId16"/>
+    <p:sldId id="285" r:id="rId17"/>
+    <p:sldId id="286" r:id="rId18"/>
+    <p:sldId id="287" r:id="rId19"/>
+    <p:sldId id="288" r:id="rId20"/>
+    <p:sldId id="300" r:id="rId21"/>
+    <p:sldId id="301" r:id="rId22"/>
+    <p:sldId id="302" r:id="rId23"/>
   </p:sldIdLst>
   <p:sldSz cx="12192000" cy="6858000"/>
   <p:notesSz cx="6858000" cy="9144000"/>
@@ -6836,7 +6837,15 @@
             </a:pPr>
             <a:r>
               <a:rPr lang="nl-BE" sz="2000" dirty="0"/>
-              <a:t> ASP.NET MVC 5</a:t>
+              <a:t> </a:t>
+            </a:r>
+            <a:r>
+              <a:rPr lang="nl-BE" sz="2000" dirty="0">
+                <a:solidFill>
+                  <a:schemeClr val="tx1"/>
+                </a:solidFill>
+              </a:rPr>
+              <a:t>ASP.NET MVC 5</a:t>
             </a:r>
           </a:p>
           <a:p>
@@ -6844,7 +6853,11 @@
               <a:buFont typeface="Wingdings" panose="05000000000000000000" pitchFamily="2" charset="2"/>
               <a:buChar char="§"/>
             </a:pPr>
-            <a:endParaRPr lang="nl-BE" sz="2000" dirty="0"/>
+            <a:endParaRPr lang="nl-BE" sz="2000" dirty="0">
+              <a:solidFill>
+                <a:schemeClr val="tx1"/>
+              </a:solidFill>
+            </a:endParaRPr>
           </a:p>
           <a:p>
             <a:pPr lvl="1">
@@ -6852,15 +6865,27 @@
               <a:buChar char="§"/>
             </a:pPr>
             <a:r>
-              <a:rPr lang="nl-BE" sz="2000" dirty="0"/>
+              <a:rPr lang="nl-BE" sz="2000" dirty="0">
+                <a:solidFill>
+                  <a:schemeClr val="tx1"/>
+                </a:solidFill>
+              </a:rPr>
               <a:t> C#, </a:t>
             </a:r>
             <a:r>
-              <a:rPr lang="nl-BE" sz="2000" dirty="0" err="1"/>
+              <a:rPr lang="nl-BE" sz="2000" dirty="0" err="1">
+                <a:solidFill>
+                  <a:schemeClr val="tx1"/>
+                </a:solidFill>
+              </a:rPr>
               <a:t>JavaScript</a:t>
             </a:r>
             <a:r>
-              <a:rPr lang="nl-BE" sz="2000" dirty="0"/>
+              <a:rPr lang="nl-BE" sz="2000" dirty="0">
+                <a:solidFill>
+                  <a:schemeClr val="tx1"/>
+                </a:solidFill>
+              </a:rPr>
               <a:t> en HTML</a:t>
             </a:r>
           </a:p>
@@ -7552,7 +7577,11 @@
               <a:buChar char="§"/>
             </a:pPr>
             <a:r>
-              <a:rPr lang="nl-BE" sz="2000" dirty="0"/>
+              <a:rPr lang="nl-BE" sz="2000" dirty="0">
+                <a:solidFill>
+                  <a:schemeClr val="tx1"/>
+                </a:solidFill>
+              </a:rPr>
               <a:t>Controller: Navigatie en CRUD</a:t>
             </a:r>
           </a:p>
@@ -7561,7 +7590,11 @@
               <a:buFont typeface="Wingdings" panose="05000000000000000000" pitchFamily="2" charset="2"/>
               <a:buChar char="§"/>
             </a:pPr>
-            <a:endParaRPr lang="nl-BE" sz="2000" dirty="0"/>
+            <a:endParaRPr lang="nl-BE" sz="2000" dirty="0">
+              <a:solidFill>
+                <a:schemeClr val="tx1"/>
+              </a:solidFill>
+            </a:endParaRPr>
           </a:p>
           <a:p>
             <a:pPr lvl="1">
@@ -7569,29 +7602,53 @@
               <a:buChar char="§"/>
             </a:pPr>
             <a:r>
-              <a:rPr lang="nl-BE" sz="2000" dirty="0"/>
+              <a:rPr lang="nl-BE" sz="2000" dirty="0">
+                <a:solidFill>
+                  <a:schemeClr val="tx1"/>
+                </a:solidFill>
+              </a:rPr>
               <a:t>Model: Object </a:t>
             </a:r>
             <a:r>
-              <a:rPr lang="nl-BE" sz="2000" dirty="0" err="1"/>
+              <a:rPr lang="nl-BE" sz="2000" dirty="0" err="1">
+                <a:solidFill>
+                  <a:schemeClr val="tx1"/>
+                </a:solidFill>
+              </a:rPr>
               <a:t>Relational</a:t>
             </a:r>
             <a:r>
-              <a:rPr lang="nl-BE" sz="2000" dirty="0"/>
+              <a:rPr lang="nl-BE" sz="2000" dirty="0">
+                <a:solidFill>
+                  <a:schemeClr val="tx1"/>
+                </a:solidFill>
+              </a:rPr>
               <a:t> </a:t>
             </a:r>
             <a:r>
-              <a:rPr lang="nl-BE" sz="2000" dirty="0" err="1"/>
+              <a:rPr lang="nl-BE" sz="2000" dirty="0" err="1">
+                <a:solidFill>
+                  <a:schemeClr val="tx1"/>
+                </a:solidFill>
+              </a:rPr>
               <a:t>Mapping</a:t>
             </a:r>
-            <a:endParaRPr lang="nl-BE" sz="2000" dirty="0"/>
+            <a:endParaRPr lang="nl-BE" sz="2000" dirty="0">
+              <a:solidFill>
+                <a:schemeClr val="tx1"/>
+              </a:solidFill>
+            </a:endParaRPr>
           </a:p>
           <a:p>
             <a:pPr lvl="1">
               <a:buFont typeface="Wingdings" panose="05000000000000000000" pitchFamily="2" charset="2"/>
               <a:buChar char="§"/>
             </a:pPr>
-            <a:endParaRPr lang="nl-BE" sz="2000" dirty="0"/>
+            <a:endParaRPr lang="nl-BE" sz="2000" dirty="0">
+              <a:solidFill>
+                <a:schemeClr val="tx1"/>
+              </a:solidFill>
+            </a:endParaRPr>
           </a:p>
           <a:p>
             <a:pPr lvl="1">
@@ -7599,23 +7656,43 @@
               <a:buChar char="§"/>
             </a:pPr>
             <a:r>
-              <a:rPr lang="nl-BE" sz="2000" dirty="0"/>
+              <a:rPr lang="nl-BE" sz="2000" dirty="0">
+                <a:solidFill>
+                  <a:schemeClr val="tx1"/>
+                </a:solidFill>
+              </a:rPr>
               <a:t>View: </a:t>
             </a:r>
             <a:r>
-              <a:rPr lang="nl-BE" sz="2000" dirty="0" err="1"/>
+              <a:rPr lang="nl-BE" sz="2000" dirty="0" err="1">
+                <a:solidFill>
+                  <a:schemeClr val="tx1"/>
+                </a:solidFill>
+              </a:rPr>
               <a:t>Razor</a:t>
             </a:r>
             <a:r>
-              <a:rPr lang="nl-BE" sz="2000" dirty="0"/>
+              <a:rPr lang="nl-BE" sz="2000" dirty="0">
+                <a:solidFill>
+                  <a:schemeClr val="tx1"/>
+                </a:solidFill>
+              </a:rPr>
               <a:t> pages (.</a:t>
             </a:r>
             <a:r>
-              <a:rPr lang="nl-BE" sz="2000" dirty="0" err="1"/>
+              <a:rPr lang="nl-BE" sz="2000" dirty="0" err="1">
+                <a:solidFill>
+                  <a:schemeClr val="tx1"/>
+                </a:solidFill>
+              </a:rPr>
               <a:t>cshtml</a:t>
             </a:r>
             <a:r>
-              <a:rPr lang="nl-BE" sz="2000" dirty="0"/>
+              <a:rPr lang="nl-BE" sz="2000" dirty="0">
+                <a:solidFill>
+                  <a:schemeClr val="tx1"/>
+                </a:solidFill>
+              </a:rPr>
               <a:t>)</a:t>
             </a:r>
           </a:p>
@@ -7624,7 +7701,11 @@
               <a:buFont typeface="Wingdings" panose="05000000000000000000" pitchFamily="2" charset="2"/>
               <a:buChar char="§"/>
             </a:pPr>
-            <a:endParaRPr lang="nl-BE" sz="2000" dirty="0"/>
+            <a:endParaRPr lang="nl-BE" sz="2000" dirty="0">
+              <a:solidFill>
+                <a:schemeClr val="tx1"/>
+              </a:solidFill>
+            </a:endParaRPr>
           </a:p>
           <a:p>
             <a:pPr marL="201168" lvl="1" indent="0">
@@ -8032,10 +8113,18 @@
             </a:r>
             <a:r>
               <a:rPr lang="en-GB" sz="1400" cap="none" dirty="0"/>
-              <a:t>– ASP.NET MVC – </a:t>
-            </a:r>
-            <a:r>
-              <a:rPr lang="en-GB" sz="1600" b="1" cap="none" dirty="0" err="1"/>
+              <a:t>– </a:t>
+            </a:r>
+            <a:r>
+              <a:rPr lang="en-GB" sz="1600" b="1" cap="none" dirty="0"/>
+              <a:t>ASP.NET MVC </a:t>
+            </a:r>
+            <a:r>
+              <a:rPr lang="en-GB" sz="1400" cap="none" dirty="0"/>
+              <a:t>– </a:t>
+            </a:r>
+            <a:r>
+              <a:rPr lang="en-GB" sz="1400" cap="none" dirty="0" err="1"/>
               <a:t>Inlogsysteem</a:t>
             </a:r>
             <a:r>
@@ -8068,6 +8157,7 @@
           <a:p>
             <a:fld id="{535572C1-3FAA-4346-9330-03EF25016D70}" type="slidenum">
               <a:rPr lang="nl-BE" sz="1600" smtClean="0"/>
+              <a:pPr/>
               <a:t>14</a:t>
             </a:fld>
             <a:endParaRPr lang="nl-BE" sz="1600" dirty="0"/>
@@ -8154,19 +8244,30 @@
           </a:lstStyle>
           <a:p>
             <a:r>
-              <a:rPr lang="nl-BE" dirty="0">
+              <a:rPr lang="en-GB" dirty="0">
                 <a:solidFill>
                   <a:schemeClr val="tx1"/>
                 </a:solidFill>
               </a:rPr>
-              <a:t>Inlogsysteem</a:t>
-            </a:r>
+              <a:t>Map view</a:t>
+            </a:r>
+            <a:endParaRPr lang="nl-BE" dirty="0">
+              <a:solidFill>
+                <a:schemeClr val="tx1"/>
+              </a:solidFill>
+            </a:endParaRPr>
           </a:p>
         </p:txBody>
       </p:sp>
       <p:sp>
         <p:nvSpPr>
-          <p:cNvPr id="12" name="Tijdelijke aanduiding voor inhoud 2"/>
+          <p:cNvPr id="8" name="Tijdelijke aanduiding voor inhoud 2">
+            <a:extLst>
+              <a:ext uri="{FF2B5EF4-FFF2-40B4-BE49-F238E27FC236}">
+                <a16:creationId xmlns:a16="http://schemas.microsoft.com/office/drawing/2014/main" id="{6F369E50-FD53-4A8F-BEB4-927F2DB729E9}"/>
+              </a:ext>
+            </a:extLst>
+          </p:cNvPr>
           <p:cNvSpPr txBox="1">
             <a:spLocks/>
           </p:cNvSpPr>
@@ -8174,8 +8275,8 @@
         </p:nvSpPr>
         <p:spPr>
           <a:xfrm>
-            <a:off x="1097280" y="1420585"/>
-            <a:ext cx="10058400" cy="4448507"/>
+            <a:off x="965943" y="1528153"/>
+            <a:ext cx="7303414" cy="4448507"/>
           </a:xfrm>
           <a:prstGeom prst="rect">
             <a:avLst/>
@@ -8432,1546 +8533,17 @@
             </a:lvl9pPr>
           </a:lstStyle>
           <a:p>
-            <a:pPr>
-              <a:buFont typeface="Wingdings" panose="05000000000000000000" pitchFamily="2" charset="2"/>
-              <a:buChar char="§"/>
-            </a:pPr>
-            <a:r>
-              <a:rPr lang="nl-BE" sz="2400" dirty="0">
-                <a:solidFill>
-                  <a:schemeClr val="tx1"/>
-                </a:solidFill>
-              </a:rPr>
-              <a:t> </a:t>
-            </a:r>
-            <a:r>
-              <a:rPr lang="nl-BE" dirty="0">
-                <a:solidFill>
-                  <a:schemeClr val="tx1"/>
-                </a:solidFill>
-              </a:rPr>
-              <a:t>ASP.NET Identity</a:t>
-            </a:r>
-          </a:p>
-          <a:p>
-            <a:pPr marL="0" indent="0">
-              <a:buNone/>
-            </a:pPr>
-            <a:endParaRPr lang="nl-BE" dirty="0">
-              <a:solidFill>
-                <a:schemeClr val="tx1"/>
-              </a:solidFill>
-            </a:endParaRPr>
-          </a:p>
-          <a:p>
-            <a:pPr>
-              <a:buFont typeface="Wingdings" panose="05000000000000000000" pitchFamily="2" charset="2"/>
-              <a:buChar char="§"/>
-            </a:pPr>
-            <a:r>
-              <a:rPr lang="nl-BE" dirty="0">
-                <a:solidFill>
-                  <a:schemeClr val="tx1"/>
-                </a:solidFill>
-              </a:rPr>
-              <a:t> Authenticatie en autorisatie</a:t>
-            </a:r>
-          </a:p>
-          <a:p>
-            <a:pPr marL="0" indent="0">
-              <a:buNone/>
-            </a:pPr>
-            <a:endParaRPr lang="nl-BE" dirty="0">
-              <a:solidFill>
-                <a:schemeClr val="tx1"/>
-              </a:solidFill>
-            </a:endParaRPr>
-          </a:p>
-          <a:p>
-            <a:pPr marL="514350" indent="-514350">
-              <a:buFont typeface="+mj-lt"/>
-              <a:buAutoNum type="arabicParenR"/>
-            </a:pPr>
-            <a:endParaRPr lang="nl-BE" sz="2400" dirty="0"/>
-          </a:p>
-        </p:txBody>
-      </p:sp>
-      <p:pic>
-        <p:nvPicPr>
-          <p:cNvPr id="13" name="Afbeelding 12" descr="Afbeelding met schermafbeelding&#10;&#10;Automatisch gegenereerde beschrijving">
-            <a:extLst>
-              <a:ext uri="{FF2B5EF4-FFF2-40B4-BE49-F238E27FC236}">
-                <a16:creationId xmlns:a16="http://schemas.microsoft.com/office/drawing/2014/main" id="{3B1A1760-CEFD-4CA0-B515-46CF76BC501D}"/>
-              </a:ext>
-            </a:extLst>
-          </p:cNvPr>
-          <p:cNvPicPr>
-            <a:picLocks noChangeAspect="1"/>
-          </p:cNvPicPr>
-          <p:nvPr/>
-        </p:nvPicPr>
-        <p:blipFill>
-          <a:blip r:embed="rId2">
-            <a:extLst>
-              <a:ext uri="{28A0092B-C50C-407E-A947-70E740481C1C}">
-                <a14:useLocalDpi xmlns:a14="http://schemas.microsoft.com/office/drawing/2010/main" val="0"/>
-              </a:ext>
-            </a:extLst>
-          </a:blip>
-          <a:stretch>
-            <a:fillRect/>
-          </a:stretch>
-        </p:blipFill>
-        <p:spPr>
-          <a:xfrm>
-            <a:off x="6489029" y="1420584"/>
-            <a:ext cx="4045694" cy="3147370"/>
-          </a:xfrm>
-          <a:prstGeom prst="rect">
-            <a:avLst/>
-          </a:prstGeom>
-        </p:spPr>
-      </p:pic>
-    </p:spTree>
-    <p:extLst>
-      <p:ext uri="{BB962C8B-B14F-4D97-AF65-F5344CB8AC3E}">
-        <p14:creationId xmlns:p14="http://schemas.microsoft.com/office/powerpoint/2010/main" val="4257750245"/>
-      </p:ext>
-    </p:extLst>
-  </p:cSld>
-  <p:clrMapOvr>
-    <a:masterClrMapping/>
-  </p:clrMapOvr>
-  <p:timing>
-    <p:tnLst>
-      <p:par>
-        <p:cTn id="1" dur="indefinite" restart="never" nodeType="tmRoot">
-          <p:childTnLst>
-            <p:seq concurrent="1" nextAc="seek">
-              <p:cTn id="2" dur="indefinite" nodeType="mainSeq">
-                <p:childTnLst>
-                  <p:par>
-                    <p:cTn id="3" fill="hold">
-                      <p:stCondLst>
-                        <p:cond delay="indefinite"/>
-                      </p:stCondLst>
-                      <p:childTnLst>
-                        <p:par>
-                          <p:cTn id="4" fill="hold">
-                            <p:stCondLst>
-                              <p:cond delay="0"/>
-                            </p:stCondLst>
-                            <p:childTnLst>
-                              <p:par>
-                                <p:cTn id="5" presetID="10" presetClass="entr" presetSubtype="0" fill="hold" nodeType="clickEffect">
-                                  <p:stCondLst>
-                                    <p:cond delay="0"/>
-                                  </p:stCondLst>
-                                  <p:childTnLst>
-                                    <p:set>
-                                      <p:cBhvr>
-                                        <p:cTn id="6" dur="1" fill="hold">
-                                          <p:stCondLst>
-                                            <p:cond delay="0"/>
-                                          </p:stCondLst>
-                                        </p:cTn>
-                                        <p:tgtEl>
-                                          <p:spTgt spid="12">
-                                            <p:txEl>
-                                              <p:pRg st="0" end="0"/>
-                                            </p:txEl>
-                                          </p:spTgt>
-                                        </p:tgtEl>
-                                        <p:attrNameLst>
-                                          <p:attrName>style.visibility</p:attrName>
-                                        </p:attrNameLst>
-                                      </p:cBhvr>
-                                      <p:to>
-                                        <p:strVal val="visible"/>
-                                      </p:to>
-                                    </p:set>
-                                    <p:animEffect transition="in" filter="fade">
-                                      <p:cBhvr>
-                                        <p:cTn id="7" dur="500"/>
-                                        <p:tgtEl>
-                                          <p:spTgt spid="12">
-                                            <p:txEl>
-                                              <p:pRg st="0" end="0"/>
-                                            </p:txEl>
-                                          </p:spTgt>
-                                        </p:tgtEl>
-                                      </p:cBhvr>
-                                    </p:animEffect>
-                                  </p:childTnLst>
-                                </p:cTn>
-                              </p:par>
-                            </p:childTnLst>
-                          </p:cTn>
-                        </p:par>
-                      </p:childTnLst>
-                    </p:cTn>
-                  </p:par>
-                  <p:par>
-                    <p:cTn id="8" fill="hold">
-                      <p:stCondLst>
-                        <p:cond delay="indefinite"/>
-                      </p:stCondLst>
-                      <p:childTnLst>
-                        <p:par>
-                          <p:cTn id="9" fill="hold">
-                            <p:stCondLst>
-                              <p:cond delay="0"/>
-                            </p:stCondLst>
-                            <p:childTnLst>
-                              <p:par>
-                                <p:cTn id="10" presetID="10" presetClass="entr" presetSubtype="0" fill="hold" nodeType="clickEffect">
-                                  <p:stCondLst>
-                                    <p:cond delay="0"/>
-                                  </p:stCondLst>
-                                  <p:childTnLst>
-                                    <p:set>
-                                      <p:cBhvr>
-                                        <p:cTn id="11" dur="1" fill="hold">
-                                          <p:stCondLst>
-                                            <p:cond delay="0"/>
-                                          </p:stCondLst>
-                                        </p:cTn>
-                                        <p:tgtEl>
-                                          <p:spTgt spid="12">
-                                            <p:txEl>
-                                              <p:pRg st="2" end="2"/>
-                                            </p:txEl>
-                                          </p:spTgt>
-                                        </p:tgtEl>
-                                        <p:attrNameLst>
-                                          <p:attrName>style.visibility</p:attrName>
-                                        </p:attrNameLst>
-                                      </p:cBhvr>
-                                      <p:to>
-                                        <p:strVal val="visible"/>
-                                      </p:to>
-                                    </p:set>
-                                    <p:animEffect transition="in" filter="fade">
-                                      <p:cBhvr>
-                                        <p:cTn id="12" dur="500"/>
-                                        <p:tgtEl>
-                                          <p:spTgt spid="12">
-                                            <p:txEl>
-                                              <p:pRg st="2" end="2"/>
-                                            </p:txEl>
-                                          </p:spTgt>
-                                        </p:tgtEl>
-                                      </p:cBhvr>
-                                    </p:animEffect>
-                                  </p:childTnLst>
-                                </p:cTn>
-                              </p:par>
-                            </p:childTnLst>
-                          </p:cTn>
-                        </p:par>
-                      </p:childTnLst>
-                    </p:cTn>
-                  </p:par>
-                  <p:par>
-                    <p:cTn id="13" fill="hold">
-                      <p:stCondLst>
-                        <p:cond delay="indefinite"/>
-                      </p:stCondLst>
-                      <p:childTnLst>
-                        <p:par>
-                          <p:cTn id="14" fill="hold">
-                            <p:stCondLst>
-                              <p:cond delay="0"/>
-                            </p:stCondLst>
-                            <p:childTnLst>
-                              <p:par>
-                                <p:cTn id="15" presetID="10" presetClass="entr" presetSubtype="0" fill="hold" nodeType="clickEffect">
-                                  <p:stCondLst>
-                                    <p:cond delay="0"/>
-                                  </p:stCondLst>
-                                  <p:childTnLst>
-                                    <p:set>
-                                      <p:cBhvr>
-                                        <p:cTn id="16" dur="1" fill="hold">
-                                          <p:stCondLst>
-                                            <p:cond delay="0"/>
-                                          </p:stCondLst>
-                                        </p:cTn>
-                                        <p:tgtEl>
-                                          <p:spTgt spid="13"/>
-                                        </p:tgtEl>
-                                        <p:attrNameLst>
-                                          <p:attrName>style.visibility</p:attrName>
-                                        </p:attrNameLst>
-                                      </p:cBhvr>
-                                      <p:to>
-                                        <p:strVal val="visible"/>
-                                      </p:to>
-                                    </p:set>
-                                    <p:animEffect transition="in" filter="fade">
-                                      <p:cBhvr>
-                                        <p:cTn id="17" dur="500"/>
-                                        <p:tgtEl>
-                                          <p:spTgt spid="13"/>
-                                        </p:tgtEl>
-                                      </p:cBhvr>
-                                    </p:animEffect>
-                                  </p:childTnLst>
-                                </p:cTn>
-                              </p:par>
-                            </p:childTnLst>
-                          </p:cTn>
-                        </p:par>
-                      </p:childTnLst>
-                    </p:cTn>
-                  </p:par>
-                </p:childTnLst>
-              </p:cTn>
-              <p:prevCondLst>
-                <p:cond evt="onPrev" delay="0">
-                  <p:tgtEl>
-                    <p:sldTgt/>
-                  </p:tgtEl>
-                </p:cond>
-              </p:prevCondLst>
-              <p:nextCondLst>
-                <p:cond evt="onNext" delay="0">
-                  <p:tgtEl>
-                    <p:sldTgt/>
-                  </p:tgtEl>
-                </p:cond>
-              </p:nextCondLst>
-            </p:seq>
-          </p:childTnLst>
-        </p:cTn>
-      </p:par>
-    </p:tnLst>
-  </p:timing>
-</p:sld>
-</file>
-
-<file path=ppt/slides/slide15.xml><?xml version="1.0" encoding="utf-8"?>
-<p:sld xmlns:a="http://schemas.openxmlformats.org/drawingml/2006/main" xmlns:r="http://schemas.openxmlformats.org/officeDocument/2006/relationships" xmlns:p="http://schemas.openxmlformats.org/presentationml/2006/main">
-  <p:cSld>
-    <p:spTree>
-      <p:nvGrpSpPr>
-        <p:cNvPr id="1" name=""/>
-        <p:cNvGrpSpPr/>
-        <p:nvPr/>
-      </p:nvGrpSpPr>
-      <p:grpSpPr>
-        <a:xfrm>
-          <a:off x="0" y="0"/>
-          <a:ext cx="0" cy="0"/>
-          <a:chOff x="0" y="0"/>
-          <a:chExt cx="0" cy="0"/>
-        </a:xfrm>
-      </p:grpSpPr>
-      <p:sp>
-        <p:nvSpPr>
-          <p:cNvPr id="4" name="Tijdelijke aanduiding voor datum 3"/>
-          <p:cNvSpPr>
-            <a:spLocks noGrp="1"/>
-          </p:cNvSpPr>
-          <p:nvPr>
-            <p:ph type="dt" sz="half" idx="10"/>
-          </p:nvPr>
-        </p:nvSpPr>
-        <p:spPr>
-          <a:xfrm>
-            <a:off x="313508" y="6459783"/>
-            <a:ext cx="2472271" cy="365125"/>
-          </a:xfrm>
-        </p:spPr>
-        <p:txBody>
-          <a:bodyPr/>
-          <a:lstStyle/>
-          <a:p>
-            <a:r>
-              <a:rPr lang="nl-BE" sz="1400" dirty="0"/>
-              <a:t>Niels Hauttekeete</a:t>
-            </a:r>
-            <a:endParaRPr lang="nl-BE" sz="800" dirty="0"/>
-          </a:p>
-        </p:txBody>
-      </p:sp>
-      <p:sp>
-        <p:nvSpPr>
-          <p:cNvPr id="5" name="Tijdelijke aanduiding voor voettekst 4"/>
-          <p:cNvSpPr>
-            <a:spLocks noGrp="1"/>
-          </p:cNvSpPr>
-          <p:nvPr>
-            <p:ph type="ftr" sz="quarter" idx="11"/>
-          </p:nvPr>
-        </p:nvSpPr>
-        <p:spPr>
-          <a:xfrm>
-            <a:off x="2191294" y="6459784"/>
-            <a:ext cx="7870372" cy="365125"/>
-          </a:xfrm>
-        </p:spPr>
-        <p:txBody>
-          <a:bodyPr/>
-          <a:lstStyle/>
-          <a:p>
-            <a:r>
-              <a:rPr lang="en-GB" sz="1400" cap="none" dirty="0"/>
-              <a:t>Deployment diagram –</a:t>
-            </a:r>
-            <a:r>
-              <a:rPr lang="en-GB" sz="1600" b="1" cap="none" dirty="0"/>
-              <a:t> </a:t>
-            </a:r>
-            <a:r>
-              <a:rPr lang="en-GB" sz="1400" cap="none" dirty="0"/>
-              <a:t>Databank</a:t>
-            </a:r>
-            <a:r>
-              <a:rPr lang="en-GB" sz="1600" b="1" cap="none" dirty="0"/>
-              <a:t> </a:t>
-            </a:r>
-            <a:r>
-              <a:rPr lang="en-GB" sz="1400" cap="none" dirty="0"/>
-              <a:t>– ASP.NET MVC – </a:t>
-            </a:r>
-            <a:r>
-              <a:rPr lang="en-GB" sz="1600" b="1" cap="none" dirty="0" err="1"/>
-              <a:t>Inlogsysteem</a:t>
-            </a:r>
-            <a:r>
-              <a:rPr lang="en-GB" sz="1400" cap="none" dirty="0"/>
-              <a:t> – Future work</a:t>
-            </a:r>
-            <a:endParaRPr lang="nl-BE" sz="1400" cap="none" dirty="0"/>
-          </a:p>
-        </p:txBody>
-      </p:sp>
-      <p:sp>
-        <p:nvSpPr>
-          <p:cNvPr id="6" name="Tijdelijke aanduiding voor dianummer 5"/>
-          <p:cNvSpPr>
-            <a:spLocks noGrp="1"/>
-          </p:cNvSpPr>
-          <p:nvPr>
-            <p:ph type="sldNum" sz="quarter" idx="12"/>
-          </p:nvPr>
-        </p:nvSpPr>
-        <p:spPr>
-          <a:xfrm>
-            <a:off x="10613571" y="6459785"/>
-            <a:ext cx="598912" cy="365125"/>
-          </a:xfrm>
-        </p:spPr>
-        <p:txBody>
-          <a:bodyPr/>
-          <a:lstStyle/>
-          <a:p>
-            <a:fld id="{535572C1-3FAA-4346-9330-03EF25016D70}" type="slidenum">
-              <a:rPr lang="nl-BE" sz="1600" smtClean="0"/>
-              <a:t>15</a:t>
-            </a:fld>
-            <a:endParaRPr lang="nl-BE" sz="1600" dirty="0"/>
-          </a:p>
-        </p:txBody>
-      </p:sp>
-      <p:cxnSp>
-        <p:nvCxnSpPr>
-          <p:cNvPr id="10" name="Rechte verbindingslijn 9"/>
-          <p:cNvCxnSpPr/>
-          <p:nvPr/>
-        </p:nvCxnSpPr>
-        <p:spPr>
-          <a:xfrm>
-            <a:off x="1097280" y="1045030"/>
-            <a:ext cx="10210256" cy="0"/>
-          </a:xfrm>
-          <a:prstGeom prst="line">
-            <a:avLst/>
-          </a:prstGeom>
-          <a:ln>
-            <a:solidFill>
-              <a:schemeClr val="bg1">
-                <a:lumMod val="65000"/>
-              </a:schemeClr>
-            </a:solidFill>
-          </a:ln>
-        </p:spPr>
-        <p:style>
-          <a:lnRef idx="1">
-            <a:schemeClr val="accent1"/>
-          </a:lnRef>
-          <a:fillRef idx="0">
-            <a:schemeClr val="accent1"/>
-          </a:fillRef>
-          <a:effectRef idx="0">
-            <a:schemeClr val="accent1"/>
-          </a:effectRef>
-          <a:fontRef idx="minor">
-            <a:schemeClr val="tx1"/>
-          </a:fontRef>
-        </p:style>
-      </p:cxnSp>
-      <p:sp>
-        <p:nvSpPr>
-          <p:cNvPr id="11" name="Titel 1"/>
-          <p:cNvSpPr txBox="1">
-            <a:spLocks/>
-          </p:cNvSpPr>
-          <p:nvPr/>
-        </p:nvSpPr>
-        <p:spPr>
-          <a:xfrm>
-            <a:off x="1097280" y="286604"/>
-            <a:ext cx="10058400" cy="758426"/>
-          </a:xfrm>
-          <a:prstGeom prst="rect">
-            <a:avLst/>
-          </a:prstGeom>
-        </p:spPr>
-        <p:txBody>
-          <a:bodyPr anchor="ctr"/>
-          <a:lstStyle>
-            <a:lvl1pPr algn="l" defTabSz="914400" rtl="0" eaLnBrk="1" latinLnBrk="0" hangingPunct="1">
-              <a:lnSpc>
-                <a:spcPct val="85000"/>
-              </a:lnSpc>
-              <a:spcBef>
-                <a:spcPct val="0"/>
-              </a:spcBef>
-              <a:buNone/>
-              <a:defRPr sz="4800" kern="1200" spc="-50" baseline="0">
-                <a:solidFill>
-                  <a:schemeClr val="tx1">
-                    <a:lumMod val="75000"/>
-                    <a:lumOff val="25000"/>
-                  </a:schemeClr>
-                </a:solidFill>
-                <a:latin typeface="+mj-lt"/>
-                <a:ea typeface="+mj-ea"/>
-                <a:cs typeface="+mj-cs"/>
-              </a:defRPr>
-            </a:lvl1pPr>
-          </a:lstStyle>
-          <a:p>
-            <a:r>
-              <a:rPr lang="en-GB" dirty="0" err="1">
-                <a:solidFill>
-                  <a:schemeClr val="tx1"/>
-                </a:solidFill>
-              </a:rPr>
-              <a:t>Logintabellen</a:t>
-            </a:r>
-            <a:endParaRPr lang="nl-BE" dirty="0">
-              <a:solidFill>
-                <a:schemeClr val="tx1"/>
-              </a:solidFill>
-            </a:endParaRPr>
-          </a:p>
-        </p:txBody>
-      </p:sp>
-      <p:sp>
-        <p:nvSpPr>
-          <p:cNvPr id="8" name="Tijdelijke aanduiding voor inhoud 2">
-            <a:extLst>
-              <a:ext uri="{FF2B5EF4-FFF2-40B4-BE49-F238E27FC236}">
-                <a16:creationId xmlns:a16="http://schemas.microsoft.com/office/drawing/2014/main" id="{6F369E50-FD53-4A8F-BEB4-927F2DB729E9}"/>
-              </a:ext>
-            </a:extLst>
-          </p:cNvPr>
-          <p:cNvSpPr txBox="1">
-            <a:spLocks/>
-          </p:cNvSpPr>
-          <p:nvPr/>
-        </p:nvSpPr>
-        <p:spPr>
-          <a:xfrm>
-            <a:off x="965943" y="1528153"/>
-            <a:ext cx="6601047" cy="4448507"/>
-          </a:xfrm>
-          <a:prstGeom prst="rect">
-            <a:avLst/>
-          </a:prstGeom>
-        </p:spPr>
-        <p:txBody>
-          <a:bodyPr>
-            <a:normAutofit/>
-          </a:bodyPr>
-          <a:lstStyle>
-            <a:lvl1pPr marL="91440" indent="-91440" algn="l" defTabSz="914400" rtl="0" eaLnBrk="1" latinLnBrk="0" hangingPunct="1">
-              <a:lnSpc>
-                <a:spcPct val="90000"/>
-              </a:lnSpc>
-              <a:spcBef>
-                <a:spcPts val="1200"/>
-              </a:spcBef>
-              <a:spcAft>
-                <a:spcPts val="200"/>
-              </a:spcAft>
-              <a:buClr>
-                <a:schemeClr val="accent1"/>
-              </a:buClr>
-              <a:buSzPct val="100000"/>
-              <a:buFont typeface="Calibri" panose="020F0502020204030204" pitchFamily="34" charset="0"/>
-              <a:buChar char=" "/>
-              <a:defRPr sz="2000" kern="1200">
-                <a:solidFill>
-                  <a:schemeClr val="tx1">
-                    <a:lumMod val="75000"/>
-                    <a:lumOff val="25000"/>
-                  </a:schemeClr>
-                </a:solidFill>
-                <a:latin typeface="+mn-lt"/>
-                <a:ea typeface="+mn-ea"/>
-                <a:cs typeface="+mn-cs"/>
-              </a:defRPr>
-            </a:lvl1pPr>
-            <a:lvl2pPr marL="384048" indent="-182880" algn="l" defTabSz="914400" rtl="0" eaLnBrk="1" latinLnBrk="0" hangingPunct="1">
-              <a:lnSpc>
-                <a:spcPct val="90000"/>
-              </a:lnSpc>
-              <a:spcBef>
-                <a:spcPts val="200"/>
-              </a:spcBef>
-              <a:spcAft>
-                <a:spcPts val="400"/>
-              </a:spcAft>
-              <a:buClr>
-                <a:schemeClr val="accent1"/>
-              </a:buClr>
-              <a:buFont typeface="Calibri" pitchFamily="34" charset="0"/>
-              <a:buChar char="◦"/>
-              <a:defRPr sz="1800" kern="1200">
-                <a:solidFill>
-                  <a:schemeClr val="tx1">
-                    <a:lumMod val="75000"/>
-                    <a:lumOff val="25000"/>
-                  </a:schemeClr>
-                </a:solidFill>
-                <a:latin typeface="+mn-lt"/>
-                <a:ea typeface="+mn-ea"/>
-                <a:cs typeface="+mn-cs"/>
-              </a:defRPr>
-            </a:lvl2pPr>
-            <a:lvl3pPr marL="566928" indent="-182880" algn="l" defTabSz="914400" rtl="0" eaLnBrk="1" latinLnBrk="0" hangingPunct="1">
-              <a:lnSpc>
-                <a:spcPct val="90000"/>
-              </a:lnSpc>
-              <a:spcBef>
-                <a:spcPts val="200"/>
-              </a:spcBef>
-              <a:spcAft>
-                <a:spcPts val="400"/>
-              </a:spcAft>
-              <a:buClr>
-                <a:schemeClr val="accent1"/>
-              </a:buClr>
-              <a:buFont typeface="Calibri" pitchFamily="34" charset="0"/>
-              <a:buChar char="◦"/>
-              <a:defRPr sz="1400" kern="1200">
-                <a:solidFill>
-                  <a:schemeClr val="tx1">
-                    <a:lumMod val="75000"/>
-                    <a:lumOff val="25000"/>
-                  </a:schemeClr>
-                </a:solidFill>
-                <a:latin typeface="+mn-lt"/>
-                <a:ea typeface="+mn-ea"/>
-                <a:cs typeface="+mn-cs"/>
-              </a:defRPr>
-            </a:lvl3pPr>
-            <a:lvl4pPr marL="749808" indent="-182880" algn="l" defTabSz="914400" rtl="0" eaLnBrk="1" latinLnBrk="0" hangingPunct="1">
-              <a:lnSpc>
-                <a:spcPct val="90000"/>
-              </a:lnSpc>
-              <a:spcBef>
-                <a:spcPts val="200"/>
-              </a:spcBef>
-              <a:spcAft>
-                <a:spcPts val="400"/>
-              </a:spcAft>
-              <a:buClr>
-                <a:schemeClr val="accent1"/>
-              </a:buClr>
-              <a:buFont typeface="Calibri" pitchFamily="34" charset="0"/>
-              <a:buChar char="◦"/>
-              <a:defRPr sz="1400" kern="1200">
-                <a:solidFill>
-                  <a:schemeClr val="tx1">
-                    <a:lumMod val="75000"/>
-                    <a:lumOff val="25000"/>
-                  </a:schemeClr>
-                </a:solidFill>
-                <a:latin typeface="+mn-lt"/>
-                <a:ea typeface="+mn-ea"/>
-                <a:cs typeface="+mn-cs"/>
-              </a:defRPr>
-            </a:lvl4pPr>
-            <a:lvl5pPr marL="932688" indent="-182880" algn="l" defTabSz="914400" rtl="0" eaLnBrk="1" latinLnBrk="0" hangingPunct="1">
-              <a:lnSpc>
-                <a:spcPct val="90000"/>
-              </a:lnSpc>
-              <a:spcBef>
-                <a:spcPts val="200"/>
-              </a:spcBef>
-              <a:spcAft>
-                <a:spcPts val="400"/>
-              </a:spcAft>
-              <a:buClr>
-                <a:schemeClr val="accent1"/>
-              </a:buClr>
-              <a:buFont typeface="Calibri" pitchFamily="34" charset="0"/>
-              <a:buChar char="◦"/>
-              <a:defRPr sz="1400" kern="1200">
-                <a:solidFill>
-                  <a:schemeClr val="tx1">
-                    <a:lumMod val="75000"/>
-                    <a:lumOff val="25000"/>
-                  </a:schemeClr>
-                </a:solidFill>
-                <a:latin typeface="+mn-lt"/>
-                <a:ea typeface="+mn-ea"/>
-                <a:cs typeface="+mn-cs"/>
-              </a:defRPr>
-            </a:lvl5pPr>
-            <a:lvl6pPr marL="1100000" indent="-228600" algn="l" defTabSz="914400" rtl="0" eaLnBrk="1" latinLnBrk="0" hangingPunct="1">
-              <a:lnSpc>
-                <a:spcPct val="90000"/>
-              </a:lnSpc>
-              <a:spcBef>
-                <a:spcPts val="200"/>
-              </a:spcBef>
-              <a:spcAft>
-                <a:spcPts val="400"/>
-              </a:spcAft>
-              <a:buClr>
-                <a:schemeClr val="accent1"/>
-              </a:buClr>
-              <a:buFont typeface="Calibri" pitchFamily="34" charset="0"/>
-              <a:buChar char="◦"/>
-              <a:defRPr sz="1400" kern="1200">
-                <a:solidFill>
-                  <a:schemeClr val="tx1">
-                    <a:lumMod val="75000"/>
-                    <a:lumOff val="25000"/>
-                  </a:schemeClr>
-                </a:solidFill>
-                <a:latin typeface="+mn-lt"/>
-                <a:ea typeface="+mn-ea"/>
-                <a:cs typeface="+mn-cs"/>
-              </a:defRPr>
-            </a:lvl6pPr>
-            <a:lvl7pPr marL="1300000" indent="-228600" algn="l" defTabSz="914400" rtl="0" eaLnBrk="1" latinLnBrk="0" hangingPunct="1">
-              <a:lnSpc>
-                <a:spcPct val="90000"/>
-              </a:lnSpc>
-              <a:spcBef>
-                <a:spcPts val="200"/>
-              </a:spcBef>
-              <a:spcAft>
-                <a:spcPts val="400"/>
-              </a:spcAft>
-              <a:buClr>
-                <a:schemeClr val="accent1"/>
-              </a:buClr>
-              <a:buFont typeface="Calibri" pitchFamily="34" charset="0"/>
-              <a:buChar char="◦"/>
-              <a:defRPr sz="1400" kern="1200">
-                <a:solidFill>
-                  <a:schemeClr val="tx1">
-                    <a:lumMod val="75000"/>
-                    <a:lumOff val="25000"/>
-                  </a:schemeClr>
-                </a:solidFill>
-                <a:latin typeface="+mn-lt"/>
-                <a:ea typeface="+mn-ea"/>
-                <a:cs typeface="+mn-cs"/>
-              </a:defRPr>
-            </a:lvl7pPr>
-            <a:lvl8pPr marL="1500000" indent="-228600" algn="l" defTabSz="914400" rtl="0" eaLnBrk="1" latinLnBrk="0" hangingPunct="1">
-              <a:lnSpc>
-                <a:spcPct val="90000"/>
-              </a:lnSpc>
-              <a:spcBef>
-                <a:spcPts val="200"/>
-              </a:spcBef>
-              <a:spcAft>
-                <a:spcPts val="400"/>
-              </a:spcAft>
-              <a:buClr>
-                <a:schemeClr val="accent1"/>
-              </a:buClr>
-              <a:buFont typeface="Calibri" pitchFamily="34" charset="0"/>
-              <a:buChar char="◦"/>
-              <a:defRPr sz="1400" kern="1200">
-                <a:solidFill>
-                  <a:schemeClr val="tx1">
-                    <a:lumMod val="75000"/>
-                    <a:lumOff val="25000"/>
-                  </a:schemeClr>
-                </a:solidFill>
-                <a:latin typeface="+mn-lt"/>
-                <a:ea typeface="+mn-ea"/>
-                <a:cs typeface="+mn-cs"/>
-              </a:defRPr>
-            </a:lvl8pPr>
-            <a:lvl9pPr marL="1700000" indent="-228600" algn="l" defTabSz="914400" rtl="0" eaLnBrk="1" latinLnBrk="0" hangingPunct="1">
-              <a:lnSpc>
-                <a:spcPct val="90000"/>
-              </a:lnSpc>
-              <a:spcBef>
-                <a:spcPts val="200"/>
-              </a:spcBef>
-              <a:spcAft>
-                <a:spcPts val="400"/>
-              </a:spcAft>
-              <a:buClr>
-                <a:schemeClr val="accent1"/>
-              </a:buClr>
-              <a:buFont typeface="Calibri" pitchFamily="34" charset="0"/>
-              <a:buChar char="◦"/>
-              <a:defRPr sz="1400" kern="1200">
-                <a:solidFill>
-                  <a:schemeClr val="tx1">
-                    <a:lumMod val="75000"/>
-                    <a:lumOff val="25000"/>
-                  </a:schemeClr>
-                </a:solidFill>
-                <a:latin typeface="+mn-lt"/>
-                <a:ea typeface="+mn-ea"/>
-                <a:cs typeface="+mn-cs"/>
-              </a:defRPr>
-            </a:lvl9pPr>
-          </a:lstStyle>
-          <a:p>
             <a:pPr lvl="1">
               <a:buFont typeface="Wingdings" panose="05000000000000000000" pitchFamily="2" charset="2"/>
               <a:buChar char="§"/>
             </a:pPr>
             <a:r>
-              <a:rPr lang="en-GB" sz="2000" dirty="0" err="1">
+              <a:rPr lang="nl-BE" sz="2000" dirty="0">
                 <a:solidFill>
                   <a:schemeClr val="tx1"/>
                 </a:solidFill>
               </a:rPr>
-              <a:t>Tabellen</a:t>
-            </a:r>
-            <a:r>
-              <a:rPr lang="en-GB" sz="2000" dirty="0">
-                <a:solidFill>
-                  <a:schemeClr val="tx1"/>
-                </a:solidFill>
-              </a:rPr>
-              <a:t> </a:t>
-            </a:r>
-            <a:r>
-              <a:rPr lang="en-GB" sz="2000" dirty="0" err="1">
-                <a:solidFill>
-                  <a:schemeClr val="tx1"/>
-                </a:solidFill>
-              </a:rPr>
-              <a:t>voor</a:t>
-            </a:r>
-            <a:r>
-              <a:rPr lang="en-GB" sz="2000" dirty="0">
-                <a:solidFill>
-                  <a:schemeClr val="tx1"/>
-                </a:solidFill>
-              </a:rPr>
-              <a:t> </a:t>
-            </a:r>
-            <a:r>
-              <a:rPr lang="en-GB" sz="2000" dirty="0" err="1">
-                <a:solidFill>
-                  <a:schemeClr val="tx1"/>
-                </a:solidFill>
-              </a:rPr>
-              <a:t>loginfunctionaliteit</a:t>
-            </a:r>
-            <a:endParaRPr lang="nl-BE" sz="2400" dirty="0"/>
-          </a:p>
-        </p:txBody>
-      </p:sp>
-      <p:pic>
-        <p:nvPicPr>
-          <p:cNvPr id="3" name="Afbeelding 2">
-            <a:extLst>
-              <a:ext uri="{FF2B5EF4-FFF2-40B4-BE49-F238E27FC236}">
-                <a16:creationId xmlns:a16="http://schemas.microsoft.com/office/drawing/2014/main" id="{415B2642-349A-46CA-877A-DF1A0A32E00C}"/>
-              </a:ext>
-            </a:extLst>
-          </p:cNvPr>
-          <p:cNvPicPr>
-            <a:picLocks noChangeAspect="1"/>
-          </p:cNvPicPr>
-          <p:nvPr/>
-        </p:nvPicPr>
-        <p:blipFill>
-          <a:blip r:embed="rId2">
-            <a:extLst>
-              <a:ext uri="{28A0092B-C50C-407E-A947-70E740481C1C}">
-                <a14:useLocalDpi xmlns:a14="http://schemas.microsoft.com/office/drawing/2010/main" val="0"/>
-              </a:ext>
-            </a:extLst>
-          </a:blip>
-          <a:stretch>
-            <a:fillRect/>
-          </a:stretch>
-        </p:blipFill>
-        <p:spPr>
-          <a:xfrm>
-            <a:off x="3905182" y="2006208"/>
-            <a:ext cx="7614389" cy="3970435"/>
-          </a:xfrm>
-          <a:prstGeom prst="rect">
-            <a:avLst/>
-          </a:prstGeom>
-        </p:spPr>
-      </p:pic>
-    </p:spTree>
-    <p:extLst>
-      <p:ext uri="{BB962C8B-B14F-4D97-AF65-F5344CB8AC3E}">
-        <p14:creationId xmlns:p14="http://schemas.microsoft.com/office/powerpoint/2010/main" val="2372307100"/>
-      </p:ext>
-    </p:extLst>
-  </p:cSld>
-  <p:clrMapOvr>
-    <a:masterClrMapping/>
-  </p:clrMapOvr>
-  <p:timing>
-    <p:tnLst>
-      <p:par>
-        <p:cTn id="1" dur="indefinite" restart="never" nodeType="tmRoot">
-          <p:childTnLst>
-            <p:seq concurrent="1" nextAc="seek">
-              <p:cTn id="2" dur="indefinite" nodeType="mainSeq">
-                <p:childTnLst>
-                  <p:par>
-                    <p:cTn id="3" fill="hold">
-                      <p:stCondLst>
-                        <p:cond delay="indefinite"/>
-                      </p:stCondLst>
-                      <p:childTnLst>
-                        <p:par>
-                          <p:cTn id="4" fill="hold">
-                            <p:stCondLst>
-                              <p:cond delay="0"/>
-                            </p:stCondLst>
-                            <p:childTnLst>
-                              <p:par>
-                                <p:cTn id="5" presetID="10" presetClass="entr" presetSubtype="0" fill="hold" nodeType="clickEffect">
-                                  <p:stCondLst>
-                                    <p:cond delay="0"/>
-                                  </p:stCondLst>
-                                  <p:childTnLst>
-                                    <p:set>
-                                      <p:cBhvr>
-                                        <p:cTn id="6" dur="1" fill="hold">
-                                          <p:stCondLst>
-                                            <p:cond delay="0"/>
-                                          </p:stCondLst>
-                                        </p:cTn>
-                                        <p:tgtEl>
-                                          <p:spTgt spid="8">
-                                            <p:txEl>
-                                              <p:pRg st="0" end="0"/>
-                                            </p:txEl>
-                                          </p:spTgt>
-                                        </p:tgtEl>
-                                        <p:attrNameLst>
-                                          <p:attrName>style.visibility</p:attrName>
-                                        </p:attrNameLst>
-                                      </p:cBhvr>
-                                      <p:to>
-                                        <p:strVal val="visible"/>
-                                      </p:to>
-                                    </p:set>
-                                    <p:animEffect transition="in" filter="fade">
-                                      <p:cBhvr>
-                                        <p:cTn id="7" dur="500"/>
-                                        <p:tgtEl>
-                                          <p:spTgt spid="8">
-                                            <p:txEl>
-                                              <p:pRg st="0" end="0"/>
-                                            </p:txEl>
-                                          </p:spTgt>
-                                        </p:tgtEl>
-                                      </p:cBhvr>
-                                    </p:animEffect>
-                                  </p:childTnLst>
-                                </p:cTn>
-                              </p:par>
-                              <p:par>
-                                <p:cTn id="8" presetID="10" presetClass="entr" presetSubtype="0" fill="hold" nodeType="withEffect">
-                                  <p:stCondLst>
-                                    <p:cond delay="0"/>
-                                  </p:stCondLst>
-                                  <p:childTnLst>
-                                    <p:set>
-                                      <p:cBhvr>
-                                        <p:cTn id="9" dur="1" fill="hold">
-                                          <p:stCondLst>
-                                            <p:cond delay="0"/>
-                                          </p:stCondLst>
-                                        </p:cTn>
-                                        <p:tgtEl>
-                                          <p:spTgt spid="3"/>
-                                        </p:tgtEl>
-                                        <p:attrNameLst>
-                                          <p:attrName>style.visibility</p:attrName>
-                                        </p:attrNameLst>
-                                      </p:cBhvr>
-                                      <p:to>
-                                        <p:strVal val="visible"/>
-                                      </p:to>
-                                    </p:set>
-                                    <p:animEffect transition="in" filter="fade">
-                                      <p:cBhvr>
-                                        <p:cTn id="10" dur="500"/>
-                                        <p:tgtEl>
-                                          <p:spTgt spid="3"/>
-                                        </p:tgtEl>
-                                      </p:cBhvr>
-                                    </p:animEffect>
-                                  </p:childTnLst>
-                                </p:cTn>
-                              </p:par>
-                            </p:childTnLst>
-                          </p:cTn>
-                        </p:par>
-                      </p:childTnLst>
-                    </p:cTn>
-                  </p:par>
-                </p:childTnLst>
-              </p:cTn>
-              <p:prevCondLst>
-                <p:cond evt="onPrev" delay="0">
-                  <p:tgtEl>
-                    <p:sldTgt/>
-                  </p:tgtEl>
-                </p:cond>
-              </p:prevCondLst>
-              <p:nextCondLst>
-                <p:cond evt="onNext" delay="0">
-                  <p:tgtEl>
-                    <p:sldTgt/>
-                  </p:tgtEl>
-                </p:cond>
-              </p:nextCondLst>
-            </p:seq>
-          </p:childTnLst>
-        </p:cTn>
-      </p:par>
-    </p:tnLst>
-  </p:timing>
-</p:sld>
-</file>
-
-<file path=ppt/slides/slide16.xml><?xml version="1.0" encoding="utf-8"?>
-<p:sld xmlns:a="http://schemas.openxmlformats.org/drawingml/2006/main" xmlns:r="http://schemas.openxmlformats.org/officeDocument/2006/relationships" xmlns:p="http://schemas.openxmlformats.org/presentationml/2006/main">
-  <p:cSld>
-    <p:spTree>
-      <p:nvGrpSpPr>
-        <p:cNvPr id="1" name=""/>
-        <p:cNvGrpSpPr/>
-        <p:nvPr/>
-      </p:nvGrpSpPr>
-      <p:grpSpPr>
-        <a:xfrm>
-          <a:off x="0" y="0"/>
-          <a:ext cx="0" cy="0"/>
-          <a:chOff x="0" y="0"/>
-          <a:chExt cx="0" cy="0"/>
-        </a:xfrm>
-      </p:grpSpPr>
-      <p:sp>
-        <p:nvSpPr>
-          <p:cNvPr id="4" name="Tijdelijke aanduiding voor datum 3"/>
-          <p:cNvSpPr>
-            <a:spLocks noGrp="1"/>
-          </p:cNvSpPr>
-          <p:nvPr>
-            <p:ph type="dt" sz="half" idx="10"/>
-          </p:nvPr>
-        </p:nvSpPr>
-        <p:spPr>
-          <a:xfrm>
-            <a:off x="313508" y="6459783"/>
-            <a:ext cx="2472271" cy="365125"/>
-          </a:xfrm>
-        </p:spPr>
-        <p:txBody>
-          <a:bodyPr/>
-          <a:lstStyle/>
-          <a:p>
-            <a:r>
-              <a:rPr lang="nl-BE" sz="1400" dirty="0"/>
-              <a:t>Niels Hauttekeete</a:t>
-            </a:r>
-            <a:endParaRPr lang="nl-BE" sz="800" dirty="0"/>
-          </a:p>
-        </p:txBody>
-      </p:sp>
-      <p:sp>
-        <p:nvSpPr>
-          <p:cNvPr id="5" name="Tijdelijke aanduiding voor voettekst 4"/>
-          <p:cNvSpPr>
-            <a:spLocks noGrp="1"/>
-          </p:cNvSpPr>
-          <p:nvPr>
-            <p:ph type="ftr" sz="quarter" idx="11"/>
-          </p:nvPr>
-        </p:nvSpPr>
-        <p:spPr>
-          <a:xfrm>
-            <a:off x="2191294" y="6459784"/>
-            <a:ext cx="7870372" cy="365125"/>
-          </a:xfrm>
-        </p:spPr>
-        <p:txBody>
-          <a:bodyPr/>
-          <a:lstStyle/>
-          <a:p>
-            <a:r>
-              <a:rPr lang="en-GB" sz="1400" cap="none" dirty="0"/>
-              <a:t>Deployment diagram –</a:t>
-            </a:r>
-            <a:r>
-              <a:rPr lang="en-GB" sz="1600" b="1" cap="none" dirty="0"/>
-              <a:t> </a:t>
-            </a:r>
-            <a:r>
-              <a:rPr lang="en-GB" sz="1400" cap="none" dirty="0"/>
-              <a:t>Databank</a:t>
-            </a:r>
-            <a:r>
-              <a:rPr lang="en-GB" sz="1600" b="1" cap="none" dirty="0"/>
-              <a:t> </a:t>
-            </a:r>
-            <a:r>
-              <a:rPr lang="en-GB" sz="1400" cap="none" dirty="0"/>
-              <a:t>– ASP.NET MVC – </a:t>
-            </a:r>
-            <a:r>
-              <a:rPr lang="en-GB" sz="1600" b="1" cap="none" dirty="0" err="1"/>
-              <a:t>Inlogsysteem</a:t>
-            </a:r>
-            <a:r>
-              <a:rPr lang="en-GB" sz="1400" cap="none" dirty="0"/>
-              <a:t> – Future work</a:t>
-            </a:r>
-            <a:endParaRPr lang="nl-BE" sz="1400" cap="none" dirty="0"/>
-          </a:p>
-        </p:txBody>
-      </p:sp>
-      <p:sp>
-        <p:nvSpPr>
-          <p:cNvPr id="6" name="Tijdelijke aanduiding voor dianummer 5"/>
-          <p:cNvSpPr>
-            <a:spLocks noGrp="1"/>
-          </p:cNvSpPr>
-          <p:nvPr>
-            <p:ph type="sldNum" sz="quarter" idx="12"/>
-          </p:nvPr>
-        </p:nvSpPr>
-        <p:spPr>
-          <a:xfrm>
-            <a:off x="10613571" y="6459785"/>
-            <a:ext cx="598912" cy="365125"/>
-          </a:xfrm>
-        </p:spPr>
-        <p:txBody>
-          <a:bodyPr/>
-          <a:lstStyle/>
-          <a:p>
-            <a:fld id="{535572C1-3FAA-4346-9330-03EF25016D70}" type="slidenum">
-              <a:rPr lang="nl-BE" sz="1600" smtClean="0"/>
-              <a:t>16</a:t>
-            </a:fld>
-            <a:endParaRPr lang="nl-BE" sz="1600" dirty="0"/>
-          </a:p>
-        </p:txBody>
-      </p:sp>
-      <p:cxnSp>
-        <p:nvCxnSpPr>
-          <p:cNvPr id="10" name="Rechte verbindingslijn 9"/>
-          <p:cNvCxnSpPr/>
-          <p:nvPr/>
-        </p:nvCxnSpPr>
-        <p:spPr>
-          <a:xfrm>
-            <a:off x="1097280" y="1045030"/>
-            <a:ext cx="10210256" cy="0"/>
-          </a:xfrm>
-          <a:prstGeom prst="line">
-            <a:avLst/>
-          </a:prstGeom>
-          <a:ln>
-            <a:solidFill>
-              <a:schemeClr val="bg1">
-                <a:lumMod val="65000"/>
-              </a:schemeClr>
-            </a:solidFill>
-          </a:ln>
-        </p:spPr>
-        <p:style>
-          <a:lnRef idx="1">
-            <a:schemeClr val="accent1"/>
-          </a:lnRef>
-          <a:fillRef idx="0">
-            <a:schemeClr val="accent1"/>
-          </a:fillRef>
-          <a:effectRef idx="0">
-            <a:schemeClr val="accent1"/>
-          </a:effectRef>
-          <a:fontRef idx="minor">
-            <a:schemeClr val="tx1"/>
-          </a:fontRef>
-        </p:style>
-      </p:cxnSp>
-      <p:sp>
-        <p:nvSpPr>
-          <p:cNvPr id="11" name="Titel 1"/>
-          <p:cNvSpPr txBox="1">
-            <a:spLocks/>
-          </p:cNvSpPr>
-          <p:nvPr/>
-        </p:nvSpPr>
-        <p:spPr>
-          <a:xfrm>
-            <a:off x="1097280" y="286604"/>
-            <a:ext cx="10058400" cy="758426"/>
-          </a:xfrm>
-          <a:prstGeom prst="rect">
-            <a:avLst/>
-          </a:prstGeom>
-        </p:spPr>
-        <p:txBody>
-          <a:bodyPr anchor="ctr"/>
-          <a:lstStyle>
-            <a:lvl1pPr algn="l" defTabSz="914400" rtl="0" eaLnBrk="1" latinLnBrk="0" hangingPunct="1">
-              <a:lnSpc>
-                <a:spcPct val="85000"/>
-              </a:lnSpc>
-              <a:spcBef>
-                <a:spcPct val="0"/>
-              </a:spcBef>
-              <a:buNone/>
-              <a:defRPr sz="4800" kern="1200" spc="-50" baseline="0">
-                <a:solidFill>
-                  <a:schemeClr val="tx1">
-                    <a:lumMod val="75000"/>
-                    <a:lumOff val="25000"/>
-                  </a:schemeClr>
-                </a:solidFill>
-                <a:latin typeface="+mj-lt"/>
-                <a:ea typeface="+mj-ea"/>
-                <a:cs typeface="+mj-cs"/>
-              </a:defRPr>
-            </a:lvl1pPr>
-          </a:lstStyle>
-          <a:p>
-            <a:r>
-              <a:rPr lang="en-GB" dirty="0" err="1">
-                <a:solidFill>
-                  <a:schemeClr val="tx1"/>
-                </a:solidFill>
-              </a:rPr>
-              <a:t>AspNetUsers</a:t>
-            </a:r>
-            <a:endParaRPr lang="nl-BE" dirty="0">
-              <a:solidFill>
-                <a:schemeClr val="tx1"/>
-              </a:solidFill>
-            </a:endParaRPr>
-          </a:p>
-        </p:txBody>
-      </p:sp>
-      <p:sp>
-        <p:nvSpPr>
-          <p:cNvPr id="8" name="Tijdelijke aanduiding voor inhoud 2">
-            <a:extLst>
-              <a:ext uri="{FF2B5EF4-FFF2-40B4-BE49-F238E27FC236}">
-                <a16:creationId xmlns:a16="http://schemas.microsoft.com/office/drawing/2014/main" id="{6F369E50-FD53-4A8F-BEB4-927F2DB729E9}"/>
-              </a:ext>
-            </a:extLst>
-          </p:cNvPr>
-          <p:cNvSpPr txBox="1">
-            <a:spLocks/>
-          </p:cNvSpPr>
-          <p:nvPr/>
-        </p:nvSpPr>
-        <p:spPr>
-          <a:xfrm>
-            <a:off x="965943" y="1528153"/>
-            <a:ext cx="6601047" cy="4448507"/>
-          </a:xfrm>
-          <a:prstGeom prst="rect">
-            <a:avLst/>
-          </a:prstGeom>
-        </p:spPr>
-        <p:txBody>
-          <a:bodyPr>
-            <a:normAutofit/>
-          </a:bodyPr>
-          <a:lstStyle>
-            <a:lvl1pPr marL="91440" indent="-91440" algn="l" defTabSz="914400" rtl="0" eaLnBrk="1" latinLnBrk="0" hangingPunct="1">
-              <a:lnSpc>
-                <a:spcPct val="90000"/>
-              </a:lnSpc>
-              <a:spcBef>
-                <a:spcPts val="1200"/>
-              </a:spcBef>
-              <a:spcAft>
-                <a:spcPts val="200"/>
-              </a:spcAft>
-              <a:buClr>
-                <a:schemeClr val="accent1"/>
-              </a:buClr>
-              <a:buSzPct val="100000"/>
-              <a:buFont typeface="Calibri" panose="020F0502020204030204" pitchFamily="34" charset="0"/>
-              <a:buChar char=" "/>
-              <a:defRPr sz="2000" kern="1200">
-                <a:solidFill>
-                  <a:schemeClr val="tx1">
-                    <a:lumMod val="75000"/>
-                    <a:lumOff val="25000"/>
-                  </a:schemeClr>
-                </a:solidFill>
-                <a:latin typeface="+mn-lt"/>
-                <a:ea typeface="+mn-ea"/>
-                <a:cs typeface="+mn-cs"/>
-              </a:defRPr>
-            </a:lvl1pPr>
-            <a:lvl2pPr marL="384048" indent="-182880" algn="l" defTabSz="914400" rtl="0" eaLnBrk="1" latinLnBrk="0" hangingPunct="1">
-              <a:lnSpc>
-                <a:spcPct val="90000"/>
-              </a:lnSpc>
-              <a:spcBef>
-                <a:spcPts val="200"/>
-              </a:spcBef>
-              <a:spcAft>
-                <a:spcPts val="400"/>
-              </a:spcAft>
-              <a:buClr>
-                <a:schemeClr val="accent1"/>
-              </a:buClr>
-              <a:buFont typeface="Calibri" pitchFamily="34" charset="0"/>
-              <a:buChar char="◦"/>
-              <a:defRPr sz="1800" kern="1200">
-                <a:solidFill>
-                  <a:schemeClr val="tx1">
-                    <a:lumMod val="75000"/>
-                    <a:lumOff val="25000"/>
-                  </a:schemeClr>
-                </a:solidFill>
-                <a:latin typeface="+mn-lt"/>
-                <a:ea typeface="+mn-ea"/>
-                <a:cs typeface="+mn-cs"/>
-              </a:defRPr>
-            </a:lvl2pPr>
-            <a:lvl3pPr marL="566928" indent="-182880" algn="l" defTabSz="914400" rtl="0" eaLnBrk="1" latinLnBrk="0" hangingPunct="1">
-              <a:lnSpc>
-                <a:spcPct val="90000"/>
-              </a:lnSpc>
-              <a:spcBef>
-                <a:spcPts val="200"/>
-              </a:spcBef>
-              <a:spcAft>
-                <a:spcPts val="400"/>
-              </a:spcAft>
-              <a:buClr>
-                <a:schemeClr val="accent1"/>
-              </a:buClr>
-              <a:buFont typeface="Calibri" pitchFamily="34" charset="0"/>
-              <a:buChar char="◦"/>
-              <a:defRPr sz="1400" kern="1200">
-                <a:solidFill>
-                  <a:schemeClr val="tx1">
-                    <a:lumMod val="75000"/>
-                    <a:lumOff val="25000"/>
-                  </a:schemeClr>
-                </a:solidFill>
-                <a:latin typeface="+mn-lt"/>
-                <a:ea typeface="+mn-ea"/>
-                <a:cs typeface="+mn-cs"/>
-              </a:defRPr>
-            </a:lvl3pPr>
-            <a:lvl4pPr marL="749808" indent="-182880" algn="l" defTabSz="914400" rtl="0" eaLnBrk="1" latinLnBrk="0" hangingPunct="1">
-              <a:lnSpc>
-                <a:spcPct val="90000"/>
-              </a:lnSpc>
-              <a:spcBef>
-                <a:spcPts val="200"/>
-              </a:spcBef>
-              <a:spcAft>
-                <a:spcPts val="400"/>
-              </a:spcAft>
-              <a:buClr>
-                <a:schemeClr val="accent1"/>
-              </a:buClr>
-              <a:buFont typeface="Calibri" pitchFamily="34" charset="0"/>
-              <a:buChar char="◦"/>
-              <a:defRPr sz="1400" kern="1200">
-                <a:solidFill>
-                  <a:schemeClr val="tx1">
-                    <a:lumMod val="75000"/>
-                    <a:lumOff val="25000"/>
-                  </a:schemeClr>
-                </a:solidFill>
-                <a:latin typeface="+mn-lt"/>
-                <a:ea typeface="+mn-ea"/>
-                <a:cs typeface="+mn-cs"/>
-              </a:defRPr>
-            </a:lvl4pPr>
-            <a:lvl5pPr marL="932688" indent="-182880" algn="l" defTabSz="914400" rtl="0" eaLnBrk="1" latinLnBrk="0" hangingPunct="1">
-              <a:lnSpc>
-                <a:spcPct val="90000"/>
-              </a:lnSpc>
-              <a:spcBef>
-                <a:spcPts val="200"/>
-              </a:spcBef>
-              <a:spcAft>
-                <a:spcPts val="400"/>
-              </a:spcAft>
-              <a:buClr>
-                <a:schemeClr val="accent1"/>
-              </a:buClr>
-              <a:buFont typeface="Calibri" pitchFamily="34" charset="0"/>
-              <a:buChar char="◦"/>
-              <a:defRPr sz="1400" kern="1200">
-                <a:solidFill>
-                  <a:schemeClr val="tx1">
-                    <a:lumMod val="75000"/>
-                    <a:lumOff val="25000"/>
-                  </a:schemeClr>
-                </a:solidFill>
-                <a:latin typeface="+mn-lt"/>
-                <a:ea typeface="+mn-ea"/>
-                <a:cs typeface="+mn-cs"/>
-              </a:defRPr>
-            </a:lvl5pPr>
-            <a:lvl6pPr marL="1100000" indent="-228600" algn="l" defTabSz="914400" rtl="0" eaLnBrk="1" latinLnBrk="0" hangingPunct="1">
-              <a:lnSpc>
-                <a:spcPct val="90000"/>
-              </a:lnSpc>
-              <a:spcBef>
-                <a:spcPts val="200"/>
-              </a:spcBef>
-              <a:spcAft>
-                <a:spcPts val="400"/>
-              </a:spcAft>
-              <a:buClr>
-                <a:schemeClr val="accent1"/>
-              </a:buClr>
-              <a:buFont typeface="Calibri" pitchFamily="34" charset="0"/>
-              <a:buChar char="◦"/>
-              <a:defRPr sz="1400" kern="1200">
-                <a:solidFill>
-                  <a:schemeClr val="tx1">
-                    <a:lumMod val="75000"/>
-                    <a:lumOff val="25000"/>
-                  </a:schemeClr>
-                </a:solidFill>
-                <a:latin typeface="+mn-lt"/>
-                <a:ea typeface="+mn-ea"/>
-                <a:cs typeface="+mn-cs"/>
-              </a:defRPr>
-            </a:lvl6pPr>
-            <a:lvl7pPr marL="1300000" indent="-228600" algn="l" defTabSz="914400" rtl="0" eaLnBrk="1" latinLnBrk="0" hangingPunct="1">
-              <a:lnSpc>
-                <a:spcPct val="90000"/>
-              </a:lnSpc>
-              <a:spcBef>
-                <a:spcPts val="200"/>
-              </a:spcBef>
-              <a:spcAft>
-                <a:spcPts val="400"/>
-              </a:spcAft>
-              <a:buClr>
-                <a:schemeClr val="accent1"/>
-              </a:buClr>
-              <a:buFont typeface="Calibri" pitchFamily="34" charset="0"/>
-              <a:buChar char="◦"/>
-              <a:defRPr sz="1400" kern="1200">
-                <a:solidFill>
-                  <a:schemeClr val="tx1">
-                    <a:lumMod val="75000"/>
-                    <a:lumOff val="25000"/>
-                  </a:schemeClr>
-                </a:solidFill>
-                <a:latin typeface="+mn-lt"/>
-                <a:ea typeface="+mn-ea"/>
-                <a:cs typeface="+mn-cs"/>
-              </a:defRPr>
-            </a:lvl7pPr>
-            <a:lvl8pPr marL="1500000" indent="-228600" algn="l" defTabSz="914400" rtl="0" eaLnBrk="1" latinLnBrk="0" hangingPunct="1">
-              <a:lnSpc>
-                <a:spcPct val="90000"/>
-              </a:lnSpc>
-              <a:spcBef>
-                <a:spcPts val="200"/>
-              </a:spcBef>
-              <a:spcAft>
-                <a:spcPts val="400"/>
-              </a:spcAft>
-              <a:buClr>
-                <a:schemeClr val="accent1"/>
-              </a:buClr>
-              <a:buFont typeface="Calibri" pitchFamily="34" charset="0"/>
-              <a:buChar char="◦"/>
-              <a:defRPr sz="1400" kern="1200">
-                <a:solidFill>
-                  <a:schemeClr val="tx1">
-                    <a:lumMod val="75000"/>
-                    <a:lumOff val="25000"/>
-                  </a:schemeClr>
-                </a:solidFill>
-                <a:latin typeface="+mn-lt"/>
-                <a:ea typeface="+mn-ea"/>
-                <a:cs typeface="+mn-cs"/>
-              </a:defRPr>
-            </a:lvl8pPr>
-            <a:lvl9pPr marL="1700000" indent="-228600" algn="l" defTabSz="914400" rtl="0" eaLnBrk="1" latinLnBrk="0" hangingPunct="1">
-              <a:lnSpc>
-                <a:spcPct val="90000"/>
-              </a:lnSpc>
-              <a:spcBef>
-                <a:spcPts val="200"/>
-              </a:spcBef>
-              <a:spcAft>
-                <a:spcPts val="400"/>
-              </a:spcAft>
-              <a:buClr>
-                <a:schemeClr val="accent1"/>
-              </a:buClr>
-              <a:buFont typeface="Calibri" pitchFamily="34" charset="0"/>
-              <a:buChar char="◦"/>
-              <a:defRPr sz="1400" kern="1200">
-                <a:solidFill>
-                  <a:schemeClr val="tx1">
-                    <a:lumMod val="75000"/>
-                    <a:lumOff val="25000"/>
-                  </a:schemeClr>
-                </a:solidFill>
-                <a:latin typeface="+mn-lt"/>
-                <a:ea typeface="+mn-ea"/>
-                <a:cs typeface="+mn-cs"/>
-              </a:defRPr>
-            </a:lvl9pPr>
-          </a:lstStyle>
-          <a:p>
-            <a:pPr lvl="1">
-              <a:buFont typeface="Wingdings" panose="05000000000000000000" pitchFamily="2" charset="2"/>
-              <a:buChar char="§"/>
-            </a:pPr>
-            <a:r>
-              <a:rPr lang="nl-BE" sz="2000" dirty="0">
-                <a:solidFill>
-                  <a:schemeClr val="tx1"/>
-                </a:solidFill>
-              </a:rPr>
-              <a:t> Geregistreerde gebruikers</a:t>
+              <a:t>Web API controllers</a:t>
             </a:r>
           </a:p>
           <a:p>
@@ -9996,781 +8568,7 @@
                   <a:schemeClr val="tx1"/>
                 </a:solidFill>
               </a:rPr>
-              <a:t> Authenticatie</a:t>
-            </a:r>
-          </a:p>
-        </p:txBody>
-      </p:sp>
-      <p:pic>
-        <p:nvPicPr>
-          <p:cNvPr id="7" name="Afbeelding 6" descr="Afbeelding met schermafbeelding&#10;&#10;Automatisch gegenereerde beschrijving">
-            <a:extLst>
-              <a:ext uri="{FF2B5EF4-FFF2-40B4-BE49-F238E27FC236}">
-                <a16:creationId xmlns:a16="http://schemas.microsoft.com/office/drawing/2014/main" id="{721C80B3-2877-4689-BE20-56A4164FB062}"/>
-              </a:ext>
-            </a:extLst>
-          </p:cNvPr>
-          <p:cNvPicPr>
-            <a:picLocks noChangeAspect="1"/>
-          </p:cNvPicPr>
-          <p:nvPr/>
-        </p:nvPicPr>
-        <p:blipFill>
-          <a:blip r:embed="rId2">
-            <a:extLst>
-              <a:ext uri="{28A0092B-C50C-407E-A947-70E740481C1C}">
-                <a14:useLocalDpi xmlns:a14="http://schemas.microsoft.com/office/drawing/2010/main" val="0"/>
-              </a:ext>
-            </a:extLst>
-          </a:blip>
-          <a:stretch>
-            <a:fillRect/>
-          </a:stretch>
-        </p:blipFill>
-        <p:spPr>
-          <a:xfrm>
-            <a:off x="6716992" y="1247782"/>
-            <a:ext cx="3998355" cy="4961223"/>
-          </a:xfrm>
-          <a:prstGeom prst="rect">
-            <a:avLst/>
-          </a:prstGeom>
-        </p:spPr>
-      </p:pic>
-    </p:spTree>
-    <p:extLst>
-      <p:ext uri="{BB962C8B-B14F-4D97-AF65-F5344CB8AC3E}">
-        <p14:creationId xmlns:p14="http://schemas.microsoft.com/office/powerpoint/2010/main" val="2587769340"/>
-      </p:ext>
-    </p:extLst>
-  </p:cSld>
-  <p:clrMapOvr>
-    <a:masterClrMapping/>
-  </p:clrMapOvr>
-  <p:timing>
-    <p:tnLst>
-      <p:par>
-        <p:cTn id="1" dur="indefinite" restart="never" nodeType="tmRoot">
-          <p:childTnLst>
-            <p:seq concurrent="1" nextAc="seek">
-              <p:cTn id="2" dur="indefinite" nodeType="mainSeq">
-                <p:childTnLst>
-                  <p:par>
-                    <p:cTn id="3" fill="hold">
-                      <p:stCondLst>
-                        <p:cond delay="indefinite"/>
-                      </p:stCondLst>
-                      <p:childTnLst>
-                        <p:par>
-                          <p:cTn id="4" fill="hold">
-                            <p:stCondLst>
-                              <p:cond delay="0"/>
-                            </p:stCondLst>
-                            <p:childTnLst>
-                              <p:par>
-                                <p:cTn id="5" presetID="10" presetClass="entr" presetSubtype="0" fill="hold" nodeType="clickEffect">
-                                  <p:stCondLst>
-                                    <p:cond delay="0"/>
-                                  </p:stCondLst>
-                                  <p:childTnLst>
-                                    <p:set>
-                                      <p:cBhvr>
-                                        <p:cTn id="6" dur="1" fill="hold">
-                                          <p:stCondLst>
-                                            <p:cond delay="0"/>
-                                          </p:stCondLst>
-                                        </p:cTn>
-                                        <p:tgtEl>
-                                          <p:spTgt spid="8">
-                                            <p:txEl>
-                                              <p:pRg st="0" end="0"/>
-                                            </p:txEl>
-                                          </p:spTgt>
-                                        </p:tgtEl>
-                                        <p:attrNameLst>
-                                          <p:attrName>style.visibility</p:attrName>
-                                        </p:attrNameLst>
-                                      </p:cBhvr>
-                                      <p:to>
-                                        <p:strVal val="visible"/>
-                                      </p:to>
-                                    </p:set>
-                                    <p:animEffect transition="in" filter="fade">
-                                      <p:cBhvr>
-                                        <p:cTn id="7" dur="500"/>
-                                        <p:tgtEl>
-                                          <p:spTgt spid="8">
-                                            <p:txEl>
-                                              <p:pRg st="0" end="0"/>
-                                            </p:txEl>
-                                          </p:spTgt>
-                                        </p:tgtEl>
-                                      </p:cBhvr>
-                                    </p:animEffect>
-                                  </p:childTnLst>
-                                </p:cTn>
-                              </p:par>
-                            </p:childTnLst>
-                          </p:cTn>
-                        </p:par>
-                      </p:childTnLst>
-                    </p:cTn>
-                  </p:par>
-                  <p:par>
-                    <p:cTn id="8" fill="hold">
-                      <p:stCondLst>
-                        <p:cond delay="indefinite"/>
-                      </p:stCondLst>
-                      <p:childTnLst>
-                        <p:par>
-                          <p:cTn id="9" fill="hold">
-                            <p:stCondLst>
-                              <p:cond delay="0"/>
-                            </p:stCondLst>
-                            <p:childTnLst>
-                              <p:par>
-                                <p:cTn id="10" presetID="10" presetClass="entr" presetSubtype="0" fill="hold" nodeType="clickEffect">
-                                  <p:stCondLst>
-                                    <p:cond delay="0"/>
-                                  </p:stCondLst>
-                                  <p:childTnLst>
-                                    <p:set>
-                                      <p:cBhvr>
-                                        <p:cTn id="11" dur="1" fill="hold">
-                                          <p:stCondLst>
-                                            <p:cond delay="0"/>
-                                          </p:stCondLst>
-                                        </p:cTn>
-                                        <p:tgtEl>
-                                          <p:spTgt spid="8">
-                                            <p:txEl>
-                                              <p:pRg st="2" end="2"/>
-                                            </p:txEl>
-                                          </p:spTgt>
-                                        </p:tgtEl>
-                                        <p:attrNameLst>
-                                          <p:attrName>style.visibility</p:attrName>
-                                        </p:attrNameLst>
-                                      </p:cBhvr>
-                                      <p:to>
-                                        <p:strVal val="visible"/>
-                                      </p:to>
-                                    </p:set>
-                                    <p:animEffect transition="in" filter="fade">
-                                      <p:cBhvr>
-                                        <p:cTn id="12" dur="500"/>
-                                        <p:tgtEl>
-                                          <p:spTgt spid="8">
-                                            <p:txEl>
-                                              <p:pRg st="2" end="2"/>
-                                            </p:txEl>
-                                          </p:spTgt>
-                                        </p:tgtEl>
-                                      </p:cBhvr>
-                                    </p:animEffect>
-                                  </p:childTnLst>
-                                </p:cTn>
-                              </p:par>
-                            </p:childTnLst>
-                          </p:cTn>
-                        </p:par>
-                      </p:childTnLst>
-                    </p:cTn>
-                  </p:par>
-                </p:childTnLst>
-              </p:cTn>
-              <p:prevCondLst>
-                <p:cond evt="onPrev" delay="0">
-                  <p:tgtEl>
-                    <p:sldTgt/>
-                  </p:tgtEl>
-                </p:cond>
-              </p:prevCondLst>
-              <p:nextCondLst>
-                <p:cond evt="onNext" delay="0">
-                  <p:tgtEl>
-                    <p:sldTgt/>
-                  </p:tgtEl>
-                </p:cond>
-              </p:nextCondLst>
-            </p:seq>
-          </p:childTnLst>
-        </p:cTn>
-      </p:par>
-    </p:tnLst>
-  </p:timing>
-</p:sld>
-</file>
-
-<file path=ppt/slides/slide17.xml><?xml version="1.0" encoding="utf-8"?>
-<p:sld xmlns:a="http://schemas.openxmlformats.org/drawingml/2006/main" xmlns:r="http://schemas.openxmlformats.org/officeDocument/2006/relationships" xmlns:p="http://schemas.openxmlformats.org/presentationml/2006/main">
-  <p:cSld>
-    <p:spTree>
-      <p:nvGrpSpPr>
-        <p:cNvPr id="1" name=""/>
-        <p:cNvGrpSpPr/>
-        <p:nvPr/>
-      </p:nvGrpSpPr>
-      <p:grpSpPr>
-        <a:xfrm>
-          <a:off x="0" y="0"/>
-          <a:ext cx="0" cy="0"/>
-          <a:chOff x="0" y="0"/>
-          <a:chExt cx="0" cy="0"/>
-        </a:xfrm>
-      </p:grpSpPr>
-      <p:sp>
-        <p:nvSpPr>
-          <p:cNvPr id="4" name="Tijdelijke aanduiding voor datum 3"/>
-          <p:cNvSpPr>
-            <a:spLocks noGrp="1"/>
-          </p:cNvSpPr>
-          <p:nvPr>
-            <p:ph type="dt" sz="half" idx="10"/>
-          </p:nvPr>
-        </p:nvSpPr>
-        <p:spPr>
-          <a:xfrm>
-            <a:off x="313508" y="6459783"/>
-            <a:ext cx="2472271" cy="365125"/>
-          </a:xfrm>
-        </p:spPr>
-        <p:txBody>
-          <a:bodyPr/>
-          <a:lstStyle/>
-          <a:p>
-            <a:r>
-              <a:rPr lang="nl-BE" sz="1400" dirty="0"/>
-              <a:t>Niels Hauttekeete</a:t>
-            </a:r>
-            <a:endParaRPr lang="nl-BE" sz="800" dirty="0"/>
-          </a:p>
-        </p:txBody>
-      </p:sp>
-      <p:sp>
-        <p:nvSpPr>
-          <p:cNvPr id="5" name="Tijdelijke aanduiding voor voettekst 4"/>
-          <p:cNvSpPr>
-            <a:spLocks noGrp="1"/>
-          </p:cNvSpPr>
-          <p:nvPr>
-            <p:ph type="ftr" sz="quarter" idx="11"/>
-          </p:nvPr>
-        </p:nvSpPr>
-        <p:spPr>
-          <a:xfrm>
-            <a:off x="2191294" y="6459784"/>
-            <a:ext cx="7870372" cy="365125"/>
-          </a:xfrm>
-        </p:spPr>
-        <p:txBody>
-          <a:bodyPr/>
-          <a:lstStyle/>
-          <a:p>
-            <a:r>
-              <a:rPr lang="en-GB" sz="1400" cap="none" dirty="0"/>
-              <a:t>Deployment diagram –</a:t>
-            </a:r>
-            <a:r>
-              <a:rPr lang="en-GB" sz="1600" b="1" cap="none" dirty="0"/>
-              <a:t> </a:t>
-            </a:r>
-            <a:r>
-              <a:rPr lang="en-GB" sz="1400" cap="none" dirty="0"/>
-              <a:t>Databank</a:t>
-            </a:r>
-            <a:r>
-              <a:rPr lang="en-GB" sz="1600" b="1" cap="none" dirty="0"/>
-              <a:t> </a:t>
-            </a:r>
-            <a:r>
-              <a:rPr lang="en-GB" sz="1400" cap="none" dirty="0"/>
-              <a:t>– ASP.NET MVC – </a:t>
-            </a:r>
-            <a:r>
-              <a:rPr lang="en-GB" sz="1600" b="1" cap="none" dirty="0" err="1"/>
-              <a:t>Inlogsysteem</a:t>
-            </a:r>
-            <a:r>
-              <a:rPr lang="en-GB" sz="1400" cap="none" dirty="0"/>
-              <a:t> – Future work</a:t>
-            </a:r>
-            <a:endParaRPr lang="nl-BE" sz="1400" cap="none" dirty="0"/>
-          </a:p>
-        </p:txBody>
-      </p:sp>
-      <p:sp>
-        <p:nvSpPr>
-          <p:cNvPr id="6" name="Tijdelijke aanduiding voor dianummer 5"/>
-          <p:cNvSpPr>
-            <a:spLocks noGrp="1"/>
-          </p:cNvSpPr>
-          <p:nvPr>
-            <p:ph type="sldNum" sz="quarter" idx="12"/>
-          </p:nvPr>
-        </p:nvSpPr>
-        <p:spPr>
-          <a:xfrm>
-            <a:off x="10613571" y="6459785"/>
-            <a:ext cx="598912" cy="365125"/>
-          </a:xfrm>
-        </p:spPr>
-        <p:txBody>
-          <a:bodyPr/>
-          <a:lstStyle/>
-          <a:p>
-            <a:fld id="{535572C1-3FAA-4346-9330-03EF25016D70}" type="slidenum">
-              <a:rPr lang="nl-BE" sz="1600" smtClean="0"/>
-              <a:t>17</a:t>
-            </a:fld>
-            <a:endParaRPr lang="nl-BE" sz="1600" dirty="0"/>
-          </a:p>
-        </p:txBody>
-      </p:sp>
-      <p:cxnSp>
-        <p:nvCxnSpPr>
-          <p:cNvPr id="10" name="Rechte verbindingslijn 9"/>
-          <p:cNvCxnSpPr/>
-          <p:nvPr/>
-        </p:nvCxnSpPr>
-        <p:spPr>
-          <a:xfrm>
-            <a:off x="1097280" y="1045030"/>
-            <a:ext cx="10210256" cy="0"/>
-          </a:xfrm>
-          <a:prstGeom prst="line">
-            <a:avLst/>
-          </a:prstGeom>
-          <a:ln>
-            <a:solidFill>
-              <a:schemeClr val="bg1">
-                <a:lumMod val="65000"/>
-              </a:schemeClr>
-            </a:solidFill>
-          </a:ln>
-        </p:spPr>
-        <p:style>
-          <a:lnRef idx="1">
-            <a:schemeClr val="accent1"/>
-          </a:lnRef>
-          <a:fillRef idx="0">
-            <a:schemeClr val="accent1"/>
-          </a:fillRef>
-          <a:effectRef idx="0">
-            <a:schemeClr val="accent1"/>
-          </a:effectRef>
-          <a:fontRef idx="minor">
-            <a:schemeClr val="tx1"/>
-          </a:fontRef>
-        </p:style>
-      </p:cxnSp>
-      <p:sp>
-        <p:nvSpPr>
-          <p:cNvPr id="11" name="Titel 1"/>
-          <p:cNvSpPr txBox="1">
-            <a:spLocks/>
-          </p:cNvSpPr>
-          <p:nvPr/>
-        </p:nvSpPr>
-        <p:spPr>
-          <a:xfrm>
-            <a:off x="1097280" y="286604"/>
-            <a:ext cx="10058400" cy="758426"/>
-          </a:xfrm>
-          <a:prstGeom prst="rect">
-            <a:avLst/>
-          </a:prstGeom>
-        </p:spPr>
-        <p:txBody>
-          <a:bodyPr anchor="ctr"/>
-          <a:lstStyle>
-            <a:lvl1pPr algn="l" defTabSz="914400" rtl="0" eaLnBrk="1" latinLnBrk="0" hangingPunct="1">
-              <a:lnSpc>
-                <a:spcPct val="85000"/>
-              </a:lnSpc>
-              <a:spcBef>
-                <a:spcPct val="0"/>
-              </a:spcBef>
-              <a:buNone/>
-              <a:defRPr sz="4800" kern="1200" spc="-50" baseline="0">
-                <a:solidFill>
-                  <a:schemeClr val="tx1">
-                    <a:lumMod val="75000"/>
-                    <a:lumOff val="25000"/>
-                  </a:schemeClr>
-                </a:solidFill>
-                <a:latin typeface="+mj-lt"/>
-                <a:ea typeface="+mj-ea"/>
-                <a:cs typeface="+mj-cs"/>
-              </a:defRPr>
-            </a:lvl1pPr>
-          </a:lstStyle>
-          <a:p>
-            <a:r>
-              <a:rPr lang="en-GB" dirty="0" err="1">
-                <a:solidFill>
-                  <a:schemeClr val="tx1"/>
-                </a:solidFill>
-              </a:rPr>
-              <a:t>AspNetRoles</a:t>
-            </a:r>
-            <a:r>
-              <a:rPr lang="en-GB" dirty="0">
-                <a:solidFill>
-                  <a:schemeClr val="tx1"/>
-                </a:solidFill>
-              </a:rPr>
-              <a:t> </a:t>
-            </a:r>
-            <a:r>
-              <a:rPr lang="en-GB" dirty="0" err="1">
-                <a:solidFill>
-                  <a:schemeClr val="tx1"/>
-                </a:solidFill>
-              </a:rPr>
-              <a:t>en</a:t>
-            </a:r>
-            <a:r>
-              <a:rPr lang="en-GB" dirty="0">
-                <a:solidFill>
-                  <a:schemeClr val="tx1"/>
-                </a:solidFill>
-              </a:rPr>
-              <a:t> </a:t>
-            </a:r>
-            <a:r>
-              <a:rPr lang="en-GB" dirty="0" err="1">
-                <a:solidFill>
-                  <a:schemeClr val="tx1"/>
-                </a:solidFill>
-              </a:rPr>
-              <a:t>AspNetUserRoles</a:t>
-            </a:r>
-            <a:endParaRPr lang="nl-BE" dirty="0">
-              <a:solidFill>
-                <a:schemeClr val="tx1"/>
-              </a:solidFill>
-            </a:endParaRPr>
-          </a:p>
-        </p:txBody>
-      </p:sp>
-      <p:sp>
-        <p:nvSpPr>
-          <p:cNvPr id="8" name="Tijdelijke aanduiding voor inhoud 2">
-            <a:extLst>
-              <a:ext uri="{FF2B5EF4-FFF2-40B4-BE49-F238E27FC236}">
-                <a16:creationId xmlns:a16="http://schemas.microsoft.com/office/drawing/2014/main" id="{6F369E50-FD53-4A8F-BEB4-927F2DB729E9}"/>
-              </a:ext>
-            </a:extLst>
-          </p:cNvPr>
-          <p:cNvSpPr txBox="1">
-            <a:spLocks/>
-          </p:cNvSpPr>
-          <p:nvPr/>
-        </p:nvSpPr>
-        <p:spPr>
-          <a:xfrm>
-            <a:off x="965943" y="1528153"/>
-            <a:ext cx="6601047" cy="4448507"/>
-          </a:xfrm>
-          <a:prstGeom prst="rect">
-            <a:avLst/>
-          </a:prstGeom>
-        </p:spPr>
-        <p:txBody>
-          <a:bodyPr>
-            <a:normAutofit/>
-          </a:bodyPr>
-          <a:lstStyle>
-            <a:lvl1pPr marL="91440" indent="-91440" algn="l" defTabSz="914400" rtl="0" eaLnBrk="1" latinLnBrk="0" hangingPunct="1">
-              <a:lnSpc>
-                <a:spcPct val="90000"/>
-              </a:lnSpc>
-              <a:spcBef>
-                <a:spcPts val="1200"/>
-              </a:spcBef>
-              <a:spcAft>
-                <a:spcPts val="200"/>
-              </a:spcAft>
-              <a:buClr>
-                <a:schemeClr val="accent1"/>
-              </a:buClr>
-              <a:buSzPct val="100000"/>
-              <a:buFont typeface="Calibri" panose="020F0502020204030204" pitchFamily="34" charset="0"/>
-              <a:buChar char=" "/>
-              <a:defRPr sz="2000" kern="1200">
-                <a:solidFill>
-                  <a:schemeClr val="tx1">
-                    <a:lumMod val="75000"/>
-                    <a:lumOff val="25000"/>
-                  </a:schemeClr>
-                </a:solidFill>
-                <a:latin typeface="+mn-lt"/>
-                <a:ea typeface="+mn-ea"/>
-                <a:cs typeface="+mn-cs"/>
-              </a:defRPr>
-            </a:lvl1pPr>
-            <a:lvl2pPr marL="384048" indent="-182880" algn="l" defTabSz="914400" rtl="0" eaLnBrk="1" latinLnBrk="0" hangingPunct="1">
-              <a:lnSpc>
-                <a:spcPct val="90000"/>
-              </a:lnSpc>
-              <a:spcBef>
-                <a:spcPts val="200"/>
-              </a:spcBef>
-              <a:spcAft>
-                <a:spcPts val="400"/>
-              </a:spcAft>
-              <a:buClr>
-                <a:schemeClr val="accent1"/>
-              </a:buClr>
-              <a:buFont typeface="Calibri" pitchFamily="34" charset="0"/>
-              <a:buChar char="◦"/>
-              <a:defRPr sz="1800" kern="1200">
-                <a:solidFill>
-                  <a:schemeClr val="tx1">
-                    <a:lumMod val="75000"/>
-                    <a:lumOff val="25000"/>
-                  </a:schemeClr>
-                </a:solidFill>
-                <a:latin typeface="+mn-lt"/>
-                <a:ea typeface="+mn-ea"/>
-                <a:cs typeface="+mn-cs"/>
-              </a:defRPr>
-            </a:lvl2pPr>
-            <a:lvl3pPr marL="566928" indent="-182880" algn="l" defTabSz="914400" rtl="0" eaLnBrk="1" latinLnBrk="0" hangingPunct="1">
-              <a:lnSpc>
-                <a:spcPct val="90000"/>
-              </a:lnSpc>
-              <a:spcBef>
-                <a:spcPts val="200"/>
-              </a:spcBef>
-              <a:spcAft>
-                <a:spcPts val="400"/>
-              </a:spcAft>
-              <a:buClr>
-                <a:schemeClr val="accent1"/>
-              </a:buClr>
-              <a:buFont typeface="Calibri" pitchFamily="34" charset="0"/>
-              <a:buChar char="◦"/>
-              <a:defRPr sz="1400" kern="1200">
-                <a:solidFill>
-                  <a:schemeClr val="tx1">
-                    <a:lumMod val="75000"/>
-                    <a:lumOff val="25000"/>
-                  </a:schemeClr>
-                </a:solidFill>
-                <a:latin typeface="+mn-lt"/>
-                <a:ea typeface="+mn-ea"/>
-                <a:cs typeface="+mn-cs"/>
-              </a:defRPr>
-            </a:lvl3pPr>
-            <a:lvl4pPr marL="749808" indent="-182880" algn="l" defTabSz="914400" rtl="0" eaLnBrk="1" latinLnBrk="0" hangingPunct="1">
-              <a:lnSpc>
-                <a:spcPct val="90000"/>
-              </a:lnSpc>
-              <a:spcBef>
-                <a:spcPts val="200"/>
-              </a:spcBef>
-              <a:spcAft>
-                <a:spcPts val="400"/>
-              </a:spcAft>
-              <a:buClr>
-                <a:schemeClr val="accent1"/>
-              </a:buClr>
-              <a:buFont typeface="Calibri" pitchFamily="34" charset="0"/>
-              <a:buChar char="◦"/>
-              <a:defRPr sz="1400" kern="1200">
-                <a:solidFill>
-                  <a:schemeClr val="tx1">
-                    <a:lumMod val="75000"/>
-                    <a:lumOff val="25000"/>
-                  </a:schemeClr>
-                </a:solidFill>
-                <a:latin typeface="+mn-lt"/>
-                <a:ea typeface="+mn-ea"/>
-                <a:cs typeface="+mn-cs"/>
-              </a:defRPr>
-            </a:lvl4pPr>
-            <a:lvl5pPr marL="932688" indent="-182880" algn="l" defTabSz="914400" rtl="0" eaLnBrk="1" latinLnBrk="0" hangingPunct="1">
-              <a:lnSpc>
-                <a:spcPct val="90000"/>
-              </a:lnSpc>
-              <a:spcBef>
-                <a:spcPts val="200"/>
-              </a:spcBef>
-              <a:spcAft>
-                <a:spcPts val="400"/>
-              </a:spcAft>
-              <a:buClr>
-                <a:schemeClr val="accent1"/>
-              </a:buClr>
-              <a:buFont typeface="Calibri" pitchFamily="34" charset="0"/>
-              <a:buChar char="◦"/>
-              <a:defRPr sz="1400" kern="1200">
-                <a:solidFill>
-                  <a:schemeClr val="tx1">
-                    <a:lumMod val="75000"/>
-                    <a:lumOff val="25000"/>
-                  </a:schemeClr>
-                </a:solidFill>
-                <a:latin typeface="+mn-lt"/>
-                <a:ea typeface="+mn-ea"/>
-                <a:cs typeface="+mn-cs"/>
-              </a:defRPr>
-            </a:lvl5pPr>
-            <a:lvl6pPr marL="1100000" indent="-228600" algn="l" defTabSz="914400" rtl="0" eaLnBrk="1" latinLnBrk="0" hangingPunct="1">
-              <a:lnSpc>
-                <a:spcPct val="90000"/>
-              </a:lnSpc>
-              <a:spcBef>
-                <a:spcPts val="200"/>
-              </a:spcBef>
-              <a:spcAft>
-                <a:spcPts val="400"/>
-              </a:spcAft>
-              <a:buClr>
-                <a:schemeClr val="accent1"/>
-              </a:buClr>
-              <a:buFont typeface="Calibri" pitchFamily="34" charset="0"/>
-              <a:buChar char="◦"/>
-              <a:defRPr sz="1400" kern="1200">
-                <a:solidFill>
-                  <a:schemeClr val="tx1">
-                    <a:lumMod val="75000"/>
-                    <a:lumOff val="25000"/>
-                  </a:schemeClr>
-                </a:solidFill>
-                <a:latin typeface="+mn-lt"/>
-                <a:ea typeface="+mn-ea"/>
-                <a:cs typeface="+mn-cs"/>
-              </a:defRPr>
-            </a:lvl6pPr>
-            <a:lvl7pPr marL="1300000" indent="-228600" algn="l" defTabSz="914400" rtl="0" eaLnBrk="1" latinLnBrk="0" hangingPunct="1">
-              <a:lnSpc>
-                <a:spcPct val="90000"/>
-              </a:lnSpc>
-              <a:spcBef>
-                <a:spcPts val="200"/>
-              </a:spcBef>
-              <a:spcAft>
-                <a:spcPts val="400"/>
-              </a:spcAft>
-              <a:buClr>
-                <a:schemeClr val="accent1"/>
-              </a:buClr>
-              <a:buFont typeface="Calibri" pitchFamily="34" charset="0"/>
-              <a:buChar char="◦"/>
-              <a:defRPr sz="1400" kern="1200">
-                <a:solidFill>
-                  <a:schemeClr val="tx1">
-                    <a:lumMod val="75000"/>
-                    <a:lumOff val="25000"/>
-                  </a:schemeClr>
-                </a:solidFill>
-                <a:latin typeface="+mn-lt"/>
-                <a:ea typeface="+mn-ea"/>
-                <a:cs typeface="+mn-cs"/>
-              </a:defRPr>
-            </a:lvl7pPr>
-            <a:lvl8pPr marL="1500000" indent="-228600" algn="l" defTabSz="914400" rtl="0" eaLnBrk="1" latinLnBrk="0" hangingPunct="1">
-              <a:lnSpc>
-                <a:spcPct val="90000"/>
-              </a:lnSpc>
-              <a:spcBef>
-                <a:spcPts val="200"/>
-              </a:spcBef>
-              <a:spcAft>
-                <a:spcPts val="400"/>
-              </a:spcAft>
-              <a:buClr>
-                <a:schemeClr val="accent1"/>
-              </a:buClr>
-              <a:buFont typeface="Calibri" pitchFamily="34" charset="0"/>
-              <a:buChar char="◦"/>
-              <a:defRPr sz="1400" kern="1200">
-                <a:solidFill>
-                  <a:schemeClr val="tx1">
-                    <a:lumMod val="75000"/>
-                    <a:lumOff val="25000"/>
-                  </a:schemeClr>
-                </a:solidFill>
-                <a:latin typeface="+mn-lt"/>
-                <a:ea typeface="+mn-ea"/>
-                <a:cs typeface="+mn-cs"/>
-              </a:defRPr>
-            </a:lvl8pPr>
-            <a:lvl9pPr marL="1700000" indent="-228600" algn="l" defTabSz="914400" rtl="0" eaLnBrk="1" latinLnBrk="0" hangingPunct="1">
-              <a:lnSpc>
-                <a:spcPct val="90000"/>
-              </a:lnSpc>
-              <a:spcBef>
-                <a:spcPts val="200"/>
-              </a:spcBef>
-              <a:spcAft>
-                <a:spcPts val="400"/>
-              </a:spcAft>
-              <a:buClr>
-                <a:schemeClr val="accent1"/>
-              </a:buClr>
-              <a:buFont typeface="Calibri" pitchFamily="34" charset="0"/>
-              <a:buChar char="◦"/>
-              <a:defRPr sz="1400" kern="1200">
-                <a:solidFill>
-                  <a:schemeClr val="tx1">
-                    <a:lumMod val="75000"/>
-                    <a:lumOff val="25000"/>
-                  </a:schemeClr>
-                </a:solidFill>
-                <a:latin typeface="+mn-lt"/>
-                <a:ea typeface="+mn-ea"/>
-                <a:cs typeface="+mn-cs"/>
-              </a:defRPr>
-            </a:lvl9pPr>
-          </a:lstStyle>
-          <a:p>
-            <a:pPr lvl="1">
-              <a:buFont typeface="Wingdings" panose="05000000000000000000" pitchFamily="2" charset="2"/>
-              <a:buChar char="§"/>
-            </a:pPr>
-            <a:r>
-              <a:rPr lang="nl-BE" sz="2000" dirty="0">
-                <a:solidFill>
-                  <a:schemeClr val="tx1"/>
-                </a:solidFill>
-              </a:rPr>
-              <a:t> </a:t>
-            </a:r>
-            <a:r>
-              <a:rPr lang="nl-BE" sz="2000" i="1" dirty="0">
-                <a:solidFill>
-                  <a:schemeClr val="tx1"/>
-                </a:solidFill>
-              </a:rPr>
-              <a:t>User</a:t>
-            </a:r>
-            <a:r>
-              <a:rPr lang="nl-BE" sz="2000" dirty="0">
-                <a:solidFill>
-                  <a:schemeClr val="tx1"/>
-                </a:solidFill>
-              </a:rPr>
-              <a:t> en </a:t>
-            </a:r>
-            <a:r>
-              <a:rPr lang="nl-BE" sz="2000" i="1" dirty="0" err="1">
-                <a:solidFill>
-                  <a:schemeClr val="tx1"/>
-                </a:solidFill>
-              </a:rPr>
-              <a:t>Admin</a:t>
-            </a:r>
-            <a:r>
-              <a:rPr lang="nl-BE" sz="2000" dirty="0">
-                <a:solidFill>
-                  <a:schemeClr val="tx1"/>
-                </a:solidFill>
-              </a:rPr>
-              <a:t> rol</a:t>
+              <a:t>JSON object</a:t>
             </a:r>
           </a:p>
           <a:p>
@@ -10795,755 +8593,7 @@
                   <a:schemeClr val="tx1"/>
                 </a:solidFill>
               </a:rPr>
-              <a:t> Autorisatie</a:t>
-            </a:r>
-          </a:p>
-          <a:p>
-            <a:pPr marL="201168" lvl="1" indent="0">
-              <a:buNone/>
-            </a:pPr>
-            <a:endParaRPr lang="nl-BE" sz="2000" dirty="0"/>
-          </a:p>
-        </p:txBody>
-      </p:sp>
-      <p:pic>
-        <p:nvPicPr>
-          <p:cNvPr id="3" name="Afbeelding 2" descr="Afbeelding met schermafbeelding&#10;&#10;Automatisch gegenereerde beschrijving">
-            <a:extLst>
-              <a:ext uri="{FF2B5EF4-FFF2-40B4-BE49-F238E27FC236}">
-                <a16:creationId xmlns:a16="http://schemas.microsoft.com/office/drawing/2014/main" id="{98794EA9-A2F6-4294-8ADF-7DFB86D29D1F}"/>
-              </a:ext>
-            </a:extLst>
-          </p:cNvPr>
-          <p:cNvPicPr>
-            <a:picLocks noChangeAspect="1"/>
-          </p:cNvPicPr>
-          <p:nvPr/>
-        </p:nvPicPr>
-        <p:blipFill>
-          <a:blip r:embed="rId2">
-            <a:extLst>
-              <a:ext uri="{28A0092B-C50C-407E-A947-70E740481C1C}">
-                <a14:useLocalDpi xmlns:a14="http://schemas.microsoft.com/office/drawing/2010/main" val="0"/>
-              </a:ext>
-            </a:extLst>
-          </a:blip>
-          <a:stretch>
-            <a:fillRect/>
-          </a:stretch>
-        </p:blipFill>
-        <p:spPr>
-          <a:xfrm>
-            <a:off x="6126480" y="1444300"/>
-            <a:ext cx="4433041" cy="4270660"/>
-          </a:xfrm>
-          <a:prstGeom prst="rect">
-            <a:avLst/>
-          </a:prstGeom>
-        </p:spPr>
-      </p:pic>
-    </p:spTree>
-    <p:extLst>
-      <p:ext uri="{BB962C8B-B14F-4D97-AF65-F5344CB8AC3E}">
-        <p14:creationId xmlns:p14="http://schemas.microsoft.com/office/powerpoint/2010/main" val="3674478719"/>
-      </p:ext>
-    </p:extLst>
-  </p:cSld>
-  <p:clrMapOvr>
-    <a:masterClrMapping/>
-  </p:clrMapOvr>
-  <p:timing>
-    <p:tnLst>
-      <p:par>
-        <p:cTn id="1" dur="indefinite" restart="never" nodeType="tmRoot">
-          <p:childTnLst>
-            <p:seq concurrent="1" nextAc="seek">
-              <p:cTn id="2" dur="indefinite" nodeType="mainSeq">
-                <p:childTnLst>
-                  <p:par>
-                    <p:cTn id="3" fill="hold">
-                      <p:stCondLst>
-                        <p:cond delay="indefinite"/>
-                      </p:stCondLst>
-                      <p:childTnLst>
-                        <p:par>
-                          <p:cTn id="4" fill="hold">
-                            <p:stCondLst>
-                              <p:cond delay="0"/>
-                            </p:stCondLst>
-                            <p:childTnLst>
-                              <p:par>
-                                <p:cTn id="5" presetID="10" presetClass="entr" presetSubtype="0" fill="hold" nodeType="clickEffect">
-                                  <p:stCondLst>
-                                    <p:cond delay="0"/>
-                                  </p:stCondLst>
-                                  <p:childTnLst>
-                                    <p:set>
-                                      <p:cBhvr>
-                                        <p:cTn id="6" dur="1" fill="hold">
-                                          <p:stCondLst>
-                                            <p:cond delay="0"/>
-                                          </p:stCondLst>
-                                        </p:cTn>
-                                        <p:tgtEl>
-                                          <p:spTgt spid="8">
-                                            <p:txEl>
-                                              <p:pRg st="0" end="0"/>
-                                            </p:txEl>
-                                          </p:spTgt>
-                                        </p:tgtEl>
-                                        <p:attrNameLst>
-                                          <p:attrName>style.visibility</p:attrName>
-                                        </p:attrNameLst>
-                                      </p:cBhvr>
-                                      <p:to>
-                                        <p:strVal val="visible"/>
-                                      </p:to>
-                                    </p:set>
-                                    <p:animEffect transition="in" filter="fade">
-                                      <p:cBhvr>
-                                        <p:cTn id="7" dur="500"/>
-                                        <p:tgtEl>
-                                          <p:spTgt spid="8">
-                                            <p:txEl>
-                                              <p:pRg st="0" end="0"/>
-                                            </p:txEl>
-                                          </p:spTgt>
-                                        </p:tgtEl>
-                                      </p:cBhvr>
-                                    </p:animEffect>
-                                  </p:childTnLst>
-                                </p:cTn>
-                              </p:par>
-                            </p:childTnLst>
-                          </p:cTn>
-                        </p:par>
-                      </p:childTnLst>
-                    </p:cTn>
-                  </p:par>
-                  <p:par>
-                    <p:cTn id="8" fill="hold">
-                      <p:stCondLst>
-                        <p:cond delay="indefinite"/>
-                      </p:stCondLst>
-                      <p:childTnLst>
-                        <p:par>
-                          <p:cTn id="9" fill="hold">
-                            <p:stCondLst>
-                              <p:cond delay="0"/>
-                            </p:stCondLst>
-                            <p:childTnLst>
-                              <p:par>
-                                <p:cTn id="10" presetID="10" presetClass="entr" presetSubtype="0" fill="hold" nodeType="clickEffect">
-                                  <p:stCondLst>
-                                    <p:cond delay="0"/>
-                                  </p:stCondLst>
-                                  <p:childTnLst>
-                                    <p:set>
-                                      <p:cBhvr>
-                                        <p:cTn id="11" dur="1" fill="hold">
-                                          <p:stCondLst>
-                                            <p:cond delay="0"/>
-                                          </p:stCondLst>
-                                        </p:cTn>
-                                        <p:tgtEl>
-                                          <p:spTgt spid="8">
-                                            <p:txEl>
-                                              <p:pRg st="2" end="2"/>
-                                            </p:txEl>
-                                          </p:spTgt>
-                                        </p:tgtEl>
-                                        <p:attrNameLst>
-                                          <p:attrName>style.visibility</p:attrName>
-                                        </p:attrNameLst>
-                                      </p:cBhvr>
-                                      <p:to>
-                                        <p:strVal val="visible"/>
-                                      </p:to>
-                                    </p:set>
-                                    <p:animEffect transition="in" filter="fade">
-                                      <p:cBhvr>
-                                        <p:cTn id="12" dur="500"/>
-                                        <p:tgtEl>
-                                          <p:spTgt spid="8">
-                                            <p:txEl>
-                                              <p:pRg st="2" end="2"/>
-                                            </p:txEl>
-                                          </p:spTgt>
-                                        </p:tgtEl>
-                                      </p:cBhvr>
-                                    </p:animEffect>
-                                  </p:childTnLst>
-                                </p:cTn>
-                              </p:par>
-                            </p:childTnLst>
-                          </p:cTn>
-                        </p:par>
-                      </p:childTnLst>
-                    </p:cTn>
-                  </p:par>
-                </p:childTnLst>
-              </p:cTn>
-              <p:prevCondLst>
-                <p:cond evt="onPrev" delay="0">
-                  <p:tgtEl>
-                    <p:sldTgt/>
-                  </p:tgtEl>
-                </p:cond>
-              </p:prevCondLst>
-              <p:nextCondLst>
-                <p:cond evt="onNext" delay="0">
-                  <p:tgtEl>
-                    <p:sldTgt/>
-                  </p:tgtEl>
-                </p:cond>
-              </p:nextCondLst>
-            </p:seq>
-          </p:childTnLst>
-        </p:cTn>
-      </p:par>
-    </p:tnLst>
-  </p:timing>
-</p:sld>
-</file>
-
-<file path=ppt/slides/slide18.xml><?xml version="1.0" encoding="utf-8"?>
-<p:sld xmlns:a="http://schemas.openxmlformats.org/drawingml/2006/main" xmlns:r="http://schemas.openxmlformats.org/officeDocument/2006/relationships" xmlns:p="http://schemas.openxmlformats.org/presentationml/2006/main">
-  <p:cSld>
-    <p:spTree>
-      <p:nvGrpSpPr>
-        <p:cNvPr id="1" name=""/>
-        <p:cNvGrpSpPr/>
-        <p:nvPr/>
-      </p:nvGrpSpPr>
-      <p:grpSpPr>
-        <a:xfrm>
-          <a:off x="0" y="0"/>
-          <a:ext cx="0" cy="0"/>
-          <a:chOff x="0" y="0"/>
-          <a:chExt cx="0" cy="0"/>
-        </a:xfrm>
-      </p:grpSpPr>
-      <p:sp>
-        <p:nvSpPr>
-          <p:cNvPr id="4" name="Tijdelijke aanduiding voor datum 3"/>
-          <p:cNvSpPr>
-            <a:spLocks noGrp="1"/>
-          </p:cNvSpPr>
-          <p:nvPr>
-            <p:ph type="dt" sz="half" idx="10"/>
-          </p:nvPr>
-        </p:nvSpPr>
-        <p:spPr>
-          <a:xfrm>
-            <a:off x="313508" y="6459783"/>
-            <a:ext cx="2472271" cy="365125"/>
-          </a:xfrm>
-        </p:spPr>
-        <p:txBody>
-          <a:bodyPr/>
-          <a:lstStyle/>
-          <a:p>
-            <a:r>
-              <a:rPr lang="nl-BE" sz="1400" dirty="0"/>
-              <a:t>Niels Hauttekeete</a:t>
-            </a:r>
-            <a:endParaRPr lang="nl-BE" sz="800" dirty="0"/>
-          </a:p>
-        </p:txBody>
-      </p:sp>
-      <p:sp>
-        <p:nvSpPr>
-          <p:cNvPr id="5" name="Tijdelijke aanduiding voor voettekst 4"/>
-          <p:cNvSpPr>
-            <a:spLocks noGrp="1"/>
-          </p:cNvSpPr>
-          <p:nvPr>
-            <p:ph type="ftr" sz="quarter" idx="11"/>
-          </p:nvPr>
-        </p:nvSpPr>
-        <p:spPr>
-          <a:xfrm>
-            <a:off x="2191294" y="6459784"/>
-            <a:ext cx="7870372" cy="365125"/>
-          </a:xfrm>
-        </p:spPr>
-        <p:txBody>
-          <a:bodyPr/>
-          <a:lstStyle/>
-          <a:p>
-            <a:r>
-              <a:rPr lang="en-GB" sz="1400" cap="none" dirty="0"/>
-              <a:t>Deployment diagram –</a:t>
-            </a:r>
-            <a:r>
-              <a:rPr lang="en-GB" sz="1600" b="1" cap="none" dirty="0"/>
-              <a:t> </a:t>
-            </a:r>
-            <a:r>
-              <a:rPr lang="en-GB" sz="1400" cap="none" dirty="0"/>
-              <a:t>Databank</a:t>
-            </a:r>
-            <a:r>
-              <a:rPr lang="en-GB" sz="1600" b="1" cap="none" dirty="0"/>
-              <a:t> </a:t>
-            </a:r>
-            <a:r>
-              <a:rPr lang="en-GB" sz="1400" cap="none" dirty="0"/>
-              <a:t>– ASP.NET MVC – </a:t>
-            </a:r>
-            <a:r>
-              <a:rPr lang="en-GB" sz="1600" b="1" cap="none" dirty="0" err="1"/>
-              <a:t>Inlogsysteem</a:t>
-            </a:r>
-            <a:r>
-              <a:rPr lang="en-GB" sz="1400" cap="none" dirty="0"/>
-              <a:t> – Future work</a:t>
-            </a:r>
-            <a:endParaRPr lang="nl-BE" sz="1400" cap="none" dirty="0"/>
-          </a:p>
-        </p:txBody>
-      </p:sp>
-      <p:sp>
-        <p:nvSpPr>
-          <p:cNvPr id="6" name="Tijdelijke aanduiding voor dianummer 5"/>
-          <p:cNvSpPr>
-            <a:spLocks noGrp="1"/>
-          </p:cNvSpPr>
-          <p:nvPr>
-            <p:ph type="sldNum" sz="quarter" idx="12"/>
-          </p:nvPr>
-        </p:nvSpPr>
-        <p:spPr>
-          <a:xfrm>
-            <a:off x="10613571" y="6459785"/>
-            <a:ext cx="598912" cy="365125"/>
-          </a:xfrm>
-        </p:spPr>
-        <p:txBody>
-          <a:bodyPr/>
-          <a:lstStyle/>
-          <a:p>
-            <a:fld id="{535572C1-3FAA-4346-9330-03EF25016D70}" type="slidenum">
-              <a:rPr lang="nl-BE" sz="1600" smtClean="0"/>
-              <a:t>18</a:t>
-            </a:fld>
-            <a:endParaRPr lang="nl-BE" sz="1600" dirty="0"/>
-          </a:p>
-        </p:txBody>
-      </p:sp>
-      <p:cxnSp>
-        <p:nvCxnSpPr>
-          <p:cNvPr id="10" name="Rechte verbindingslijn 9"/>
-          <p:cNvCxnSpPr/>
-          <p:nvPr/>
-        </p:nvCxnSpPr>
-        <p:spPr>
-          <a:xfrm>
-            <a:off x="1097280" y="1045030"/>
-            <a:ext cx="10210256" cy="0"/>
-          </a:xfrm>
-          <a:prstGeom prst="line">
-            <a:avLst/>
-          </a:prstGeom>
-          <a:ln>
-            <a:solidFill>
-              <a:schemeClr val="bg1">
-                <a:lumMod val="65000"/>
-              </a:schemeClr>
-            </a:solidFill>
-          </a:ln>
-        </p:spPr>
-        <p:style>
-          <a:lnRef idx="1">
-            <a:schemeClr val="accent1"/>
-          </a:lnRef>
-          <a:fillRef idx="0">
-            <a:schemeClr val="accent1"/>
-          </a:fillRef>
-          <a:effectRef idx="0">
-            <a:schemeClr val="accent1"/>
-          </a:effectRef>
-          <a:fontRef idx="minor">
-            <a:schemeClr val="tx1"/>
-          </a:fontRef>
-        </p:style>
-      </p:cxnSp>
-      <p:sp>
-        <p:nvSpPr>
-          <p:cNvPr id="11" name="Titel 1"/>
-          <p:cNvSpPr txBox="1">
-            <a:spLocks/>
-          </p:cNvSpPr>
-          <p:nvPr/>
-        </p:nvSpPr>
-        <p:spPr>
-          <a:xfrm>
-            <a:off x="1097280" y="286604"/>
-            <a:ext cx="10058400" cy="758426"/>
-          </a:xfrm>
-          <a:prstGeom prst="rect">
-            <a:avLst/>
-          </a:prstGeom>
-        </p:spPr>
-        <p:txBody>
-          <a:bodyPr anchor="ctr"/>
-          <a:lstStyle>
-            <a:lvl1pPr algn="l" defTabSz="914400" rtl="0" eaLnBrk="1" latinLnBrk="0" hangingPunct="1">
-              <a:lnSpc>
-                <a:spcPct val="85000"/>
-              </a:lnSpc>
-              <a:spcBef>
-                <a:spcPct val="0"/>
-              </a:spcBef>
-              <a:buNone/>
-              <a:defRPr sz="4800" kern="1200" spc="-50" baseline="0">
-                <a:solidFill>
-                  <a:schemeClr val="tx1">
-                    <a:lumMod val="75000"/>
-                    <a:lumOff val="25000"/>
-                  </a:schemeClr>
-                </a:solidFill>
-                <a:latin typeface="+mj-lt"/>
-                <a:ea typeface="+mj-ea"/>
-                <a:cs typeface="+mj-cs"/>
-              </a:defRPr>
-            </a:lvl1pPr>
-          </a:lstStyle>
-          <a:p>
-            <a:r>
-              <a:rPr lang="en-GB" dirty="0" err="1">
-                <a:solidFill>
-                  <a:schemeClr val="tx1"/>
-                </a:solidFill>
-              </a:rPr>
-              <a:t>Overige</a:t>
-            </a:r>
-            <a:r>
-              <a:rPr lang="en-GB" dirty="0">
-                <a:solidFill>
-                  <a:schemeClr val="tx1"/>
-                </a:solidFill>
-              </a:rPr>
-              <a:t> </a:t>
-            </a:r>
-            <a:r>
-              <a:rPr lang="en-GB" dirty="0" err="1">
-                <a:solidFill>
-                  <a:schemeClr val="tx1"/>
-                </a:solidFill>
-              </a:rPr>
-              <a:t>tabellen</a:t>
-            </a:r>
-            <a:endParaRPr lang="nl-BE" dirty="0">
-              <a:solidFill>
-                <a:schemeClr val="tx1"/>
-              </a:solidFill>
-            </a:endParaRPr>
-          </a:p>
-        </p:txBody>
-      </p:sp>
-      <p:sp>
-        <p:nvSpPr>
-          <p:cNvPr id="8" name="Tijdelijke aanduiding voor inhoud 2">
-            <a:extLst>
-              <a:ext uri="{FF2B5EF4-FFF2-40B4-BE49-F238E27FC236}">
-                <a16:creationId xmlns:a16="http://schemas.microsoft.com/office/drawing/2014/main" id="{6F369E50-FD53-4A8F-BEB4-927F2DB729E9}"/>
-              </a:ext>
-            </a:extLst>
-          </p:cNvPr>
-          <p:cNvSpPr txBox="1">
-            <a:spLocks/>
-          </p:cNvSpPr>
-          <p:nvPr/>
-        </p:nvSpPr>
-        <p:spPr>
-          <a:xfrm>
-            <a:off x="965943" y="1528153"/>
-            <a:ext cx="6601047" cy="4448507"/>
-          </a:xfrm>
-          <a:prstGeom prst="rect">
-            <a:avLst/>
-          </a:prstGeom>
-        </p:spPr>
-        <p:txBody>
-          <a:bodyPr>
-            <a:normAutofit/>
-          </a:bodyPr>
-          <a:lstStyle>
-            <a:lvl1pPr marL="91440" indent="-91440" algn="l" defTabSz="914400" rtl="0" eaLnBrk="1" latinLnBrk="0" hangingPunct="1">
-              <a:lnSpc>
-                <a:spcPct val="90000"/>
-              </a:lnSpc>
-              <a:spcBef>
-                <a:spcPts val="1200"/>
-              </a:spcBef>
-              <a:spcAft>
-                <a:spcPts val="200"/>
-              </a:spcAft>
-              <a:buClr>
-                <a:schemeClr val="accent1"/>
-              </a:buClr>
-              <a:buSzPct val="100000"/>
-              <a:buFont typeface="Calibri" panose="020F0502020204030204" pitchFamily="34" charset="0"/>
-              <a:buChar char=" "/>
-              <a:defRPr sz="2000" kern="1200">
-                <a:solidFill>
-                  <a:schemeClr val="tx1">
-                    <a:lumMod val="75000"/>
-                    <a:lumOff val="25000"/>
-                  </a:schemeClr>
-                </a:solidFill>
-                <a:latin typeface="+mn-lt"/>
-                <a:ea typeface="+mn-ea"/>
-                <a:cs typeface="+mn-cs"/>
-              </a:defRPr>
-            </a:lvl1pPr>
-            <a:lvl2pPr marL="384048" indent="-182880" algn="l" defTabSz="914400" rtl="0" eaLnBrk="1" latinLnBrk="0" hangingPunct="1">
-              <a:lnSpc>
-                <a:spcPct val="90000"/>
-              </a:lnSpc>
-              <a:spcBef>
-                <a:spcPts val="200"/>
-              </a:spcBef>
-              <a:spcAft>
-                <a:spcPts val="400"/>
-              </a:spcAft>
-              <a:buClr>
-                <a:schemeClr val="accent1"/>
-              </a:buClr>
-              <a:buFont typeface="Calibri" pitchFamily="34" charset="0"/>
-              <a:buChar char="◦"/>
-              <a:defRPr sz="1800" kern="1200">
-                <a:solidFill>
-                  <a:schemeClr val="tx1">
-                    <a:lumMod val="75000"/>
-                    <a:lumOff val="25000"/>
-                  </a:schemeClr>
-                </a:solidFill>
-                <a:latin typeface="+mn-lt"/>
-                <a:ea typeface="+mn-ea"/>
-                <a:cs typeface="+mn-cs"/>
-              </a:defRPr>
-            </a:lvl2pPr>
-            <a:lvl3pPr marL="566928" indent="-182880" algn="l" defTabSz="914400" rtl="0" eaLnBrk="1" latinLnBrk="0" hangingPunct="1">
-              <a:lnSpc>
-                <a:spcPct val="90000"/>
-              </a:lnSpc>
-              <a:spcBef>
-                <a:spcPts val="200"/>
-              </a:spcBef>
-              <a:spcAft>
-                <a:spcPts val="400"/>
-              </a:spcAft>
-              <a:buClr>
-                <a:schemeClr val="accent1"/>
-              </a:buClr>
-              <a:buFont typeface="Calibri" pitchFamily="34" charset="0"/>
-              <a:buChar char="◦"/>
-              <a:defRPr sz="1400" kern="1200">
-                <a:solidFill>
-                  <a:schemeClr val="tx1">
-                    <a:lumMod val="75000"/>
-                    <a:lumOff val="25000"/>
-                  </a:schemeClr>
-                </a:solidFill>
-                <a:latin typeface="+mn-lt"/>
-                <a:ea typeface="+mn-ea"/>
-                <a:cs typeface="+mn-cs"/>
-              </a:defRPr>
-            </a:lvl3pPr>
-            <a:lvl4pPr marL="749808" indent="-182880" algn="l" defTabSz="914400" rtl="0" eaLnBrk="1" latinLnBrk="0" hangingPunct="1">
-              <a:lnSpc>
-                <a:spcPct val="90000"/>
-              </a:lnSpc>
-              <a:spcBef>
-                <a:spcPts val="200"/>
-              </a:spcBef>
-              <a:spcAft>
-                <a:spcPts val="400"/>
-              </a:spcAft>
-              <a:buClr>
-                <a:schemeClr val="accent1"/>
-              </a:buClr>
-              <a:buFont typeface="Calibri" pitchFamily="34" charset="0"/>
-              <a:buChar char="◦"/>
-              <a:defRPr sz="1400" kern="1200">
-                <a:solidFill>
-                  <a:schemeClr val="tx1">
-                    <a:lumMod val="75000"/>
-                    <a:lumOff val="25000"/>
-                  </a:schemeClr>
-                </a:solidFill>
-                <a:latin typeface="+mn-lt"/>
-                <a:ea typeface="+mn-ea"/>
-                <a:cs typeface="+mn-cs"/>
-              </a:defRPr>
-            </a:lvl4pPr>
-            <a:lvl5pPr marL="932688" indent="-182880" algn="l" defTabSz="914400" rtl="0" eaLnBrk="1" latinLnBrk="0" hangingPunct="1">
-              <a:lnSpc>
-                <a:spcPct val="90000"/>
-              </a:lnSpc>
-              <a:spcBef>
-                <a:spcPts val="200"/>
-              </a:spcBef>
-              <a:spcAft>
-                <a:spcPts val="400"/>
-              </a:spcAft>
-              <a:buClr>
-                <a:schemeClr val="accent1"/>
-              </a:buClr>
-              <a:buFont typeface="Calibri" pitchFamily="34" charset="0"/>
-              <a:buChar char="◦"/>
-              <a:defRPr sz="1400" kern="1200">
-                <a:solidFill>
-                  <a:schemeClr val="tx1">
-                    <a:lumMod val="75000"/>
-                    <a:lumOff val="25000"/>
-                  </a:schemeClr>
-                </a:solidFill>
-                <a:latin typeface="+mn-lt"/>
-                <a:ea typeface="+mn-ea"/>
-                <a:cs typeface="+mn-cs"/>
-              </a:defRPr>
-            </a:lvl5pPr>
-            <a:lvl6pPr marL="1100000" indent="-228600" algn="l" defTabSz="914400" rtl="0" eaLnBrk="1" latinLnBrk="0" hangingPunct="1">
-              <a:lnSpc>
-                <a:spcPct val="90000"/>
-              </a:lnSpc>
-              <a:spcBef>
-                <a:spcPts val="200"/>
-              </a:spcBef>
-              <a:spcAft>
-                <a:spcPts val="400"/>
-              </a:spcAft>
-              <a:buClr>
-                <a:schemeClr val="accent1"/>
-              </a:buClr>
-              <a:buFont typeface="Calibri" pitchFamily="34" charset="0"/>
-              <a:buChar char="◦"/>
-              <a:defRPr sz="1400" kern="1200">
-                <a:solidFill>
-                  <a:schemeClr val="tx1">
-                    <a:lumMod val="75000"/>
-                    <a:lumOff val="25000"/>
-                  </a:schemeClr>
-                </a:solidFill>
-                <a:latin typeface="+mn-lt"/>
-                <a:ea typeface="+mn-ea"/>
-                <a:cs typeface="+mn-cs"/>
-              </a:defRPr>
-            </a:lvl6pPr>
-            <a:lvl7pPr marL="1300000" indent="-228600" algn="l" defTabSz="914400" rtl="0" eaLnBrk="1" latinLnBrk="0" hangingPunct="1">
-              <a:lnSpc>
-                <a:spcPct val="90000"/>
-              </a:lnSpc>
-              <a:spcBef>
-                <a:spcPts val="200"/>
-              </a:spcBef>
-              <a:spcAft>
-                <a:spcPts val="400"/>
-              </a:spcAft>
-              <a:buClr>
-                <a:schemeClr val="accent1"/>
-              </a:buClr>
-              <a:buFont typeface="Calibri" pitchFamily="34" charset="0"/>
-              <a:buChar char="◦"/>
-              <a:defRPr sz="1400" kern="1200">
-                <a:solidFill>
-                  <a:schemeClr val="tx1">
-                    <a:lumMod val="75000"/>
-                    <a:lumOff val="25000"/>
-                  </a:schemeClr>
-                </a:solidFill>
-                <a:latin typeface="+mn-lt"/>
-                <a:ea typeface="+mn-ea"/>
-                <a:cs typeface="+mn-cs"/>
-              </a:defRPr>
-            </a:lvl7pPr>
-            <a:lvl8pPr marL="1500000" indent="-228600" algn="l" defTabSz="914400" rtl="0" eaLnBrk="1" latinLnBrk="0" hangingPunct="1">
-              <a:lnSpc>
-                <a:spcPct val="90000"/>
-              </a:lnSpc>
-              <a:spcBef>
-                <a:spcPts val="200"/>
-              </a:spcBef>
-              <a:spcAft>
-                <a:spcPts val="400"/>
-              </a:spcAft>
-              <a:buClr>
-                <a:schemeClr val="accent1"/>
-              </a:buClr>
-              <a:buFont typeface="Calibri" pitchFamily="34" charset="0"/>
-              <a:buChar char="◦"/>
-              <a:defRPr sz="1400" kern="1200">
-                <a:solidFill>
-                  <a:schemeClr val="tx1">
-                    <a:lumMod val="75000"/>
-                    <a:lumOff val="25000"/>
-                  </a:schemeClr>
-                </a:solidFill>
-                <a:latin typeface="+mn-lt"/>
-                <a:ea typeface="+mn-ea"/>
-                <a:cs typeface="+mn-cs"/>
-              </a:defRPr>
-            </a:lvl8pPr>
-            <a:lvl9pPr marL="1700000" indent="-228600" algn="l" defTabSz="914400" rtl="0" eaLnBrk="1" latinLnBrk="0" hangingPunct="1">
-              <a:lnSpc>
-                <a:spcPct val="90000"/>
-              </a:lnSpc>
-              <a:spcBef>
-                <a:spcPts val="200"/>
-              </a:spcBef>
-              <a:spcAft>
-                <a:spcPts val="400"/>
-              </a:spcAft>
-              <a:buClr>
-                <a:schemeClr val="accent1"/>
-              </a:buClr>
-              <a:buFont typeface="Calibri" pitchFamily="34" charset="0"/>
-              <a:buChar char="◦"/>
-              <a:defRPr sz="1400" kern="1200">
-                <a:solidFill>
-                  <a:schemeClr val="tx1">
-                    <a:lumMod val="75000"/>
-                    <a:lumOff val="25000"/>
-                  </a:schemeClr>
-                </a:solidFill>
-                <a:latin typeface="+mn-lt"/>
-                <a:ea typeface="+mn-ea"/>
-                <a:cs typeface="+mn-cs"/>
-              </a:defRPr>
-            </a:lvl9pPr>
-          </a:lstStyle>
-          <a:p>
-            <a:pPr lvl="1">
-              <a:buFont typeface="Wingdings" panose="05000000000000000000" pitchFamily="2" charset="2"/>
-              <a:buChar char="§"/>
-            </a:pPr>
-            <a:r>
-              <a:rPr lang="nl-BE" sz="2400" dirty="0">
-                <a:solidFill>
-                  <a:schemeClr val="tx1"/>
-                </a:solidFill>
-              </a:rPr>
-              <a:t> </a:t>
-            </a:r>
-            <a:r>
-              <a:rPr lang="nl-BE" sz="2000" dirty="0" err="1">
-                <a:solidFill>
-                  <a:schemeClr val="tx1"/>
-                </a:solidFill>
-              </a:rPr>
-              <a:t>AspNetUserClaims</a:t>
-            </a:r>
-            <a:r>
-              <a:rPr lang="nl-BE" sz="2000" dirty="0">
-                <a:solidFill>
-                  <a:schemeClr val="tx1"/>
-                </a:solidFill>
-              </a:rPr>
-              <a:t>-tabel</a:t>
+              <a:t>AJAX call</a:t>
             </a:r>
           </a:p>
           <a:p>
@@ -11563,6 +8613,14 @@
               <a:buChar char="§"/>
             </a:pPr>
             <a:r>
+              <a:rPr lang="nl-BE" sz="2000" dirty="0" err="1">
+                <a:solidFill>
+                  <a:schemeClr val="tx1"/>
+                </a:solidFill>
+              </a:rPr>
+              <a:t>ArcGIS</a:t>
+            </a:r>
+            <a:r>
               <a:rPr lang="nl-BE" sz="2000" dirty="0">
                 <a:solidFill>
                   <a:schemeClr val="tx1"/>
@@ -11576,7 +8634,7 @@
                   <a:schemeClr val="tx1"/>
                 </a:solidFill>
               </a:rPr>
-              <a:t>AspNetUserLogins</a:t>
+              <a:t>JavaScript</a:t>
             </a:r>
             <a:r>
               <a:rPr lang="nl-BE" sz="2000" dirty="0">
@@ -11584,930 +8642,21 @@
                   <a:schemeClr val="tx1"/>
                 </a:solidFill>
               </a:rPr>
-              <a:t>-tabel</a:t>
-            </a:r>
-          </a:p>
-          <a:p>
-            <a:pPr lvl="1">
-              <a:buFont typeface="Wingdings" panose="05000000000000000000" pitchFamily="2" charset="2"/>
-              <a:buChar char="§"/>
+              <a:t> API</a:t>
+            </a:r>
+          </a:p>
+          <a:p>
+            <a:pPr marL="201168" lvl="1" indent="0">
+              <a:buNone/>
             </a:pPr>
-            <a:endParaRPr lang="nl-BE" sz="2000" dirty="0">
-              <a:solidFill>
-                <a:schemeClr val="tx1"/>
-              </a:solidFill>
-            </a:endParaRPr>
-          </a:p>
-          <a:p>
-            <a:pPr lvl="1">
-              <a:buFont typeface="Wingdings" panose="05000000000000000000" pitchFamily="2" charset="2"/>
-              <a:buChar char="§"/>
-            </a:pPr>
-            <a:r>
-              <a:rPr lang="nl-BE" sz="2000" dirty="0">
-                <a:solidFill>
-                  <a:schemeClr val="tx1"/>
-                </a:solidFill>
-              </a:rPr>
-              <a:t> Latere uitbreiding</a:t>
-            </a:r>
-          </a:p>
-        </p:txBody>
-      </p:sp>
-      <p:pic>
-        <p:nvPicPr>
-          <p:cNvPr id="7" name="Afbeelding 6" descr="Afbeelding met schermafbeelding&#10;&#10;Automatisch gegenereerde beschrijving">
-            <a:extLst>
-              <a:ext uri="{FF2B5EF4-FFF2-40B4-BE49-F238E27FC236}">
-                <a16:creationId xmlns:a16="http://schemas.microsoft.com/office/drawing/2014/main" id="{51EB0AE2-2101-4881-BF89-9191F36840E5}"/>
-              </a:ext>
-            </a:extLst>
-          </p:cNvPr>
-          <p:cNvPicPr>
-            <a:picLocks noChangeAspect="1"/>
-          </p:cNvPicPr>
-          <p:nvPr/>
-        </p:nvPicPr>
-        <p:blipFill>
-          <a:blip r:embed="rId2">
-            <a:extLst>
-              <a:ext uri="{28A0092B-C50C-407E-A947-70E740481C1C}">
-                <a14:useLocalDpi xmlns:a14="http://schemas.microsoft.com/office/drawing/2010/main" val="0"/>
-              </a:ext>
-            </a:extLst>
-          </a:blip>
-          <a:stretch>
-            <a:fillRect/>
-          </a:stretch>
-        </p:blipFill>
-        <p:spPr>
-          <a:xfrm>
-            <a:off x="6470652" y="1340738"/>
-            <a:ext cx="3490094" cy="4472232"/>
-          </a:xfrm>
-          <a:prstGeom prst="rect">
-            <a:avLst/>
-          </a:prstGeom>
-        </p:spPr>
-      </p:pic>
-    </p:spTree>
-    <p:extLst>
-      <p:ext uri="{BB962C8B-B14F-4D97-AF65-F5344CB8AC3E}">
-        <p14:creationId xmlns:p14="http://schemas.microsoft.com/office/powerpoint/2010/main" val="2546149715"/>
-      </p:ext>
-    </p:extLst>
-  </p:cSld>
-  <p:clrMapOvr>
-    <a:masterClrMapping/>
-  </p:clrMapOvr>
-  <p:timing>
-    <p:tnLst>
-      <p:par>
-        <p:cTn id="1" dur="indefinite" restart="never" nodeType="tmRoot">
-          <p:childTnLst>
-            <p:seq concurrent="1" nextAc="seek">
-              <p:cTn id="2" dur="indefinite" nodeType="mainSeq">
-                <p:childTnLst>
-                  <p:par>
-                    <p:cTn id="3" fill="hold">
-                      <p:stCondLst>
-                        <p:cond delay="indefinite"/>
-                      </p:stCondLst>
-                      <p:childTnLst>
-                        <p:par>
-                          <p:cTn id="4" fill="hold">
-                            <p:stCondLst>
-                              <p:cond delay="0"/>
-                            </p:stCondLst>
-                            <p:childTnLst>
-                              <p:par>
-                                <p:cTn id="5" presetID="10" presetClass="entr" presetSubtype="0" fill="hold" nodeType="clickEffect">
-                                  <p:stCondLst>
-                                    <p:cond delay="0"/>
-                                  </p:stCondLst>
-                                  <p:childTnLst>
-                                    <p:set>
-                                      <p:cBhvr>
-                                        <p:cTn id="6" dur="1" fill="hold">
-                                          <p:stCondLst>
-                                            <p:cond delay="0"/>
-                                          </p:stCondLst>
-                                        </p:cTn>
-                                        <p:tgtEl>
-                                          <p:spTgt spid="8">
-                                            <p:txEl>
-                                              <p:pRg st="0" end="0"/>
-                                            </p:txEl>
-                                          </p:spTgt>
-                                        </p:tgtEl>
-                                        <p:attrNameLst>
-                                          <p:attrName>style.visibility</p:attrName>
-                                        </p:attrNameLst>
-                                      </p:cBhvr>
-                                      <p:to>
-                                        <p:strVal val="visible"/>
-                                      </p:to>
-                                    </p:set>
-                                    <p:animEffect transition="in" filter="fade">
-                                      <p:cBhvr>
-                                        <p:cTn id="7" dur="500"/>
-                                        <p:tgtEl>
-                                          <p:spTgt spid="8">
-                                            <p:txEl>
-                                              <p:pRg st="0" end="0"/>
-                                            </p:txEl>
-                                          </p:spTgt>
-                                        </p:tgtEl>
-                                      </p:cBhvr>
-                                    </p:animEffect>
-                                  </p:childTnLst>
-                                </p:cTn>
-                              </p:par>
-                              <p:par>
-                                <p:cTn id="8" presetID="10" presetClass="entr" presetSubtype="0" fill="hold" nodeType="withEffect">
-                                  <p:stCondLst>
-                                    <p:cond delay="0"/>
-                                  </p:stCondLst>
-                                  <p:childTnLst>
-                                    <p:set>
-                                      <p:cBhvr>
-                                        <p:cTn id="9" dur="1" fill="hold">
-                                          <p:stCondLst>
-                                            <p:cond delay="0"/>
-                                          </p:stCondLst>
-                                        </p:cTn>
-                                        <p:tgtEl>
-                                          <p:spTgt spid="8">
-                                            <p:txEl>
-                                              <p:pRg st="2" end="2"/>
-                                            </p:txEl>
-                                          </p:spTgt>
-                                        </p:tgtEl>
-                                        <p:attrNameLst>
-                                          <p:attrName>style.visibility</p:attrName>
-                                        </p:attrNameLst>
-                                      </p:cBhvr>
-                                      <p:to>
-                                        <p:strVal val="visible"/>
-                                      </p:to>
-                                    </p:set>
-                                    <p:animEffect transition="in" filter="fade">
-                                      <p:cBhvr>
-                                        <p:cTn id="10" dur="500"/>
-                                        <p:tgtEl>
-                                          <p:spTgt spid="8">
-                                            <p:txEl>
-                                              <p:pRg st="2" end="2"/>
-                                            </p:txEl>
-                                          </p:spTgt>
-                                        </p:tgtEl>
-                                      </p:cBhvr>
-                                    </p:animEffect>
-                                  </p:childTnLst>
-                                </p:cTn>
-                              </p:par>
-                            </p:childTnLst>
-                          </p:cTn>
-                        </p:par>
-                      </p:childTnLst>
-                    </p:cTn>
-                  </p:par>
-                  <p:par>
-                    <p:cTn id="11" fill="hold">
-                      <p:stCondLst>
-                        <p:cond delay="indefinite"/>
-                      </p:stCondLst>
-                      <p:childTnLst>
-                        <p:par>
-                          <p:cTn id="12" fill="hold">
-                            <p:stCondLst>
-                              <p:cond delay="0"/>
-                            </p:stCondLst>
-                            <p:childTnLst>
-                              <p:par>
-                                <p:cTn id="13" presetID="10" presetClass="entr" presetSubtype="0" fill="hold" nodeType="clickEffect">
-                                  <p:stCondLst>
-                                    <p:cond delay="0"/>
-                                  </p:stCondLst>
-                                  <p:childTnLst>
-                                    <p:set>
-                                      <p:cBhvr>
-                                        <p:cTn id="14" dur="1" fill="hold">
-                                          <p:stCondLst>
-                                            <p:cond delay="0"/>
-                                          </p:stCondLst>
-                                        </p:cTn>
-                                        <p:tgtEl>
-                                          <p:spTgt spid="8">
-                                            <p:txEl>
-                                              <p:pRg st="4" end="4"/>
-                                            </p:txEl>
-                                          </p:spTgt>
-                                        </p:tgtEl>
-                                        <p:attrNameLst>
-                                          <p:attrName>style.visibility</p:attrName>
-                                        </p:attrNameLst>
-                                      </p:cBhvr>
-                                      <p:to>
-                                        <p:strVal val="visible"/>
-                                      </p:to>
-                                    </p:set>
-                                    <p:animEffect transition="in" filter="fade">
-                                      <p:cBhvr>
-                                        <p:cTn id="15" dur="500"/>
-                                        <p:tgtEl>
-                                          <p:spTgt spid="8">
-                                            <p:txEl>
-                                              <p:pRg st="4" end="4"/>
-                                            </p:txEl>
-                                          </p:spTgt>
-                                        </p:tgtEl>
-                                      </p:cBhvr>
-                                    </p:animEffect>
-                                  </p:childTnLst>
-                                </p:cTn>
-                              </p:par>
-                            </p:childTnLst>
-                          </p:cTn>
-                        </p:par>
-                      </p:childTnLst>
-                    </p:cTn>
-                  </p:par>
-                </p:childTnLst>
-              </p:cTn>
-              <p:prevCondLst>
-                <p:cond evt="onPrev" delay="0">
-                  <p:tgtEl>
-                    <p:sldTgt/>
-                  </p:tgtEl>
-                </p:cond>
-              </p:prevCondLst>
-              <p:nextCondLst>
-                <p:cond evt="onNext" delay="0">
-                  <p:tgtEl>
-                    <p:sldTgt/>
-                  </p:tgtEl>
-                </p:cond>
-              </p:nextCondLst>
-            </p:seq>
-          </p:childTnLst>
-        </p:cTn>
-      </p:par>
-    </p:tnLst>
-  </p:timing>
-</p:sld>
-</file>
-
-<file path=ppt/slides/slide19.xml><?xml version="1.0" encoding="utf-8"?>
-<p:sld xmlns:a="http://schemas.openxmlformats.org/drawingml/2006/main" xmlns:r="http://schemas.openxmlformats.org/officeDocument/2006/relationships" xmlns:p="http://schemas.openxmlformats.org/presentationml/2006/main">
-  <p:cSld>
-    <p:spTree>
-      <p:nvGrpSpPr>
-        <p:cNvPr id="1" name=""/>
-        <p:cNvGrpSpPr/>
-        <p:nvPr/>
-      </p:nvGrpSpPr>
-      <p:grpSpPr>
-        <a:xfrm>
-          <a:off x="0" y="0"/>
-          <a:ext cx="0" cy="0"/>
-          <a:chOff x="0" y="0"/>
-          <a:chExt cx="0" cy="0"/>
-        </a:xfrm>
-      </p:grpSpPr>
-      <p:sp>
-        <p:nvSpPr>
-          <p:cNvPr id="4" name="Tijdelijke aanduiding voor datum 3"/>
-          <p:cNvSpPr>
-            <a:spLocks noGrp="1"/>
-          </p:cNvSpPr>
-          <p:nvPr>
-            <p:ph type="dt" sz="half" idx="10"/>
-          </p:nvPr>
-        </p:nvSpPr>
-        <p:spPr>
-          <a:xfrm>
-            <a:off x="313508" y="6459783"/>
-            <a:ext cx="2472271" cy="365125"/>
-          </a:xfrm>
-        </p:spPr>
-        <p:txBody>
-          <a:bodyPr/>
-          <a:lstStyle/>
-          <a:p>
-            <a:r>
-              <a:rPr lang="nl-BE" sz="1400" dirty="0"/>
-              <a:t>Niels Hauttekeete</a:t>
-            </a:r>
-            <a:endParaRPr lang="nl-BE" sz="800" dirty="0"/>
-          </a:p>
-        </p:txBody>
-      </p:sp>
-      <p:sp>
-        <p:nvSpPr>
-          <p:cNvPr id="5" name="Tijdelijke aanduiding voor voettekst 4"/>
-          <p:cNvSpPr>
-            <a:spLocks noGrp="1"/>
-          </p:cNvSpPr>
-          <p:nvPr>
-            <p:ph type="ftr" sz="quarter" idx="11"/>
-          </p:nvPr>
-        </p:nvSpPr>
-        <p:spPr>
-          <a:xfrm>
-            <a:off x="2191294" y="6459784"/>
-            <a:ext cx="7870372" cy="365125"/>
-          </a:xfrm>
-        </p:spPr>
-        <p:txBody>
-          <a:bodyPr/>
-          <a:lstStyle/>
-          <a:p>
-            <a:r>
-              <a:rPr lang="en-GB" sz="1400" cap="none" dirty="0"/>
-              <a:t>Deployment diagram –</a:t>
-            </a:r>
-            <a:r>
-              <a:rPr lang="en-GB" sz="1600" b="1" cap="none" dirty="0"/>
-              <a:t> </a:t>
-            </a:r>
-            <a:r>
-              <a:rPr lang="en-GB" sz="1400" cap="none" dirty="0"/>
-              <a:t>Databank</a:t>
-            </a:r>
-            <a:r>
-              <a:rPr lang="en-GB" sz="1600" b="1" cap="none" dirty="0"/>
-              <a:t> </a:t>
-            </a:r>
-            <a:r>
-              <a:rPr lang="en-GB" sz="1400" cap="none" dirty="0"/>
-              <a:t>– ASP.NET MVC – </a:t>
-            </a:r>
-            <a:r>
-              <a:rPr lang="en-GB" sz="1400" cap="none" dirty="0" err="1"/>
-              <a:t>Inlogsysteem</a:t>
-            </a:r>
-            <a:r>
-              <a:rPr lang="en-GB" sz="1400" cap="none" dirty="0"/>
-              <a:t> – </a:t>
-            </a:r>
-            <a:r>
-              <a:rPr lang="en-GB" sz="1600" b="1" cap="none" dirty="0"/>
-              <a:t>Future work</a:t>
-            </a:r>
-            <a:endParaRPr lang="nl-BE" sz="1600" b="1" cap="none" dirty="0"/>
-          </a:p>
-        </p:txBody>
-      </p:sp>
-      <p:sp>
-        <p:nvSpPr>
-          <p:cNvPr id="6" name="Tijdelijke aanduiding voor dianummer 5"/>
-          <p:cNvSpPr>
-            <a:spLocks noGrp="1"/>
-          </p:cNvSpPr>
-          <p:nvPr>
-            <p:ph type="sldNum" sz="quarter" idx="12"/>
-          </p:nvPr>
-        </p:nvSpPr>
-        <p:spPr>
-          <a:xfrm>
-            <a:off x="10613571" y="6459785"/>
-            <a:ext cx="598912" cy="365125"/>
-          </a:xfrm>
-        </p:spPr>
-        <p:txBody>
-          <a:bodyPr/>
-          <a:lstStyle/>
-          <a:p>
-            <a:fld id="{535572C1-3FAA-4346-9330-03EF25016D70}" type="slidenum">
-              <a:rPr lang="nl-BE" sz="1600" smtClean="0"/>
-              <a:t>19</a:t>
-            </a:fld>
-            <a:endParaRPr lang="nl-BE" sz="1600" dirty="0"/>
-          </a:p>
-        </p:txBody>
-      </p:sp>
-      <p:cxnSp>
-        <p:nvCxnSpPr>
-          <p:cNvPr id="10" name="Rechte verbindingslijn 9"/>
-          <p:cNvCxnSpPr/>
-          <p:nvPr/>
-        </p:nvCxnSpPr>
-        <p:spPr>
-          <a:xfrm>
-            <a:off x="1097280" y="1045030"/>
-            <a:ext cx="10210256" cy="0"/>
-          </a:xfrm>
-          <a:prstGeom prst="line">
-            <a:avLst/>
-          </a:prstGeom>
-          <a:ln>
-            <a:solidFill>
-              <a:schemeClr val="bg1">
-                <a:lumMod val="65000"/>
-              </a:schemeClr>
-            </a:solidFill>
-          </a:ln>
-        </p:spPr>
-        <p:style>
-          <a:lnRef idx="1">
-            <a:schemeClr val="accent1"/>
-          </a:lnRef>
-          <a:fillRef idx="0">
-            <a:schemeClr val="accent1"/>
-          </a:fillRef>
-          <a:effectRef idx="0">
-            <a:schemeClr val="accent1"/>
-          </a:effectRef>
-          <a:fontRef idx="minor">
-            <a:schemeClr val="tx1"/>
-          </a:fontRef>
-        </p:style>
-      </p:cxnSp>
-      <p:sp>
-        <p:nvSpPr>
-          <p:cNvPr id="11" name="Titel 1"/>
-          <p:cNvSpPr txBox="1">
-            <a:spLocks/>
-          </p:cNvSpPr>
-          <p:nvPr/>
-        </p:nvSpPr>
-        <p:spPr>
-          <a:xfrm>
-            <a:off x="1097280" y="286604"/>
-            <a:ext cx="10058400" cy="758426"/>
-          </a:xfrm>
-          <a:prstGeom prst="rect">
-            <a:avLst/>
-          </a:prstGeom>
-        </p:spPr>
-        <p:txBody>
-          <a:bodyPr anchor="ctr"/>
-          <a:lstStyle>
-            <a:lvl1pPr algn="l" defTabSz="914400" rtl="0" eaLnBrk="1" latinLnBrk="0" hangingPunct="1">
-              <a:lnSpc>
-                <a:spcPct val="85000"/>
-              </a:lnSpc>
-              <a:spcBef>
-                <a:spcPct val="0"/>
-              </a:spcBef>
-              <a:buNone/>
-              <a:defRPr sz="4800" kern="1200" spc="-50" baseline="0">
-                <a:solidFill>
-                  <a:schemeClr val="tx1">
-                    <a:lumMod val="75000"/>
-                    <a:lumOff val="25000"/>
-                  </a:schemeClr>
-                </a:solidFill>
-                <a:latin typeface="+mj-lt"/>
-                <a:ea typeface="+mj-ea"/>
-                <a:cs typeface="+mj-cs"/>
-              </a:defRPr>
-            </a:lvl1pPr>
-          </a:lstStyle>
-          <a:p>
-            <a:r>
-              <a:rPr lang="en-GB" dirty="0">
-                <a:solidFill>
-                  <a:schemeClr val="tx1"/>
-                </a:solidFill>
-              </a:rPr>
-              <a:t>Future work</a:t>
-            </a:r>
-            <a:endParaRPr lang="nl-BE" dirty="0">
-              <a:solidFill>
-                <a:schemeClr val="tx1"/>
-              </a:solidFill>
-            </a:endParaRPr>
-          </a:p>
-        </p:txBody>
-      </p:sp>
-      <p:sp>
-        <p:nvSpPr>
-          <p:cNvPr id="8" name="Tijdelijke aanduiding voor inhoud 2">
-            <a:extLst>
-              <a:ext uri="{FF2B5EF4-FFF2-40B4-BE49-F238E27FC236}">
-                <a16:creationId xmlns:a16="http://schemas.microsoft.com/office/drawing/2014/main" id="{6F369E50-FD53-4A8F-BEB4-927F2DB729E9}"/>
-              </a:ext>
-            </a:extLst>
-          </p:cNvPr>
-          <p:cNvSpPr txBox="1">
-            <a:spLocks/>
-          </p:cNvSpPr>
-          <p:nvPr/>
-        </p:nvSpPr>
-        <p:spPr>
-          <a:xfrm>
-            <a:off x="965943" y="1528153"/>
-            <a:ext cx="6601047" cy="4448507"/>
-          </a:xfrm>
-          <a:prstGeom prst="rect">
-            <a:avLst/>
-          </a:prstGeom>
-        </p:spPr>
-        <p:txBody>
-          <a:bodyPr>
-            <a:normAutofit/>
-          </a:bodyPr>
-          <a:lstStyle>
-            <a:lvl1pPr marL="91440" indent="-91440" algn="l" defTabSz="914400" rtl="0" eaLnBrk="1" latinLnBrk="0" hangingPunct="1">
-              <a:lnSpc>
-                <a:spcPct val="90000"/>
-              </a:lnSpc>
-              <a:spcBef>
-                <a:spcPts val="1200"/>
-              </a:spcBef>
-              <a:spcAft>
-                <a:spcPts val="200"/>
-              </a:spcAft>
-              <a:buClr>
-                <a:schemeClr val="accent1"/>
-              </a:buClr>
-              <a:buSzPct val="100000"/>
-              <a:buFont typeface="Calibri" panose="020F0502020204030204" pitchFamily="34" charset="0"/>
-              <a:buChar char=" "/>
-              <a:defRPr sz="2000" kern="1200">
-                <a:solidFill>
-                  <a:schemeClr val="tx1">
-                    <a:lumMod val="75000"/>
-                    <a:lumOff val="25000"/>
-                  </a:schemeClr>
-                </a:solidFill>
-                <a:latin typeface="+mn-lt"/>
-                <a:ea typeface="+mn-ea"/>
-                <a:cs typeface="+mn-cs"/>
-              </a:defRPr>
-            </a:lvl1pPr>
-            <a:lvl2pPr marL="384048" indent="-182880" algn="l" defTabSz="914400" rtl="0" eaLnBrk="1" latinLnBrk="0" hangingPunct="1">
-              <a:lnSpc>
-                <a:spcPct val="90000"/>
-              </a:lnSpc>
-              <a:spcBef>
-                <a:spcPts val="200"/>
-              </a:spcBef>
-              <a:spcAft>
-                <a:spcPts val="400"/>
-              </a:spcAft>
-              <a:buClr>
-                <a:schemeClr val="accent1"/>
-              </a:buClr>
-              <a:buFont typeface="Calibri" pitchFamily="34" charset="0"/>
-              <a:buChar char="◦"/>
-              <a:defRPr sz="1800" kern="1200">
-                <a:solidFill>
-                  <a:schemeClr val="tx1">
-                    <a:lumMod val="75000"/>
-                    <a:lumOff val="25000"/>
-                  </a:schemeClr>
-                </a:solidFill>
-                <a:latin typeface="+mn-lt"/>
-                <a:ea typeface="+mn-ea"/>
-                <a:cs typeface="+mn-cs"/>
-              </a:defRPr>
-            </a:lvl2pPr>
-            <a:lvl3pPr marL="566928" indent="-182880" algn="l" defTabSz="914400" rtl="0" eaLnBrk="1" latinLnBrk="0" hangingPunct="1">
-              <a:lnSpc>
-                <a:spcPct val="90000"/>
-              </a:lnSpc>
-              <a:spcBef>
-                <a:spcPts val="200"/>
-              </a:spcBef>
-              <a:spcAft>
-                <a:spcPts val="400"/>
-              </a:spcAft>
-              <a:buClr>
-                <a:schemeClr val="accent1"/>
-              </a:buClr>
-              <a:buFont typeface="Calibri" pitchFamily="34" charset="0"/>
-              <a:buChar char="◦"/>
-              <a:defRPr sz="1400" kern="1200">
-                <a:solidFill>
-                  <a:schemeClr val="tx1">
-                    <a:lumMod val="75000"/>
-                    <a:lumOff val="25000"/>
-                  </a:schemeClr>
-                </a:solidFill>
-                <a:latin typeface="+mn-lt"/>
-                <a:ea typeface="+mn-ea"/>
-                <a:cs typeface="+mn-cs"/>
-              </a:defRPr>
-            </a:lvl3pPr>
-            <a:lvl4pPr marL="749808" indent="-182880" algn="l" defTabSz="914400" rtl="0" eaLnBrk="1" latinLnBrk="0" hangingPunct="1">
-              <a:lnSpc>
-                <a:spcPct val="90000"/>
-              </a:lnSpc>
-              <a:spcBef>
-                <a:spcPts val="200"/>
-              </a:spcBef>
-              <a:spcAft>
-                <a:spcPts val="400"/>
-              </a:spcAft>
-              <a:buClr>
-                <a:schemeClr val="accent1"/>
-              </a:buClr>
-              <a:buFont typeface="Calibri" pitchFamily="34" charset="0"/>
-              <a:buChar char="◦"/>
-              <a:defRPr sz="1400" kern="1200">
-                <a:solidFill>
-                  <a:schemeClr val="tx1">
-                    <a:lumMod val="75000"/>
-                    <a:lumOff val="25000"/>
-                  </a:schemeClr>
-                </a:solidFill>
-                <a:latin typeface="+mn-lt"/>
-                <a:ea typeface="+mn-ea"/>
-                <a:cs typeface="+mn-cs"/>
-              </a:defRPr>
-            </a:lvl4pPr>
-            <a:lvl5pPr marL="932688" indent="-182880" algn="l" defTabSz="914400" rtl="0" eaLnBrk="1" latinLnBrk="0" hangingPunct="1">
-              <a:lnSpc>
-                <a:spcPct val="90000"/>
-              </a:lnSpc>
-              <a:spcBef>
-                <a:spcPts val="200"/>
-              </a:spcBef>
-              <a:spcAft>
-                <a:spcPts val="400"/>
-              </a:spcAft>
-              <a:buClr>
-                <a:schemeClr val="accent1"/>
-              </a:buClr>
-              <a:buFont typeface="Calibri" pitchFamily="34" charset="0"/>
-              <a:buChar char="◦"/>
-              <a:defRPr sz="1400" kern="1200">
-                <a:solidFill>
-                  <a:schemeClr val="tx1">
-                    <a:lumMod val="75000"/>
-                    <a:lumOff val="25000"/>
-                  </a:schemeClr>
-                </a:solidFill>
-                <a:latin typeface="+mn-lt"/>
-                <a:ea typeface="+mn-ea"/>
-                <a:cs typeface="+mn-cs"/>
-              </a:defRPr>
-            </a:lvl5pPr>
-            <a:lvl6pPr marL="1100000" indent="-228600" algn="l" defTabSz="914400" rtl="0" eaLnBrk="1" latinLnBrk="0" hangingPunct="1">
-              <a:lnSpc>
-                <a:spcPct val="90000"/>
-              </a:lnSpc>
-              <a:spcBef>
-                <a:spcPts val="200"/>
-              </a:spcBef>
-              <a:spcAft>
-                <a:spcPts val="400"/>
-              </a:spcAft>
-              <a:buClr>
-                <a:schemeClr val="accent1"/>
-              </a:buClr>
-              <a:buFont typeface="Calibri" pitchFamily="34" charset="0"/>
-              <a:buChar char="◦"/>
-              <a:defRPr sz="1400" kern="1200">
-                <a:solidFill>
-                  <a:schemeClr val="tx1">
-                    <a:lumMod val="75000"/>
-                    <a:lumOff val="25000"/>
-                  </a:schemeClr>
-                </a:solidFill>
-                <a:latin typeface="+mn-lt"/>
-                <a:ea typeface="+mn-ea"/>
-                <a:cs typeface="+mn-cs"/>
-              </a:defRPr>
-            </a:lvl6pPr>
-            <a:lvl7pPr marL="1300000" indent="-228600" algn="l" defTabSz="914400" rtl="0" eaLnBrk="1" latinLnBrk="0" hangingPunct="1">
-              <a:lnSpc>
-                <a:spcPct val="90000"/>
-              </a:lnSpc>
-              <a:spcBef>
-                <a:spcPts val="200"/>
-              </a:spcBef>
-              <a:spcAft>
-                <a:spcPts val="400"/>
-              </a:spcAft>
-              <a:buClr>
-                <a:schemeClr val="accent1"/>
-              </a:buClr>
-              <a:buFont typeface="Calibri" pitchFamily="34" charset="0"/>
-              <a:buChar char="◦"/>
-              <a:defRPr sz="1400" kern="1200">
-                <a:solidFill>
-                  <a:schemeClr val="tx1">
-                    <a:lumMod val="75000"/>
-                    <a:lumOff val="25000"/>
-                  </a:schemeClr>
-                </a:solidFill>
-                <a:latin typeface="+mn-lt"/>
-                <a:ea typeface="+mn-ea"/>
-                <a:cs typeface="+mn-cs"/>
-              </a:defRPr>
-            </a:lvl7pPr>
-            <a:lvl8pPr marL="1500000" indent="-228600" algn="l" defTabSz="914400" rtl="0" eaLnBrk="1" latinLnBrk="0" hangingPunct="1">
-              <a:lnSpc>
-                <a:spcPct val="90000"/>
-              </a:lnSpc>
-              <a:spcBef>
-                <a:spcPts val="200"/>
-              </a:spcBef>
-              <a:spcAft>
-                <a:spcPts val="400"/>
-              </a:spcAft>
-              <a:buClr>
-                <a:schemeClr val="accent1"/>
-              </a:buClr>
-              <a:buFont typeface="Calibri" pitchFamily="34" charset="0"/>
-              <a:buChar char="◦"/>
-              <a:defRPr sz="1400" kern="1200">
-                <a:solidFill>
-                  <a:schemeClr val="tx1">
-                    <a:lumMod val="75000"/>
-                    <a:lumOff val="25000"/>
-                  </a:schemeClr>
-                </a:solidFill>
-                <a:latin typeface="+mn-lt"/>
-                <a:ea typeface="+mn-ea"/>
-                <a:cs typeface="+mn-cs"/>
-              </a:defRPr>
-            </a:lvl8pPr>
-            <a:lvl9pPr marL="1700000" indent="-228600" algn="l" defTabSz="914400" rtl="0" eaLnBrk="1" latinLnBrk="0" hangingPunct="1">
-              <a:lnSpc>
-                <a:spcPct val="90000"/>
-              </a:lnSpc>
-              <a:spcBef>
-                <a:spcPts val="200"/>
-              </a:spcBef>
-              <a:spcAft>
-                <a:spcPts val="400"/>
-              </a:spcAft>
-              <a:buClr>
-                <a:schemeClr val="accent1"/>
-              </a:buClr>
-              <a:buFont typeface="Calibri" pitchFamily="34" charset="0"/>
-              <a:buChar char="◦"/>
-              <a:defRPr sz="1400" kern="1200">
-                <a:solidFill>
-                  <a:schemeClr val="tx1">
-                    <a:lumMod val="75000"/>
-                    <a:lumOff val="25000"/>
-                  </a:schemeClr>
-                </a:solidFill>
-                <a:latin typeface="+mn-lt"/>
-                <a:ea typeface="+mn-ea"/>
-                <a:cs typeface="+mn-cs"/>
-              </a:defRPr>
-            </a:lvl9pPr>
-          </a:lstStyle>
-          <a:p>
-            <a:pPr lvl="1">
-              <a:buFont typeface="Wingdings" panose="05000000000000000000" pitchFamily="2" charset="2"/>
-              <a:buChar char="§"/>
-            </a:pPr>
-            <a:r>
-              <a:rPr lang="nl-BE" sz="2000" dirty="0">
-                <a:solidFill>
-                  <a:schemeClr val="tx1"/>
-                </a:solidFill>
-              </a:rPr>
-              <a:t>Slechts 1 gebruiker kan uploaden</a:t>
-            </a:r>
-          </a:p>
-          <a:p>
-            <a:pPr lvl="1">
-              <a:buFont typeface="Wingdings" panose="05000000000000000000" pitchFamily="2" charset="2"/>
-              <a:buChar char="§"/>
-            </a:pPr>
-            <a:endParaRPr lang="nl-BE" sz="2000" dirty="0">
-              <a:solidFill>
-                <a:schemeClr val="tx1"/>
-              </a:solidFill>
-            </a:endParaRPr>
-          </a:p>
-          <a:p>
-            <a:pPr lvl="1">
-              <a:buFont typeface="Wingdings" panose="05000000000000000000" pitchFamily="2" charset="2"/>
-              <a:buChar char="§"/>
-            </a:pPr>
-            <a:r>
-              <a:rPr lang="nl-BE" sz="2000" dirty="0">
-                <a:solidFill>
-                  <a:schemeClr val="tx1"/>
-                </a:solidFill>
-              </a:rPr>
-              <a:t>Beperkte bestandsgrootte</a:t>
-            </a:r>
-          </a:p>
-          <a:p>
-            <a:pPr lvl="1">
-              <a:buFont typeface="Wingdings" panose="05000000000000000000" pitchFamily="2" charset="2"/>
-              <a:buChar char="§"/>
-            </a:pPr>
-            <a:endParaRPr lang="nl-BE" sz="2000" dirty="0">
-              <a:solidFill>
-                <a:schemeClr val="tx1"/>
-              </a:solidFill>
-            </a:endParaRPr>
-          </a:p>
-          <a:p>
-            <a:pPr lvl="1">
-              <a:buFont typeface="Wingdings" panose="05000000000000000000" pitchFamily="2" charset="2"/>
-              <a:buChar char="§"/>
-            </a:pPr>
-            <a:r>
-              <a:rPr lang="nl-BE" sz="2000" dirty="0" err="1">
-                <a:solidFill>
-                  <a:schemeClr val="tx1"/>
-                </a:solidFill>
-              </a:rPr>
-              <a:t>RawImagesParser</a:t>
-            </a:r>
-            <a:r>
-              <a:rPr lang="nl-BE" sz="2000" dirty="0">
-                <a:solidFill>
-                  <a:schemeClr val="tx1"/>
-                </a:solidFill>
-              </a:rPr>
-              <a:t> out of memory</a:t>
-            </a:r>
-          </a:p>
-          <a:p>
-            <a:pPr lvl="1">
-              <a:buFont typeface="Wingdings" panose="05000000000000000000" pitchFamily="2" charset="2"/>
-              <a:buChar char="§"/>
-            </a:pPr>
-            <a:endParaRPr lang="nl-BE" sz="2000" dirty="0">
-              <a:solidFill>
-                <a:schemeClr val="tx1"/>
-              </a:solidFill>
-            </a:endParaRPr>
-          </a:p>
-          <a:p>
-            <a:pPr lvl="1">
-              <a:buFont typeface="Wingdings" panose="05000000000000000000" pitchFamily="2" charset="2"/>
-              <a:buChar char="§"/>
-            </a:pPr>
-            <a:r>
-              <a:rPr lang="nl-BE" sz="2000" dirty="0">
-                <a:solidFill>
-                  <a:schemeClr val="tx1"/>
-                </a:solidFill>
-              </a:rPr>
-              <a:t>Data per dronevlucht verwijderen</a:t>
-            </a:r>
-          </a:p>
-          <a:p>
-            <a:pPr lvl="1">
-              <a:buFont typeface="Wingdings" panose="05000000000000000000" pitchFamily="2" charset="2"/>
-              <a:buChar char="§"/>
-            </a:pPr>
-            <a:endParaRPr lang="nl-BE" sz="2000" dirty="0">
-              <a:solidFill>
-                <a:schemeClr val="tx1"/>
-              </a:solidFill>
-            </a:endParaRPr>
-          </a:p>
-          <a:p>
-            <a:pPr lvl="1">
-              <a:buFont typeface="Wingdings" panose="05000000000000000000" pitchFamily="2" charset="2"/>
-              <a:buChar char="§"/>
-            </a:pPr>
-            <a:r>
-              <a:rPr lang="nl-BE" sz="2000" dirty="0">
-                <a:solidFill>
-                  <a:schemeClr val="tx1"/>
-                </a:solidFill>
-              </a:rPr>
-              <a:t>Mooiere logboeken</a:t>
-            </a:r>
-          </a:p>
-          <a:p>
-            <a:pPr lvl="1">
-              <a:buFont typeface="Wingdings" panose="05000000000000000000" pitchFamily="2" charset="2"/>
-              <a:buChar char="§"/>
-            </a:pPr>
-            <a:endParaRPr lang="nl-BE" sz="2000" dirty="0">
-              <a:solidFill>
-                <a:schemeClr val="tx1"/>
-              </a:solidFill>
-            </a:endParaRPr>
-          </a:p>
-          <a:p>
-            <a:pPr lvl="1">
-              <a:buFont typeface="Wingdings" panose="05000000000000000000" pitchFamily="2" charset="2"/>
-              <a:buChar char="§"/>
-            </a:pPr>
-            <a:r>
-              <a:rPr lang="nl-BE" sz="2000" dirty="0">
-                <a:solidFill>
-                  <a:schemeClr val="tx1"/>
-                </a:solidFill>
-              </a:rPr>
-              <a:t>Huisstijl Jan De Nul toepassen</a:t>
-            </a:r>
+            <a:endParaRPr lang="nl-BE" sz="2400" dirty="0"/>
           </a:p>
         </p:txBody>
       </p:sp>
     </p:spTree>
     <p:extLst>
       <p:ext uri="{BB962C8B-B14F-4D97-AF65-F5344CB8AC3E}">
-        <p14:creationId xmlns:p14="http://schemas.microsoft.com/office/powerpoint/2010/main" val="1775645031"/>
+        <p14:creationId xmlns:p14="http://schemas.microsoft.com/office/powerpoint/2010/main" val="1723435651"/>
       </p:ext>
     </p:extLst>
   </p:cSld>
@@ -12766,35 +8915,661 @@
                       </p:childTnLst>
                     </p:cTn>
                   </p:par>
+                </p:childTnLst>
+              </p:cTn>
+              <p:prevCondLst>
+                <p:cond evt="onPrev" delay="0">
+                  <p:tgtEl>
+                    <p:sldTgt/>
+                  </p:tgtEl>
+                </p:cond>
+              </p:prevCondLst>
+              <p:nextCondLst>
+                <p:cond evt="onNext" delay="0">
+                  <p:tgtEl>
+                    <p:sldTgt/>
+                  </p:tgtEl>
+                </p:cond>
+              </p:nextCondLst>
+            </p:seq>
+          </p:childTnLst>
+        </p:cTn>
+      </p:par>
+    </p:tnLst>
+  </p:timing>
+</p:sld>
+</file>
+
+<file path=ppt/slides/slide15.xml><?xml version="1.0" encoding="utf-8"?>
+<p:sld xmlns:a="http://schemas.openxmlformats.org/drawingml/2006/main" xmlns:r="http://schemas.openxmlformats.org/officeDocument/2006/relationships" xmlns:p="http://schemas.openxmlformats.org/presentationml/2006/main">
+  <p:cSld>
+    <p:spTree>
+      <p:nvGrpSpPr>
+        <p:cNvPr id="1" name=""/>
+        <p:cNvGrpSpPr/>
+        <p:nvPr/>
+      </p:nvGrpSpPr>
+      <p:grpSpPr>
+        <a:xfrm>
+          <a:off x="0" y="0"/>
+          <a:ext cx="0" cy="0"/>
+          <a:chOff x="0" y="0"/>
+          <a:chExt cx="0" cy="0"/>
+        </a:xfrm>
+      </p:grpSpPr>
+      <p:sp>
+        <p:nvSpPr>
+          <p:cNvPr id="4" name="Tijdelijke aanduiding voor datum 3"/>
+          <p:cNvSpPr>
+            <a:spLocks noGrp="1"/>
+          </p:cNvSpPr>
+          <p:nvPr>
+            <p:ph type="dt" sz="half" idx="10"/>
+          </p:nvPr>
+        </p:nvSpPr>
+        <p:spPr>
+          <a:xfrm>
+            <a:off x="313508" y="6459783"/>
+            <a:ext cx="2472271" cy="365125"/>
+          </a:xfrm>
+        </p:spPr>
+        <p:txBody>
+          <a:bodyPr/>
+          <a:lstStyle/>
+          <a:p>
+            <a:r>
+              <a:rPr lang="nl-BE" sz="1400" dirty="0"/>
+              <a:t>Niels Hauttekeete</a:t>
+            </a:r>
+            <a:endParaRPr lang="nl-BE" sz="800" dirty="0"/>
+          </a:p>
+        </p:txBody>
+      </p:sp>
+      <p:sp>
+        <p:nvSpPr>
+          <p:cNvPr id="5" name="Tijdelijke aanduiding voor voettekst 4"/>
+          <p:cNvSpPr>
+            <a:spLocks noGrp="1"/>
+          </p:cNvSpPr>
+          <p:nvPr>
+            <p:ph type="ftr" sz="quarter" idx="11"/>
+          </p:nvPr>
+        </p:nvSpPr>
+        <p:spPr>
+          <a:xfrm>
+            <a:off x="2191294" y="6459784"/>
+            <a:ext cx="7870372" cy="365125"/>
+          </a:xfrm>
+        </p:spPr>
+        <p:txBody>
+          <a:bodyPr/>
+          <a:lstStyle/>
+          <a:p>
+            <a:r>
+              <a:rPr lang="en-GB" sz="1400" cap="none" dirty="0"/>
+              <a:t>Deployment diagram –</a:t>
+            </a:r>
+            <a:r>
+              <a:rPr lang="en-GB" sz="1600" b="1" cap="none" dirty="0"/>
+              <a:t> </a:t>
+            </a:r>
+            <a:r>
+              <a:rPr lang="en-GB" sz="1400" cap="none" dirty="0"/>
+              <a:t>Databank</a:t>
+            </a:r>
+            <a:r>
+              <a:rPr lang="en-GB" sz="1600" b="1" cap="none" dirty="0"/>
+              <a:t> </a:t>
+            </a:r>
+            <a:r>
+              <a:rPr lang="en-GB" sz="1400" cap="none" dirty="0"/>
+              <a:t>– ASP.NET MVC – </a:t>
+            </a:r>
+            <a:r>
+              <a:rPr lang="en-GB" sz="1600" b="1" cap="none" dirty="0" err="1"/>
+              <a:t>Inlogsysteem</a:t>
+            </a:r>
+            <a:r>
+              <a:rPr lang="en-GB" sz="1400" cap="none" dirty="0"/>
+              <a:t> – Future work</a:t>
+            </a:r>
+            <a:endParaRPr lang="nl-BE" sz="1400" cap="none" dirty="0"/>
+          </a:p>
+        </p:txBody>
+      </p:sp>
+      <p:sp>
+        <p:nvSpPr>
+          <p:cNvPr id="6" name="Tijdelijke aanduiding voor dianummer 5"/>
+          <p:cNvSpPr>
+            <a:spLocks noGrp="1"/>
+          </p:cNvSpPr>
+          <p:nvPr>
+            <p:ph type="sldNum" sz="quarter" idx="12"/>
+          </p:nvPr>
+        </p:nvSpPr>
+        <p:spPr>
+          <a:xfrm>
+            <a:off x="10613571" y="6459785"/>
+            <a:ext cx="598912" cy="365125"/>
+          </a:xfrm>
+        </p:spPr>
+        <p:txBody>
+          <a:bodyPr/>
+          <a:lstStyle/>
+          <a:p>
+            <a:fld id="{535572C1-3FAA-4346-9330-03EF25016D70}" type="slidenum">
+              <a:rPr lang="nl-BE" sz="1600" smtClean="0"/>
+              <a:t>15</a:t>
+            </a:fld>
+            <a:endParaRPr lang="nl-BE" sz="1600" dirty="0"/>
+          </a:p>
+        </p:txBody>
+      </p:sp>
+      <p:cxnSp>
+        <p:nvCxnSpPr>
+          <p:cNvPr id="10" name="Rechte verbindingslijn 9"/>
+          <p:cNvCxnSpPr/>
+          <p:nvPr/>
+        </p:nvCxnSpPr>
+        <p:spPr>
+          <a:xfrm>
+            <a:off x="1097280" y="1045030"/>
+            <a:ext cx="10210256" cy="0"/>
+          </a:xfrm>
+          <a:prstGeom prst="line">
+            <a:avLst/>
+          </a:prstGeom>
+          <a:ln>
+            <a:solidFill>
+              <a:schemeClr val="bg1">
+                <a:lumMod val="65000"/>
+              </a:schemeClr>
+            </a:solidFill>
+          </a:ln>
+        </p:spPr>
+        <p:style>
+          <a:lnRef idx="1">
+            <a:schemeClr val="accent1"/>
+          </a:lnRef>
+          <a:fillRef idx="0">
+            <a:schemeClr val="accent1"/>
+          </a:fillRef>
+          <a:effectRef idx="0">
+            <a:schemeClr val="accent1"/>
+          </a:effectRef>
+          <a:fontRef idx="minor">
+            <a:schemeClr val="tx1"/>
+          </a:fontRef>
+        </p:style>
+      </p:cxnSp>
+      <p:sp>
+        <p:nvSpPr>
+          <p:cNvPr id="11" name="Titel 1"/>
+          <p:cNvSpPr txBox="1">
+            <a:spLocks/>
+          </p:cNvSpPr>
+          <p:nvPr/>
+        </p:nvSpPr>
+        <p:spPr>
+          <a:xfrm>
+            <a:off x="1097280" y="286604"/>
+            <a:ext cx="10058400" cy="758426"/>
+          </a:xfrm>
+          <a:prstGeom prst="rect">
+            <a:avLst/>
+          </a:prstGeom>
+        </p:spPr>
+        <p:txBody>
+          <a:bodyPr anchor="ctr"/>
+          <a:lstStyle>
+            <a:lvl1pPr algn="l" defTabSz="914400" rtl="0" eaLnBrk="1" latinLnBrk="0" hangingPunct="1">
+              <a:lnSpc>
+                <a:spcPct val="85000"/>
+              </a:lnSpc>
+              <a:spcBef>
+                <a:spcPct val="0"/>
+              </a:spcBef>
+              <a:buNone/>
+              <a:defRPr sz="4800" kern="1200" spc="-50" baseline="0">
+                <a:solidFill>
+                  <a:schemeClr val="tx1">
+                    <a:lumMod val="75000"/>
+                    <a:lumOff val="25000"/>
+                  </a:schemeClr>
+                </a:solidFill>
+                <a:latin typeface="+mj-lt"/>
+                <a:ea typeface="+mj-ea"/>
+                <a:cs typeface="+mj-cs"/>
+              </a:defRPr>
+            </a:lvl1pPr>
+          </a:lstStyle>
+          <a:p>
+            <a:r>
+              <a:rPr lang="nl-BE" dirty="0">
+                <a:solidFill>
+                  <a:schemeClr val="tx1"/>
+                </a:solidFill>
+              </a:rPr>
+              <a:t>Inlogsysteem</a:t>
+            </a:r>
+          </a:p>
+        </p:txBody>
+      </p:sp>
+      <p:sp>
+        <p:nvSpPr>
+          <p:cNvPr id="12" name="Tijdelijke aanduiding voor inhoud 2"/>
+          <p:cNvSpPr txBox="1">
+            <a:spLocks/>
+          </p:cNvSpPr>
+          <p:nvPr/>
+        </p:nvSpPr>
+        <p:spPr>
+          <a:xfrm>
+            <a:off x="1097280" y="1420585"/>
+            <a:ext cx="10058400" cy="4448507"/>
+          </a:xfrm>
+          <a:prstGeom prst="rect">
+            <a:avLst/>
+          </a:prstGeom>
+        </p:spPr>
+        <p:txBody>
+          <a:bodyPr>
+            <a:normAutofit/>
+          </a:bodyPr>
+          <a:lstStyle>
+            <a:lvl1pPr marL="91440" indent="-91440" algn="l" defTabSz="914400" rtl="0" eaLnBrk="1" latinLnBrk="0" hangingPunct="1">
+              <a:lnSpc>
+                <a:spcPct val="90000"/>
+              </a:lnSpc>
+              <a:spcBef>
+                <a:spcPts val="1200"/>
+              </a:spcBef>
+              <a:spcAft>
+                <a:spcPts val="200"/>
+              </a:spcAft>
+              <a:buClr>
+                <a:schemeClr val="accent1"/>
+              </a:buClr>
+              <a:buSzPct val="100000"/>
+              <a:buFont typeface="Calibri" panose="020F0502020204030204" pitchFamily="34" charset="0"/>
+              <a:buChar char=" "/>
+              <a:defRPr sz="2000" kern="1200">
+                <a:solidFill>
+                  <a:schemeClr val="tx1">
+                    <a:lumMod val="75000"/>
+                    <a:lumOff val="25000"/>
+                  </a:schemeClr>
+                </a:solidFill>
+                <a:latin typeface="+mn-lt"/>
+                <a:ea typeface="+mn-ea"/>
+                <a:cs typeface="+mn-cs"/>
+              </a:defRPr>
+            </a:lvl1pPr>
+            <a:lvl2pPr marL="384048" indent="-182880" algn="l" defTabSz="914400" rtl="0" eaLnBrk="1" latinLnBrk="0" hangingPunct="1">
+              <a:lnSpc>
+                <a:spcPct val="90000"/>
+              </a:lnSpc>
+              <a:spcBef>
+                <a:spcPts val="200"/>
+              </a:spcBef>
+              <a:spcAft>
+                <a:spcPts val="400"/>
+              </a:spcAft>
+              <a:buClr>
+                <a:schemeClr val="accent1"/>
+              </a:buClr>
+              <a:buFont typeface="Calibri" pitchFamily="34" charset="0"/>
+              <a:buChar char="◦"/>
+              <a:defRPr sz="1800" kern="1200">
+                <a:solidFill>
+                  <a:schemeClr val="tx1">
+                    <a:lumMod val="75000"/>
+                    <a:lumOff val="25000"/>
+                  </a:schemeClr>
+                </a:solidFill>
+                <a:latin typeface="+mn-lt"/>
+                <a:ea typeface="+mn-ea"/>
+                <a:cs typeface="+mn-cs"/>
+              </a:defRPr>
+            </a:lvl2pPr>
+            <a:lvl3pPr marL="566928" indent="-182880" algn="l" defTabSz="914400" rtl="0" eaLnBrk="1" latinLnBrk="0" hangingPunct="1">
+              <a:lnSpc>
+                <a:spcPct val="90000"/>
+              </a:lnSpc>
+              <a:spcBef>
+                <a:spcPts val="200"/>
+              </a:spcBef>
+              <a:spcAft>
+                <a:spcPts val="400"/>
+              </a:spcAft>
+              <a:buClr>
+                <a:schemeClr val="accent1"/>
+              </a:buClr>
+              <a:buFont typeface="Calibri" pitchFamily="34" charset="0"/>
+              <a:buChar char="◦"/>
+              <a:defRPr sz="1400" kern="1200">
+                <a:solidFill>
+                  <a:schemeClr val="tx1">
+                    <a:lumMod val="75000"/>
+                    <a:lumOff val="25000"/>
+                  </a:schemeClr>
+                </a:solidFill>
+                <a:latin typeface="+mn-lt"/>
+                <a:ea typeface="+mn-ea"/>
+                <a:cs typeface="+mn-cs"/>
+              </a:defRPr>
+            </a:lvl3pPr>
+            <a:lvl4pPr marL="749808" indent="-182880" algn="l" defTabSz="914400" rtl="0" eaLnBrk="1" latinLnBrk="0" hangingPunct="1">
+              <a:lnSpc>
+                <a:spcPct val="90000"/>
+              </a:lnSpc>
+              <a:spcBef>
+                <a:spcPts val="200"/>
+              </a:spcBef>
+              <a:spcAft>
+                <a:spcPts val="400"/>
+              </a:spcAft>
+              <a:buClr>
+                <a:schemeClr val="accent1"/>
+              </a:buClr>
+              <a:buFont typeface="Calibri" pitchFamily="34" charset="0"/>
+              <a:buChar char="◦"/>
+              <a:defRPr sz="1400" kern="1200">
+                <a:solidFill>
+                  <a:schemeClr val="tx1">
+                    <a:lumMod val="75000"/>
+                    <a:lumOff val="25000"/>
+                  </a:schemeClr>
+                </a:solidFill>
+                <a:latin typeface="+mn-lt"/>
+                <a:ea typeface="+mn-ea"/>
+                <a:cs typeface="+mn-cs"/>
+              </a:defRPr>
+            </a:lvl4pPr>
+            <a:lvl5pPr marL="932688" indent="-182880" algn="l" defTabSz="914400" rtl="0" eaLnBrk="1" latinLnBrk="0" hangingPunct="1">
+              <a:lnSpc>
+                <a:spcPct val="90000"/>
+              </a:lnSpc>
+              <a:spcBef>
+                <a:spcPts val="200"/>
+              </a:spcBef>
+              <a:spcAft>
+                <a:spcPts val="400"/>
+              </a:spcAft>
+              <a:buClr>
+                <a:schemeClr val="accent1"/>
+              </a:buClr>
+              <a:buFont typeface="Calibri" pitchFamily="34" charset="0"/>
+              <a:buChar char="◦"/>
+              <a:defRPr sz="1400" kern="1200">
+                <a:solidFill>
+                  <a:schemeClr val="tx1">
+                    <a:lumMod val="75000"/>
+                    <a:lumOff val="25000"/>
+                  </a:schemeClr>
+                </a:solidFill>
+                <a:latin typeface="+mn-lt"/>
+                <a:ea typeface="+mn-ea"/>
+                <a:cs typeface="+mn-cs"/>
+              </a:defRPr>
+            </a:lvl5pPr>
+            <a:lvl6pPr marL="1100000" indent="-228600" algn="l" defTabSz="914400" rtl="0" eaLnBrk="1" latinLnBrk="0" hangingPunct="1">
+              <a:lnSpc>
+                <a:spcPct val="90000"/>
+              </a:lnSpc>
+              <a:spcBef>
+                <a:spcPts val="200"/>
+              </a:spcBef>
+              <a:spcAft>
+                <a:spcPts val="400"/>
+              </a:spcAft>
+              <a:buClr>
+                <a:schemeClr val="accent1"/>
+              </a:buClr>
+              <a:buFont typeface="Calibri" pitchFamily="34" charset="0"/>
+              <a:buChar char="◦"/>
+              <a:defRPr sz="1400" kern="1200">
+                <a:solidFill>
+                  <a:schemeClr val="tx1">
+                    <a:lumMod val="75000"/>
+                    <a:lumOff val="25000"/>
+                  </a:schemeClr>
+                </a:solidFill>
+                <a:latin typeface="+mn-lt"/>
+                <a:ea typeface="+mn-ea"/>
+                <a:cs typeface="+mn-cs"/>
+              </a:defRPr>
+            </a:lvl6pPr>
+            <a:lvl7pPr marL="1300000" indent="-228600" algn="l" defTabSz="914400" rtl="0" eaLnBrk="1" latinLnBrk="0" hangingPunct="1">
+              <a:lnSpc>
+                <a:spcPct val="90000"/>
+              </a:lnSpc>
+              <a:spcBef>
+                <a:spcPts val="200"/>
+              </a:spcBef>
+              <a:spcAft>
+                <a:spcPts val="400"/>
+              </a:spcAft>
+              <a:buClr>
+                <a:schemeClr val="accent1"/>
+              </a:buClr>
+              <a:buFont typeface="Calibri" pitchFamily="34" charset="0"/>
+              <a:buChar char="◦"/>
+              <a:defRPr sz="1400" kern="1200">
+                <a:solidFill>
+                  <a:schemeClr val="tx1">
+                    <a:lumMod val="75000"/>
+                    <a:lumOff val="25000"/>
+                  </a:schemeClr>
+                </a:solidFill>
+                <a:latin typeface="+mn-lt"/>
+                <a:ea typeface="+mn-ea"/>
+                <a:cs typeface="+mn-cs"/>
+              </a:defRPr>
+            </a:lvl7pPr>
+            <a:lvl8pPr marL="1500000" indent="-228600" algn="l" defTabSz="914400" rtl="0" eaLnBrk="1" latinLnBrk="0" hangingPunct="1">
+              <a:lnSpc>
+                <a:spcPct val="90000"/>
+              </a:lnSpc>
+              <a:spcBef>
+                <a:spcPts val="200"/>
+              </a:spcBef>
+              <a:spcAft>
+                <a:spcPts val="400"/>
+              </a:spcAft>
+              <a:buClr>
+                <a:schemeClr val="accent1"/>
+              </a:buClr>
+              <a:buFont typeface="Calibri" pitchFamily="34" charset="0"/>
+              <a:buChar char="◦"/>
+              <a:defRPr sz="1400" kern="1200">
+                <a:solidFill>
+                  <a:schemeClr val="tx1">
+                    <a:lumMod val="75000"/>
+                    <a:lumOff val="25000"/>
+                  </a:schemeClr>
+                </a:solidFill>
+                <a:latin typeface="+mn-lt"/>
+                <a:ea typeface="+mn-ea"/>
+                <a:cs typeface="+mn-cs"/>
+              </a:defRPr>
+            </a:lvl8pPr>
+            <a:lvl9pPr marL="1700000" indent="-228600" algn="l" defTabSz="914400" rtl="0" eaLnBrk="1" latinLnBrk="0" hangingPunct="1">
+              <a:lnSpc>
+                <a:spcPct val="90000"/>
+              </a:lnSpc>
+              <a:spcBef>
+                <a:spcPts val="200"/>
+              </a:spcBef>
+              <a:spcAft>
+                <a:spcPts val="400"/>
+              </a:spcAft>
+              <a:buClr>
+                <a:schemeClr val="accent1"/>
+              </a:buClr>
+              <a:buFont typeface="Calibri" pitchFamily="34" charset="0"/>
+              <a:buChar char="◦"/>
+              <a:defRPr sz="1400" kern="1200">
+                <a:solidFill>
+                  <a:schemeClr val="tx1">
+                    <a:lumMod val="75000"/>
+                    <a:lumOff val="25000"/>
+                  </a:schemeClr>
+                </a:solidFill>
+                <a:latin typeface="+mn-lt"/>
+                <a:ea typeface="+mn-ea"/>
+                <a:cs typeface="+mn-cs"/>
+              </a:defRPr>
+            </a:lvl9pPr>
+          </a:lstStyle>
+          <a:p>
+            <a:pPr>
+              <a:buFont typeface="Wingdings" panose="05000000000000000000" pitchFamily="2" charset="2"/>
+              <a:buChar char="§"/>
+            </a:pPr>
+            <a:r>
+              <a:rPr lang="nl-BE" sz="2400" dirty="0">
+                <a:solidFill>
+                  <a:schemeClr val="tx1"/>
+                </a:solidFill>
+              </a:rPr>
+              <a:t> </a:t>
+            </a:r>
+            <a:r>
+              <a:rPr lang="nl-BE" dirty="0">
+                <a:solidFill>
+                  <a:schemeClr val="tx1"/>
+                </a:solidFill>
+              </a:rPr>
+              <a:t>ASP.NET Identity</a:t>
+            </a:r>
+          </a:p>
+          <a:p>
+            <a:pPr marL="0" indent="0">
+              <a:buNone/>
+            </a:pPr>
+            <a:endParaRPr lang="nl-BE" dirty="0">
+              <a:solidFill>
+                <a:schemeClr val="tx1"/>
+              </a:solidFill>
+            </a:endParaRPr>
+          </a:p>
+          <a:p>
+            <a:pPr>
+              <a:buFont typeface="Wingdings" panose="05000000000000000000" pitchFamily="2" charset="2"/>
+              <a:buChar char="§"/>
+            </a:pPr>
+            <a:r>
+              <a:rPr lang="nl-BE" dirty="0">
+                <a:solidFill>
+                  <a:schemeClr val="tx1"/>
+                </a:solidFill>
+              </a:rPr>
+              <a:t> Authenticatie en autorisatie</a:t>
+            </a:r>
+          </a:p>
+          <a:p>
+            <a:pPr marL="0" indent="0">
+              <a:buNone/>
+            </a:pPr>
+            <a:endParaRPr lang="nl-BE" dirty="0">
+              <a:solidFill>
+                <a:schemeClr val="tx1"/>
+              </a:solidFill>
+            </a:endParaRPr>
+          </a:p>
+          <a:p>
+            <a:pPr marL="514350" indent="-514350">
+              <a:buFont typeface="+mj-lt"/>
+              <a:buAutoNum type="arabicParenR"/>
+            </a:pPr>
+            <a:endParaRPr lang="nl-BE" sz="2400" dirty="0"/>
+          </a:p>
+        </p:txBody>
+      </p:sp>
+      <p:pic>
+        <p:nvPicPr>
+          <p:cNvPr id="13" name="Afbeelding 12" descr="Afbeelding met schermafbeelding&#10;&#10;Automatisch gegenereerde beschrijving">
+            <a:extLst>
+              <a:ext uri="{FF2B5EF4-FFF2-40B4-BE49-F238E27FC236}">
+                <a16:creationId xmlns:a16="http://schemas.microsoft.com/office/drawing/2014/main" id="{3B1A1760-CEFD-4CA0-B515-46CF76BC501D}"/>
+              </a:ext>
+            </a:extLst>
+          </p:cNvPr>
+          <p:cNvPicPr>
+            <a:picLocks noChangeAspect="1"/>
+          </p:cNvPicPr>
+          <p:nvPr/>
+        </p:nvPicPr>
+        <p:blipFill>
+          <a:blip r:embed="rId2">
+            <a:extLst>
+              <a:ext uri="{28A0092B-C50C-407E-A947-70E740481C1C}">
+                <a14:useLocalDpi xmlns:a14="http://schemas.microsoft.com/office/drawing/2010/main" val="0"/>
+              </a:ext>
+            </a:extLst>
+          </a:blip>
+          <a:stretch>
+            <a:fillRect/>
+          </a:stretch>
+        </p:blipFill>
+        <p:spPr>
+          <a:xfrm>
+            <a:off x="6489029" y="1420584"/>
+            <a:ext cx="4045694" cy="3147370"/>
+          </a:xfrm>
+          <a:prstGeom prst="rect">
+            <a:avLst/>
+          </a:prstGeom>
+        </p:spPr>
+      </p:pic>
+    </p:spTree>
+    <p:extLst>
+      <p:ext uri="{BB962C8B-B14F-4D97-AF65-F5344CB8AC3E}">
+        <p14:creationId xmlns:p14="http://schemas.microsoft.com/office/powerpoint/2010/main" val="4257750245"/>
+      </p:ext>
+    </p:extLst>
+  </p:cSld>
+  <p:clrMapOvr>
+    <a:masterClrMapping/>
+  </p:clrMapOvr>
+  <p:timing>
+    <p:tnLst>
+      <p:par>
+        <p:cTn id="1" dur="indefinite" restart="never" nodeType="tmRoot">
+          <p:childTnLst>
+            <p:seq concurrent="1" nextAc="seek">
+              <p:cTn id="2" dur="indefinite" nodeType="mainSeq">
+                <p:childTnLst>
                   <p:par>
-                    <p:cTn id="23" fill="hold">
+                    <p:cTn id="3" fill="hold">
                       <p:stCondLst>
                         <p:cond delay="indefinite"/>
                       </p:stCondLst>
                       <p:childTnLst>
                         <p:par>
-                          <p:cTn id="24" fill="hold">
+                          <p:cTn id="4" fill="hold">
                             <p:stCondLst>
                               <p:cond delay="0"/>
                             </p:stCondLst>
                             <p:childTnLst>
                               <p:par>
-                                <p:cTn id="25" presetID="10" presetClass="entr" presetSubtype="0" fill="hold" nodeType="clickEffect">
+                                <p:cTn id="5" presetID="10" presetClass="entr" presetSubtype="0" fill="hold" nodeType="clickEffect">
                                   <p:stCondLst>
                                     <p:cond delay="0"/>
                                   </p:stCondLst>
                                   <p:childTnLst>
                                     <p:set>
                                       <p:cBhvr>
-                                        <p:cTn id="26" dur="1" fill="hold">
+                                        <p:cTn id="6" dur="1" fill="hold">
                                           <p:stCondLst>
                                             <p:cond delay="0"/>
                                           </p:stCondLst>
                                         </p:cTn>
                                         <p:tgtEl>
-                                          <p:spTgt spid="8">
+                                          <p:spTgt spid="12">
                                             <p:txEl>
-                                              <p:pRg st="8" end="8"/>
+                                              <p:pRg st="0" end="0"/>
                                             </p:txEl>
                                           </p:spTgt>
                                         </p:tgtEl>
@@ -12808,11 +9583,11 @@
                                     </p:set>
                                     <p:animEffect transition="in" filter="fade">
                                       <p:cBhvr>
-                                        <p:cTn id="27" dur="500"/>
+                                        <p:cTn id="7" dur="500"/>
                                         <p:tgtEl>
-                                          <p:spTgt spid="8">
+                                          <p:spTgt spid="12">
                                             <p:txEl>
-                                              <p:pRg st="8" end="8"/>
+                                              <p:pRg st="0" end="0"/>
                                             </p:txEl>
                                           </p:spTgt>
                                         </p:tgtEl>
@@ -12828,34 +9603,34 @@
                     </p:cTn>
                   </p:par>
                   <p:par>
-                    <p:cTn id="28" fill="hold">
+                    <p:cTn id="8" fill="hold">
                       <p:stCondLst>
                         <p:cond delay="indefinite"/>
                       </p:stCondLst>
                       <p:childTnLst>
                         <p:par>
-                          <p:cTn id="29" fill="hold">
+                          <p:cTn id="9" fill="hold">
                             <p:stCondLst>
                               <p:cond delay="0"/>
                             </p:stCondLst>
                             <p:childTnLst>
                               <p:par>
-                                <p:cTn id="30" presetID="10" presetClass="entr" presetSubtype="0" fill="hold" nodeType="clickEffect">
+                                <p:cTn id="10" presetID="10" presetClass="entr" presetSubtype="0" fill="hold" nodeType="clickEffect">
                                   <p:stCondLst>
                                     <p:cond delay="0"/>
                                   </p:stCondLst>
                                   <p:childTnLst>
                                     <p:set>
                                       <p:cBhvr>
-                                        <p:cTn id="31" dur="1" fill="hold">
+                                        <p:cTn id="11" dur="1" fill="hold">
                                           <p:stCondLst>
                                             <p:cond delay="0"/>
                                           </p:stCondLst>
                                         </p:cTn>
                                         <p:tgtEl>
-                                          <p:spTgt spid="8">
+                                          <p:spTgt spid="12">
                                             <p:txEl>
-                                              <p:pRg st="10" end="10"/>
+                                              <p:pRg st="2" end="2"/>
                                             </p:txEl>
                                           </p:spTgt>
                                         </p:tgtEl>
@@ -12869,11 +9644,3172 @@
                                     </p:set>
                                     <p:animEffect transition="in" filter="fade">
                                       <p:cBhvr>
-                                        <p:cTn id="32" dur="500"/>
+                                        <p:cTn id="12" dur="500"/>
+                                        <p:tgtEl>
+                                          <p:spTgt spid="12">
+                                            <p:txEl>
+                                              <p:pRg st="2" end="2"/>
+                                            </p:txEl>
+                                          </p:spTgt>
+                                        </p:tgtEl>
+                                      </p:cBhvr>
+                                    </p:animEffect>
+                                  </p:childTnLst>
+                                </p:cTn>
+                              </p:par>
+                            </p:childTnLst>
+                          </p:cTn>
+                        </p:par>
+                      </p:childTnLst>
+                    </p:cTn>
+                  </p:par>
+                  <p:par>
+                    <p:cTn id="13" fill="hold">
+                      <p:stCondLst>
+                        <p:cond delay="indefinite"/>
+                      </p:stCondLst>
+                      <p:childTnLst>
+                        <p:par>
+                          <p:cTn id="14" fill="hold">
+                            <p:stCondLst>
+                              <p:cond delay="0"/>
+                            </p:stCondLst>
+                            <p:childTnLst>
+                              <p:par>
+                                <p:cTn id="15" presetID="10" presetClass="entr" presetSubtype="0" fill="hold" nodeType="clickEffect">
+                                  <p:stCondLst>
+                                    <p:cond delay="0"/>
+                                  </p:stCondLst>
+                                  <p:childTnLst>
+                                    <p:set>
+                                      <p:cBhvr>
+                                        <p:cTn id="16" dur="1" fill="hold">
+                                          <p:stCondLst>
+                                            <p:cond delay="0"/>
+                                          </p:stCondLst>
+                                        </p:cTn>
+                                        <p:tgtEl>
+                                          <p:spTgt spid="13"/>
+                                        </p:tgtEl>
+                                        <p:attrNameLst>
+                                          <p:attrName>style.visibility</p:attrName>
+                                        </p:attrNameLst>
+                                      </p:cBhvr>
+                                      <p:to>
+                                        <p:strVal val="visible"/>
+                                      </p:to>
+                                    </p:set>
+                                    <p:animEffect transition="in" filter="fade">
+                                      <p:cBhvr>
+                                        <p:cTn id="17" dur="500"/>
+                                        <p:tgtEl>
+                                          <p:spTgt spid="13"/>
+                                        </p:tgtEl>
+                                      </p:cBhvr>
+                                    </p:animEffect>
+                                  </p:childTnLst>
+                                </p:cTn>
+                              </p:par>
+                            </p:childTnLst>
+                          </p:cTn>
+                        </p:par>
+                      </p:childTnLst>
+                    </p:cTn>
+                  </p:par>
+                </p:childTnLst>
+              </p:cTn>
+              <p:prevCondLst>
+                <p:cond evt="onPrev" delay="0">
+                  <p:tgtEl>
+                    <p:sldTgt/>
+                  </p:tgtEl>
+                </p:cond>
+              </p:prevCondLst>
+              <p:nextCondLst>
+                <p:cond evt="onNext" delay="0">
+                  <p:tgtEl>
+                    <p:sldTgt/>
+                  </p:tgtEl>
+                </p:cond>
+              </p:nextCondLst>
+            </p:seq>
+          </p:childTnLst>
+        </p:cTn>
+      </p:par>
+    </p:tnLst>
+  </p:timing>
+</p:sld>
+</file>
+
+<file path=ppt/slides/slide16.xml><?xml version="1.0" encoding="utf-8"?>
+<p:sld xmlns:a="http://schemas.openxmlformats.org/drawingml/2006/main" xmlns:r="http://schemas.openxmlformats.org/officeDocument/2006/relationships" xmlns:p="http://schemas.openxmlformats.org/presentationml/2006/main">
+  <p:cSld>
+    <p:spTree>
+      <p:nvGrpSpPr>
+        <p:cNvPr id="1" name=""/>
+        <p:cNvGrpSpPr/>
+        <p:nvPr/>
+      </p:nvGrpSpPr>
+      <p:grpSpPr>
+        <a:xfrm>
+          <a:off x="0" y="0"/>
+          <a:ext cx="0" cy="0"/>
+          <a:chOff x="0" y="0"/>
+          <a:chExt cx="0" cy="0"/>
+        </a:xfrm>
+      </p:grpSpPr>
+      <p:sp>
+        <p:nvSpPr>
+          <p:cNvPr id="4" name="Tijdelijke aanduiding voor datum 3"/>
+          <p:cNvSpPr>
+            <a:spLocks noGrp="1"/>
+          </p:cNvSpPr>
+          <p:nvPr>
+            <p:ph type="dt" sz="half" idx="10"/>
+          </p:nvPr>
+        </p:nvSpPr>
+        <p:spPr>
+          <a:xfrm>
+            <a:off x="313508" y="6459783"/>
+            <a:ext cx="2472271" cy="365125"/>
+          </a:xfrm>
+        </p:spPr>
+        <p:txBody>
+          <a:bodyPr/>
+          <a:lstStyle/>
+          <a:p>
+            <a:r>
+              <a:rPr lang="nl-BE" sz="1400" dirty="0"/>
+              <a:t>Niels Hauttekeete</a:t>
+            </a:r>
+            <a:endParaRPr lang="nl-BE" sz="800" dirty="0"/>
+          </a:p>
+        </p:txBody>
+      </p:sp>
+      <p:sp>
+        <p:nvSpPr>
+          <p:cNvPr id="5" name="Tijdelijke aanduiding voor voettekst 4"/>
+          <p:cNvSpPr>
+            <a:spLocks noGrp="1"/>
+          </p:cNvSpPr>
+          <p:nvPr>
+            <p:ph type="ftr" sz="quarter" idx="11"/>
+          </p:nvPr>
+        </p:nvSpPr>
+        <p:spPr>
+          <a:xfrm>
+            <a:off x="2191294" y="6459784"/>
+            <a:ext cx="7870372" cy="365125"/>
+          </a:xfrm>
+        </p:spPr>
+        <p:txBody>
+          <a:bodyPr/>
+          <a:lstStyle/>
+          <a:p>
+            <a:r>
+              <a:rPr lang="en-GB" sz="1400" cap="none" dirty="0"/>
+              <a:t>Deployment diagram –</a:t>
+            </a:r>
+            <a:r>
+              <a:rPr lang="en-GB" sz="1600" b="1" cap="none" dirty="0"/>
+              <a:t> </a:t>
+            </a:r>
+            <a:r>
+              <a:rPr lang="en-GB" sz="1400" cap="none" dirty="0"/>
+              <a:t>Databank</a:t>
+            </a:r>
+            <a:r>
+              <a:rPr lang="en-GB" sz="1600" b="1" cap="none" dirty="0"/>
+              <a:t> </a:t>
+            </a:r>
+            <a:r>
+              <a:rPr lang="en-GB" sz="1400" cap="none" dirty="0"/>
+              <a:t>– ASP.NET MVC – </a:t>
+            </a:r>
+            <a:r>
+              <a:rPr lang="en-GB" sz="1600" b="1" cap="none" dirty="0" err="1"/>
+              <a:t>Inlogsysteem</a:t>
+            </a:r>
+            <a:r>
+              <a:rPr lang="en-GB" sz="1400" cap="none" dirty="0"/>
+              <a:t> – Future work</a:t>
+            </a:r>
+            <a:endParaRPr lang="nl-BE" sz="1400" cap="none" dirty="0"/>
+          </a:p>
+        </p:txBody>
+      </p:sp>
+      <p:sp>
+        <p:nvSpPr>
+          <p:cNvPr id="6" name="Tijdelijke aanduiding voor dianummer 5"/>
+          <p:cNvSpPr>
+            <a:spLocks noGrp="1"/>
+          </p:cNvSpPr>
+          <p:nvPr>
+            <p:ph type="sldNum" sz="quarter" idx="12"/>
+          </p:nvPr>
+        </p:nvSpPr>
+        <p:spPr>
+          <a:xfrm>
+            <a:off x="10613571" y="6459785"/>
+            <a:ext cx="598912" cy="365125"/>
+          </a:xfrm>
+        </p:spPr>
+        <p:txBody>
+          <a:bodyPr/>
+          <a:lstStyle/>
+          <a:p>
+            <a:fld id="{535572C1-3FAA-4346-9330-03EF25016D70}" type="slidenum">
+              <a:rPr lang="nl-BE" sz="1600" smtClean="0"/>
+              <a:t>16</a:t>
+            </a:fld>
+            <a:endParaRPr lang="nl-BE" sz="1600" dirty="0"/>
+          </a:p>
+        </p:txBody>
+      </p:sp>
+      <p:cxnSp>
+        <p:nvCxnSpPr>
+          <p:cNvPr id="10" name="Rechte verbindingslijn 9"/>
+          <p:cNvCxnSpPr/>
+          <p:nvPr/>
+        </p:nvCxnSpPr>
+        <p:spPr>
+          <a:xfrm>
+            <a:off x="1097280" y="1045030"/>
+            <a:ext cx="10210256" cy="0"/>
+          </a:xfrm>
+          <a:prstGeom prst="line">
+            <a:avLst/>
+          </a:prstGeom>
+          <a:ln>
+            <a:solidFill>
+              <a:schemeClr val="bg1">
+                <a:lumMod val="65000"/>
+              </a:schemeClr>
+            </a:solidFill>
+          </a:ln>
+        </p:spPr>
+        <p:style>
+          <a:lnRef idx="1">
+            <a:schemeClr val="accent1"/>
+          </a:lnRef>
+          <a:fillRef idx="0">
+            <a:schemeClr val="accent1"/>
+          </a:fillRef>
+          <a:effectRef idx="0">
+            <a:schemeClr val="accent1"/>
+          </a:effectRef>
+          <a:fontRef idx="minor">
+            <a:schemeClr val="tx1"/>
+          </a:fontRef>
+        </p:style>
+      </p:cxnSp>
+      <p:sp>
+        <p:nvSpPr>
+          <p:cNvPr id="11" name="Titel 1"/>
+          <p:cNvSpPr txBox="1">
+            <a:spLocks/>
+          </p:cNvSpPr>
+          <p:nvPr/>
+        </p:nvSpPr>
+        <p:spPr>
+          <a:xfrm>
+            <a:off x="1097280" y="286604"/>
+            <a:ext cx="10058400" cy="758426"/>
+          </a:xfrm>
+          <a:prstGeom prst="rect">
+            <a:avLst/>
+          </a:prstGeom>
+        </p:spPr>
+        <p:txBody>
+          <a:bodyPr anchor="ctr"/>
+          <a:lstStyle>
+            <a:lvl1pPr algn="l" defTabSz="914400" rtl="0" eaLnBrk="1" latinLnBrk="0" hangingPunct="1">
+              <a:lnSpc>
+                <a:spcPct val="85000"/>
+              </a:lnSpc>
+              <a:spcBef>
+                <a:spcPct val="0"/>
+              </a:spcBef>
+              <a:buNone/>
+              <a:defRPr sz="4800" kern="1200" spc="-50" baseline="0">
+                <a:solidFill>
+                  <a:schemeClr val="tx1">
+                    <a:lumMod val="75000"/>
+                    <a:lumOff val="25000"/>
+                  </a:schemeClr>
+                </a:solidFill>
+                <a:latin typeface="+mj-lt"/>
+                <a:ea typeface="+mj-ea"/>
+                <a:cs typeface="+mj-cs"/>
+              </a:defRPr>
+            </a:lvl1pPr>
+          </a:lstStyle>
+          <a:p>
+            <a:r>
+              <a:rPr lang="en-GB" dirty="0" err="1">
+                <a:solidFill>
+                  <a:schemeClr val="tx1"/>
+                </a:solidFill>
+              </a:rPr>
+              <a:t>Logintabellen</a:t>
+            </a:r>
+            <a:endParaRPr lang="nl-BE" dirty="0">
+              <a:solidFill>
+                <a:schemeClr val="tx1"/>
+              </a:solidFill>
+            </a:endParaRPr>
+          </a:p>
+        </p:txBody>
+      </p:sp>
+      <p:sp>
+        <p:nvSpPr>
+          <p:cNvPr id="8" name="Tijdelijke aanduiding voor inhoud 2">
+            <a:extLst>
+              <a:ext uri="{FF2B5EF4-FFF2-40B4-BE49-F238E27FC236}">
+                <a16:creationId xmlns:a16="http://schemas.microsoft.com/office/drawing/2014/main" id="{6F369E50-FD53-4A8F-BEB4-927F2DB729E9}"/>
+              </a:ext>
+            </a:extLst>
+          </p:cNvPr>
+          <p:cNvSpPr txBox="1">
+            <a:spLocks/>
+          </p:cNvSpPr>
+          <p:nvPr/>
+        </p:nvSpPr>
+        <p:spPr>
+          <a:xfrm>
+            <a:off x="965943" y="1528153"/>
+            <a:ext cx="6601047" cy="4448507"/>
+          </a:xfrm>
+          <a:prstGeom prst="rect">
+            <a:avLst/>
+          </a:prstGeom>
+        </p:spPr>
+        <p:txBody>
+          <a:bodyPr>
+            <a:normAutofit/>
+          </a:bodyPr>
+          <a:lstStyle>
+            <a:lvl1pPr marL="91440" indent="-91440" algn="l" defTabSz="914400" rtl="0" eaLnBrk="1" latinLnBrk="0" hangingPunct="1">
+              <a:lnSpc>
+                <a:spcPct val="90000"/>
+              </a:lnSpc>
+              <a:spcBef>
+                <a:spcPts val="1200"/>
+              </a:spcBef>
+              <a:spcAft>
+                <a:spcPts val="200"/>
+              </a:spcAft>
+              <a:buClr>
+                <a:schemeClr val="accent1"/>
+              </a:buClr>
+              <a:buSzPct val="100000"/>
+              <a:buFont typeface="Calibri" panose="020F0502020204030204" pitchFamily="34" charset="0"/>
+              <a:buChar char=" "/>
+              <a:defRPr sz="2000" kern="1200">
+                <a:solidFill>
+                  <a:schemeClr val="tx1">
+                    <a:lumMod val="75000"/>
+                    <a:lumOff val="25000"/>
+                  </a:schemeClr>
+                </a:solidFill>
+                <a:latin typeface="+mn-lt"/>
+                <a:ea typeface="+mn-ea"/>
+                <a:cs typeface="+mn-cs"/>
+              </a:defRPr>
+            </a:lvl1pPr>
+            <a:lvl2pPr marL="384048" indent="-182880" algn="l" defTabSz="914400" rtl="0" eaLnBrk="1" latinLnBrk="0" hangingPunct="1">
+              <a:lnSpc>
+                <a:spcPct val="90000"/>
+              </a:lnSpc>
+              <a:spcBef>
+                <a:spcPts val="200"/>
+              </a:spcBef>
+              <a:spcAft>
+                <a:spcPts val="400"/>
+              </a:spcAft>
+              <a:buClr>
+                <a:schemeClr val="accent1"/>
+              </a:buClr>
+              <a:buFont typeface="Calibri" pitchFamily="34" charset="0"/>
+              <a:buChar char="◦"/>
+              <a:defRPr sz="1800" kern="1200">
+                <a:solidFill>
+                  <a:schemeClr val="tx1">
+                    <a:lumMod val="75000"/>
+                    <a:lumOff val="25000"/>
+                  </a:schemeClr>
+                </a:solidFill>
+                <a:latin typeface="+mn-lt"/>
+                <a:ea typeface="+mn-ea"/>
+                <a:cs typeface="+mn-cs"/>
+              </a:defRPr>
+            </a:lvl2pPr>
+            <a:lvl3pPr marL="566928" indent="-182880" algn="l" defTabSz="914400" rtl="0" eaLnBrk="1" latinLnBrk="0" hangingPunct="1">
+              <a:lnSpc>
+                <a:spcPct val="90000"/>
+              </a:lnSpc>
+              <a:spcBef>
+                <a:spcPts val="200"/>
+              </a:spcBef>
+              <a:spcAft>
+                <a:spcPts val="400"/>
+              </a:spcAft>
+              <a:buClr>
+                <a:schemeClr val="accent1"/>
+              </a:buClr>
+              <a:buFont typeface="Calibri" pitchFamily="34" charset="0"/>
+              <a:buChar char="◦"/>
+              <a:defRPr sz="1400" kern="1200">
+                <a:solidFill>
+                  <a:schemeClr val="tx1">
+                    <a:lumMod val="75000"/>
+                    <a:lumOff val="25000"/>
+                  </a:schemeClr>
+                </a:solidFill>
+                <a:latin typeface="+mn-lt"/>
+                <a:ea typeface="+mn-ea"/>
+                <a:cs typeface="+mn-cs"/>
+              </a:defRPr>
+            </a:lvl3pPr>
+            <a:lvl4pPr marL="749808" indent="-182880" algn="l" defTabSz="914400" rtl="0" eaLnBrk="1" latinLnBrk="0" hangingPunct="1">
+              <a:lnSpc>
+                <a:spcPct val="90000"/>
+              </a:lnSpc>
+              <a:spcBef>
+                <a:spcPts val="200"/>
+              </a:spcBef>
+              <a:spcAft>
+                <a:spcPts val="400"/>
+              </a:spcAft>
+              <a:buClr>
+                <a:schemeClr val="accent1"/>
+              </a:buClr>
+              <a:buFont typeface="Calibri" pitchFamily="34" charset="0"/>
+              <a:buChar char="◦"/>
+              <a:defRPr sz="1400" kern="1200">
+                <a:solidFill>
+                  <a:schemeClr val="tx1">
+                    <a:lumMod val="75000"/>
+                    <a:lumOff val="25000"/>
+                  </a:schemeClr>
+                </a:solidFill>
+                <a:latin typeface="+mn-lt"/>
+                <a:ea typeface="+mn-ea"/>
+                <a:cs typeface="+mn-cs"/>
+              </a:defRPr>
+            </a:lvl4pPr>
+            <a:lvl5pPr marL="932688" indent="-182880" algn="l" defTabSz="914400" rtl="0" eaLnBrk="1" latinLnBrk="0" hangingPunct="1">
+              <a:lnSpc>
+                <a:spcPct val="90000"/>
+              </a:lnSpc>
+              <a:spcBef>
+                <a:spcPts val="200"/>
+              </a:spcBef>
+              <a:spcAft>
+                <a:spcPts val="400"/>
+              </a:spcAft>
+              <a:buClr>
+                <a:schemeClr val="accent1"/>
+              </a:buClr>
+              <a:buFont typeface="Calibri" pitchFamily="34" charset="0"/>
+              <a:buChar char="◦"/>
+              <a:defRPr sz="1400" kern="1200">
+                <a:solidFill>
+                  <a:schemeClr val="tx1">
+                    <a:lumMod val="75000"/>
+                    <a:lumOff val="25000"/>
+                  </a:schemeClr>
+                </a:solidFill>
+                <a:latin typeface="+mn-lt"/>
+                <a:ea typeface="+mn-ea"/>
+                <a:cs typeface="+mn-cs"/>
+              </a:defRPr>
+            </a:lvl5pPr>
+            <a:lvl6pPr marL="1100000" indent="-228600" algn="l" defTabSz="914400" rtl="0" eaLnBrk="1" latinLnBrk="0" hangingPunct="1">
+              <a:lnSpc>
+                <a:spcPct val="90000"/>
+              </a:lnSpc>
+              <a:spcBef>
+                <a:spcPts val="200"/>
+              </a:spcBef>
+              <a:spcAft>
+                <a:spcPts val="400"/>
+              </a:spcAft>
+              <a:buClr>
+                <a:schemeClr val="accent1"/>
+              </a:buClr>
+              <a:buFont typeface="Calibri" pitchFamily="34" charset="0"/>
+              <a:buChar char="◦"/>
+              <a:defRPr sz="1400" kern="1200">
+                <a:solidFill>
+                  <a:schemeClr val="tx1">
+                    <a:lumMod val="75000"/>
+                    <a:lumOff val="25000"/>
+                  </a:schemeClr>
+                </a:solidFill>
+                <a:latin typeface="+mn-lt"/>
+                <a:ea typeface="+mn-ea"/>
+                <a:cs typeface="+mn-cs"/>
+              </a:defRPr>
+            </a:lvl6pPr>
+            <a:lvl7pPr marL="1300000" indent="-228600" algn="l" defTabSz="914400" rtl="0" eaLnBrk="1" latinLnBrk="0" hangingPunct="1">
+              <a:lnSpc>
+                <a:spcPct val="90000"/>
+              </a:lnSpc>
+              <a:spcBef>
+                <a:spcPts val="200"/>
+              </a:spcBef>
+              <a:spcAft>
+                <a:spcPts val="400"/>
+              </a:spcAft>
+              <a:buClr>
+                <a:schemeClr val="accent1"/>
+              </a:buClr>
+              <a:buFont typeface="Calibri" pitchFamily="34" charset="0"/>
+              <a:buChar char="◦"/>
+              <a:defRPr sz="1400" kern="1200">
+                <a:solidFill>
+                  <a:schemeClr val="tx1">
+                    <a:lumMod val="75000"/>
+                    <a:lumOff val="25000"/>
+                  </a:schemeClr>
+                </a:solidFill>
+                <a:latin typeface="+mn-lt"/>
+                <a:ea typeface="+mn-ea"/>
+                <a:cs typeface="+mn-cs"/>
+              </a:defRPr>
+            </a:lvl7pPr>
+            <a:lvl8pPr marL="1500000" indent="-228600" algn="l" defTabSz="914400" rtl="0" eaLnBrk="1" latinLnBrk="0" hangingPunct="1">
+              <a:lnSpc>
+                <a:spcPct val="90000"/>
+              </a:lnSpc>
+              <a:spcBef>
+                <a:spcPts val="200"/>
+              </a:spcBef>
+              <a:spcAft>
+                <a:spcPts val="400"/>
+              </a:spcAft>
+              <a:buClr>
+                <a:schemeClr val="accent1"/>
+              </a:buClr>
+              <a:buFont typeface="Calibri" pitchFamily="34" charset="0"/>
+              <a:buChar char="◦"/>
+              <a:defRPr sz="1400" kern="1200">
+                <a:solidFill>
+                  <a:schemeClr val="tx1">
+                    <a:lumMod val="75000"/>
+                    <a:lumOff val="25000"/>
+                  </a:schemeClr>
+                </a:solidFill>
+                <a:latin typeface="+mn-lt"/>
+                <a:ea typeface="+mn-ea"/>
+                <a:cs typeface="+mn-cs"/>
+              </a:defRPr>
+            </a:lvl8pPr>
+            <a:lvl9pPr marL="1700000" indent="-228600" algn="l" defTabSz="914400" rtl="0" eaLnBrk="1" latinLnBrk="0" hangingPunct="1">
+              <a:lnSpc>
+                <a:spcPct val="90000"/>
+              </a:lnSpc>
+              <a:spcBef>
+                <a:spcPts val="200"/>
+              </a:spcBef>
+              <a:spcAft>
+                <a:spcPts val="400"/>
+              </a:spcAft>
+              <a:buClr>
+                <a:schemeClr val="accent1"/>
+              </a:buClr>
+              <a:buFont typeface="Calibri" pitchFamily="34" charset="0"/>
+              <a:buChar char="◦"/>
+              <a:defRPr sz="1400" kern="1200">
+                <a:solidFill>
+                  <a:schemeClr val="tx1">
+                    <a:lumMod val="75000"/>
+                    <a:lumOff val="25000"/>
+                  </a:schemeClr>
+                </a:solidFill>
+                <a:latin typeface="+mn-lt"/>
+                <a:ea typeface="+mn-ea"/>
+                <a:cs typeface="+mn-cs"/>
+              </a:defRPr>
+            </a:lvl9pPr>
+          </a:lstStyle>
+          <a:p>
+            <a:pPr lvl="1">
+              <a:buFont typeface="Wingdings" panose="05000000000000000000" pitchFamily="2" charset="2"/>
+              <a:buChar char="§"/>
+            </a:pPr>
+            <a:r>
+              <a:rPr lang="en-GB" sz="2000" dirty="0" err="1">
+                <a:solidFill>
+                  <a:schemeClr val="tx1"/>
+                </a:solidFill>
+              </a:rPr>
+              <a:t>Tabellen</a:t>
+            </a:r>
+            <a:r>
+              <a:rPr lang="en-GB" sz="2000" dirty="0">
+                <a:solidFill>
+                  <a:schemeClr val="tx1"/>
+                </a:solidFill>
+              </a:rPr>
+              <a:t> </a:t>
+            </a:r>
+            <a:r>
+              <a:rPr lang="en-GB" sz="2000" dirty="0" err="1">
+                <a:solidFill>
+                  <a:schemeClr val="tx1"/>
+                </a:solidFill>
+              </a:rPr>
+              <a:t>voor</a:t>
+            </a:r>
+            <a:r>
+              <a:rPr lang="en-GB" sz="2000" dirty="0">
+                <a:solidFill>
+                  <a:schemeClr val="tx1"/>
+                </a:solidFill>
+              </a:rPr>
+              <a:t> </a:t>
+            </a:r>
+            <a:r>
+              <a:rPr lang="en-GB" sz="2000" dirty="0" err="1">
+                <a:solidFill>
+                  <a:schemeClr val="tx1"/>
+                </a:solidFill>
+              </a:rPr>
+              <a:t>loginfunctionaliteit</a:t>
+            </a:r>
+            <a:endParaRPr lang="nl-BE" sz="2400" dirty="0"/>
+          </a:p>
+        </p:txBody>
+      </p:sp>
+      <p:pic>
+        <p:nvPicPr>
+          <p:cNvPr id="3" name="Afbeelding 2">
+            <a:extLst>
+              <a:ext uri="{FF2B5EF4-FFF2-40B4-BE49-F238E27FC236}">
+                <a16:creationId xmlns:a16="http://schemas.microsoft.com/office/drawing/2014/main" id="{415B2642-349A-46CA-877A-DF1A0A32E00C}"/>
+              </a:ext>
+            </a:extLst>
+          </p:cNvPr>
+          <p:cNvPicPr>
+            <a:picLocks noChangeAspect="1"/>
+          </p:cNvPicPr>
+          <p:nvPr/>
+        </p:nvPicPr>
+        <p:blipFill>
+          <a:blip r:embed="rId2">
+            <a:extLst>
+              <a:ext uri="{28A0092B-C50C-407E-A947-70E740481C1C}">
+                <a14:useLocalDpi xmlns:a14="http://schemas.microsoft.com/office/drawing/2010/main" val="0"/>
+              </a:ext>
+            </a:extLst>
+          </a:blip>
+          <a:stretch>
+            <a:fillRect/>
+          </a:stretch>
+        </p:blipFill>
+        <p:spPr>
+          <a:xfrm>
+            <a:off x="3905182" y="2006208"/>
+            <a:ext cx="7614389" cy="3970435"/>
+          </a:xfrm>
+          <a:prstGeom prst="rect">
+            <a:avLst/>
+          </a:prstGeom>
+        </p:spPr>
+      </p:pic>
+    </p:spTree>
+    <p:extLst>
+      <p:ext uri="{BB962C8B-B14F-4D97-AF65-F5344CB8AC3E}">
+        <p14:creationId xmlns:p14="http://schemas.microsoft.com/office/powerpoint/2010/main" val="2372307100"/>
+      </p:ext>
+    </p:extLst>
+  </p:cSld>
+  <p:clrMapOvr>
+    <a:masterClrMapping/>
+  </p:clrMapOvr>
+  <p:timing>
+    <p:tnLst>
+      <p:par>
+        <p:cTn id="1" dur="indefinite" restart="never" nodeType="tmRoot">
+          <p:childTnLst>
+            <p:seq concurrent="1" nextAc="seek">
+              <p:cTn id="2" dur="indefinite" nodeType="mainSeq">
+                <p:childTnLst>
+                  <p:par>
+                    <p:cTn id="3" fill="hold">
+                      <p:stCondLst>
+                        <p:cond delay="indefinite"/>
+                      </p:stCondLst>
+                      <p:childTnLst>
+                        <p:par>
+                          <p:cTn id="4" fill="hold">
+                            <p:stCondLst>
+                              <p:cond delay="0"/>
+                            </p:stCondLst>
+                            <p:childTnLst>
+                              <p:par>
+                                <p:cTn id="5" presetID="10" presetClass="entr" presetSubtype="0" fill="hold" nodeType="clickEffect">
+                                  <p:stCondLst>
+                                    <p:cond delay="0"/>
+                                  </p:stCondLst>
+                                  <p:childTnLst>
+                                    <p:set>
+                                      <p:cBhvr>
+                                        <p:cTn id="6" dur="1" fill="hold">
+                                          <p:stCondLst>
+                                            <p:cond delay="0"/>
+                                          </p:stCondLst>
+                                        </p:cTn>
                                         <p:tgtEl>
                                           <p:spTgt spid="8">
                                             <p:txEl>
-                                              <p:pRg st="10" end="10"/>
+                                              <p:pRg st="0" end="0"/>
+                                            </p:txEl>
+                                          </p:spTgt>
+                                        </p:tgtEl>
+                                        <p:attrNameLst>
+                                          <p:attrName>style.visibility</p:attrName>
+                                        </p:attrNameLst>
+                                      </p:cBhvr>
+                                      <p:to>
+                                        <p:strVal val="visible"/>
+                                      </p:to>
+                                    </p:set>
+                                    <p:animEffect transition="in" filter="fade">
+                                      <p:cBhvr>
+                                        <p:cTn id="7" dur="500"/>
+                                        <p:tgtEl>
+                                          <p:spTgt spid="8">
+                                            <p:txEl>
+                                              <p:pRg st="0" end="0"/>
+                                            </p:txEl>
+                                          </p:spTgt>
+                                        </p:tgtEl>
+                                      </p:cBhvr>
+                                    </p:animEffect>
+                                  </p:childTnLst>
+                                </p:cTn>
+                              </p:par>
+                              <p:par>
+                                <p:cTn id="8" presetID="10" presetClass="entr" presetSubtype="0" fill="hold" nodeType="withEffect">
+                                  <p:stCondLst>
+                                    <p:cond delay="0"/>
+                                  </p:stCondLst>
+                                  <p:childTnLst>
+                                    <p:set>
+                                      <p:cBhvr>
+                                        <p:cTn id="9" dur="1" fill="hold">
+                                          <p:stCondLst>
+                                            <p:cond delay="0"/>
+                                          </p:stCondLst>
+                                        </p:cTn>
+                                        <p:tgtEl>
+                                          <p:spTgt spid="3"/>
+                                        </p:tgtEl>
+                                        <p:attrNameLst>
+                                          <p:attrName>style.visibility</p:attrName>
+                                        </p:attrNameLst>
+                                      </p:cBhvr>
+                                      <p:to>
+                                        <p:strVal val="visible"/>
+                                      </p:to>
+                                    </p:set>
+                                    <p:animEffect transition="in" filter="fade">
+                                      <p:cBhvr>
+                                        <p:cTn id="10" dur="500"/>
+                                        <p:tgtEl>
+                                          <p:spTgt spid="3"/>
+                                        </p:tgtEl>
+                                      </p:cBhvr>
+                                    </p:animEffect>
+                                  </p:childTnLst>
+                                </p:cTn>
+                              </p:par>
+                            </p:childTnLst>
+                          </p:cTn>
+                        </p:par>
+                      </p:childTnLst>
+                    </p:cTn>
+                  </p:par>
+                </p:childTnLst>
+              </p:cTn>
+              <p:prevCondLst>
+                <p:cond evt="onPrev" delay="0">
+                  <p:tgtEl>
+                    <p:sldTgt/>
+                  </p:tgtEl>
+                </p:cond>
+              </p:prevCondLst>
+              <p:nextCondLst>
+                <p:cond evt="onNext" delay="0">
+                  <p:tgtEl>
+                    <p:sldTgt/>
+                  </p:tgtEl>
+                </p:cond>
+              </p:nextCondLst>
+            </p:seq>
+          </p:childTnLst>
+        </p:cTn>
+      </p:par>
+    </p:tnLst>
+  </p:timing>
+</p:sld>
+</file>
+
+<file path=ppt/slides/slide17.xml><?xml version="1.0" encoding="utf-8"?>
+<p:sld xmlns:a="http://schemas.openxmlformats.org/drawingml/2006/main" xmlns:r="http://schemas.openxmlformats.org/officeDocument/2006/relationships" xmlns:p="http://schemas.openxmlformats.org/presentationml/2006/main">
+  <p:cSld>
+    <p:spTree>
+      <p:nvGrpSpPr>
+        <p:cNvPr id="1" name=""/>
+        <p:cNvGrpSpPr/>
+        <p:nvPr/>
+      </p:nvGrpSpPr>
+      <p:grpSpPr>
+        <a:xfrm>
+          <a:off x="0" y="0"/>
+          <a:ext cx="0" cy="0"/>
+          <a:chOff x="0" y="0"/>
+          <a:chExt cx="0" cy="0"/>
+        </a:xfrm>
+      </p:grpSpPr>
+      <p:sp>
+        <p:nvSpPr>
+          <p:cNvPr id="4" name="Tijdelijke aanduiding voor datum 3"/>
+          <p:cNvSpPr>
+            <a:spLocks noGrp="1"/>
+          </p:cNvSpPr>
+          <p:nvPr>
+            <p:ph type="dt" sz="half" idx="10"/>
+          </p:nvPr>
+        </p:nvSpPr>
+        <p:spPr>
+          <a:xfrm>
+            <a:off x="313508" y="6459783"/>
+            <a:ext cx="2472271" cy="365125"/>
+          </a:xfrm>
+        </p:spPr>
+        <p:txBody>
+          <a:bodyPr/>
+          <a:lstStyle/>
+          <a:p>
+            <a:r>
+              <a:rPr lang="nl-BE" sz="1400" dirty="0"/>
+              <a:t>Niels Hauttekeete</a:t>
+            </a:r>
+            <a:endParaRPr lang="nl-BE" sz="800" dirty="0"/>
+          </a:p>
+        </p:txBody>
+      </p:sp>
+      <p:sp>
+        <p:nvSpPr>
+          <p:cNvPr id="5" name="Tijdelijke aanduiding voor voettekst 4"/>
+          <p:cNvSpPr>
+            <a:spLocks noGrp="1"/>
+          </p:cNvSpPr>
+          <p:nvPr>
+            <p:ph type="ftr" sz="quarter" idx="11"/>
+          </p:nvPr>
+        </p:nvSpPr>
+        <p:spPr>
+          <a:xfrm>
+            <a:off x="2191294" y="6459784"/>
+            <a:ext cx="7870372" cy="365125"/>
+          </a:xfrm>
+        </p:spPr>
+        <p:txBody>
+          <a:bodyPr/>
+          <a:lstStyle/>
+          <a:p>
+            <a:r>
+              <a:rPr lang="en-GB" sz="1400" cap="none" dirty="0"/>
+              <a:t>Deployment diagram –</a:t>
+            </a:r>
+            <a:r>
+              <a:rPr lang="en-GB" sz="1600" b="1" cap="none" dirty="0"/>
+              <a:t> </a:t>
+            </a:r>
+            <a:r>
+              <a:rPr lang="en-GB" sz="1400" cap="none" dirty="0"/>
+              <a:t>Databank</a:t>
+            </a:r>
+            <a:r>
+              <a:rPr lang="en-GB" sz="1600" b="1" cap="none" dirty="0"/>
+              <a:t> </a:t>
+            </a:r>
+            <a:r>
+              <a:rPr lang="en-GB" sz="1400" cap="none" dirty="0"/>
+              <a:t>– ASP.NET MVC – </a:t>
+            </a:r>
+            <a:r>
+              <a:rPr lang="en-GB" sz="1600" b="1" cap="none" dirty="0" err="1"/>
+              <a:t>Inlogsysteem</a:t>
+            </a:r>
+            <a:r>
+              <a:rPr lang="en-GB" sz="1400" cap="none" dirty="0"/>
+              <a:t> – Future work</a:t>
+            </a:r>
+            <a:endParaRPr lang="nl-BE" sz="1400" cap="none" dirty="0"/>
+          </a:p>
+        </p:txBody>
+      </p:sp>
+      <p:sp>
+        <p:nvSpPr>
+          <p:cNvPr id="6" name="Tijdelijke aanduiding voor dianummer 5"/>
+          <p:cNvSpPr>
+            <a:spLocks noGrp="1"/>
+          </p:cNvSpPr>
+          <p:nvPr>
+            <p:ph type="sldNum" sz="quarter" idx="12"/>
+          </p:nvPr>
+        </p:nvSpPr>
+        <p:spPr>
+          <a:xfrm>
+            <a:off x="10613571" y="6459785"/>
+            <a:ext cx="598912" cy="365125"/>
+          </a:xfrm>
+        </p:spPr>
+        <p:txBody>
+          <a:bodyPr/>
+          <a:lstStyle/>
+          <a:p>
+            <a:fld id="{535572C1-3FAA-4346-9330-03EF25016D70}" type="slidenum">
+              <a:rPr lang="nl-BE" sz="1600" smtClean="0"/>
+              <a:t>17</a:t>
+            </a:fld>
+            <a:endParaRPr lang="nl-BE" sz="1600" dirty="0"/>
+          </a:p>
+        </p:txBody>
+      </p:sp>
+      <p:cxnSp>
+        <p:nvCxnSpPr>
+          <p:cNvPr id="10" name="Rechte verbindingslijn 9"/>
+          <p:cNvCxnSpPr/>
+          <p:nvPr/>
+        </p:nvCxnSpPr>
+        <p:spPr>
+          <a:xfrm>
+            <a:off x="1097280" y="1045030"/>
+            <a:ext cx="10210256" cy="0"/>
+          </a:xfrm>
+          <a:prstGeom prst="line">
+            <a:avLst/>
+          </a:prstGeom>
+          <a:ln>
+            <a:solidFill>
+              <a:schemeClr val="bg1">
+                <a:lumMod val="65000"/>
+              </a:schemeClr>
+            </a:solidFill>
+          </a:ln>
+        </p:spPr>
+        <p:style>
+          <a:lnRef idx="1">
+            <a:schemeClr val="accent1"/>
+          </a:lnRef>
+          <a:fillRef idx="0">
+            <a:schemeClr val="accent1"/>
+          </a:fillRef>
+          <a:effectRef idx="0">
+            <a:schemeClr val="accent1"/>
+          </a:effectRef>
+          <a:fontRef idx="minor">
+            <a:schemeClr val="tx1"/>
+          </a:fontRef>
+        </p:style>
+      </p:cxnSp>
+      <p:sp>
+        <p:nvSpPr>
+          <p:cNvPr id="11" name="Titel 1"/>
+          <p:cNvSpPr txBox="1">
+            <a:spLocks/>
+          </p:cNvSpPr>
+          <p:nvPr/>
+        </p:nvSpPr>
+        <p:spPr>
+          <a:xfrm>
+            <a:off x="1097280" y="286604"/>
+            <a:ext cx="10058400" cy="758426"/>
+          </a:xfrm>
+          <a:prstGeom prst="rect">
+            <a:avLst/>
+          </a:prstGeom>
+        </p:spPr>
+        <p:txBody>
+          <a:bodyPr anchor="ctr"/>
+          <a:lstStyle>
+            <a:lvl1pPr algn="l" defTabSz="914400" rtl="0" eaLnBrk="1" latinLnBrk="0" hangingPunct="1">
+              <a:lnSpc>
+                <a:spcPct val="85000"/>
+              </a:lnSpc>
+              <a:spcBef>
+                <a:spcPct val="0"/>
+              </a:spcBef>
+              <a:buNone/>
+              <a:defRPr sz="4800" kern="1200" spc="-50" baseline="0">
+                <a:solidFill>
+                  <a:schemeClr val="tx1">
+                    <a:lumMod val="75000"/>
+                    <a:lumOff val="25000"/>
+                  </a:schemeClr>
+                </a:solidFill>
+                <a:latin typeface="+mj-lt"/>
+                <a:ea typeface="+mj-ea"/>
+                <a:cs typeface="+mj-cs"/>
+              </a:defRPr>
+            </a:lvl1pPr>
+          </a:lstStyle>
+          <a:p>
+            <a:r>
+              <a:rPr lang="en-GB" dirty="0" err="1">
+                <a:solidFill>
+                  <a:schemeClr val="tx1"/>
+                </a:solidFill>
+              </a:rPr>
+              <a:t>AspNetUsers</a:t>
+            </a:r>
+            <a:endParaRPr lang="nl-BE" dirty="0">
+              <a:solidFill>
+                <a:schemeClr val="tx1"/>
+              </a:solidFill>
+            </a:endParaRPr>
+          </a:p>
+        </p:txBody>
+      </p:sp>
+      <p:sp>
+        <p:nvSpPr>
+          <p:cNvPr id="8" name="Tijdelijke aanduiding voor inhoud 2">
+            <a:extLst>
+              <a:ext uri="{FF2B5EF4-FFF2-40B4-BE49-F238E27FC236}">
+                <a16:creationId xmlns:a16="http://schemas.microsoft.com/office/drawing/2014/main" id="{6F369E50-FD53-4A8F-BEB4-927F2DB729E9}"/>
+              </a:ext>
+            </a:extLst>
+          </p:cNvPr>
+          <p:cNvSpPr txBox="1">
+            <a:spLocks/>
+          </p:cNvSpPr>
+          <p:nvPr/>
+        </p:nvSpPr>
+        <p:spPr>
+          <a:xfrm>
+            <a:off x="965943" y="1528153"/>
+            <a:ext cx="6601047" cy="4448507"/>
+          </a:xfrm>
+          <a:prstGeom prst="rect">
+            <a:avLst/>
+          </a:prstGeom>
+        </p:spPr>
+        <p:txBody>
+          <a:bodyPr>
+            <a:normAutofit/>
+          </a:bodyPr>
+          <a:lstStyle>
+            <a:lvl1pPr marL="91440" indent="-91440" algn="l" defTabSz="914400" rtl="0" eaLnBrk="1" latinLnBrk="0" hangingPunct="1">
+              <a:lnSpc>
+                <a:spcPct val="90000"/>
+              </a:lnSpc>
+              <a:spcBef>
+                <a:spcPts val="1200"/>
+              </a:spcBef>
+              <a:spcAft>
+                <a:spcPts val="200"/>
+              </a:spcAft>
+              <a:buClr>
+                <a:schemeClr val="accent1"/>
+              </a:buClr>
+              <a:buSzPct val="100000"/>
+              <a:buFont typeface="Calibri" panose="020F0502020204030204" pitchFamily="34" charset="0"/>
+              <a:buChar char=" "/>
+              <a:defRPr sz="2000" kern="1200">
+                <a:solidFill>
+                  <a:schemeClr val="tx1">
+                    <a:lumMod val="75000"/>
+                    <a:lumOff val="25000"/>
+                  </a:schemeClr>
+                </a:solidFill>
+                <a:latin typeface="+mn-lt"/>
+                <a:ea typeface="+mn-ea"/>
+                <a:cs typeface="+mn-cs"/>
+              </a:defRPr>
+            </a:lvl1pPr>
+            <a:lvl2pPr marL="384048" indent="-182880" algn="l" defTabSz="914400" rtl="0" eaLnBrk="1" latinLnBrk="0" hangingPunct="1">
+              <a:lnSpc>
+                <a:spcPct val="90000"/>
+              </a:lnSpc>
+              <a:spcBef>
+                <a:spcPts val="200"/>
+              </a:spcBef>
+              <a:spcAft>
+                <a:spcPts val="400"/>
+              </a:spcAft>
+              <a:buClr>
+                <a:schemeClr val="accent1"/>
+              </a:buClr>
+              <a:buFont typeface="Calibri" pitchFamily="34" charset="0"/>
+              <a:buChar char="◦"/>
+              <a:defRPr sz="1800" kern="1200">
+                <a:solidFill>
+                  <a:schemeClr val="tx1">
+                    <a:lumMod val="75000"/>
+                    <a:lumOff val="25000"/>
+                  </a:schemeClr>
+                </a:solidFill>
+                <a:latin typeface="+mn-lt"/>
+                <a:ea typeface="+mn-ea"/>
+                <a:cs typeface="+mn-cs"/>
+              </a:defRPr>
+            </a:lvl2pPr>
+            <a:lvl3pPr marL="566928" indent="-182880" algn="l" defTabSz="914400" rtl="0" eaLnBrk="1" latinLnBrk="0" hangingPunct="1">
+              <a:lnSpc>
+                <a:spcPct val="90000"/>
+              </a:lnSpc>
+              <a:spcBef>
+                <a:spcPts val="200"/>
+              </a:spcBef>
+              <a:spcAft>
+                <a:spcPts val="400"/>
+              </a:spcAft>
+              <a:buClr>
+                <a:schemeClr val="accent1"/>
+              </a:buClr>
+              <a:buFont typeface="Calibri" pitchFamily="34" charset="0"/>
+              <a:buChar char="◦"/>
+              <a:defRPr sz="1400" kern="1200">
+                <a:solidFill>
+                  <a:schemeClr val="tx1">
+                    <a:lumMod val="75000"/>
+                    <a:lumOff val="25000"/>
+                  </a:schemeClr>
+                </a:solidFill>
+                <a:latin typeface="+mn-lt"/>
+                <a:ea typeface="+mn-ea"/>
+                <a:cs typeface="+mn-cs"/>
+              </a:defRPr>
+            </a:lvl3pPr>
+            <a:lvl4pPr marL="749808" indent="-182880" algn="l" defTabSz="914400" rtl="0" eaLnBrk="1" latinLnBrk="0" hangingPunct="1">
+              <a:lnSpc>
+                <a:spcPct val="90000"/>
+              </a:lnSpc>
+              <a:spcBef>
+                <a:spcPts val="200"/>
+              </a:spcBef>
+              <a:spcAft>
+                <a:spcPts val="400"/>
+              </a:spcAft>
+              <a:buClr>
+                <a:schemeClr val="accent1"/>
+              </a:buClr>
+              <a:buFont typeface="Calibri" pitchFamily="34" charset="0"/>
+              <a:buChar char="◦"/>
+              <a:defRPr sz="1400" kern="1200">
+                <a:solidFill>
+                  <a:schemeClr val="tx1">
+                    <a:lumMod val="75000"/>
+                    <a:lumOff val="25000"/>
+                  </a:schemeClr>
+                </a:solidFill>
+                <a:latin typeface="+mn-lt"/>
+                <a:ea typeface="+mn-ea"/>
+                <a:cs typeface="+mn-cs"/>
+              </a:defRPr>
+            </a:lvl4pPr>
+            <a:lvl5pPr marL="932688" indent="-182880" algn="l" defTabSz="914400" rtl="0" eaLnBrk="1" latinLnBrk="0" hangingPunct="1">
+              <a:lnSpc>
+                <a:spcPct val="90000"/>
+              </a:lnSpc>
+              <a:spcBef>
+                <a:spcPts val="200"/>
+              </a:spcBef>
+              <a:spcAft>
+                <a:spcPts val="400"/>
+              </a:spcAft>
+              <a:buClr>
+                <a:schemeClr val="accent1"/>
+              </a:buClr>
+              <a:buFont typeface="Calibri" pitchFamily="34" charset="0"/>
+              <a:buChar char="◦"/>
+              <a:defRPr sz="1400" kern="1200">
+                <a:solidFill>
+                  <a:schemeClr val="tx1">
+                    <a:lumMod val="75000"/>
+                    <a:lumOff val="25000"/>
+                  </a:schemeClr>
+                </a:solidFill>
+                <a:latin typeface="+mn-lt"/>
+                <a:ea typeface="+mn-ea"/>
+                <a:cs typeface="+mn-cs"/>
+              </a:defRPr>
+            </a:lvl5pPr>
+            <a:lvl6pPr marL="1100000" indent="-228600" algn="l" defTabSz="914400" rtl="0" eaLnBrk="1" latinLnBrk="0" hangingPunct="1">
+              <a:lnSpc>
+                <a:spcPct val="90000"/>
+              </a:lnSpc>
+              <a:spcBef>
+                <a:spcPts val="200"/>
+              </a:spcBef>
+              <a:spcAft>
+                <a:spcPts val="400"/>
+              </a:spcAft>
+              <a:buClr>
+                <a:schemeClr val="accent1"/>
+              </a:buClr>
+              <a:buFont typeface="Calibri" pitchFamily="34" charset="0"/>
+              <a:buChar char="◦"/>
+              <a:defRPr sz="1400" kern="1200">
+                <a:solidFill>
+                  <a:schemeClr val="tx1">
+                    <a:lumMod val="75000"/>
+                    <a:lumOff val="25000"/>
+                  </a:schemeClr>
+                </a:solidFill>
+                <a:latin typeface="+mn-lt"/>
+                <a:ea typeface="+mn-ea"/>
+                <a:cs typeface="+mn-cs"/>
+              </a:defRPr>
+            </a:lvl6pPr>
+            <a:lvl7pPr marL="1300000" indent="-228600" algn="l" defTabSz="914400" rtl="0" eaLnBrk="1" latinLnBrk="0" hangingPunct="1">
+              <a:lnSpc>
+                <a:spcPct val="90000"/>
+              </a:lnSpc>
+              <a:spcBef>
+                <a:spcPts val="200"/>
+              </a:spcBef>
+              <a:spcAft>
+                <a:spcPts val="400"/>
+              </a:spcAft>
+              <a:buClr>
+                <a:schemeClr val="accent1"/>
+              </a:buClr>
+              <a:buFont typeface="Calibri" pitchFamily="34" charset="0"/>
+              <a:buChar char="◦"/>
+              <a:defRPr sz="1400" kern="1200">
+                <a:solidFill>
+                  <a:schemeClr val="tx1">
+                    <a:lumMod val="75000"/>
+                    <a:lumOff val="25000"/>
+                  </a:schemeClr>
+                </a:solidFill>
+                <a:latin typeface="+mn-lt"/>
+                <a:ea typeface="+mn-ea"/>
+                <a:cs typeface="+mn-cs"/>
+              </a:defRPr>
+            </a:lvl7pPr>
+            <a:lvl8pPr marL="1500000" indent="-228600" algn="l" defTabSz="914400" rtl="0" eaLnBrk="1" latinLnBrk="0" hangingPunct="1">
+              <a:lnSpc>
+                <a:spcPct val="90000"/>
+              </a:lnSpc>
+              <a:spcBef>
+                <a:spcPts val="200"/>
+              </a:spcBef>
+              <a:spcAft>
+                <a:spcPts val="400"/>
+              </a:spcAft>
+              <a:buClr>
+                <a:schemeClr val="accent1"/>
+              </a:buClr>
+              <a:buFont typeface="Calibri" pitchFamily="34" charset="0"/>
+              <a:buChar char="◦"/>
+              <a:defRPr sz="1400" kern="1200">
+                <a:solidFill>
+                  <a:schemeClr val="tx1">
+                    <a:lumMod val="75000"/>
+                    <a:lumOff val="25000"/>
+                  </a:schemeClr>
+                </a:solidFill>
+                <a:latin typeface="+mn-lt"/>
+                <a:ea typeface="+mn-ea"/>
+                <a:cs typeface="+mn-cs"/>
+              </a:defRPr>
+            </a:lvl8pPr>
+            <a:lvl9pPr marL="1700000" indent="-228600" algn="l" defTabSz="914400" rtl="0" eaLnBrk="1" latinLnBrk="0" hangingPunct="1">
+              <a:lnSpc>
+                <a:spcPct val="90000"/>
+              </a:lnSpc>
+              <a:spcBef>
+                <a:spcPts val="200"/>
+              </a:spcBef>
+              <a:spcAft>
+                <a:spcPts val="400"/>
+              </a:spcAft>
+              <a:buClr>
+                <a:schemeClr val="accent1"/>
+              </a:buClr>
+              <a:buFont typeface="Calibri" pitchFamily="34" charset="0"/>
+              <a:buChar char="◦"/>
+              <a:defRPr sz="1400" kern="1200">
+                <a:solidFill>
+                  <a:schemeClr val="tx1">
+                    <a:lumMod val="75000"/>
+                    <a:lumOff val="25000"/>
+                  </a:schemeClr>
+                </a:solidFill>
+                <a:latin typeface="+mn-lt"/>
+                <a:ea typeface="+mn-ea"/>
+                <a:cs typeface="+mn-cs"/>
+              </a:defRPr>
+            </a:lvl9pPr>
+          </a:lstStyle>
+          <a:p>
+            <a:pPr lvl="1">
+              <a:buFont typeface="Wingdings" panose="05000000000000000000" pitchFamily="2" charset="2"/>
+              <a:buChar char="§"/>
+            </a:pPr>
+            <a:r>
+              <a:rPr lang="nl-BE" sz="2000" dirty="0">
+                <a:solidFill>
+                  <a:schemeClr val="tx1"/>
+                </a:solidFill>
+              </a:rPr>
+              <a:t> Geregistreerde gebruikers</a:t>
+            </a:r>
+          </a:p>
+          <a:p>
+            <a:pPr lvl="1">
+              <a:buFont typeface="Wingdings" panose="05000000000000000000" pitchFamily="2" charset="2"/>
+              <a:buChar char="§"/>
+            </a:pPr>
+            <a:endParaRPr lang="nl-BE" sz="2000" dirty="0">
+              <a:solidFill>
+                <a:schemeClr val="tx1"/>
+              </a:solidFill>
+            </a:endParaRPr>
+          </a:p>
+          <a:p>
+            <a:pPr lvl="1">
+              <a:buFont typeface="Wingdings" panose="05000000000000000000" pitchFamily="2" charset="2"/>
+              <a:buChar char="§"/>
+            </a:pPr>
+            <a:r>
+              <a:rPr lang="nl-BE" sz="2000" dirty="0">
+                <a:solidFill>
+                  <a:schemeClr val="tx1"/>
+                </a:solidFill>
+              </a:rPr>
+              <a:t> Authenticatie</a:t>
+            </a:r>
+          </a:p>
+        </p:txBody>
+      </p:sp>
+      <p:pic>
+        <p:nvPicPr>
+          <p:cNvPr id="7" name="Afbeelding 6" descr="Afbeelding met schermafbeelding&#10;&#10;Automatisch gegenereerde beschrijving">
+            <a:extLst>
+              <a:ext uri="{FF2B5EF4-FFF2-40B4-BE49-F238E27FC236}">
+                <a16:creationId xmlns:a16="http://schemas.microsoft.com/office/drawing/2014/main" id="{721C80B3-2877-4689-BE20-56A4164FB062}"/>
+              </a:ext>
+            </a:extLst>
+          </p:cNvPr>
+          <p:cNvPicPr>
+            <a:picLocks noChangeAspect="1"/>
+          </p:cNvPicPr>
+          <p:nvPr/>
+        </p:nvPicPr>
+        <p:blipFill>
+          <a:blip r:embed="rId2">
+            <a:extLst>
+              <a:ext uri="{28A0092B-C50C-407E-A947-70E740481C1C}">
+                <a14:useLocalDpi xmlns:a14="http://schemas.microsoft.com/office/drawing/2010/main" val="0"/>
+              </a:ext>
+            </a:extLst>
+          </a:blip>
+          <a:stretch>
+            <a:fillRect/>
+          </a:stretch>
+        </p:blipFill>
+        <p:spPr>
+          <a:xfrm>
+            <a:off x="6716992" y="1247782"/>
+            <a:ext cx="3998355" cy="4961223"/>
+          </a:xfrm>
+          <a:prstGeom prst="rect">
+            <a:avLst/>
+          </a:prstGeom>
+        </p:spPr>
+      </p:pic>
+    </p:spTree>
+    <p:extLst>
+      <p:ext uri="{BB962C8B-B14F-4D97-AF65-F5344CB8AC3E}">
+        <p14:creationId xmlns:p14="http://schemas.microsoft.com/office/powerpoint/2010/main" val="2587769340"/>
+      </p:ext>
+    </p:extLst>
+  </p:cSld>
+  <p:clrMapOvr>
+    <a:masterClrMapping/>
+  </p:clrMapOvr>
+  <p:timing>
+    <p:tnLst>
+      <p:par>
+        <p:cTn id="1" dur="indefinite" restart="never" nodeType="tmRoot">
+          <p:childTnLst>
+            <p:seq concurrent="1" nextAc="seek">
+              <p:cTn id="2" dur="indefinite" nodeType="mainSeq">
+                <p:childTnLst>
+                  <p:par>
+                    <p:cTn id="3" fill="hold">
+                      <p:stCondLst>
+                        <p:cond delay="indefinite"/>
+                      </p:stCondLst>
+                      <p:childTnLst>
+                        <p:par>
+                          <p:cTn id="4" fill="hold">
+                            <p:stCondLst>
+                              <p:cond delay="0"/>
+                            </p:stCondLst>
+                            <p:childTnLst>
+                              <p:par>
+                                <p:cTn id="5" presetID="10" presetClass="entr" presetSubtype="0" fill="hold" nodeType="clickEffect">
+                                  <p:stCondLst>
+                                    <p:cond delay="0"/>
+                                  </p:stCondLst>
+                                  <p:childTnLst>
+                                    <p:set>
+                                      <p:cBhvr>
+                                        <p:cTn id="6" dur="1" fill="hold">
+                                          <p:stCondLst>
+                                            <p:cond delay="0"/>
+                                          </p:stCondLst>
+                                        </p:cTn>
+                                        <p:tgtEl>
+                                          <p:spTgt spid="8">
+                                            <p:txEl>
+                                              <p:pRg st="0" end="0"/>
+                                            </p:txEl>
+                                          </p:spTgt>
+                                        </p:tgtEl>
+                                        <p:attrNameLst>
+                                          <p:attrName>style.visibility</p:attrName>
+                                        </p:attrNameLst>
+                                      </p:cBhvr>
+                                      <p:to>
+                                        <p:strVal val="visible"/>
+                                      </p:to>
+                                    </p:set>
+                                    <p:animEffect transition="in" filter="fade">
+                                      <p:cBhvr>
+                                        <p:cTn id="7" dur="500"/>
+                                        <p:tgtEl>
+                                          <p:spTgt spid="8">
+                                            <p:txEl>
+                                              <p:pRg st="0" end="0"/>
+                                            </p:txEl>
+                                          </p:spTgt>
+                                        </p:tgtEl>
+                                      </p:cBhvr>
+                                    </p:animEffect>
+                                  </p:childTnLst>
+                                </p:cTn>
+                              </p:par>
+                            </p:childTnLst>
+                          </p:cTn>
+                        </p:par>
+                      </p:childTnLst>
+                    </p:cTn>
+                  </p:par>
+                  <p:par>
+                    <p:cTn id="8" fill="hold">
+                      <p:stCondLst>
+                        <p:cond delay="indefinite"/>
+                      </p:stCondLst>
+                      <p:childTnLst>
+                        <p:par>
+                          <p:cTn id="9" fill="hold">
+                            <p:stCondLst>
+                              <p:cond delay="0"/>
+                            </p:stCondLst>
+                            <p:childTnLst>
+                              <p:par>
+                                <p:cTn id="10" presetID="10" presetClass="entr" presetSubtype="0" fill="hold" nodeType="clickEffect">
+                                  <p:stCondLst>
+                                    <p:cond delay="0"/>
+                                  </p:stCondLst>
+                                  <p:childTnLst>
+                                    <p:set>
+                                      <p:cBhvr>
+                                        <p:cTn id="11" dur="1" fill="hold">
+                                          <p:stCondLst>
+                                            <p:cond delay="0"/>
+                                          </p:stCondLst>
+                                        </p:cTn>
+                                        <p:tgtEl>
+                                          <p:spTgt spid="8">
+                                            <p:txEl>
+                                              <p:pRg st="2" end="2"/>
+                                            </p:txEl>
+                                          </p:spTgt>
+                                        </p:tgtEl>
+                                        <p:attrNameLst>
+                                          <p:attrName>style.visibility</p:attrName>
+                                        </p:attrNameLst>
+                                      </p:cBhvr>
+                                      <p:to>
+                                        <p:strVal val="visible"/>
+                                      </p:to>
+                                    </p:set>
+                                    <p:animEffect transition="in" filter="fade">
+                                      <p:cBhvr>
+                                        <p:cTn id="12" dur="500"/>
+                                        <p:tgtEl>
+                                          <p:spTgt spid="8">
+                                            <p:txEl>
+                                              <p:pRg st="2" end="2"/>
+                                            </p:txEl>
+                                          </p:spTgt>
+                                        </p:tgtEl>
+                                      </p:cBhvr>
+                                    </p:animEffect>
+                                  </p:childTnLst>
+                                </p:cTn>
+                              </p:par>
+                            </p:childTnLst>
+                          </p:cTn>
+                        </p:par>
+                      </p:childTnLst>
+                    </p:cTn>
+                  </p:par>
+                </p:childTnLst>
+              </p:cTn>
+              <p:prevCondLst>
+                <p:cond evt="onPrev" delay="0">
+                  <p:tgtEl>
+                    <p:sldTgt/>
+                  </p:tgtEl>
+                </p:cond>
+              </p:prevCondLst>
+              <p:nextCondLst>
+                <p:cond evt="onNext" delay="0">
+                  <p:tgtEl>
+                    <p:sldTgt/>
+                  </p:tgtEl>
+                </p:cond>
+              </p:nextCondLst>
+            </p:seq>
+          </p:childTnLst>
+        </p:cTn>
+      </p:par>
+    </p:tnLst>
+  </p:timing>
+</p:sld>
+</file>
+
+<file path=ppt/slides/slide18.xml><?xml version="1.0" encoding="utf-8"?>
+<p:sld xmlns:a="http://schemas.openxmlformats.org/drawingml/2006/main" xmlns:r="http://schemas.openxmlformats.org/officeDocument/2006/relationships" xmlns:p="http://schemas.openxmlformats.org/presentationml/2006/main">
+  <p:cSld>
+    <p:spTree>
+      <p:nvGrpSpPr>
+        <p:cNvPr id="1" name=""/>
+        <p:cNvGrpSpPr/>
+        <p:nvPr/>
+      </p:nvGrpSpPr>
+      <p:grpSpPr>
+        <a:xfrm>
+          <a:off x="0" y="0"/>
+          <a:ext cx="0" cy="0"/>
+          <a:chOff x="0" y="0"/>
+          <a:chExt cx="0" cy="0"/>
+        </a:xfrm>
+      </p:grpSpPr>
+      <p:sp>
+        <p:nvSpPr>
+          <p:cNvPr id="4" name="Tijdelijke aanduiding voor datum 3"/>
+          <p:cNvSpPr>
+            <a:spLocks noGrp="1"/>
+          </p:cNvSpPr>
+          <p:nvPr>
+            <p:ph type="dt" sz="half" idx="10"/>
+          </p:nvPr>
+        </p:nvSpPr>
+        <p:spPr>
+          <a:xfrm>
+            <a:off x="313508" y="6459783"/>
+            <a:ext cx="2472271" cy="365125"/>
+          </a:xfrm>
+        </p:spPr>
+        <p:txBody>
+          <a:bodyPr/>
+          <a:lstStyle/>
+          <a:p>
+            <a:r>
+              <a:rPr lang="nl-BE" sz="1400" dirty="0"/>
+              <a:t>Niels Hauttekeete</a:t>
+            </a:r>
+            <a:endParaRPr lang="nl-BE" sz="800" dirty="0"/>
+          </a:p>
+        </p:txBody>
+      </p:sp>
+      <p:sp>
+        <p:nvSpPr>
+          <p:cNvPr id="5" name="Tijdelijke aanduiding voor voettekst 4"/>
+          <p:cNvSpPr>
+            <a:spLocks noGrp="1"/>
+          </p:cNvSpPr>
+          <p:nvPr>
+            <p:ph type="ftr" sz="quarter" idx="11"/>
+          </p:nvPr>
+        </p:nvSpPr>
+        <p:spPr>
+          <a:xfrm>
+            <a:off x="2191294" y="6459784"/>
+            <a:ext cx="7870372" cy="365125"/>
+          </a:xfrm>
+        </p:spPr>
+        <p:txBody>
+          <a:bodyPr/>
+          <a:lstStyle/>
+          <a:p>
+            <a:r>
+              <a:rPr lang="en-GB" sz="1400" cap="none" dirty="0"/>
+              <a:t>Deployment diagram –</a:t>
+            </a:r>
+            <a:r>
+              <a:rPr lang="en-GB" sz="1600" b="1" cap="none" dirty="0"/>
+              <a:t> </a:t>
+            </a:r>
+            <a:r>
+              <a:rPr lang="en-GB" sz="1400" cap="none" dirty="0"/>
+              <a:t>Databank</a:t>
+            </a:r>
+            <a:r>
+              <a:rPr lang="en-GB" sz="1600" b="1" cap="none" dirty="0"/>
+              <a:t> </a:t>
+            </a:r>
+            <a:r>
+              <a:rPr lang="en-GB" sz="1400" cap="none" dirty="0"/>
+              <a:t>– ASP.NET MVC – </a:t>
+            </a:r>
+            <a:r>
+              <a:rPr lang="en-GB" sz="1600" b="1" cap="none" dirty="0" err="1"/>
+              <a:t>Inlogsysteem</a:t>
+            </a:r>
+            <a:r>
+              <a:rPr lang="en-GB" sz="1400" cap="none" dirty="0"/>
+              <a:t> – Future work</a:t>
+            </a:r>
+            <a:endParaRPr lang="nl-BE" sz="1400" cap="none" dirty="0"/>
+          </a:p>
+        </p:txBody>
+      </p:sp>
+      <p:sp>
+        <p:nvSpPr>
+          <p:cNvPr id="6" name="Tijdelijke aanduiding voor dianummer 5"/>
+          <p:cNvSpPr>
+            <a:spLocks noGrp="1"/>
+          </p:cNvSpPr>
+          <p:nvPr>
+            <p:ph type="sldNum" sz="quarter" idx="12"/>
+          </p:nvPr>
+        </p:nvSpPr>
+        <p:spPr>
+          <a:xfrm>
+            <a:off x="10613571" y="6459785"/>
+            <a:ext cx="598912" cy="365125"/>
+          </a:xfrm>
+        </p:spPr>
+        <p:txBody>
+          <a:bodyPr/>
+          <a:lstStyle/>
+          <a:p>
+            <a:fld id="{535572C1-3FAA-4346-9330-03EF25016D70}" type="slidenum">
+              <a:rPr lang="nl-BE" sz="1600" smtClean="0"/>
+              <a:t>18</a:t>
+            </a:fld>
+            <a:endParaRPr lang="nl-BE" sz="1600" dirty="0"/>
+          </a:p>
+        </p:txBody>
+      </p:sp>
+      <p:cxnSp>
+        <p:nvCxnSpPr>
+          <p:cNvPr id="10" name="Rechte verbindingslijn 9"/>
+          <p:cNvCxnSpPr/>
+          <p:nvPr/>
+        </p:nvCxnSpPr>
+        <p:spPr>
+          <a:xfrm>
+            <a:off x="1097280" y="1045030"/>
+            <a:ext cx="10210256" cy="0"/>
+          </a:xfrm>
+          <a:prstGeom prst="line">
+            <a:avLst/>
+          </a:prstGeom>
+          <a:ln>
+            <a:solidFill>
+              <a:schemeClr val="bg1">
+                <a:lumMod val="65000"/>
+              </a:schemeClr>
+            </a:solidFill>
+          </a:ln>
+        </p:spPr>
+        <p:style>
+          <a:lnRef idx="1">
+            <a:schemeClr val="accent1"/>
+          </a:lnRef>
+          <a:fillRef idx="0">
+            <a:schemeClr val="accent1"/>
+          </a:fillRef>
+          <a:effectRef idx="0">
+            <a:schemeClr val="accent1"/>
+          </a:effectRef>
+          <a:fontRef idx="minor">
+            <a:schemeClr val="tx1"/>
+          </a:fontRef>
+        </p:style>
+      </p:cxnSp>
+      <p:sp>
+        <p:nvSpPr>
+          <p:cNvPr id="11" name="Titel 1"/>
+          <p:cNvSpPr txBox="1">
+            <a:spLocks/>
+          </p:cNvSpPr>
+          <p:nvPr/>
+        </p:nvSpPr>
+        <p:spPr>
+          <a:xfrm>
+            <a:off x="1097280" y="286604"/>
+            <a:ext cx="10058400" cy="758426"/>
+          </a:xfrm>
+          <a:prstGeom prst="rect">
+            <a:avLst/>
+          </a:prstGeom>
+        </p:spPr>
+        <p:txBody>
+          <a:bodyPr anchor="ctr"/>
+          <a:lstStyle>
+            <a:lvl1pPr algn="l" defTabSz="914400" rtl="0" eaLnBrk="1" latinLnBrk="0" hangingPunct="1">
+              <a:lnSpc>
+                <a:spcPct val="85000"/>
+              </a:lnSpc>
+              <a:spcBef>
+                <a:spcPct val="0"/>
+              </a:spcBef>
+              <a:buNone/>
+              <a:defRPr sz="4800" kern="1200" spc="-50" baseline="0">
+                <a:solidFill>
+                  <a:schemeClr val="tx1">
+                    <a:lumMod val="75000"/>
+                    <a:lumOff val="25000"/>
+                  </a:schemeClr>
+                </a:solidFill>
+                <a:latin typeface="+mj-lt"/>
+                <a:ea typeface="+mj-ea"/>
+                <a:cs typeface="+mj-cs"/>
+              </a:defRPr>
+            </a:lvl1pPr>
+          </a:lstStyle>
+          <a:p>
+            <a:r>
+              <a:rPr lang="en-GB" dirty="0" err="1">
+                <a:solidFill>
+                  <a:schemeClr val="tx1"/>
+                </a:solidFill>
+              </a:rPr>
+              <a:t>AspNetRoles</a:t>
+            </a:r>
+            <a:r>
+              <a:rPr lang="en-GB" dirty="0">
+                <a:solidFill>
+                  <a:schemeClr val="tx1"/>
+                </a:solidFill>
+              </a:rPr>
+              <a:t> </a:t>
+            </a:r>
+            <a:r>
+              <a:rPr lang="en-GB" dirty="0" err="1">
+                <a:solidFill>
+                  <a:schemeClr val="tx1"/>
+                </a:solidFill>
+              </a:rPr>
+              <a:t>en</a:t>
+            </a:r>
+            <a:r>
+              <a:rPr lang="en-GB" dirty="0">
+                <a:solidFill>
+                  <a:schemeClr val="tx1"/>
+                </a:solidFill>
+              </a:rPr>
+              <a:t> </a:t>
+            </a:r>
+            <a:r>
+              <a:rPr lang="en-GB" dirty="0" err="1">
+                <a:solidFill>
+                  <a:schemeClr val="tx1"/>
+                </a:solidFill>
+              </a:rPr>
+              <a:t>AspNetUserRoles</a:t>
+            </a:r>
+            <a:endParaRPr lang="nl-BE" dirty="0">
+              <a:solidFill>
+                <a:schemeClr val="tx1"/>
+              </a:solidFill>
+            </a:endParaRPr>
+          </a:p>
+        </p:txBody>
+      </p:sp>
+      <p:sp>
+        <p:nvSpPr>
+          <p:cNvPr id="8" name="Tijdelijke aanduiding voor inhoud 2">
+            <a:extLst>
+              <a:ext uri="{FF2B5EF4-FFF2-40B4-BE49-F238E27FC236}">
+                <a16:creationId xmlns:a16="http://schemas.microsoft.com/office/drawing/2014/main" id="{6F369E50-FD53-4A8F-BEB4-927F2DB729E9}"/>
+              </a:ext>
+            </a:extLst>
+          </p:cNvPr>
+          <p:cNvSpPr txBox="1">
+            <a:spLocks/>
+          </p:cNvSpPr>
+          <p:nvPr/>
+        </p:nvSpPr>
+        <p:spPr>
+          <a:xfrm>
+            <a:off x="965943" y="1528153"/>
+            <a:ext cx="6601047" cy="4448507"/>
+          </a:xfrm>
+          <a:prstGeom prst="rect">
+            <a:avLst/>
+          </a:prstGeom>
+        </p:spPr>
+        <p:txBody>
+          <a:bodyPr>
+            <a:normAutofit/>
+          </a:bodyPr>
+          <a:lstStyle>
+            <a:lvl1pPr marL="91440" indent="-91440" algn="l" defTabSz="914400" rtl="0" eaLnBrk="1" latinLnBrk="0" hangingPunct="1">
+              <a:lnSpc>
+                <a:spcPct val="90000"/>
+              </a:lnSpc>
+              <a:spcBef>
+                <a:spcPts val="1200"/>
+              </a:spcBef>
+              <a:spcAft>
+                <a:spcPts val="200"/>
+              </a:spcAft>
+              <a:buClr>
+                <a:schemeClr val="accent1"/>
+              </a:buClr>
+              <a:buSzPct val="100000"/>
+              <a:buFont typeface="Calibri" panose="020F0502020204030204" pitchFamily="34" charset="0"/>
+              <a:buChar char=" "/>
+              <a:defRPr sz="2000" kern="1200">
+                <a:solidFill>
+                  <a:schemeClr val="tx1">
+                    <a:lumMod val="75000"/>
+                    <a:lumOff val="25000"/>
+                  </a:schemeClr>
+                </a:solidFill>
+                <a:latin typeface="+mn-lt"/>
+                <a:ea typeface="+mn-ea"/>
+                <a:cs typeface="+mn-cs"/>
+              </a:defRPr>
+            </a:lvl1pPr>
+            <a:lvl2pPr marL="384048" indent="-182880" algn="l" defTabSz="914400" rtl="0" eaLnBrk="1" latinLnBrk="0" hangingPunct="1">
+              <a:lnSpc>
+                <a:spcPct val="90000"/>
+              </a:lnSpc>
+              <a:spcBef>
+                <a:spcPts val="200"/>
+              </a:spcBef>
+              <a:spcAft>
+                <a:spcPts val="400"/>
+              </a:spcAft>
+              <a:buClr>
+                <a:schemeClr val="accent1"/>
+              </a:buClr>
+              <a:buFont typeface="Calibri" pitchFamily="34" charset="0"/>
+              <a:buChar char="◦"/>
+              <a:defRPr sz="1800" kern="1200">
+                <a:solidFill>
+                  <a:schemeClr val="tx1">
+                    <a:lumMod val="75000"/>
+                    <a:lumOff val="25000"/>
+                  </a:schemeClr>
+                </a:solidFill>
+                <a:latin typeface="+mn-lt"/>
+                <a:ea typeface="+mn-ea"/>
+                <a:cs typeface="+mn-cs"/>
+              </a:defRPr>
+            </a:lvl2pPr>
+            <a:lvl3pPr marL="566928" indent="-182880" algn="l" defTabSz="914400" rtl="0" eaLnBrk="1" latinLnBrk="0" hangingPunct="1">
+              <a:lnSpc>
+                <a:spcPct val="90000"/>
+              </a:lnSpc>
+              <a:spcBef>
+                <a:spcPts val="200"/>
+              </a:spcBef>
+              <a:spcAft>
+                <a:spcPts val="400"/>
+              </a:spcAft>
+              <a:buClr>
+                <a:schemeClr val="accent1"/>
+              </a:buClr>
+              <a:buFont typeface="Calibri" pitchFamily="34" charset="0"/>
+              <a:buChar char="◦"/>
+              <a:defRPr sz="1400" kern="1200">
+                <a:solidFill>
+                  <a:schemeClr val="tx1">
+                    <a:lumMod val="75000"/>
+                    <a:lumOff val="25000"/>
+                  </a:schemeClr>
+                </a:solidFill>
+                <a:latin typeface="+mn-lt"/>
+                <a:ea typeface="+mn-ea"/>
+                <a:cs typeface="+mn-cs"/>
+              </a:defRPr>
+            </a:lvl3pPr>
+            <a:lvl4pPr marL="749808" indent="-182880" algn="l" defTabSz="914400" rtl="0" eaLnBrk="1" latinLnBrk="0" hangingPunct="1">
+              <a:lnSpc>
+                <a:spcPct val="90000"/>
+              </a:lnSpc>
+              <a:spcBef>
+                <a:spcPts val="200"/>
+              </a:spcBef>
+              <a:spcAft>
+                <a:spcPts val="400"/>
+              </a:spcAft>
+              <a:buClr>
+                <a:schemeClr val="accent1"/>
+              </a:buClr>
+              <a:buFont typeface="Calibri" pitchFamily="34" charset="0"/>
+              <a:buChar char="◦"/>
+              <a:defRPr sz="1400" kern="1200">
+                <a:solidFill>
+                  <a:schemeClr val="tx1">
+                    <a:lumMod val="75000"/>
+                    <a:lumOff val="25000"/>
+                  </a:schemeClr>
+                </a:solidFill>
+                <a:latin typeface="+mn-lt"/>
+                <a:ea typeface="+mn-ea"/>
+                <a:cs typeface="+mn-cs"/>
+              </a:defRPr>
+            </a:lvl4pPr>
+            <a:lvl5pPr marL="932688" indent="-182880" algn="l" defTabSz="914400" rtl="0" eaLnBrk="1" latinLnBrk="0" hangingPunct="1">
+              <a:lnSpc>
+                <a:spcPct val="90000"/>
+              </a:lnSpc>
+              <a:spcBef>
+                <a:spcPts val="200"/>
+              </a:spcBef>
+              <a:spcAft>
+                <a:spcPts val="400"/>
+              </a:spcAft>
+              <a:buClr>
+                <a:schemeClr val="accent1"/>
+              </a:buClr>
+              <a:buFont typeface="Calibri" pitchFamily="34" charset="0"/>
+              <a:buChar char="◦"/>
+              <a:defRPr sz="1400" kern="1200">
+                <a:solidFill>
+                  <a:schemeClr val="tx1">
+                    <a:lumMod val="75000"/>
+                    <a:lumOff val="25000"/>
+                  </a:schemeClr>
+                </a:solidFill>
+                <a:latin typeface="+mn-lt"/>
+                <a:ea typeface="+mn-ea"/>
+                <a:cs typeface="+mn-cs"/>
+              </a:defRPr>
+            </a:lvl5pPr>
+            <a:lvl6pPr marL="1100000" indent="-228600" algn="l" defTabSz="914400" rtl="0" eaLnBrk="1" latinLnBrk="0" hangingPunct="1">
+              <a:lnSpc>
+                <a:spcPct val="90000"/>
+              </a:lnSpc>
+              <a:spcBef>
+                <a:spcPts val="200"/>
+              </a:spcBef>
+              <a:spcAft>
+                <a:spcPts val="400"/>
+              </a:spcAft>
+              <a:buClr>
+                <a:schemeClr val="accent1"/>
+              </a:buClr>
+              <a:buFont typeface="Calibri" pitchFamily="34" charset="0"/>
+              <a:buChar char="◦"/>
+              <a:defRPr sz="1400" kern="1200">
+                <a:solidFill>
+                  <a:schemeClr val="tx1">
+                    <a:lumMod val="75000"/>
+                    <a:lumOff val="25000"/>
+                  </a:schemeClr>
+                </a:solidFill>
+                <a:latin typeface="+mn-lt"/>
+                <a:ea typeface="+mn-ea"/>
+                <a:cs typeface="+mn-cs"/>
+              </a:defRPr>
+            </a:lvl6pPr>
+            <a:lvl7pPr marL="1300000" indent="-228600" algn="l" defTabSz="914400" rtl="0" eaLnBrk="1" latinLnBrk="0" hangingPunct="1">
+              <a:lnSpc>
+                <a:spcPct val="90000"/>
+              </a:lnSpc>
+              <a:spcBef>
+                <a:spcPts val="200"/>
+              </a:spcBef>
+              <a:spcAft>
+                <a:spcPts val="400"/>
+              </a:spcAft>
+              <a:buClr>
+                <a:schemeClr val="accent1"/>
+              </a:buClr>
+              <a:buFont typeface="Calibri" pitchFamily="34" charset="0"/>
+              <a:buChar char="◦"/>
+              <a:defRPr sz="1400" kern="1200">
+                <a:solidFill>
+                  <a:schemeClr val="tx1">
+                    <a:lumMod val="75000"/>
+                    <a:lumOff val="25000"/>
+                  </a:schemeClr>
+                </a:solidFill>
+                <a:latin typeface="+mn-lt"/>
+                <a:ea typeface="+mn-ea"/>
+                <a:cs typeface="+mn-cs"/>
+              </a:defRPr>
+            </a:lvl7pPr>
+            <a:lvl8pPr marL="1500000" indent="-228600" algn="l" defTabSz="914400" rtl="0" eaLnBrk="1" latinLnBrk="0" hangingPunct="1">
+              <a:lnSpc>
+                <a:spcPct val="90000"/>
+              </a:lnSpc>
+              <a:spcBef>
+                <a:spcPts val="200"/>
+              </a:spcBef>
+              <a:spcAft>
+                <a:spcPts val="400"/>
+              </a:spcAft>
+              <a:buClr>
+                <a:schemeClr val="accent1"/>
+              </a:buClr>
+              <a:buFont typeface="Calibri" pitchFamily="34" charset="0"/>
+              <a:buChar char="◦"/>
+              <a:defRPr sz="1400" kern="1200">
+                <a:solidFill>
+                  <a:schemeClr val="tx1">
+                    <a:lumMod val="75000"/>
+                    <a:lumOff val="25000"/>
+                  </a:schemeClr>
+                </a:solidFill>
+                <a:latin typeface="+mn-lt"/>
+                <a:ea typeface="+mn-ea"/>
+                <a:cs typeface="+mn-cs"/>
+              </a:defRPr>
+            </a:lvl8pPr>
+            <a:lvl9pPr marL="1700000" indent="-228600" algn="l" defTabSz="914400" rtl="0" eaLnBrk="1" latinLnBrk="0" hangingPunct="1">
+              <a:lnSpc>
+                <a:spcPct val="90000"/>
+              </a:lnSpc>
+              <a:spcBef>
+                <a:spcPts val="200"/>
+              </a:spcBef>
+              <a:spcAft>
+                <a:spcPts val="400"/>
+              </a:spcAft>
+              <a:buClr>
+                <a:schemeClr val="accent1"/>
+              </a:buClr>
+              <a:buFont typeface="Calibri" pitchFamily="34" charset="0"/>
+              <a:buChar char="◦"/>
+              <a:defRPr sz="1400" kern="1200">
+                <a:solidFill>
+                  <a:schemeClr val="tx1">
+                    <a:lumMod val="75000"/>
+                    <a:lumOff val="25000"/>
+                  </a:schemeClr>
+                </a:solidFill>
+                <a:latin typeface="+mn-lt"/>
+                <a:ea typeface="+mn-ea"/>
+                <a:cs typeface="+mn-cs"/>
+              </a:defRPr>
+            </a:lvl9pPr>
+          </a:lstStyle>
+          <a:p>
+            <a:pPr lvl="1">
+              <a:buFont typeface="Wingdings" panose="05000000000000000000" pitchFamily="2" charset="2"/>
+              <a:buChar char="§"/>
+            </a:pPr>
+            <a:r>
+              <a:rPr lang="nl-BE" sz="2000" dirty="0">
+                <a:solidFill>
+                  <a:schemeClr val="tx1"/>
+                </a:solidFill>
+              </a:rPr>
+              <a:t> </a:t>
+            </a:r>
+            <a:r>
+              <a:rPr lang="nl-BE" sz="2000" i="1" dirty="0">
+                <a:solidFill>
+                  <a:schemeClr val="tx1"/>
+                </a:solidFill>
+              </a:rPr>
+              <a:t>User</a:t>
+            </a:r>
+            <a:r>
+              <a:rPr lang="nl-BE" sz="2000" dirty="0">
+                <a:solidFill>
+                  <a:schemeClr val="tx1"/>
+                </a:solidFill>
+              </a:rPr>
+              <a:t> en </a:t>
+            </a:r>
+            <a:r>
+              <a:rPr lang="nl-BE" sz="2000" i="1" dirty="0" err="1">
+                <a:solidFill>
+                  <a:schemeClr val="tx1"/>
+                </a:solidFill>
+              </a:rPr>
+              <a:t>Admin</a:t>
+            </a:r>
+            <a:r>
+              <a:rPr lang="nl-BE" sz="2000" dirty="0">
+                <a:solidFill>
+                  <a:schemeClr val="tx1"/>
+                </a:solidFill>
+              </a:rPr>
+              <a:t> rol</a:t>
+            </a:r>
+          </a:p>
+          <a:p>
+            <a:pPr lvl="1">
+              <a:buFont typeface="Wingdings" panose="05000000000000000000" pitchFamily="2" charset="2"/>
+              <a:buChar char="§"/>
+            </a:pPr>
+            <a:endParaRPr lang="nl-BE" sz="2000" dirty="0">
+              <a:solidFill>
+                <a:schemeClr val="tx1"/>
+              </a:solidFill>
+            </a:endParaRPr>
+          </a:p>
+          <a:p>
+            <a:pPr lvl="1">
+              <a:buFont typeface="Wingdings" panose="05000000000000000000" pitchFamily="2" charset="2"/>
+              <a:buChar char="§"/>
+            </a:pPr>
+            <a:r>
+              <a:rPr lang="nl-BE" sz="2000" dirty="0">
+                <a:solidFill>
+                  <a:schemeClr val="tx1"/>
+                </a:solidFill>
+              </a:rPr>
+              <a:t> Autorisatie</a:t>
+            </a:r>
+          </a:p>
+          <a:p>
+            <a:pPr marL="201168" lvl="1" indent="0">
+              <a:buNone/>
+            </a:pPr>
+            <a:endParaRPr lang="nl-BE" sz="2000" dirty="0"/>
+          </a:p>
+        </p:txBody>
+      </p:sp>
+      <p:pic>
+        <p:nvPicPr>
+          <p:cNvPr id="3" name="Afbeelding 2" descr="Afbeelding met schermafbeelding&#10;&#10;Automatisch gegenereerde beschrijving">
+            <a:extLst>
+              <a:ext uri="{FF2B5EF4-FFF2-40B4-BE49-F238E27FC236}">
+                <a16:creationId xmlns:a16="http://schemas.microsoft.com/office/drawing/2014/main" id="{98794EA9-A2F6-4294-8ADF-7DFB86D29D1F}"/>
+              </a:ext>
+            </a:extLst>
+          </p:cNvPr>
+          <p:cNvPicPr>
+            <a:picLocks noChangeAspect="1"/>
+          </p:cNvPicPr>
+          <p:nvPr/>
+        </p:nvPicPr>
+        <p:blipFill>
+          <a:blip r:embed="rId2">
+            <a:extLst>
+              <a:ext uri="{28A0092B-C50C-407E-A947-70E740481C1C}">
+                <a14:useLocalDpi xmlns:a14="http://schemas.microsoft.com/office/drawing/2010/main" val="0"/>
+              </a:ext>
+            </a:extLst>
+          </a:blip>
+          <a:stretch>
+            <a:fillRect/>
+          </a:stretch>
+        </p:blipFill>
+        <p:spPr>
+          <a:xfrm>
+            <a:off x="6126480" y="1444300"/>
+            <a:ext cx="4433041" cy="4270660"/>
+          </a:xfrm>
+          <a:prstGeom prst="rect">
+            <a:avLst/>
+          </a:prstGeom>
+        </p:spPr>
+      </p:pic>
+    </p:spTree>
+    <p:extLst>
+      <p:ext uri="{BB962C8B-B14F-4D97-AF65-F5344CB8AC3E}">
+        <p14:creationId xmlns:p14="http://schemas.microsoft.com/office/powerpoint/2010/main" val="3674478719"/>
+      </p:ext>
+    </p:extLst>
+  </p:cSld>
+  <p:clrMapOvr>
+    <a:masterClrMapping/>
+  </p:clrMapOvr>
+  <p:timing>
+    <p:tnLst>
+      <p:par>
+        <p:cTn id="1" dur="indefinite" restart="never" nodeType="tmRoot">
+          <p:childTnLst>
+            <p:seq concurrent="1" nextAc="seek">
+              <p:cTn id="2" dur="indefinite" nodeType="mainSeq">
+                <p:childTnLst>
+                  <p:par>
+                    <p:cTn id="3" fill="hold">
+                      <p:stCondLst>
+                        <p:cond delay="indefinite"/>
+                      </p:stCondLst>
+                      <p:childTnLst>
+                        <p:par>
+                          <p:cTn id="4" fill="hold">
+                            <p:stCondLst>
+                              <p:cond delay="0"/>
+                            </p:stCondLst>
+                            <p:childTnLst>
+                              <p:par>
+                                <p:cTn id="5" presetID="10" presetClass="entr" presetSubtype="0" fill="hold" nodeType="clickEffect">
+                                  <p:stCondLst>
+                                    <p:cond delay="0"/>
+                                  </p:stCondLst>
+                                  <p:childTnLst>
+                                    <p:set>
+                                      <p:cBhvr>
+                                        <p:cTn id="6" dur="1" fill="hold">
+                                          <p:stCondLst>
+                                            <p:cond delay="0"/>
+                                          </p:stCondLst>
+                                        </p:cTn>
+                                        <p:tgtEl>
+                                          <p:spTgt spid="8">
+                                            <p:txEl>
+                                              <p:pRg st="0" end="0"/>
+                                            </p:txEl>
+                                          </p:spTgt>
+                                        </p:tgtEl>
+                                        <p:attrNameLst>
+                                          <p:attrName>style.visibility</p:attrName>
+                                        </p:attrNameLst>
+                                      </p:cBhvr>
+                                      <p:to>
+                                        <p:strVal val="visible"/>
+                                      </p:to>
+                                    </p:set>
+                                    <p:animEffect transition="in" filter="fade">
+                                      <p:cBhvr>
+                                        <p:cTn id="7" dur="500"/>
+                                        <p:tgtEl>
+                                          <p:spTgt spid="8">
+                                            <p:txEl>
+                                              <p:pRg st="0" end="0"/>
+                                            </p:txEl>
+                                          </p:spTgt>
+                                        </p:tgtEl>
+                                      </p:cBhvr>
+                                    </p:animEffect>
+                                  </p:childTnLst>
+                                </p:cTn>
+                              </p:par>
+                            </p:childTnLst>
+                          </p:cTn>
+                        </p:par>
+                      </p:childTnLst>
+                    </p:cTn>
+                  </p:par>
+                  <p:par>
+                    <p:cTn id="8" fill="hold">
+                      <p:stCondLst>
+                        <p:cond delay="indefinite"/>
+                      </p:stCondLst>
+                      <p:childTnLst>
+                        <p:par>
+                          <p:cTn id="9" fill="hold">
+                            <p:stCondLst>
+                              <p:cond delay="0"/>
+                            </p:stCondLst>
+                            <p:childTnLst>
+                              <p:par>
+                                <p:cTn id="10" presetID="10" presetClass="entr" presetSubtype="0" fill="hold" nodeType="clickEffect">
+                                  <p:stCondLst>
+                                    <p:cond delay="0"/>
+                                  </p:stCondLst>
+                                  <p:childTnLst>
+                                    <p:set>
+                                      <p:cBhvr>
+                                        <p:cTn id="11" dur="1" fill="hold">
+                                          <p:stCondLst>
+                                            <p:cond delay="0"/>
+                                          </p:stCondLst>
+                                        </p:cTn>
+                                        <p:tgtEl>
+                                          <p:spTgt spid="8">
+                                            <p:txEl>
+                                              <p:pRg st="2" end="2"/>
+                                            </p:txEl>
+                                          </p:spTgt>
+                                        </p:tgtEl>
+                                        <p:attrNameLst>
+                                          <p:attrName>style.visibility</p:attrName>
+                                        </p:attrNameLst>
+                                      </p:cBhvr>
+                                      <p:to>
+                                        <p:strVal val="visible"/>
+                                      </p:to>
+                                    </p:set>
+                                    <p:animEffect transition="in" filter="fade">
+                                      <p:cBhvr>
+                                        <p:cTn id="12" dur="500"/>
+                                        <p:tgtEl>
+                                          <p:spTgt spid="8">
+                                            <p:txEl>
+                                              <p:pRg st="2" end="2"/>
+                                            </p:txEl>
+                                          </p:spTgt>
+                                        </p:tgtEl>
+                                      </p:cBhvr>
+                                    </p:animEffect>
+                                  </p:childTnLst>
+                                </p:cTn>
+                              </p:par>
+                            </p:childTnLst>
+                          </p:cTn>
+                        </p:par>
+                      </p:childTnLst>
+                    </p:cTn>
+                  </p:par>
+                </p:childTnLst>
+              </p:cTn>
+              <p:prevCondLst>
+                <p:cond evt="onPrev" delay="0">
+                  <p:tgtEl>
+                    <p:sldTgt/>
+                  </p:tgtEl>
+                </p:cond>
+              </p:prevCondLst>
+              <p:nextCondLst>
+                <p:cond evt="onNext" delay="0">
+                  <p:tgtEl>
+                    <p:sldTgt/>
+                  </p:tgtEl>
+                </p:cond>
+              </p:nextCondLst>
+            </p:seq>
+          </p:childTnLst>
+        </p:cTn>
+      </p:par>
+    </p:tnLst>
+  </p:timing>
+</p:sld>
+</file>
+
+<file path=ppt/slides/slide19.xml><?xml version="1.0" encoding="utf-8"?>
+<p:sld xmlns:a="http://schemas.openxmlformats.org/drawingml/2006/main" xmlns:r="http://schemas.openxmlformats.org/officeDocument/2006/relationships" xmlns:p="http://schemas.openxmlformats.org/presentationml/2006/main">
+  <p:cSld>
+    <p:spTree>
+      <p:nvGrpSpPr>
+        <p:cNvPr id="1" name=""/>
+        <p:cNvGrpSpPr/>
+        <p:nvPr/>
+      </p:nvGrpSpPr>
+      <p:grpSpPr>
+        <a:xfrm>
+          <a:off x="0" y="0"/>
+          <a:ext cx="0" cy="0"/>
+          <a:chOff x="0" y="0"/>
+          <a:chExt cx="0" cy="0"/>
+        </a:xfrm>
+      </p:grpSpPr>
+      <p:sp>
+        <p:nvSpPr>
+          <p:cNvPr id="4" name="Tijdelijke aanduiding voor datum 3"/>
+          <p:cNvSpPr>
+            <a:spLocks noGrp="1"/>
+          </p:cNvSpPr>
+          <p:nvPr>
+            <p:ph type="dt" sz="half" idx="10"/>
+          </p:nvPr>
+        </p:nvSpPr>
+        <p:spPr>
+          <a:xfrm>
+            <a:off x="313508" y="6459783"/>
+            <a:ext cx="2472271" cy="365125"/>
+          </a:xfrm>
+        </p:spPr>
+        <p:txBody>
+          <a:bodyPr/>
+          <a:lstStyle/>
+          <a:p>
+            <a:r>
+              <a:rPr lang="nl-BE" sz="1400" dirty="0"/>
+              <a:t>Niels Hauttekeete</a:t>
+            </a:r>
+            <a:endParaRPr lang="nl-BE" sz="800" dirty="0"/>
+          </a:p>
+        </p:txBody>
+      </p:sp>
+      <p:sp>
+        <p:nvSpPr>
+          <p:cNvPr id="5" name="Tijdelijke aanduiding voor voettekst 4"/>
+          <p:cNvSpPr>
+            <a:spLocks noGrp="1"/>
+          </p:cNvSpPr>
+          <p:nvPr>
+            <p:ph type="ftr" sz="quarter" idx="11"/>
+          </p:nvPr>
+        </p:nvSpPr>
+        <p:spPr>
+          <a:xfrm>
+            <a:off x="2191294" y="6459784"/>
+            <a:ext cx="7870372" cy="365125"/>
+          </a:xfrm>
+        </p:spPr>
+        <p:txBody>
+          <a:bodyPr/>
+          <a:lstStyle/>
+          <a:p>
+            <a:r>
+              <a:rPr lang="en-GB" sz="1400" cap="none" dirty="0"/>
+              <a:t>Deployment diagram –</a:t>
+            </a:r>
+            <a:r>
+              <a:rPr lang="en-GB" sz="1600" b="1" cap="none" dirty="0"/>
+              <a:t> </a:t>
+            </a:r>
+            <a:r>
+              <a:rPr lang="en-GB" sz="1400" cap="none" dirty="0"/>
+              <a:t>Databank</a:t>
+            </a:r>
+            <a:r>
+              <a:rPr lang="en-GB" sz="1600" b="1" cap="none" dirty="0"/>
+              <a:t> </a:t>
+            </a:r>
+            <a:r>
+              <a:rPr lang="en-GB" sz="1400" cap="none" dirty="0"/>
+              <a:t>– ASP.NET MVC – </a:t>
+            </a:r>
+            <a:r>
+              <a:rPr lang="en-GB" sz="1600" b="1" cap="none" dirty="0" err="1"/>
+              <a:t>Inlogsysteem</a:t>
+            </a:r>
+            <a:r>
+              <a:rPr lang="en-GB" sz="1400" cap="none" dirty="0"/>
+              <a:t> – Future work</a:t>
+            </a:r>
+            <a:endParaRPr lang="nl-BE" sz="1400" cap="none" dirty="0"/>
+          </a:p>
+        </p:txBody>
+      </p:sp>
+      <p:sp>
+        <p:nvSpPr>
+          <p:cNvPr id="6" name="Tijdelijke aanduiding voor dianummer 5"/>
+          <p:cNvSpPr>
+            <a:spLocks noGrp="1"/>
+          </p:cNvSpPr>
+          <p:nvPr>
+            <p:ph type="sldNum" sz="quarter" idx="12"/>
+          </p:nvPr>
+        </p:nvSpPr>
+        <p:spPr>
+          <a:xfrm>
+            <a:off x="10613571" y="6459785"/>
+            <a:ext cx="598912" cy="365125"/>
+          </a:xfrm>
+        </p:spPr>
+        <p:txBody>
+          <a:bodyPr/>
+          <a:lstStyle/>
+          <a:p>
+            <a:fld id="{535572C1-3FAA-4346-9330-03EF25016D70}" type="slidenum">
+              <a:rPr lang="nl-BE" sz="1600" smtClean="0"/>
+              <a:t>19</a:t>
+            </a:fld>
+            <a:endParaRPr lang="nl-BE" sz="1600" dirty="0"/>
+          </a:p>
+        </p:txBody>
+      </p:sp>
+      <p:cxnSp>
+        <p:nvCxnSpPr>
+          <p:cNvPr id="10" name="Rechte verbindingslijn 9"/>
+          <p:cNvCxnSpPr/>
+          <p:nvPr/>
+        </p:nvCxnSpPr>
+        <p:spPr>
+          <a:xfrm>
+            <a:off x="1097280" y="1045030"/>
+            <a:ext cx="10210256" cy="0"/>
+          </a:xfrm>
+          <a:prstGeom prst="line">
+            <a:avLst/>
+          </a:prstGeom>
+          <a:ln>
+            <a:solidFill>
+              <a:schemeClr val="bg1">
+                <a:lumMod val="65000"/>
+              </a:schemeClr>
+            </a:solidFill>
+          </a:ln>
+        </p:spPr>
+        <p:style>
+          <a:lnRef idx="1">
+            <a:schemeClr val="accent1"/>
+          </a:lnRef>
+          <a:fillRef idx="0">
+            <a:schemeClr val="accent1"/>
+          </a:fillRef>
+          <a:effectRef idx="0">
+            <a:schemeClr val="accent1"/>
+          </a:effectRef>
+          <a:fontRef idx="minor">
+            <a:schemeClr val="tx1"/>
+          </a:fontRef>
+        </p:style>
+      </p:cxnSp>
+      <p:sp>
+        <p:nvSpPr>
+          <p:cNvPr id="11" name="Titel 1"/>
+          <p:cNvSpPr txBox="1">
+            <a:spLocks/>
+          </p:cNvSpPr>
+          <p:nvPr/>
+        </p:nvSpPr>
+        <p:spPr>
+          <a:xfrm>
+            <a:off x="1097280" y="286604"/>
+            <a:ext cx="10058400" cy="758426"/>
+          </a:xfrm>
+          <a:prstGeom prst="rect">
+            <a:avLst/>
+          </a:prstGeom>
+        </p:spPr>
+        <p:txBody>
+          <a:bodyPr anchor="ctr"/>
+          <a:lstStyle>
+            <a:lvl1pPr algn="l" defTabSz="914400" rtl="0" eaLnBrk="1" latinLnBrk="0" hangingPunct="1">
+              <a:lnSpc>
+                <a:spcPct val="85000"/>
+              </a:lnSpc>
+              <a:spcBef>
+                <a:spcPct val="0"/>
+              </a:spcBef>
+              <a:buNone/>
+              <a:defRPr sz="4800" kern="1200" spc="-50" baseline="0">
+                <a:solidFill>
+                  <a:schemeClr val="tx1">
+                    <a:lumMod val="75000"/>
+                    <a:lumOff val="25000"/>
+                  </a:schemeClr>
+                </a:solidFill>
+                <a:latin typeface="+mj-lt"/>
+                <a:ea typeface="+mj-ea"/>
+                <a:cs typeface="+mj-cs"/>
+              </a:defRPr>
+            </a:lvl1pPr>
+          </a:lstStyle>
+          <a:p>
+            <a:r>
+              <a:rPr lang="en-GB" dirty="0" err="1">
+                <a:solidFill>
+                  <a:schemeClr val="tx1"/>
+                </a:solidFill>
+              </a:rPr>
+              <a:t>Overige</a:t>
+            </a:r>
+            <a:r>
+              <a:rPr lang="en-GB" dirty="0">
+                <a:solidFill>
+                  <a:schemeClr val="tx1"/>
+                </a:solidFill>
+              </a:rPr>
+              <a:t> </a:t>
+            </a:r>
+            <a:r>
+              <a:rPr lang="en-GB" dirty="0" err="1">
+                <a:solidFill>
+                  <a:schemeClr val="tx1"/>
+                </a:solidFill>
+              </a:rPr>
+              <a:t>tabellen</a:t>
+            </a:r>
+            <a:endParaRPr lang="nl-BE" dirty="0">
+              <a:solidFill>
+                <a:schemeClr val="tx1"/>
+              </a:solidFill>
+            </a:endParaRPr>
+          </a:p>
+        </p:txBody>
+      </p:sp>
+      <p:sp>
+        <p:nvSpPr>
+          <p:cNvPr id="8" name="Tijdelijke aanduiding voor inhoud 2">
+            <a:extLst>
+              <a:ext uri="{FF2B5EF4-FFF2-40B4-BE49-F238E27FC236}">
+                <a16:creationId xmlns:a16="http://schemas.microsoft.com/office/drawing/2014/main" id="{6F369E50-FD53-4A8F-BEB4-927F2DB729E9}"/>
+              </a:ext>
+            </a:extLst>
+          </p:cNvPr>
+          <p:cNvSpPr txBox="1">
+            <a:spLocks/>
+          </p:cNvSpPr>
+          <p:nvPr/>
+        </p:nvSpPr>
+        <p:spPr>
+          <a:xfrm>
+            <a:off x="965943" y="1528153"/>
+            <a:ext cx="6601047" cy="4448507"/>
+          </a:xfrm>
+          <a:prstGeom prst="rect">
+            <a:avLst/>
+          </a:prstGeom>
+        </p:spPr>
+        <p:txBody>
+          <a:bodyPr>
+            <a:normAutofit/>
+          </a:bodyPr>
+          <a:lstStyle>
+            <a:lvl1pPr marL="91440" indent="-91440" algn="l" defTabSz="914400" rtl="0" eaLnBrk="1" latinLnBrk="0" hangingPunct="1">
+              <a:lnSpc>
+                <a:spcPct val="90000"/>
+              </a:lnSpc>
+              <a:spcBef>
+                <a:spcPts val="1200"/>
+              </a:spcBef>
+              <a:spcAft>
+                <a:spcPts val="200"/>
+              </a:spcAft>
+              <a:buClr>
+                <a:schemeClr val="accent1"/>
+              </a:buClr>
+              <a:buSzPct val="100000"/>
+              <a:buFont typeface="Calibri" panose="020F0502020204030204" pitchFamily="34" charset="0"/>
+              <a:buChar char=" "/>
+              <a:defRPr sz="2000" kern="1200">
+                <a:solidFill>
+                  <a:schemeClr val="tx1">
+                    <a:lumMod val="75000"/>
+                    <a:lumOff val="25000"/>
+                  </a:schemeClr>
+                </a:solidFill>
+                <a:latin typeface="+mn-lt"/>
+                <a:ea typeface="+mn-ea"/>
+                <a:cs typeface="+mn-cs"/>
+              </a:defRPr>
+            </a:lvl1pPr>
+            <a:lvl2pPr marL="384048" indent="-182880" algn="l" defTabSz="914400" rtl="0" eaLnBrk="1" latinLnBrk="0" hangingPunct="1">
+              <a:lnSpc>
+                <a:spcPct val="90000"/>
+              </a:lnSpc>
+              <a:spcBef>
+                <a:spcPts val="200"/>
+              </a:spcBef>
+              <a:spcAft>
+                <a:spcPts val="400"/>
+              </a:spcAft>
+              <a:buClr>
+                <a:schemeClr val="accent1"/>
+              </a:buClr>
+              <a:buFont typeface="Calibri" pitchFamily="34" charset="0"/>
+              <a:buChar char="◦"/>
+              <a:defRPr sz="1800" kern="1200">
+                <a:solidFill>
+                  <a:schemeClr val="tx1">
+                    <a:lumMod val="75000"/>
+                    <a:lumOff val="25000"/>
+                  </a:schemeClr>
+                </a:solidFill>
+                <a:latin typeface="+mn-lt"/>
+                <a:ea typeface="+mn-ea"/>
+                <a:cs typeface="+mn-cs"/>
+              </a:defRPr>
+            </a:lvl2pPr>
+            <a:lvl3pPr marL="566928" indent="-182880" algn="l" defTabSz="914400" rtl="0" eaLnBrk="1" latinLnBrk="0" hangingPunct="1">
+              <a:lnSpc>
+                <a:spcPct val="90000"/>
+              </a:lnSpc>
+              <a:spcBef>
+                <a:spcPts val="200"/>
+              </a:spcBef>
+              <a:spcAft>
+                <a:spcPts val="400"/>
+              </a:spcAft>
+              <a:buClr>
+                <a:schemeClr val="accent1"/>
+              </a:buClr>
+              <a:buFont typeface="Calibri" pitchFamily="34" charset="0"/>
+              <a:buChar char="◦"/>
+              <a:defRPr sz="1400" kern="1200">
+                <a:solidFill>
+                  <a:schemeClr val="tx1">
+                    <a:lumMod val="75000"/>
+                    <a:lumOff val="25000"/>
+                  </a:schemeClr>
+                </a:solidFill>
+                <a:latin typeface="+mn-lt"/>
+                <a:ea typeface="+mn-ea"/>
+                <a:cs typeface="+mn-cs"/>
+              </a:defRPr>
+            </a:lvl3pPr>
+            <a:lvl4pPr marL="749808" indent="-182880" algn="l" defTabSz="914400" rtl="0" eaLnBrk="1" latinLnBrk="0" hangingPunct="1">
+              <a:lnSpc>
+                <a:spcPct val="90000"/>
+              </a:lnSpc>
+              <a:spcBef>
+                <a:spcPts val="200"/>
+              </a:spcBef>
+              <a:spcAft>
+                <a:spcPts val="400"/>
+              </a:spcAft>
+              <a:buClr>
+                <a:schemeClr val="accent1"/>
+              </a:buClr>
+              <a:buFont typeface="Calibri" pitchFamily="34" charset="0"/>
+              <a:buChar char="◦"/>
+              <a:defRPr sz="1400" kern="1200">
+                <a:solidFill>
+                  <a:schemeClr val="tx1">
+                    <a:lumMod val="75000"/>
+                    <a:lumOff val="25000"/>
+                  </a:schemeClr>
+                </a:solidFill>
+                <a:latin typeface="+mn-lt"/>
+                <a:ea typeface="+mn-ea"/>
+                <a:cs typeface="+mn-cs"/>
+              </a:defRPr>
+            </a:lvl4pPr>
+            <a:lvl5pPr marL="932688" indent="-182880" algn="l" defTabSz="914400" rtl="0" eaLnBrk="1" latinLnBrk="0" hangingPunct="1">
+              <a:lnSpc>
+                <a:spcPct val="90000"/>
+              </a:lnSpc>
+              <a:spcBef>
+                <a:spcPts val="200"/>
+              </a:spcBef>
+              <a:spcAft>
+                <a:spcPts val="400"/>
+              </a:spcAft>
+              <a:buClr>
+                <a:schemeClr val="accent1"/>
+              </a:buClr>
+              <a:buFont typeface="Calibri" pitchFamily="34" charset="0"/>
+              <a:buChar char="◦"/>
+              <a:defRPr sz="1400" kern="1200">
+                <a:solidFill>
+                  <a:schemeClr val="tx1">
+                    <a:lumMod val="75000"/>
+                    <a:lumOff val="25000"/>
+                  </a:schemeClr>
+                </a:solidFill>
+                <a:latin typeface="+mn-lt"/>
+                <a:ea typeface="+mn-ea"/>
+                <a:cs typeface="+mn-cs"/>
+              </a:defRPr>
+            </a:lvl5pPr>
+            <a:lvl6pPr marL="1100000" indent="-228600" algn="l" defTabSz="914400" rtl="0" eaLnBrk="1" latinLnBrk="0" hangingPunct="1">
+              <a:lnSpc>
+                <a:spcPct val="90000"/>
+              </a:lnSpc>
+              <a:spcBef>
+                <a:spcPts val="200"/>
+              </a:spcBef>
+              <a:spcAft>
+                <a:spcPts val="400"/>
+              </a:spcAft>
+              <a:buClr>
+                <a:schemeClr val="accent1"/>
+              </a:buClr>
+              <a:buFont typeface="Calibri" pitchFamily="34" charset="0"/>
+              <a:buChar char="◦"/>
+              <a:defRPr sz="1400" kern="1200">
+                <a:solidFill>
+                  <a:schemeClr val="tx1">
+                    <a:lumMod val="75000"/>
+                    <a:lumOff val="25000"/>
+                  </a:schemeClr>
+                </a:solidFill>
+                <a:latin typeface="+mn-lt"/>
+                <a:ea typeface="+mn-ea"/>
+                <a:cs typeface="+mn-cs"/>
+              </a:defRPr>
+            </a:lvl6pPr>
+            <a:lvl7pPr marL="1300000" indent="-228600" algn="l" defTabSz="914400" rtl="0" eaLnBrk="1" latinLnBrk="0" hangingPunct="1">
+              <a:lnSpc>
+                <a:spcPct val="90000"/>
+              </a:lnSpc>
+              <a:spcBef>
+                <a:spcPts val="200"/>
+              </a:spcBef>
+              <a:spcAft>
+                <a:spcPts val="400"/>
+              </a:spcAft>
+              <a:buClr>
+                <a:schemeClr val="accent1"/>
+              </a:buClr>
+              <a:buFont typeface="Calibri" pitchFamily="34" charset="0"/>
+              <a:buChar char="◦"/>
+              <a:defRPr sz="1400" kern="1200">
+                <a:solidFill>
+                  <a:schemeClr val="tx1">
+                    <a:lumMod val="75000"/>
+                    <a:lumOff val="25000"/>
+                  </a:schemeClr>
+                </a:solidFill>
+                <a:latin typeface="+mn-lt"/>
+                <a:ea typeface="+mn-ea"/>
+                <a:cs typeface="+mn-cs"/>
+              </a:defRPr>
+            </a:lvl7pPr>
+            <a:lvl8pPr marL="1500000" indent="-228600" algn="l" defTabSz="914400" rtl="0" eaLnBrk="1" latinLnBrk="0" hangingPunct="1">
+              <a:lnSpc>
+                <a:spcPct val="90000"/>
+              </a:lnSpc>
+              <a:spcBef>
+                <a:spcPts val="200"/>
+              </a:spcBef>
+              <a:spcAft>
+                <a:spcPts val="400"/>
+              </a:spcAft>
+              <a:buClr>
+                <a:schemeClr val="accent1"/>
+              </a:buClr>
+              <a:buFont typeface="Calibri" pitchFamily="34" charset="0"/>
+              <a:buChar char="◦"/>
+              <a:defRPr sz="1400" kern="1200">
+                <a:solidFill>
+                  <a:schemeClr val="tx1">
+                    <a:lumMod val="75000"/>
+                    <a:lumOff val="25000"/>
+                  </a:schemeClr>
+                </a:solidFill>
+                <a:latin typeface="+mn-lt"/>
+                <a:ea typeface="+mn-ea"/>
+                <a:cs typeface="+mn-cs"/>
+              </a:defRPr>
+            </a:lvl8pPr>
+            <a:lvl9pPr marL="1700000" indent="-228600" algn="l" defTabSz="914400" rtl="0" eaLnBrk="1" latinLnBrk="0" hangingPunct="1">
+              <a:lnSpc>
+                <a:spcPct val="90000"/>
+              </a:lnSpc>
+              <a:spcBef>
+                <a:spcPts val="200"/>
+              </a:spcBef>
+              <a:spcAft>
+                <a:spcPts val="400"/>
+              </a:spcAft>
+              <a:buClr>
+                <a:schemeClr val="accent1"/>
+              </a:buClr>
+              <a:buFont typeface="Calibri" pitchFamily="34" charset="0"/>
+              <a:buChar char="◦"/>
+              <a:defRPr sz="1400" kern="1200">
+                <a:solidFill>
+                  <a:schemeClr val="tx1">
+                    <a:lumMod val="75000"/>
+                    <a:lumOff val="25000"/>
+                  </a:schemeClr>
+                </a:solidFill>
+                <a:latin typeface="+mn-lt"/>
+                <a:ea typeface="+mn-ea"/>
+                <a:cs typeface="+mn-cs"/>
+              </a:defRPr>
+            </a:lvl9pPr>
+          </a:lstStyle>
+          <a:p>
+            <a:pPr lvl="1">
+              <a:buFont typeface="Wingdings" panose="05000000000000000000" pitchFamily="2" charset="2"/>
+              <a:buChar char="§"/>
+            </a:pPr>
+            <a:r>
+              <a:rPr lang="nl-BE" sz="2400" dirty="0">
+                <a:solidFill>
+                  <a:schemeClr val="tx1"/>
+                </a:solidFill>
+              </a:rPr>
+              <a:t> </a:t>
+            </a:r>
+            <a:r>
+              <a:rPr lang="nl-BE" sz="2000" dirty="0" err="1">
+                <a:solidFill>
+                  <a:schemeClr val="tx1"/>
+                </a:solidFill>
+              </a:rPr>
+              <a:t>AspNetUserClaims</a:t>
+            </a:r>
+            <a:r>
+              <a:rPr lang="nl-BE" sz="2000" dirty="0">
+                <a:solidFill>
+                  <a:schemeClr val="tx1"/>
+                </a:solidFill>
+              </a:rPr>
+              <a:t>-tabel</a:t>
+            </a:r>
+          </a:p>
+          <a:p>
+            <a:pPr lvl="1">
+              <a:buFont typeface="Wingdings" panose="05000000000000000000" pitchFamily="2" charset="2"/>
+              <a:buChar char="§"/>
+            </a:pPr>
+            <a:endParaRPr lang="nl-BE" sz="2000" dirty="0">
+              <a:solidFill>
+                <a:schemeClr val="tx1"/>
+              </a:solidFill>
+            </a:endParaRPr>
+          </a:p>
+          <a:p>
+            <a:pPr lvl="1">
+              <a:buFont typeface="Wingdings" panose="05000000000000000000" pitchFamily="2" charset="2"/>
+              <a:buChar char="§"/>
+            </a:pPr>
+            <a:r>
+              <a:rPr lang="nl-BE" sz="2000" dirty="0">
+                <a:solidFill>
+                  <a:schemeClr val="tx1"/>
+                </a:solidFill>
+              </a:rPr>
+              <a:t> </a:t>
+            </a:r>
+            <a:r>
+              <a:rPr lang="nl-BE" sz="2000" dirty="0" err="1">
+                <a:solidFill>
+                  <a:schemeClr val="tx1"/>
+                </a:solidFill>
+              </a:rPr>
+              <a:t>AspNetUserLogins</a:t>
+            </a:r>
+            <a:r>
+              <a:rPr lang="nl-BE" sz="2000" dirty="0">
+                <a:solidFill>
+                  <a:schemeClr val="tx1"/>
+                </a:solidFill>
+              </a:rPr>
+              <a:t>-tabel</a:t>
+            </a:r>
+          </a:p>
+          <a:p>
+            <a:pPr lvl="1">
+              <a:buFont typeface="Wingdings" panose="05000000000000000000" pitchFamily="2" charset="2"/>
+              <a:buChar char="§"/>
+            </a:pPr>
+            <a:endParaRPr lang="nl-BE" sz="2000" dirty="0">
+              <a:solidFill>
+                <a:schemeClr val="tx1"/>
+              </a:solidFill>
+            </a:endParaRPr>
+          </a:p>
+          <a:p>
+            <a:pPr lvl="1">
+              <a:buFont typeface="Wingdings" panose="05000000000000000000" pitchFamily="2" charset="2"/>
+              <a:buChar char="§"/>
+            </a:pPr>
+            <a:r>
+              <a:rPr lang="nl-BE" sz="2000" dirty="0">
+                <a:solidFill>
+                  <a:schemeClr val="tx1"/>
+                </a:solidFill>
+              </a:rPr>
+              <a:t> Latere uitbreiding</a:t>
+            </a:r>
+          </a:p>
+        </p:txBody>
+      </p:sp>
+      <p:pic>
+        <p:nvPicPr>
+          <p:cNvPr id="7" name="Afbeelding 6" descr="Afbeelding met schermafbeelding&#10;&#10;Automatisch gegenereerde beschrijving">
+            <a:extLst>
+              <a:ext uri="{FF2B5EF4-FFF2-40B4-BE49-F238E27FC236}">
+                <a16:creationId xmlns:a16="http://schemas.microsoft.com/office/drawing/2014/main" id="{51EB0AE2-2101-4881-BF89-9191F36840E5}"/>
+              </a:ext>
+            </a:extLst>
+          </p:cNvPr>
+          <p:cNvPicPr>
+            <a:picLocks noChangeAspect="1"/>
+          </p:cNvPicPr>
+          <p:nvPr/>
+        </p:nvPicPr>
+        <p:blipFill>
+          <a:blip r:embed="rId2">
+            <a:extLst>
+              <a:ext uri="{28A0092B-C50C-407E-A947-70E740481C1C}">
+                <a14:useLocalDpi xmlns:a14="http://schemas.microsoft.com/office/drawing/2010/main" val="0"/>
+              </a:ext>
+            </a:extLst>
+          </a:blip>
+          <a:stretch>
+            <a:fillRect/>
+          </a:stretch>
+        </p:blipFill>
+        <p:spPr>
+          <a:xfrm>
+            <a:off x="6470652" y="1340738"/>
+            <a:ext cx="3490094" cy="4472232"/>
+          </a:xfrm>
+          <a:prstGeom prst="rect">
+            <a:avLst/>
+          </a:prstGeom>
+        </p:spPr>
+      </p:pic>
+    </p:spTree>
+    <p:extLst>
+      <p:ext uri="{BB962C8B-B14F-4D97-AF65-F5344CB8AC3E}">
+        <p14:creationId xmlns:p14="http://schemas.microsoft.com/office/powerpoint/2010/main" val="2546149715"/>
+      </p:ext>
+    </p:extLst>
+  </p:cSld>
+  <p:clrMapOvr>
+    <a:masterClrMapping/>
+  </p:clrMapOvr>
+  <p:timing>
+    <p:tnLst>
+      <p:par>
+        <p:cTn id="1" dur="indefinite" restart="never" nodeType="tmRoot">
+          <p:childTnLst>
+            <p:seq concurrent="1" nextAc="seek">
+              <p:cTn id="2" dur="indefinite" nodeType="mainSeq">
+                <p:childTnLst>
+                  <p:par>
+                    <p:cTn id="3" fill="hold">
+                      <p:stCondLst>
+                        <p:cond delay="indefinite"/>
+                      </p:stCondLst>
+                      <p:childTnLst>
+                        <p:par>
+                          <p:cTn id="4" fill="hold">
+                            <p:stCondLst>
+                              <p:cond delay="0"/>
+                            </p:stCondLst>
+                            <p:childTnLst>
+                              <p:par>
+                                <p:cTn id="5" presetID="10" presetClass="entr" presetSubtype="0" fill="hold" nodeType="clickEffect">
+                                  <p:stCondLst>
+                                    <p:cond delay="0"/>
+                                  </p:stCondLst>
+                                  <p:childTnLst>
+                                    <p:set>
+                                      <p:cBhvr>
+                                        <p:cTn id="6" dur="1" fill="hold">
+                                          <p:stCondLst>
+                                            <p:cond delay="0"/>
+                                          </p:stCondLst>
+                                        </p:cTn>
+                                        <p:tgtEl>
+                                          <p:spTgt spid="8">
+                                            <p:txEl>
+                                              <p:pRg st="0" end="0"/>
+                                            </p:txEl>
+                                          </p:spTgt>
+                                        </p:tgtEl>
+                                        <p:attrNameLst>
+                                          <p:attrName>style.visibility</p:attrName>
+                                        </p:attrNameLst>
+                                      </p:cBhvr>
+                                      <p:to>
+                                        <p:strVal val="visible"/>
+                                      </p:to>
+                                    </p:set>
+                                    <p:animEffect transition="in" filter="fade">
+                                      <p:cBhvr>
+                                        <p:cTn id="7" dur="500"/>
+                                        <p:tgtEl>
+                                          <p:spTgt spid="8">
+                                            <p:txEl>
+                                              <p:pRg st="0" end="0"/>
+                                            </p:txEl>
+                                          </p:spTgt>
+                                        </p:tgtEl>
+                                      </p:cBhvr>
+                                    </p:animEffect>
+                                  </p:childTnLst>
+                                </p:cTn>
+                              </p:par>
+                              <p:par>
+                                <p:cTn id="8" presetID="10" presetClass="entr" presetSubtype="0" fill="hold" nodeType="withEffect">
+                                  <p:stCondLst>
+                                    <p:cond delay="0"/>
+                                  </p:stCondLst>
+                                  <p:childTnLst>
+                                    <p:set>
+                                      <p:cBhvr>
+                                        <p:cTn id="9" dur="1" fill="hold">
+                                          <p:stCondLst>
+                                            <p:cond delay="0"/>
+                                          </p:stCondLst>
+                                        </p:cTn>
+                                        <p:tgtEl>
+                                          <p:spTgt spid="8">
+                                            <p:txEl>
+                                              <p:pRg st="2" end="2"/>
+                                            </p:txEl>
+                                          </p:spTgt>
+                                        </p:tgtEl>
+                                        <p:attrNameLst>
+                                          <p:attrName>style.visibility</p:attrName>
+                                        </p:attrNameLst>
+                                      </p:cBhvr>
+                                      <p:to>
+                                        <p:strVal val="visible"/>
+                                      </p:to>
+                                    </p:set>
+                                    <p:animEffect transition="in" filter="fade">
+                                      <p:cBhvr>
+                                        <p:cTn id="10" dur="500"/>
+                                        <p:tgtEl>
+                                          <p:spTgt spid="8">
+                                            <p:txEl>
+                                              <p:pRg st="2" end="2"/>
+                                            </p:txEl>
+                                          </p:spTgt>
+                                        </p:tgtEl>
+                                      </p:cBhvr>
+                                    </p:animEffect>
+                                  </p:childTnLst>
+                                </p:cTn>
+                              </p:par>
+                            </p:childTnLst>
+                          </p:cTn>
+                        </p:par>
+                      </p:childTnLst>
+                    </p:cTn>
+                  </p:par>
+                  <p:par>
+                    <p:cTn id="11" fill="hold">
+                      <p:stCondLst>
+                        <p:cond delay="indefinite"/>
+                      </p:stCondLst>
+                      <p:childTnLst>
+                        <p:par>
+                          <p:cTn id="12" fill="hold">
+                            <p:stCondLst>
+                              <p:cond delay="0"/>
+                            </p:stCondLst>
+                            <p:childTnLst>
+                              <p:par>
+                                <p:cTn id="13" presetID="10" presetClass="entr" presetSubtype="0" fill="hold" nodeType="clickEffect">
+                                  <p:stCondLst>
+                                    <p:cond delay="0"/>
+                                  </p:stCondLst>
+                                  <p:childTnLst>
+                                    <p:set>
+                                      <p:cBhvr>
+                                        <p:cTn id="14" dur="1" fill="hold">
+                                          <p:stCondLst>
+                                            <p:cond delay="0"/>
+                                          </p:stCondLst>
+                                        </p:cTn>
+                                        <p:tgtEl>
+                                          <p:spTgt spid="8">
+                                            <p:txEl>
+                                              <p:pRg st="4" end="4"/>
+                                            </p:txEl>
+                                          </p:spTgt>
+                                        </p:tgtEl>
+                                        <p:attrNameLst>
+                                          <p:attrName>style.visibility</p:attrName>
+                                        </p:attrNameLst>
+                                      </p:cBhvr>
+                                      <p:to>
+                                        <p:strVal val="visible"/>
+                                      </p:to>
+                                    </p:set>
+                                    <p:animEffect transition="in" filter="fade">
+                                      <p:cBhvr>
+                                        <p:cTn id="15" dur="500"/>
+                                        <p:tgtEl>
+                                          <p:spTgt spid="8">
+                                            <p:txEl>
+                                              <p:pRg st="4" end="4"/>
                                             </p:txEl>
                                           </p:spTgt>
                                         </p:tgtEl>
@@ -14044,6 +13980,1061 @@
             <a:fld id="{535572C1-3FAA-4346-9330-03EF25016D70}" type="slidenum">
               <a:rPr lang="nl-BE" sz="1600" smtClean="0"/>
               <a:t>20</a:t>
+            </a:fld>
+            <a:endParaRPr lang="nl-BE" sz="1600" dirty="0"/>
+          </a:p>
+        </p:txBody>
+      </p:sp>
+      <p:cxnSp>
+        <p:nvCxnSpPr>
+          <p:cNvPr id="10" name="Rechte verbindingslijn 9"/>
+          <p:cNvCxnSpPr/>
+          <p:nvPr/>
+        </p:nvCxnSpPr>
+        <p:spPr>
+          <a:xfrm>
+            <a:off x="1097280" y="1045030"/>
+            <a:ext cx="10210256" cy="0"/>
+          </a:xfrm>
+          <a:prstGeom prst="line">
+            <a:avLst/>
+          </a:prstGeom>
+          <a:ln>
+            <a:solidFill>
+              <a:schemeClr val="bg1">
+                <a:lumMod val="65000"/>
+              </a:schemeClr>
+            </a:solidFill>
+          </a:ln>
+        </p:spPr>
+        <p:style>
+          <a:lnRef idx="1">
+            <a:schemeClr val="accent1"/>
+          </a:lnRef>
+          <a:fillRef idx="0">
+            <a:schemeClr val="accent1"/>
+          </a:fillRef>
+          <a:effectRef idx="0">
+            <a:schemeClr val="accent1"/>
+          </a:effectRef>
+          <a:fontRef idx="minor">
+            <a:schemeClr val="tx1"/>
+          </a:fontRef>
+        </p:style>
+      </p:cxnSp>
+      <p:sp>
+        <p:nvSpPr>
+          <p:cNvPr id="11" name="Titel 1"/>
+          <p:cNvSpPr txBox="1">
+            <a:spLocks/>
+          </p:cNvSpPr>
+          <p:nvPr/>
+        </p:nvSpPr>
+        <p:spPr>
+          <a:xfrm>
+            <a:off x="1097280" y="286604"/>
+            <a:ext cx="10058400" cy="758426"/>
+          </a:xfrm>
+          <a:prstGeom prst="rect">
+            <a:avLst/>
+          </a:prstGeom>
+        </p:spPr>
+        <p:txBody>
+          <a:bodyPr anchor="ctr"/>
+          <a:lstStyle>
+            <a:lvl1pPr algn="l" defTabSz="914400" rtl="0" eaLnBrk="1" latinLnBrk="0" hangingPunct="1">
+              <a:lnSpc>
+                <a:spcPct val="85000"/>
+              </a:lnSpc>
+              <a:spcBef>
+                <a:spcPct val="0"/>
+              </a:spcBef>
+              <a:buNone/>
+              <a:defRPr sz="4800" kern="1200" spc="-50" baseline="0">
+                <a:solidFill>
+                  <a:schemeClr val="tx1">
+                    <a:lumMod val="75000"/>
+                    <a:lumOff val="25000"/>
+                  </a:schemeClr>
+                </a:solidFill>
+                <a:latin typeface="+mj-lt"/>
+                <a:ea typeface="+mj-ea"/>
+                <a:cs typeface="+mj-cs"/>
+              </a:defRPr>
+            </a:lvl1pPr>
+          </a:lstStyle>
+          <a:p>
+            <a:r>
+              <a:rPr lang="en-GB" dirty="0">
+                <a:solidFill>
+                  <a:schemeClr val="tx1"/>
+                </a:solidFill>
+              </a:rPr>
+              <a:t>Future work</a:t>
+            </a:r>
+            <a:endParaRPr lang="nl-BE" dirty="0">
+              <a:solidFill>
+                <a:schemeClr val="tx1"/>
+              </a:solidFill>
+            </a:endParaRPr>
+          </a:p>
+        </p:txBody>
+      </p:sp>
+      <p:sp>
+        <p:nvSpPr>
+          <p:cNvPr id="8" name="Tijdelijke aanduiding voor inhoud 2">
+            <a:extLst>
+              <a:ext uri="{FF2B5EF4-FFF2-40B4-BE49-F238E27FC236}">
+                <a16:creationId xmlns:a16="http://schemas.microsoft.com/office/drawing/2014/main" id="{6F369E50-FD53-4A8F-BEB4-927F2DB729E9}"/>
+              </a:ext>
+            </a:extLst>
+          </p:cNvPr>
+          <p:cNvSpPr txBox="1">
+            <a:spLocks/>
+          </p:cNvSpPr>
+          <p:nvPr/>
+        </p:nvSpPr>
+        <p:spPr>
+          <a:xfrm>
+            <a:off x="965943" y="1528153"/>
+            <a:ext cx="6601047" cy="4448507"/>
+          </a:xfrm>
+          <a:prstGeom prst="rect">
+            <a:avLst/>
+          </a:prstGeom>
+        </p:spPr>
+        <p:txBody>
+          <a:bodyPr>
+            <a:normAutofit/>
+          </a:bodyPr>
+          <a:lstStyle>
+            <a:lvl1pPr marL="91440" indent="-91440" algn="l" defTabSz="914400" rtl="0" eaLnBrk="1" latinLnBrk="0" hangingPunct="1">
+              <a:lnSpc>
+                <a:spcPct val="90000"/>
+              </a:lnSpc>
+              <a:spcBef>
+                <a:spcPts val="1200"/>
+              </a:spcBef>
+              <a:spcAft>
+                <a:spcPts val="200"/>
+              </a:spcAft>
+              <a:buClr>
+                <a:schemeClr val="accent1"/>
+              </a:buClr>
+              <a:buSzPct val="100000"/>
+              <a:buFont typeface="Calibri" panose="020F0502020204030204" pitchFamily="34" charset="0"/>
+              <a:buChar char=" "/>
+              <a:defRPr sz="2000" kern="1200">
+                <a:solidFill>
+                  <a:schemeClr val="tx1">
+                    <a:lumMod val="75000"/>
+                    <a:lumOff val="25000"/>
+                  </a:schemeClr>
+                </a:solidFill>
+                <a:latin typeface="+mn-lt"/>
+                <a:ea typeface="+mn-ea"/>
+                <a:cs typeface="+mn-cs"/>
+              </a:defRPr>
+            </a:lvl1pPr>
+            <a:lvl2pPr marL="384048" indent="-182880" algn="l" defTabSz="914400" rtl="0" eaLnBrk="1" latinLnBrk="0" hangingPunct="1">
+              <a:lnSpc>
+                <a:spcPct val="90000"/>
+              </a:lnSpc>
+              <a:spcBef>
+                <a:spcPts val="200"/>
+              </a:spcBef>
+              <a:spcAft>
+                <a:spcPts val="400"/>
+              </a:spcAft>
+              <a:buClr>
+                <a:schemeClr val="accent1"/>
+              </a:buClr>
+              <a:buFont typeface="Calibri" pitchFamily="34" charset="0"/>
+              <a:buChar char="◦"/>
+              <a:defRPr sz="1800" kern="1200">
+                <a:solidFill>
+                  <a:schemeClr val="tx1">
+                    <a:lumMod val="75000"/>
+                    <a:lumOff val="25000"/>
+                  </a:schemeClr>
+                </a:solidFill>
+                <a:latin typeface="+mn-lt"/>
+                <a:ea typeface="+mn-ea"/>
+                <a:cs typeface="+mn-cs"/>
+              </a:defRPr>
+            </a:lvl2pPr>
+            <a:lvl3pPr marL="566928" indent="-182880" algn="l" defTabSz="914400" rtl="0" eaLnBrk="1" latinLnBrk="0" hangingPunct="1">
+              <a:lnSpc>
+                <a:spcPct val="90000"/>
+              </a:lnSpc>
+              <a:spcBef>
+                <a:spcPts val="200"/>
+              </a:spcBef>
+              <a:spcAft>
+                <a:spcPts val="400"/>
+              </a:spcAft>
+              <a:buClr>
+                <a:schemeClr val="accent1"/>
+              </a:buClr>
+              <a:buFont typeface="Calibri" pitchFamily="34" charset="0"/>
+              <a:buChar char="◦"/>
+              <a:defRPr sz="1400" kern="1200">
+                <a:solidFill>
+                  <a:schemeClr val="tx1">
+                    <a:lumMod val="75000"/>
+                    <a:lumOff val="25000"/>
+                  </a:schemeClr>
+                </a:solidFill>
+                <a:latin typeface="+mn-lt"/>
+                <a:ea typeface="+mn-ea"/>
+                <a:cs typeface="+mn-cs"/>
+              </a:defRPr>
+            </a:lvl3pPr>
+            <a:lvl4pPr marL="749808" indent="-182880" algn="l" defTabSz="914400" rtl="0" eaLnBrk="1" latinLnBrk="0" hangingPunct="1">
+              <a:lnSpc>
+                <a:spcPct val="90000"/>
+              </a:lnSpc>
+              <a:spcBef>
+                <a:spcPts val="200"/>
+              </a:spcBef>
+              <a:spcAft>
+                <a:spcPts val="400"/>
+              </a:spcAft>
+              <a:buClr>
+                <a:schemeClr val="accent1"/>
+              </a:buClr>
+              <a:buFont typeface="Calibri" pitchFamily="34" charset="0"/>
+              <a:buChar char="◦"/>
+              <a:defRPr sz="1400" kern="1200">
+                <a:solidFill>
+                  <a:schemeClr val="tx1">
+                    <a:lumMod val="75000"/>
+                    <a:lumOff val="25000"/>
+                  </a:schemeClr>
+                </a:solidFill>
+                <a:latin typeface="+mn-lt"/>
+                <a:ea typeface="+mn-ea"/>
+                <a:cs typeface="+mn-cs"/>
+              </a:defRPr>
+            </a:lvl4pPr>
+            <a:lvl5pPr marL="932688" indent="-182880" algn="l" defTabSz="914400" rtl="0" eaLnBrk="1" latinLnBrk="0" hangingPunct="1">
+              <a:lnSpc>
+                <a:spcPct val="90000"/>
+              </a:lnSpc>
+              <a:spcBef>
+                <a:spcPts val="200"/>
+              </a:spcBef>
+              <a:spcAft>
+                <a:spcPts val="400"/>
+              </a:spcAft>
+              <a:buClr>
+                <a:schemeClr val="accent1"/>
+              </a:buClr>
+              <a:buFont typeface="Calibri" pitchFamily="34" charset="0"/>
+              <a:buChar char="◦"/>
+              <a:defRPr sz="1400" kern="1200">
+                <a:solidFill>
+                  <a:schemeClr val="tx1">
+                    <a:lumMod val="75000"/>
+                    <a:lumOff val="25000"/>
+                  </a:schemeClr>
+                </a:solidFill>
+                <a:latin typeface="+mn-lt"/>
+                <a:ea typeface="+mn-ea"/>
+                <a:cs typeface="+mn-cs"/>
+              </a:defRPr>
+            </a:lvl5pPr>
+            <a:lvl6pPr marL="1100000" indent="-228600" algn="l" defTabSz="914400" rtl="0" eaLnBrk="1" latinLnBrk="0" hangingPunct="1">
+              <a:lnSpc>
+                <a:spcPct val="90000"/>
+              </a:lnSpc>
+              <a:spcBef>
+                <a:spcPts val="200"/>
+              </a:spcBef>
+              <a:spcAft>
+                <a:spcPts val="400"/>
+              </a:spcAft>
+              <a:buClr>
+                <a:schemeClr val="accent1"/>
+              </a:buClr>
+              <a:buFont typeface="Calibri" pitchFamily="34" charset="0"/>
+              <a:buChar char="◦"/>
+              <a:defRPr sz="1400" kern="1200">
+                <a:solidFill>
+                  <a:schemeClr val="tx1">
+                    <a:lumMod val="75000"/>
+                    <a:lumOff val="25000"/>
+                  </a:schemeClr>
+                </a:solidFill>
+                <a:latin typeface="+mn-lt"/>
+                <a:ea typeface="+mn-ea"/>
+                <a:cs typeface="+mn-cs"/>
+              </a:defRPr>
+            </a:lvl6pPr>
+            <a:lvl7pPr marL="1300000" indent="-228600" algn="l" defTabSz="914400" rtl="0" eaLnBrk="1" latinLnBrk="0" hangingPunct="1">
+              <a:lnSpc>
+                <a:spcPct val="90000"/>
+              </a:lnSpc>
+              <a:spcBef>
+                <a:spcPts val="200"/>
+              </a:spcBef>
+              <a:spcAft>
+                <a:spcPts val="400"/>
+              </a:spcAft>
+              <a:buClr>
+                <a:schemeClr val="accent1"/>
+              </a:buClr>
+              <a:buFont typeface="Calibri" pitchFamily="34" charset="0"/>
+              <a:buChar char="◦"/>
+              <a:defRPr sz="1400" kern="1200">
+                <a:solidFill>
+                  <a:schemeClr val="tx1">
+                    <a:lumMod val="75000"/>
+                    <a:lumOff val="25000"/>
+                  </a:schemeClr>
+                </a:solidFill>
+                <a:latin typeface="+mn-lt"/>
+                <a:ea typeface="+mn-ea"/>
+                <a:cs typeface="+mn-cs"/>
+              </a:defRPr>
+            </a:lvl7pPr>
+            <a:lvl8pPr marL="1500000" indent="-228600" algn="l" defTabSz="914400" rtl="0" eaLnBrk="1" latinLnBrk="0" hangingPunct="1">
+              <a:lnSpc>
+                <a:spcPct val="90000"/>
+              </a:lnSpc>
+              <a:spcBef>
+                <a:spcPts val="200"/>
+              </a:spcBef>
+              <a:spcAft>
+                <a:spcPts val="400"/>
+              </a:spcAft>
+              <a:buClr>
+                <a:schemeClr val="accent1"/>
+              </a:buClr>
+              <a:buFont typeface="Calibri" pitchFamily="34" charset="0"/>
+              <a:buChar char="◦"/>
+              <a:defRPr sz="1400" kern="1200">
+                <a:solidFill>
+                  <a:schemeClr val="tx1">
+                    <a:lumMod val="75000"/>
+                    <a:lumOff val="25000"/>
+                  </a:schemeClr>
+                </a:solidFill>
+                <a:latin typeface="+mn-lt"/>
+                <a:ea typeface="+mn-ea"/>
+                <a:cs typeface="+mn-cs"/>
+              </a:defRPr>
+            </a:lvl8pPr>
+            <a:lvl9pPr marL="1700000" indent="-228600" algn="l" defTabSz="914400" rtl="0" eaLnBrk="1" latinLnBrk="0" hangingPunct="1">
+              <a:lnSpc>
+                <a:spcPct val="90000"/>
+              </a:lnSpc>
+              <a:spcBef>
+                <a:spcPts val="200"/>
+              </a:spcBef>
+              <a:spcAft>
+                <a:spcPts val="400"/>
+              </a:spcAft>
+              <a:buClr>
+                <a:schemeClr val="accent1"/>
+              </a:buClr>
+              <a:buFont typeface="Calibri" pitchFamily="34" charset="0"/>
+              <a:buChar char="◦"/>
+              <a:defRPr sz="1400" kern="1200">
+                <a:solidFill>
+                  <a:schemeClr val="tx1">
+                    <a:lumMod val="75000"/>
+                    <a:lumOff val="25000"/>
+                  </a:schemeClr>
+                </a:solidFill>
+                <a:latin typeface="+mn-lt"/>
+                <a:ea typeface="+mn-ea"/>
+                <a:cs typeface="+mn-cs"/>
+              </a:defRPr>
+            </a:lvl9pPr>
+          </a:lstStyle>
+          <a:p>
+            <a:pPr lvl="1">
+              <a:buFont typeface="Wingdings" panose="05000000000000000000" pitchFamily="2" charset="2"/>
+              <a:buChar char="§"/>
+            </a:pPr>
+            <a:r>
+              <a:rPr lang="nl-BE" sz="2000" dirty="0">
+                <a:solidFill>
+                  <a:schemeClr val="tx1"/>
+                </a:solidFill>
+              </a:rPr>
+              <a:t>Slechts 1 gebruiker kan uploaden</a:t>
+            </a:r>
+          </a:p>
+          <a:p>
+            <a:pPr lvl="1">
+              <a:buFont typeface="Wingdings" panose="05000000000000000000" pitchFamily="2" charset="2"/>
+              <a:buChar char="§"/>
+            </a:pPr>
+            <a:endParaRPr lang="nl-BE" sz="2000" dirty="0">
+              <a:solidFill>
+                <a:schemeClr val="tx1"/>
+              </a:solidFill>
+            </a:endParaRPr>
+          </a:p>
+          <a:p>
+            <a:pPr lvl="1">
+              <a:buFont typeface="Wingdings" panose="05000000000000000000" pitchFamily="2" charset="2"/>
+              <a:buChar char="§"/>
+            </a:pPr>
+            <a:r>
+              <a:rPr lang="nl-BE" sz="2000" dirty="0">
+                <a:solidFill>
+                  <a:schemeClr val="tx1"/>
+                </a:solidFill>
+              </a:rPr>
+              <a:t>Beperkte bestandsgrootte</a:t>
+            </a:r>
+          </a:p>
+          <a:p>
+            <a:pPr lvl="1">
+              <a:buFont typeface="Wingdings" panose="05000000000000000000" pitchFamily="2" charset="2"/>
+              <a:buChar char="§"/>
+            </a:pPr>
+            <a:endParaRPr lang="nl-BE" sz="2000" dirty="0">
+              <a:solidFill>
+                <a:schemeClr val="tx1"/>
+              </a:solidFill>
+            </a:endParaRPr>
+          </a:p>
+          <a:p>
+            <a:pPr lvl="1">
+              <a:buFont typeface="Wingdings" panose="05000000000000000000" pitchFamily="2" charset="2"/>
+              <a:buChar char="§"/>
+            </a:pPr>
+            <a:r>
+              <a:rPr lang="nl-BE" sz="2000" dirty="0" err="1">
+                <a:solidFill>
+                  <a:schemeClr val="tx1"/>
+                </a:solidFill>
+              </a:rPr>
+              <a:t>RawImagesParser</a:t>
+            </a:r>
+            <a:r>
+              <a:rPr lang="nl-BE" sz="2000" dirty="0">
+                <a:solidFill>
+                  <a:schemeClr val="tx1"/>
+                </a:solidFill>
+              </a:rPr>
+              <a:t> out of memory</a:t>
+            </a:r>
+          </a:p>
+          <a:p>
+            <a:pPr lvl="1">
+              <a:buFont typeface="Wingdings" panose="05000000000000000000" pitchFamily="2" charset="2"/>
+              <a:buChar char="§"/>
+            </a:pPr>
+            <a:endParaRPr lang="nl-BE" sz="2000" dirty="0">
+              <a:solidFill>
+                <a:schemeClr val="tx1"/>
+              </a:solidFill>
+            </a:endParaRPr>
+          </a:p>
+          <a:p>
+            <a:pPr lvl="1">
+              <a:buFont typeface="Wingdings" panose="05000000000000000000" pitchFamily="2" charset="2"/>
+              <a:buChar char="§"/>
+            </a:pPr>
+            <a:r>
+              <a:rPr lang="nl-BE" sz="2000" dirty="0">
+                <a:solidFill>
+                  <a:schemeClr val="tx1"/>
+                </a:solidFill>
+              </a:rPr>
+              <a:t>Data per dronevlucht verwijderen</a:t>
+            </a:r>
+          </a:p>
+          <a:p>
+            <a:pPr lvl="1">
+              <a:buFont typeface="Wingdings" panose="05000000000000000000" pitchFamily="2" charset="2"/>
+              <a:buChar char="§"/>
+            </a:pPr>
+            <a:endParaRPr lang="nl-BE" sz="2000" dirty="0">
+              <a:solidFill>
+                <a:schemeClr val="tx1"/>
+              </a:solidFill>
+            </a:endParaRPr>
+          </a:p>
+          <a:p>
+            <a:pPr lvl="1">
+              <a:buFont typeface="Wingdings" panose="05000000000000000000" pitchFamily="2" charset="2"/>
+              <a:buChar char="§"/>
+            </a:pPr>
+            <a:r>
+              <a:rPr lang="nl-BE" sz="2000" dirty="0">
+                <a:solidFill>
+                  <a:schemeClr val="tx1"/>
+                </a:solidFill>
+              </a:rPr>
+              <a:t>Mooiere logboeken</a:t>
+            </a:r>
+          </a:p>
+          <a:p>
+            <a:pPr lvl="1">
+              <a:buFont typeface="Wingdings" panose="05000000000000000000" pitchFamily="2" charset="2"/>
+              <a:buChar char="§"/>
+            </a:pPr>
+            <a:endParaRPr lang="nl-BE" sz="2000" dirty="0">
+              <a:solidFill>
+                <a:schemeClr val="tx1"/>
+              </a:solidFill>
+            </a:endParaRPr>
+          </a:p>
+          <a:p>
+            <a:pPr lvl="1">
+              <a:buFont typeface="Wingdings" panose="05000000000000000000" pitchFamily="2" charset="2"/>
+              <a:buChar char="§"/>
+            </a:pPr>
+            <a:r>
+              <a:rPr lang="nl-BE" sz="2000" dirty="0">
+                <a:solidFill>
+                  <a:schemeClr val="tx1"/>
+                </a:solidFill>
+              </a:rPr>
+              <a:t>Huisstijl Jan De Nul toepassen</a:t>
+            </a:r>
+          </a:p>
+        </p:txBody>
+      </p:sp>
+    </p:spTree>
+    <p:extLst>
+      <p:ext uri="{BB962C8B-B14F-4D97-AF65-F5344CB8AC3E}">
+        <p14:creationId xmlns:p14="http://schemas.microsoft.com/office/powerpoint/2010/main" val="1775645031"/>
+      </p:ext>
+    </p:extLst>
+  </p:cSld>
+  <p:clrMapOvr>
+    <a:masterClrMapping/>
+  </p:clrMapOvr>
+  <p:timing>
+    <p:tnLst>
+      <p:par>
+        <p:cTn id="1" dur="indefinite" restart="never" nodeType="tmRoot">
+          <p:childTnLst>
+            <p:seq concurrent="1" nextAc="seek">
+              <p:cTn id="2" dur="indefinite" nodeType="mainSeq">
+                <p:childTnLst>
+                  <p:par>
+                    <p:cTn id="3" fill="hold">
+                      <p:stCondLst>
+                        <p:cond delay="indefinite"/>
+                      </p:stCondLst>
+                      <p:childTnLst>
+                        <p:par>
+                          <p:cTn id="4" fill="hold">
+                            <p:stCondLst>
+                              <p:cond delay="0"/>
+                            </p:stCondLst>
+                            <p:childTnLst>
+                              <p:par>
+                                <p:cTn id="5" presetID="10" presetClass="entr" presetSubtype="0" fill="hold" nodeType="clickEffect">
+                                  <p:stCondLst>
+                                    <p:cond delay="0"/>
+                                  </p:stCondLst>
+                                  <p:childTnLst>
+                                    <p:set>
+                                      <p:cBhvr>
+                                        <p:cTn id="6" dur="1" fill="hold">
+                                          <p:stCondLst>
+                                            <p:cond delay="0"/>
+                                          </p:stCondLst>
+                                        </p:cTn>
+                                        <p:tgtEl>
+                                          <p:spTgt spid="8">
+                                            <p:txEl>
+                                              <p:pRg st="0" end="0"/>
+                                            </p:txEl>
+                                          </p:spTgt>
+                                        </p:tgtEl>
+                                        <p:attrNameLst>
+                                          <p:attrName>style.visibility</p:attrName>
+                                        </p:attrNameLst>
+                                      </p:cBhvr>
+                                      <p:to>
+                                        <p:strVal val="visible"/>
+                                      </p:to>
+                                    </p:set>
+                                    <p:animEffect transition="in" filter="fade">
+                                      <p:cBhvr>
+                                        <p:cTn id="7" dur="500"/>
+                                        <p:tgtEl>
+                                          <p:spTgt spid="8">
+                                            <p:txEl>
+                                              <p:pRg st="0" end="0"/>
+                                            </p:txEl>
+                                          </p:spTgt>
+                                        </p:tgtEl>
+                                      </p:cBhvr>
+                                    </p:animEffect>
+                                  </p:childTnLst>
+                                </p:cTn>
+                              </p:par>
+                            </p:childTnLst>
+                          </p:cTn>
+                        </p:par>
+                      </p:childTnLst>
+                    </p:cTn>
+                  </p:par>
+                  <p:par>
+                    <p:cTn id="8" fill="hold">
+                      <p:stCondLst>
+                        <p:cond delay="indefinite"/>
+                      </p:stCondLst>
+                      <p:childTnLst>
+                        <p:par>
+                          <p:cTn id="9" fill="hold">
+                            <p:stCondLst>
+                              <p:cond delay="0"/>
+                            </p:stCondLst>
+                            <p:childTnLst>
+                              <p:par>
+                                <p:cTn id="10" presetID="10" presetClass="entr" presetSubtype="0" fill="hold" nodeType="clickEffect">
+                                  <p:stCondLst>
+                                    <p:cond delay="0"/>
+                                  </p:stCondLst>
+                                  <p:childTnLst>
+                                    <p:set>
+                                      <p:cBhvr>
+                                        <p:cTn id="11" dur="1" fill="hold">
+                                          <p:stCondLst>
+                                            <p:cond delay="0"/>
+                                          </p:stCondLst>
+                                        </p:cTn>
+                                        <p:tgtEl>
+                                          <p:spTgt spid="8">
+                                            <p:txEl>
+                                              <p:pRg st="2" end="2"/>
+                                            </p:txEl>
+                                          </p:spTgt>
+                                        </p:tgtEl>
+                                        <p:attrNameLst>
+                                          <p:attrName>style.visibility</p:attrName>
+                                        </p:attrNameLst>
+                                      </p:cBhvr>
+                                      <p:to>
+                                        <p:strVal val="visible"/>
+                                      </p:to>
+                                    </p:set>
+                                    <p:animEffect transition="in" filter="fade">
+                                      <p:cBhvr>
+                                        <p:cTn id="12" dur="500"/>
+                                        <p:tgtEl>
+                                          <p:spTgt spid="8">
+                                            <p:txEl>
+                                              <p:pRg st="2" end="2"/>
+                                            </p:txEl>
+                                          </p:spTgt>
+                                        </p:tgtEl>
+                                      </p:cBhvr>
+                                    </p:animEffect>
+                                  </p:childTnLst>
+                                </p:cTn>
+                              </p:par>
+                            </p:childTnLst>
+                          </p:cTn>
+                        </p:par>
+                      </p:childTnLst>
+                    </p:cTn>
+                  </p:par>
+                  <p:par>
+                    <p:cTn id="13" fill="hold">
+                      <p:stCondLst>
+                        <p:cond delay="indefinite"/>
+                      </p:stCondLst>
+                      <p:childTnLst>
+                        <p:par>
+                          <p:cTn id="14" fill="hold">
+                            <p:stCondLst>
+                              <p:cond delay="0"/>
+                            </p:stCondLst>
+                            <p:childTnLst>
+                              <p:par>
+                                <p:cTn id="15" presetID="10" presetClass="entr" presetSubtype="0" fill="hold" nodeType="clickEffect">
+                                  <p:stCondLst>
+                                    <p:cond delay="0"/>
+                                  </p:stCondLst>
+                                  <p:childTnLst>
+                                    <p:set>
+                                      <p:cBhvr>
+                                        <p:cTn id="16" dur="1" fill="hold">
+                                          <p:stCondLst>
+                                            <p:cond delay="0"/>
+                                          </p:stCondLst>
+                                        </p:cTn>
+                                        <p:tgtEl>
+                                          <p:spTgt spid="8">
+                                            <p:txEl>
+                                              <p:pRg st="4" end="4"/>
+                                            </p:txEl>
+                                          </p:spTgt>
+                                        </p:tgtEl>
+                                        <p:attrNameLst>
+                                          <p:attrName>style.visibility</p:attrName>
+                                        </p:attrNameLst>
+                                      </p:cBhvr>
+                                      <p:to>
+                                        <p:strVal val="visible"/>
+                                      </p:to>
+                                    </p:set>
+                                    <p:animEffect transition="in" filter="fade">
+                                      <p:cBhvr>
+                                        <p:cTn id="17" dur="500"/>
+                                        <p:tgtEl>
+                                          <p:spTgt spid="8">
+                                            <p:txEl>
+                                              <p:pRg st="4" end="4"/>
+                                            </p:txEl>
+                                          </p:spTgt>
+                                        </p:tgtEl>
+                                      </p:cBhvr>
+                                    </p:animEffect>
+                                  </p:childTnLst>
+                                </p:cTn>
+                              </p:par>
+                            </p:childTnLst>
+                          </p:cTn>
+                        </p:par>
+                      </p:childTnLst>
+                    </p:cTn>
+                  </p:par>
+                  <p:par>
+                    <p:cTn id="18" fill="hold">
+                      <p:stCondLst>
+                        <p:cond delay="indefinite"/>
+                      </p:stCondLst>
+                      <p:childTnLst>
+                        <p:par>
+                          <p:cTn id="19" fill="hold">
+                            <p:stCondLst>
+                              <p:cond delay="0"/>
+                            </p:stCondLst>
+                            <p:childTnLst>
+                              <p:par>
+                                <p:cTn id="20" presetID="10" presetClass="entr" presetSubtype="0" fill="hold" nodeType="clickEffect">
+                                  <p:stCondLst>
+                                    <p:cond delay="0"/>
+                                  </p:stCondLst>
+                                  <p:childTnLst>
+                                    <p:set>
+                                      <p:cBhvr>
+                                        <p:cTn id="21" dur="1" fill="hold">
+                                          <p:stCondLst>
+                                            <p:cond delay="0"/>
+                                          </p:stCondLst>
+                                        </p:cTn>
+                                        <p:tgtEl>
+                                          <p:spTgt spid="8">
+                                            <p:txEl>
+                                              <p:pRg st="6" end="6"/>
+                                            </p:txEl>
+                                          </p:spTgt>
+                                        </p:tgtEl>
+                                        <p:attrNameLst>
+                                          <p:attrName>style.visibility</p:attrName>
+                                        </p:attrNameLst>
+                                      </p:cBhvr>
+                                      <p:to>
+                                        <p:strVal val="visible"/>
+                                      </p:to>
+                                    </p:set>
+                                    <p:animEffect transition="in" filter="fade">
+                                      <p:cBhvr>
+                                        <p:cTn id="22" dur="500"/>
+                                        <p:tgtEl>
+                                          <p:spTgt spid="8">
+                                            <p:txEl>
+                                              <p:pRg st="6" end="6"/>
+                                            </p:txEl>
+                                          </p:spTgt>
+                                        </p:tgtEl>
+                                      </p:cBhvr>
+                                    </p:animEffect>
+                                  </p:childTnLst>
+                                </p:cTn>
+                              </p:par>
+                            </p:childTnLst>
+                          </p:cTn>
+                        </p:par>
+                      </p:childTnLst>
+                    </p:cTn>
+                  </p:par>
+                  <p:par>
+                    <p:cTn id="23" fill="hold">
+                      <p:stCondLst>
+                        <p:cond delay="indefinite"/>
+                      </p:stCondLst>
+                      <p:childTnLst>
+                        <p:par>
+                          <p:cTn id="24" fill="hold">
+                            <p:stCondLst>
+                              <p:cond delay="0"/>
+                            </p:stCondLst>
+                            <p:childTnLst>
+                              <p:par>
+                                <p:cTn id="25" presetID="10" presetClass="entr" presetSubtype="0" fill="hold" nodeType="clickEffect">
+                                  <p:stCondLst>
+                                    <p:cond delay="0"/>
+                                  </p:stCondLst>
+                                  <p:childTnLst>
+                                    <p:set>
+                                      <p:cBhvr>
+                                        <p:cTn id="26" dur="1" fill="hold">
+                                          <p:stCondLst>
+                                            <p:cond delay="0"/>
+                                          </p:stCondLst>
+                                        </p:cTn>
+                                        <p:tgtEl>
+                                          <p:spTgt spid="8">
+                                            <p:txEl>
+                                              <p:pRg st="8" end="8"/>
+                                            </p:txEl>
+                                          </p:spTgt>
+                                        </p:tgtEl>
+                                        <p:attrNameLst>
+                                          <p:attrName>style.visibility</p:attrName>
+                                        </p:attrNameLst>
+                                      </p:cBhvr>
+                                      <p:to>
+                                        <p:strVal val="visible"/>
+                                      </p:to>
+                                    </p:set>
+                                    <p:animEffect transition="in" filter="fade">
+                                      <p:cBhvr>
+                                        <p:cTn id="27" dur="500"/>
+                                        <p:tgtEl>
+                                          <p:spTgt spid="8">
+                                            <p:txEl>
+                                              <p:pRg st="8" end="8"/>
+                                            </p:txEl>
+                                          </p:spTgt>
+                                        </p:tgtEl>
+                                      </p:cBhvr>
+                                    </p:animEffect>
+                                  </p:childTnLst>
+                                </p:cTn>
+                              </p:par>
+                            </p:childTnLst>
+                          </p:cTn>
+                        </p:par>
+                      </p:childTnLst>
+                    </p:cTn>
+                  </p:par>
+                  <p:par>
+                    <p:cTn id="28" fill="hold">
+                      <p:stCondLst>
+                        <p:cond delay="indefinite"/>
+                      </p:stCondLst>
+                      <p:childTnLst>
+                        <p:par>
+                          <p:cTn id="29" fill="hold">
+                            <p:stCondLst>
+                              <p:cond delay="0"/>
+                            </p:stCondLst>
+                            <p:childTnLst>
+                              <p:par>
+                                <p:cTn id="30" presetID="10" presetClass="entr" presetSubtype="0" fill="hold" nodeType="clickEffect">
+                                  <p:stCondLst>
+                                    <p:cond delay="0"/>
+                                  </p:stCondLst>
+                                  <p:childTnLst>
+                                    <p:set>
+                                      <p:cBhvr>
+                                        <p:cTn id="31" dur="1" fill="hold">
+                                          <p:stCondLst>
+                                            <p:cond delay="0"/>
+                                          </p:stCondLst>
+                                        </p:cTn>
+                                        <p:tgtEl>
+                                          <p:spTgt spid="8">
+                                            <p:txEl>
+                                              <p:pRg st="10" end="10"/>
+                                            </p:txEl>
+                                          </p:spTgt>
+                                        </p:tgtEl>
+                                        <p:attrNameLst>
+                                          <p:attrName>style.visibility</p:attrName>
+                                        </p:attrNameLst>
+                                      </p:cBhvr>
+                                      <p:to>
+                                        <p:strVal val="visible"/>
+                                      </p:to>
+                                    </p:set>
+                                    <p:animEffect transition="in" filter="fade">
+                                      <p:cBhvr>
+                                        <p:cTn id="32" dur="500"/>
+                                        <p:tgtEl>
+                                          <p:spTgt spid="8">
+                                            <p:txEl>
+                                              <p:pRg st="10" end="10"/>
+                                            </p:txEl>
+                                          </p:spTgt>
+                                        </p:tgtEl>
+                                      </p:cBhvr>
+                                    </p:animEffect>
+                                  </p:childTnLst>
+                                </p:cTn>
+                              </p:par>
+                            </p:childTnLst>
+                          </p:cTn>
+                        </p:par>
+                      </p:childTnLst>
+                    </p:cTn>
+                  </p:par>
+                </p:childTnLst>
+              </p:cTn>
+              <p:prevCondLst>
+                <p:cond evt="onPrev" delay="0">
+                  <p:tgtEl>
+                    <p:sldTgt/>
+                  </p:tgtEl>
+                </p:cond>
+              </p:prevCondLst>
+              <p:nextCondLst>
+                <p:cond evt="onNext" delay="0">
+                  <p:tgtEl>
+                    <p:sldTgt/>
+                  </p:tgtEl>
+                </p:cond>
+              </p:nextCondLst>
+            </p:seq>
+          </p:childTnLst>
+        </p:cTn>
+      </p:par>
+    </p:tnLst>
+  </p:timing>
+</p:sld>
+</file>
+
+<file path=ppt/slides/slide21.xml><?xml version="1.0" encoding="utf-8"?>
+<p:sld xmlns:a="http://schemas.openxmlformats.org/drawingml/2006/main" xmlns:r="http://schemas.openxmlformats.org/officeDocument/2006/relationships" xmlns:p="http://schemas.openxmlformats.org/presentationml/2006/main">
+  <p:cSld>
+    <p:spTree>
+      <p:nvGrpSpPr>
+        <p:cNvPr id="1" name=""/>
+        <p:cNvGrpSpPr/>
+        <p:nvPr/>
+      </p:nvGrpSpPr>
+      <p:grpSpPr>
+        <a:xfrm>
+          <a:off x="0" y="0"/>
+          <a:ext cx="0" cy="0"/>
+          <a:chOff x="0" y="0"/>
+          <a:chExt cx="0" cy="0"/>
+        </a:xfrm>
+      </p:grpSpPr>
+      <p:sp>
+        <p:nvSpPr>
+          <p:cNvPr id="4" name="Tijdelijke aanduiding voor datum 3"/>
+          <p:cNvSpPr>
+            <a:spLocks noGrp="1"/>
+          </p:cNvSpPr>
+          <p:nvPr>
+            <p:ph type="dt" sz="half" idx="10"/>
+          </p:nvPr>
+        </p:nvSpPr>
+        <p:spPr>
+          <a:xfrm>
+            <a:off x="313508" y="6459783"/>
+            <a:ext cx="2472271" cy="365125"/>
+          </a:xfrm>
+        </p:spPr>
+        <p:txBody>
+          <a:bodyPr/>
+          <a:lstStyle/>
+          <a:p>
+            <a:r>
+              <a:rPr lang="nl-BE" sz="1400" dirty="0"/>
+              <a:t>Niels Hauttekeete</a:t>
+            </a:r>
+            <a:endParaRPr lang="nl-BE" sz="800" dirty="0"/>
+          </a:p>
+        </p:txBody>
+      </p:sp>
+      <p:sp>
+        <p:nvSpPr>
+          <p:cNvPr id="5" name="Tijdelijke aanduiding voor voettekst 4"/>
+          <p:cNvSpPr>
+            <a:spLocks noGrp="1"/>
+          </p:cNvSpPr>
+          <p:nvPr>
+            <p:ph type="ftr" sz="quarter" idx="11"/>
+          </p:nvPr>
+        </p:nvSpPr>
+        <p:spPr>
+          <a:xfrm>
+            <a:off x="2191294" y="6459784"/>
+            <a:ext cx="7870372" cy="365125"/>
+          </a:xfrm>
+        </p:spPr>
+        <p:txBody>
+          <a:bodyPr/>
+          <a:lstStyle/>
+          <a:p>
+            <a:r>
+              <a:rPr lang="en-GB" sz="1400" cap="none" dirty="0"/>
+              <a:t>Deployment diagram –</a:t>
+            </a:r>
+            <a:r>
+              <a:rPr lang="en-GB" sz="1600" b="1" cap="none" dirty="0"/>
+              <a:t> </a:t>
+            </a:r>
+            <a:r>
+              <a:rPr lang="en-GB" sz="1400" cap="none" dirty="0"/>
+              <a:t>Databank</a:t>
+            </a:r>
+            <a:r>
+              <a:rPr lang="en-GB" sz="1600" b="1" cap="none" dirty="0"/>
+              <a:t> </a:t>
+            </a:r>
+            <a:r>
+              <a:rPr lang="en-GB" sz="1400" cap="none" dirty="0"/>
+              <a:t>– ASP.NET MVC – </a:t>
+            </a:r>
+            <a:r>
+              <a:rPr lang="en-GB" sz="1400" cap="none" dirty="0" err="1"/>
+              <a:t>Inlogsysteem</a:t>
+            </a:r>
+            <a:r>
+              <a:rPr lang="en-GB" sz="1400" cap="none" dirty="0"/>
+              <a:t> – </a:t>
+            </a:r>
+            <a:r>
+              <a:rPr lang="en-GB" sz="1600" b="1" cap="none" dirty="0"/>
+              <a:t>Future work</a:t>
+            </a:r>
+            <a:endParaRPr lang="nl-BE" sz="1600" b="1" cap="none" dirty="0"/>
+          </a:p>
+        </p:txBody>
+      </p:sp>
+      <p:sp>
+        <p:nvSpPr>
+          <p:cNvPr id="6" name="Tijdelijke aanduiding voor dianummer 5"/>
+          <p:cNvSpPr>
+            <a:spLocks noGrp="1"/>
+          </p:cNvSpPr>
+          <p:nvPr>
+            <p:ph type="sldNum" sz="quarter" idx="12"/>
+          </p:nvPr>
+        </p:nvSpPr>
+        <p:spPr>
+          <a:xfrm>
+            <a:off x="10613571" y="6459785"/>
+            <a:ext cx="598912" cy="365125"/>
+          </a:xfrm>
+        </p:spPr>
+        <p:txBody>
+          <a:bodyPr/>
+          <a:lstStyle/>
+          <a:p>
+            <a:fld id="{535572C1-3FAA-4346-9330-03EF25016D70}" type="slidenum">
+              <a:rPr lang="nl-BE" sz="1600" smtClean="0"/>
+              <a:t>21</a:t>
             </a:fld>
             <a:endParaRPr lang="nl-BE" sz="1600" dirty="0"/>
           </a:p>
@@ -15513,7 +16504,7 @@
 </p:sld>
 </file>
 
-<file path=ppt/slides/slide21.xml><?xml version="1.0" encoding="utf-8"?>
+<file path=ppt/slides/slide22.xml><?xml version="1.0" encoding="utf-8"?>
 <p:sld xmlns:a="http://schemas.openxmlformats.org/drawingml/2006/main" xmlns:r="http://schemas.openxmlformats.org/officeDocument/2006/relationships" xmlns:p="http://schemas.openxmlformats.org/presentationml/2006/main">
   <p:cSld>
     <p:spTree>
@@ -15632,7 +16623,7 @@
           <a:p>
             <a:fld id="{535572C1-3FAA-4346-9330-03EF25016D70}" type="slidenum">
               <a:rPr lang="nl-BE" sz="1600" smtClean="0"/>
-              <a:t>21</a:t>
+              <a:t>22</a:t>
             </a:fld>
             <a:endParaRPr lang="nl-BE" sz="1600" dirty="0"/>
           </a:p>
